--- a/Paper/Figures/jacobi.pptx
+++ b/Paper/Figures/jacobi.pptx
@@ -338,11 +338,11 @@
           <c:showBubbleSize val="0"/>
         </c:dLbls>
         <c:gapWidth val="150"/>
-        <c:axId val="2083312488"/>
-        <c:axId val="2020988200"/>
+        <c:axId val="2100798888"/>
+        <c:axId val="2101236968"/>
       </c:barChart>
       <c:catAx>
-        <c:axId val="2083312488"/>
+        <c:axId val="2100798888"/>
         <c:scaling>
           <c:orientation val="minMax"/>
         </c:scaling>
@@ -370,7 +370,7 @@
         <c:majorTickMark val="out"/>
         <c:minorTickMark val="none"/>
         <c:tickLblPos val="nextTo"/>
-        <c:crossAx val="2020988200"/>
+        <c:crossAx val="2101236968"/>
         <c:crosses val="autoZero"/>
         <c:auto val="1"/>
         <c:lblAlgn val="ctr"/>
@@ -378,7 +378,7 @@
         <c:noMultiLvlLbl val="0"/>
       </c:catAx>
       <c:valAx>
-        <c:axId val="2020988200"/>
+        <c:axId val="2101236968"/>
         <c:scaling>
           <c:orientation val="minMax"/>
         </c:scaling>
@@ -413,7 +413,7 @@
         <c:majorTickMark val="out"/>
         <c:minorTickMark val="none"/>
         <c:tickLblPos val="nextTo"/>
-        <c:crossAx val="2083312488"/>
+        <c:crossAx val="2100798888"/>
         <c:crosses val="autoZero"/>
         <c:crossBetween val="between"/>
       </c:valAx>
@@ -657,11 +657,11 @@
           <c:showBubbleSize val="0"/>
         </c:dLbls>
         <c:gapWidth val="150"/>
-        <c:axId val="2088171128"/>
-        <c:axId val="2088119576"/>
+        <c:axId val="-2097686248"/>
+        <c:axId val="-2100746184"/>
       </c:barChart>
       <c:catAx>
-        <c:axId val="2088171128"/>
+        <c:axId val="-2097686248"/>
         <c:scaling>
           <c:orientation val="minMax"/>
         </c:scaling>
@@ -689,7 +689,7 @@
         <c:majorTickMark val="out"/>
         <c:minorTickMark val="none"/>
         <c:tickLblPos val="nextTo"/>
-        <c:crossAx val="2088119576"/>
+        <c:crossAx val="-2100746184"/>
         <c:crosses val="autoZero"/>
         <c:auto val="1"/>
         <c:lblAlgn val="ctr"/>
@@ -697,7 +697,7 @@
         <c:noMultiLvlLbl val="0"/>
       </c:catAx>
       <c:valAx>
-        <c:axId val="2088119576"/>
+        <c:axId val="-2100746184"/>
         <c:scaling>
           <c:orientation val="minMax"/>
         </c:scaling>
@@ -727,7 +727,7 @@
         <c:majorTickMark val="out"/>
         <c:minorTickMark val="none"/>
         <c:tickLblPos val="nextTo"/>
-        <c:crossAx val="2088171128"/>
+        <c:crossAx val="-2097686248"/>
         <c:crosses val="autoZero"/>
         <c:crossBetween val="between"/>
       </c:valAx>
@@ -863,11 +863,11 @@
           <c:showBubbleSize val="0"/>
         </c:dLbls>
         <c:gapWidth val="150"/>
-        <c:axId val="2106127496"/>
-        <c:axId val="2087978872"/>
+        <c:axId val="-2098240600"/>
+        <c:axId val="-2098378600"/>
       </c:barChart>
       <c:catAx>
-        <c:axId val="2106127496"/>
+        <c:axId val="-2098240600"/>
         <c:scaling>
           <c:orientation val="minMax"/>
         </c:scaling>
@@ -895,7 +895,7 @@
         <c:majorTickMark val="out"/>
         <c:minorTickMark val="none"/>
         <c:tickLblPos val="nextTo"/>
-        <c:crossAx val="2087978872"/>
+        <c:crossAx val="-2098378600"/>
         <c:crosses val="autoZero"/>
         <c:auto val="1"/>
         <c:lblAlgn val="ctr"/>
@@ -903,7 +903,7 @@
         <c:noMultiLvlLbl val="0"/>
       </c:catAx>
       <c:valAx>
-        <c:axId val="2087978872"/>
+        <c:axId val="-2098378600"/>
         <c:scaling>
           <c:orientation val="minMax"/>
         </c:scaling>
@@ -933,7 +933,7 @@
         <c:majorTickMark val="out"/>
         <c:minorTickMark val="none"/>
         <c:tickLblPos val="nextTo"/>
-        <c:crossAx val="2106127496"/>
+        <c:crossAx val="-2098240600"/>
         <c:crosses val="autoZero"/>
         <c:crossBetween val="between"/>
       </c:valAx>
@@ -1069,11 +1069,11 @@
           <c:showBubbleSize val="0"/>
         </c:dLbls>
         <c:gapWidth val="150"/>
-        <c:axId val="2084994440"/>
-        <c:axId val="2107048072"/>
+        <c:axId val="-2098791944"/>
+        <c:axId val="-2099095512"/>
       </c:barChart>
       <c:catAx>
-        <c:axId val="2084994440"/>
+        <c:axId val="-2098791944"/>
         <c:scaling>
           <c:orientation val="minMax"/>
         </c:scaling>
@@ -1101,7 +1101,7 @@
         <c:majorTickMark val="out"/>
         <c:minorTickMark val="none"/>
         <c:tickLblPos val="nextTo"/>
-        <c:crossAx val="2107048072"/>
+        <c:crossAx val="-2099095512"/>
         <c:crosses val="autoZero"/>
         <c:auto val="1"/>
         <c:lblAlgn val="ctr"/>
@@ -1109,7 +1109,7 @@
         <c:noMultiLvlLbl val="0"/>
       </c:catAx>
       <c:valAx>
-        <c:axId val="2107048072"/>
+        <c:axId val="-2099095512"/>
         <c:scaling>
           <c:orientation val="minMax"/>
         </c:scaling>
@@ -1144,7 +1144,7 @@
         <c:majorTickMark val="out"/>
         <c:minorTickMark val="none"/>
         <c:tickLblPos val="nextTo"/>
-        <c:crossAx val="2084994440"/>
+        <c:crossAx val="-2098791944"/>
         <c:crosses val="autoZero"/>
         <c:crossBetween val="between"/>
       </c:valAx>
@@ -1345,7 +1345,7 @@
           <a:p>
             <a:fld id="{13F94CF1-BEB0-E047-8412-243553DBA7FF}" type="datetimeFigureOut">
               <a:rPr lang="en-US" smtClean="0"/>
-              <a:t>4/24/14</a:t>
+              <a:t>5/20/14</a:t>
             </a:fld>
             <a:endParaRPr lang="en-US"/>
           </a:p>
@@ -1515,7 +1515,7 @@
           <a:p>
             <a:fld id="{13F94CF1-BEB0-E047-8412-243553DBA7FF}" type="datetimeFigureOut">
               <a:rPr lang="en-US" smtClean="0"/>
-              <a:t>4/24/14</a:t>
+              <a:t>5/20/14</a:t>
             </a:fld>
             <a:endParaRPr lang="en-US"/>
           </a:p>
@@ -1695,7 +1695,7 @@
           <a:p>
             <a:fld id="{13F94CF1-BEB0-E047-8412-243553DBA7FF}" type="datetimeFigureOut">
               <a:rPr lang="en-US" smtClean="0"/>
-              <a:t>4/24/14</a:t>
+              <a:t>5/20/14</a:t>
             </a:fld>
             <a:endParaRPr lang="en-US"/>
           </a:p>
@@ -1865,7 +1865,7 @@
           <a:p>
             <a:fld id="{13F94CF1-BEB0-E047-8412-243553DBA7FF}" type="datetimeFigureOut">
               <a:rPr lang="en-US" smtClean="0"/>
-              <a:t>4/24/14</a:t>
+              <a:t>5/20/14</a:t>
             </a:fld>
             <a:endParaRPr lang="en-US"/>
           </a:p>
@@ -2111,7 +2111,7 @@
           <a:p>
             <a:fld id="{13F94CF1-BEB0-E047-8412-243553DBA7FF}" type="datetimeFigureOut">
               <a:rPr lang="en-US" smtClean="0"/>
-              <a:t>4/24/14</a:t>
+              <a:t>5/20/14</a:t>
             </a:fld>
             <a:endParaRPr lang="en-US"/>
           </a:p>
@@ -2399,7 +2399,7 @@
           <a:p>
             <a:fld id="{13F94CF1-BEB0-E047-8412-243553DBA7FF}" type="datetimeFigureOut">
               <a:rPr lang="en-US" smtClean="0"/>
-              <a:t>4/24/14</a:t>
+              <a:t>5/20/14</a:t>
             </a:fld>
             <a:endParaRPr lang="en-US"/>
           </a:p>
@@ -2821,7 +2821,7 @@
           <a:p>
             <a:fld id="{13F94CF1-BEB0-E047-8412-243553DBA7FF}" type="datetimeFigureOut">
               <a:rPr lang="en-US" smtClean="0"/>
-              <a:t>4/24/14</a:t>
+              <a:t>5/20/14</a:t>
             </a:fld>
             <a:endParaRPr lang="en-US"/>
           </a:p>
@@ -2939,7 +2939,7 @@
           <a:p>
             <a:fld id="{13F94CF1-BEB0-E047-8412-243553DBA7FF}" type="datetimeFigureOut">
               <a:rPr lang="en-US" smtClean="0"/>
-              <a:t>4/24/14</a:t>
+              <a:t>5/20/14</a:t>
             </a:fld>
             <a:endParaRPr lang="en-US"/>
           </a:p>
@@ -3034,7 +3034,7 @@
           <a:p>
             <a:fld id="{13F94CF1-BEB0-E047-8412-243553DBA7FF}" type="datetimeFigureOut">
               <a:rPr lang="en-US" smtClean="0"/>
-              <a:t>4/24/14</a:t>
+              <a:t>5/20/14</a:t>
             </a:fld>
             <a:endParaRPr lang="en-US"/>
           </a:p>
@@ -3311,7 +3311,7 @@
           <a:p>
             <a:fld id="{13F94CF1-BEB0-E047-8412-243553DBA7FF}" type="datetimeFigureOut">
               <a:rPr lang="en-US" smtClean="0"/>
-              <a:t>4/24/14</a:t>
+              <a:t>5/20/14</a:t>
             </a:fld>
             <a:endParaRPr lang="en-US"/>
           </a:p>
@@ -3564,7 +3564,7 @@
           <a:p>
             <a:fld id="{13F94CF1-BEB0-E047-8412-243553DBA7FF}" type="datetimeFigureOut">
               <a:rPr lang="en-US" smtClean="0"/>
-              <a:t>4/24/14</a:t>
+              <a:t>5/20/14</a:t>
             </a:fld>
             <a:endParaRPr lang="en-US"/>
           </a:p>
@@ -3777,7 +3777,7 @@
           <a:p>
             <a:fld id="{13F94CF1-BEB0-E047-8412-243553DBA7FF}" type="datetimeFigureOut">
               <a:rPr lang="en-US" smtClean="0"/>
-              <a:t>4/24/14</a:t>
+              <a:t>5/20/14</a:t>
             </a:fld>
             <a:endParaRPr lang="en-US"/>
           </a:p>
@@ -4163,7 +4163,7 @@
         <p:spPr bwMode="auto">
           <a:xfrm>
             <a:off x="524435" y="608012"/>
-            <a:ext cx="6154271" cy="3754874"/>
+            <a:ext cx="6163748" cy="5355313"/>
           </a:xfrm>
           <a:prstGeom prst="rect">
             <a:avLst/>
@@ -4307,257 +4307,278 @@
           <a:p>
             <a:pPr eaLnBrk="1" hangingPunct="1"/>
             <a:r>
-              <a:rPr lang="en-US" sz="1400" dirty="0" err="1" smtClean="0"/>
+              <a:rPr lang="en-US" sz="1800" dirty="0" err="1" smtClean="0"/>
               <a:t>var</a:t>
             </a:r>
             <a:r>
-              <a:rPr lang="en-US" sz="1400" dirty="0" smtClean="0"/>
+              <a:rPr lang="en-US" sz="1800" dirty="0" smtClean="0"/>
               <a:t> </a:t>
             </a:r>
             <a:r>
-              <a:rPr lang="en-US" sz="1400" dirty="0" err="1" smtClean="0"/>
+              <a:rPr lang="en-US" sz="1800" dirty="0" err="1" smtClean="0"/>
               <a:t>dom</a:t>
             </a:r>
             <a:r>
-              <a:rPr lang="en-US" sz="1400" dirty="0" smtClean="0"/>
+              <a:rPr lang="en-US" sz="1800" dirty="0" smtClean="0"/>
               <a:t> = {1..8, 1..8};</a:t>
             </a:r>
           </a:p>
           <a:p>
             <a:pPr eaLnBrk="1" hangingPunct="1"/>
             <a:r>
-              <a:rPr lang="en-US" sz="1400" dirty="0" err="1"/>
+              <a:rPr lang="en-US" sz="1800" dirty="0" err="1"/>
               <a:t>v</a:t>
             </a:r>
             <a:r>
-              <a:rPr lang="en-US" sz="1400" dirty="0" err="1" smtClean="0"/>
+              <a:rPr lang="en-US" sz="1800" dirty="0" err="1" smtClean="0"/>
               <a:t>ar</a:t>
             </a:r>
             <a:r>
-              <a:rPr lang="en-US" sz="1400" dirty="0" smtClean="0"/>
+              <a:rPr lang="en-US" sz="1800" dirty="0" smtClean="0"/>
               <a:t> </a:t>
             </a:r>
             <a:r>
-              <a:rPr lang="en-US" sz="1400" dirty="0" err="1" smtClean="0"/>
+              <a:rPr lang="en-US" sz="1800" dirty="0" err="1" smtClean="0"/>
               <a:t>cycDist</a:t>
             </a:r>
             <a:r>
-              <a:rPr lang="en-US" sz="1400" dirty="0" smtClean="0"/>
+              <a:rPr lang="en-US" sz="1800" dirty="0" smtClean="0"/>
               <a:t> = </a:t>
             </a:r>
             <a:r>
-              <a:rPr lang="en-US" sz="1400" dirty="0" err="1" smtClean="0"/>
+              <a:rPr lang="en-US" sz="1800" dirty="0" err="1" smtClean="0"/>
               <a:t>dom</a:t>
             </a:r>
             <a:r>
-              <a:rPr lang="en-US" sz="1400" dirty="0" smtClean="0"/>
+              <a:rPr lang="en-US" sz="1800" dirty="0" smtClean="0"/>
               <a:t> </a:t>
             </a:r>
             <a:r>
-              <a:rPr lang="en-US" sz="1400" dirty="0" err="1" smtClean="0"/>
+              <a:rPr lang="en-US" sz="1800" dirty="0" err="1" smtClean="0"/>
               <a:t>dmapped</a:t>
             </a:r>
             <a:r>
-              <a:rPr lang="en-US" sz="1400" dirty="0" smtClean="0"/>
+              <a:rPr lang="en-US" sz="1800" dirty="0" smtClean="0"/>
               <a:t> Cyclic(</a:t>
             </a:r>
             <a:r>
-              <a:rPr lang="en-US" sz="1400" dirty="0" err="1" smtClean="0"/>
+              <a:rPr lang="en-US" sz="1800" dirty="0" err="1" smtClean="0"/>
               <a:t>startIdx</a:t>
             </a:r>
             <a:r>
-              <a:rPr lang="en-US" sz="1400" dirty="0" smtClean="0"/>
+              <a:rPr lang="en-US" sz="1800" dirty="0" smtClean="0"/>
               <a:t>=</a:t>
             </a:r>
             <a:r>
-              <a:rPr lang="en-US" sz="1400" dirty="0" err="1" smtClean="0"/>
+              <a:rPr lang="en-US" sz="1800" dirty="0" err="1" smtClean="0"/>
               <a:t>dom.low</a:t>
             </a:r>
             <a:r>
-              <a:rPr lang="en-US" sz="1400" dirty="0" smtClean="0"/>
-              <a:t>};</a:t>
+              <a:rPr lang="en-US" sz="1800" dirty="0" smtClean="0"/>
+              <a:t>}</a:t>
+            </a:r>
+            <a:r>
+              <a:rPr lang="en-US" sz="1800" dirty="0" smtClean="0"/>
+              <a:t>;</a:t>
             </a:r>
           </a:p>
           <a:p>
             <a:pPr eaLnBrk="1" hangingPunct="1"/>
-            <a:r>
-              <a:rPr lang="en-US" sz="1400" dirty="0" err="1" smtClean="0"/>
+            <a:endParaRPr lang="en-US" sz="1800" dirty="0" smtClean="0"/>
+          </a:p>
+          <a:p>
+            <a:pPr eaLnBrk="1" hangingPunct="1"/>
+            <a:r>
+              <a:rPr lang="en-US" sz="1800" dirty="0"/>
+              <a:t>//A and A</a:t>
+            </a:r>
+            <a:r>
+              <a:rPr lang="en-US" sz="1800" baseline="-25000" dirty="0"/>
+              <a:t>new</a:t>
+            </a:r>
+            <a:r>
+              <a:rPr lang="en-US" sz="1800" dirty="0"/>
+              <a:t> are 2D array distributed </a:t>
+            </a:r>
+            <a:r>
+              <a:rPr lang="en-US" sz="1800" dirty="0" smtClean="0"/>
+              <a:t>cyclically</a:t>
+            </a:r>
+            <a:endParaRPr lang="en-US" sz="1800" dirty="0" smtClean="0"/>
+          </a:p>
+          <a:p>
+            <a:pPr eaLnBrk="1" hangingPunct="1"/>
+            <a:r>
+              <a:rPr lang="en-US" sz="1800" dirty="0" err="1" smtClean="0"/>
               <a:t>var</a:t>
             </a:r>
             <a:r>
-              <a:rPr lang="en-US" sz="1400" dirty="0" smtClean="0"/>
+              <a:rPr lang="en-US" sz="1800" dirty="0" smtClean="0"/>
               <a:t> A,  A</a:t>
             </a:r>
             <a:r>
-              <a:rPr lang="en-US" sz="1400" baseline="-25000" dirty="0" smtClean="0"/>
+              <a:rPr lang="en-US" sz="1800" baseline="-25000" dirty="0" smtClean="0"/>
               <a:t>new</a:t>
             </a:r>
             <a:r>
-              <a:rPr lang="en-US" sz="1400" dirty="0" smtClean="0"/>
+              <a:rPr lang="en-US" sz="1800" dirty="0" smtClean="0"/>
               <a:t>: [</a:t>
             </a:r>
             <a:r>
-              <a:rPr lang="en-US" sz="1400" dirty="0" err="1" smtClean="0"/>
+              <a:rPr lang="en-US" sz="1800" dirty="0" err="1" smtClean="0"/>
               <a:t>cycDist</a:t>
             </a:r>
             <a:r>
-              <a:rPr lang="en-US" sz="1400" dirty="0" smtClean="0"/>
-              <a:t>] real;	//A and A</a:t>
-            </a:r>
-            <a:r>
-              <a:rPr lang="en-US" sz="1400" baseline="-25000" dirty="0" smtClean="0"/>
+              <a:rPr lang="en-US" sz="1800" dirty="0" smtClean="0"/>
+              <a:t>] real;	</a:t>
+            </a:r>
+            <a:endParaRPr lang="en-US" sz="1800" dirty="0" smtClean="0"/>
+          </a:p>
+          <a:p>
+            <a:pPr eaLnBrk="1" hangingPunct="1"/>
+            <a:endParaRPr lang="en-US" sz="1800" dirty="0" smtClean="0"/>
+          </a:p>
+          <a:p>
+            <a:pPr eaLnBrk="1" hangingPunct="1"/>
+            <a:r>
+              <a:rPr lang="en-US" sz="1800" dirty="0" smtClean="0"/>
+              <a:t>//set array elements on the boundary to 1.0</a:t>
+            </a:r>
+          </a:p>
+          <a:p>
+            <a:pPr eaLnBrk="1" hangingPunct="1"/>
+            <a:r>
+              <a:rPr lang="en-US" sz="1800" dirty="0" smtClean="0"/>
+              <a:t>A[1, 1..8] = 1.0;</a:t>
+            </a:r>
+          </a:p>
+          <a:p>
+            <a:pPr eaLnBrk="1" hangingPunct="1"/>
+            <a:r>
+              <a:rPr lang="en-US" sz="1800" dirty="0" smtClean="0"/>
+              <a:t>A[8, 1..8] = 1.0;</a:t>
+            </a:r>
+          </a:p>
+          <a:p>
+            <a:pPr eaLnBrk="1" hangingPunct="1"/>
+            <a:r>
+              <a:rPr lang="en-US" sz="1800" dirty="0" smtClean="0"/>
+              <a:t>A[1..8, 1] = 1.0;</a:t>
+            </a:r>
+          </a:p>
+          <a:p>
+            <a:pPr eaLnBrk="1" hangingPunct="1"/>
+            <a:r>
+              <a:rPr lang="en-US" sz="1800" dirty="0" smtClean="0"/>
+              <a:t>A[1..8, 8] = 1.0;</a:t>
+            </a:r>
+          </a:p>
+          <a:p>
+            <a:pPr eaLnBrk="1" hangingPunct="1"/>
+            <a:endParaRPr lang="en-US" sz="1800" dirty="0" smtClean="0"/>
+          </a:p>
+          <a:p>
+            <a:pPr eaLnBrk="1" hangingPunct="1"/>
+            <a:r>
+              <a:rPr lang="en-US" sz="1800" dirty="0" smtClean="0"/>
+              <a:t>//Jacobi relaxation pass</a:t>
+            </a:r>
+          </a:p>
+          <a:p>
+            <a:pPr eaLnBrk="1" hangingPunct="1"/>
+            <a:r>
+              <a:rPr lang="en-US" sz="1800" dirty="0" err="1" smtClean="0"/>
+              <a:t>forall</a:t>
+            </a:r>
+            <a:r>
+              <a:rPr lang="en-US" sz="1800" dirty="0" smtClean="0"/>
+              <a:t> </a:t>
+            </a:r>
+            <a:r>
+              <a:rPr lang="en-US" sz="1800" dirty="0"/>
+              <a:t>(</a:t>
+            </a:r>
+            <a:r>
+              <a:rPr lang="en-US" sz="1800" dirty="0" err="1"/>
+              <a:t>i,j</a:t>
+            </a:r>
+            <a:r>
+              <a:rPr lang="en-US" sz="1800" dirty="0"/>
+              <a:t>) in {2..7, 2..7} {</a:t>
+            </a:r>
+          </a:p>
+          <a:p>
+            <a:pPr eaLnBrk="1" hangingPunct="1"/>
+            <a:r>
+              <a:rPr lang="en-US" sz="1800" dirty="0"/>
+              <a:t>   A</a:t>
+            </a:r>
+            <a:r>
+              <a:rPr lang="en-US" sz="1800" baseline="-25000" dirty="0"/>
               <a:t>new</a:t>
             </a:r>
             <a:r>
-              <a:rPr lang="en-US" sz="1400" dirty="0" smtClean="0"/>
-              <a:t> are 2D array distributed cyclically</a:t>
+              <a:rPr lang="en-US" sz="1800" dirty="0"/>
+              <a:t>[</a:t>
+            </a:r>
+            <a:r>
+              <a:rPr lang="en-US" sz="1800" dirty="0" err="1"/>
+              <a:t>i,j</a:t>
+            </a:r>
+            <a:r>
+              <a:rPr lang="en-US" sz="1800" dirty="0"/>
+              <a:t>] = (A[i+1, j] + A[i-1, j] + A[</a:t>
+            </a:r>
+            <a:r>
+              <a:rPr lang="en-US" sz="1800" dirty="0" err="1"/>
+              <a:t>i</a:t>
+            </a:r>
+            <a:r>
+              <a:rPr lang="en-US" sz="1800" dirty="0"/>
+              <a:t>, j+1] + A[</a:t>
+            </a:r>
+            <a:r>
+              <a:rPr lang="en-US" sz="1800" dirty="0" err="1"/>
+              <a:t>i</a:t>
+            </a:r>
+            <a:r>
+              <a:rPr lang="en-US" sz="1800" dirty="0"/>
+              <a:t>, j-1])/4.0;</a:t>
             </a:r>
           </a:p>
           <a:p>
             <a:pPr eaLnBrk="1" hangingPunct="1"/>
-            <a:endParaRPr lang="en-US" sz="1400" dirty="0" smtClean="0"/>
+            <a:r>
+              <a:rPr lang="en-US" sz="1800" dirty="0" smtClean="0"/>
+              <a:t>}</a:t>
+            </a:r>
           </a:p>
           <a:p>
             <a:pPr eaLnBrk="1" hangingPunct="1"/>
-            <a:r>
-              <a:rPr lang="en-US" sz="1400" dirty="0" smtClean="0"/>
-              <a:t>//set array elements on the boundary to 1.0</a:t>
-            </a:r>
+            <a:endParaRPr lang="en-US" sz="1800" dirty="0"/>
           </a:p>
           <a:p>
             <a:pPr eaLnBrk="1" hangingPunct="1"/>
             <a:r>
-              <a:rPr lang="en-US" sz="1400" dirty="0" smtClean="0"/>
-              <a:t>A[1, 1..8] = 1.0;</a:t>
+              <a:rPr lang="en-US" sz="1800" dirty="0" smtClean="0"/>
+              <a:t>//update state of the system after the first relaxation pass</a:t>
             </a:r>
           </a:p>
           <a:p>
             <a:pPr eaLnBrk="1" hangingPunct="1"/>
             <a:r>
-              <a:rPr lang="en-US" sz="1400" dirty="0" smtClean="0"/>
-              <a:t>A[8, 1..8] = 1.0;</a:t>
-            </a:r>
-          </a:p>
-          <a:p>
-            <a:pPr eaLnBrk="1" hangingPunct="1"/>
-            <a:r>
-              <a:rPr lang="en-US" sz="1400" dirty="0" smtClean="0"/>
-              <a:t>A[1..8, 1] = 1.0;</a:t>
-            </a:r>
-          </a:p>
-          <a:p>
-            <a:pPr eaLnBrk="1" hangingPunct="1"/>
-            <a:r>
-              <a:rPr lang="en-US" sz="1400" dirty="0" smtClean="0"/>
-              <a:t>A[1..8, 8] = 1.0;</a:t>
-            </a:r>
-          </a:p>
-          <a:p>
-            <a:pPr eaLnBrk="1" hangingPunct="1"/>
-            <a:endParaRPr lang="en-US" sz="1400" dirty="0" smtClean="0"/>
-          </a:p>
-          <a:p>
-            <a:pPr eaLnBrk="1" hangingPunct="1"/>
-            <a:r>
-              <a:rPr lang="en-US" sz="1400" dirty="0" smtClean="0"/>
-              <a:t>//Jacobi relaxation pass</a:t>
-            </a:r>
-          </a:p>
-          <a:p>
-            <a:pPr eaLnBrk="1" hangingPunct="1"/>
-            <a:r>
-              <a:rPr lang="en-US" sz="1400" dirty="0" err="1" smtClean="0"/>
-              <a:t>forall</a:t>
-            </a:r>
-            <a:r>
-              <a:rPr lang="en-US" sz="1400" dirty="0" smtClean="0"/>
-              <a:t> </a:t>
-            </a:r>
-            <a:r>
-              <a:rPr lang="en-US" sz="1400" dirty="0"/>
-              <a:t>(</a:t>
-            </a:r>
-            <a:r>
-              <a:rPr lang="en-US" sz="1400" dirty="0" err="1"/>
-              <a:t>i,j</a:t>
-            </a:r>
-            <a:r>
-              <a:rPr lang="en-US" sz="1400" dirty="0"/>
-              <a:t>) in {2..7, 2..7} {</a:t>
-            </a:r>
-          </a:p>
-          <a:p>
-            <a:pPr eaLnBrk="1" hangingPunct="1"/>
-            <a:r>
-              <a:rPr lang="en-US" sz="1400" dirty="0"/>
-              <a:t>   A</a:t>
-            </a:r>
-            <a:r>
-              <a:rPr lang="en-US" sz="1400" baseline="-25000" dirty="0"/>
+              <a:rPr lang="en-US" sz="1800" dirty="0" smtClean="0"/>
+              <a:t>A[2..7, 2..7] =  A</a:t>
+            </a:r>
+            <a:r>
+              <a:rPr lang="en-US" sz="1800" baseline="-25000" dirty="0" smtClean="0"/>
               <a:t>new</a:t>
             </a:r>
             <a:r>
-              <a:rPr lang="en-US" sz="1400" dirty="0"/>
-              <a:t>[</a:t>
-            </a:r>
-            <a:r>
-              <a:rPr lang="en-US" sz="1400" dirty="0" err="1"/>
-              <a:t>i,j</a:t>
-            </a:r>
-            <a:r>
-              <a:rPr lang="en-US" sz="1400" dirty="0"/>
-              <a:t>] = (A[i+1, j] + A[i-1, j] + A[</a:t>
-            </a:r>
-            <a:r>
-              <a:rPr lang="en-US" sz="1400" dirty="0" err="1"/>
-              <a:t>i</a:t>
-            </a:r>
-            <a:r>
-              <a:rPr lang="en-US" sz="1400" dirty="0"/>
-              <a:t>, j+1] + A[</a:t>
-            </a:r>
-            <a:r>
-              <a:rPr lang="en-US" sz="1400" dirty="0" err="1"/>
-              <a:t>i</a:t>
-            </a:r>
-            <a:r>
-              <a:rPr lang="en-US" sz="1400" dirty="0"/>
-              <a:t>, j-1])/4.0;</a:t>
-            </a:r>
-          </a:p>
-          <a:p>
-            <a:pPr eaLnBrk="1" hangingPunct="1"/>
-            <a:r>
-              <a:rPr lang="en-US" sz="1400" dirty="0" smtClean="0"/>
-              <a:t>}</a:t>
-            </a:r>
-          </a:p>
-          <a:p>
-            <a:pPr eaLnBrk="1" hangingPunct="1"/>
-            <a:endParaRPr lang="en-US" sz="1400" dirty="0"/>
-          </a:p>
-          <a:p>
-            <a:pPr eaLnBrk="1" hangingPunct="1"/>
-            <a:r>
-              <a:rPr lang="en-US" sz="1400" dirty="0" smtClean="0"/>
-              <a:t>//update state of the system after the first relaxation pass</a:t>
-            </a:r>
-          </a:p>
-          <a:p>
-            <a:pPr eaLnBrk="1" hangingPunct="1"/>
-            <a:r>
-              <a:rPr lang="en-US" sz="1400" dirty="0" smtClean="0"/>
-              <a:t>A[2..7, 2..7] =  A</a:t>
-            </a:r>
-            <a:r>
-              <a:rPr lang="en-US" sz="1400" baseline="-25000" dirty="0" smtClean="0"/>
-              <a:t>new</a:t>
-            </a:r>
-            <a:r>
-              <a:rPr lang="en-US" sz="1400" dirty="0" smtClean="0"/>
+              <a:rPr lang="en-US" sz="1800" dirty="0" smtClean="0"/>
               <a:t>[2..7, 2..7]; </a:t>
             </a:r>
-            <a:endParaRPr lang="en-US" sz="1400" dirty="0"/>
+            <a:endParaRPr lang="en-US" sz="1800" dirty="0"/>
           </a:p>
         </p:txBody>
       </p:sp>
@@ -4797,13 +4818,8 @@
             <a:pPr eaLnBrk="1" hangingPunct="1"/>
             <a:r>
               <a:rPr lang="en-US" sz="1400" dirty="0" smtClean="0"/>
-              <a:t>//Jacobi relaxation </a:t>
-            </a:r>
-            <a:r>
-              <a:rPr lang="en-US" sz="1400" dirty="0" smtClean="0"/>
-              <a:t>pass</a:t>
-            </a:r>
-            <a:endParaRPr lang="en-US" sz="1400" dirty="0" smtClean="0"/>
+              <a:t>//Jacobi relaxation pass</a:t>
+            </a:r>
           </a:p>
           <a:p>
             <a:pPr eaLnBrk="1" hangingPunct="1"/>
@@ -4898,7 +4914,19 @@
             <a:pPr eaLnBrk="1" hangingPunct="1"/>
             <a:r>
               <a:rPr lang="en-US" sz="1400" dirty="0" smtClean="0"/>
-              <a:t>A</a:t>
+              <a:t>A[</a:t>
+            </a:r>
+            <a:r>
+              <a:rPr lang="en-US" sz="1400" dirty="0" err="1" smtClean="0"/>
+              <a:t>LoopSpace</a:t>
+            </a:r>
+            <a:r>
+              <a:rPr lang="en-US" sz="1400" dirty="0" smtClean="0"/>
+              <a:t>] =  A</a:t>
+            </a:r>
+            <a:r>
+              <a:rPr lang="en-US" sz="1400" baseline="-25000" dirty="0" smtClean="0"/>
+              <a:t>new</a:t>
             </a:r>
             <a:r>
               <a:rPr lang="en-US" sz="1400" dirty="0" smtClean="0"/>
@@ -4910,31 +4938,7 @@
             </a:r>
             <a:r>
               <a:rPr lang="en-US" sz="1400" dirty="0" smtClean="0"/>
-              <a:t>] </a:t>
-            </a:r>
-            <a:r>
-              <a:rPr lang="en-US" sz="1400" dirty="0" smtClean="0"/>
-              <a:t>=  A</a:t>
-            </a:r>
-            <a:r>
-              <a:rPr lang="en-US" sz="1400" baseline="-25000" dirty="0" smtClean="0"/>
-              <a:t>new</a:t>
-            </a:r>
-            <a:r>
-              <a:rPr lang="en-US" sz="1400" dirty="0" smtClean="0"/>
-              <a:t>[</a:t>
-            </a:r>
-            <a:r>
-              <a:rPr lang="en-US" sz="1400" dirty="0" err="1" smtClean="0"/>
-              <a:t>LoopSpace</a:t>
-            </a:r>
-            <a:r>
-              <a:rPr lang="en-US" sz="1400" dirty="0" smtClean="0"/>
-              <a:t>]</a:t>
-            </a:r>
-            <a:r>
-              <a:rPr lang="en-US" sz="1400" dirty="0" smtClean="0"/>
-              <a:t>; </a:t>
+              <a:t>]; </a:t>
             </a:r>
             <a:endParaRPr lang="en-US" sz="1400" dirty="0"/>
           </a:p>
@@ -5219,7 +5223,7 @@
         <p:spPr bwMode="auto">
           <a:xfrm>
             <a:off x="4572000" y="500393"/>
-            <a:ext cx="2362693" cy="2308324"/>
+            <a:ext cx="2362693" cy="1815882"/>
           </a:xfrm>
           <a:prstGeom prst="rect">
             <a:avLst/>
@@ -5369,23 +5373,12 @@
           </a:p>
           <a:p>
             <a:pPr eaLnBrk="1" hangingPunct="1"/>
-            <a:endParaRPr lang="en-US" sz="1600" dirty="0" smtClean="0"/>
+            <a:endParaRPr lang="en-US" sz="1600" dirty="0"/>
           </a:p>
           <a:p>
             <a:pPr eaLnBrk="1" hangingPunct="1"/>
             <a:r>
-              <a:rPr lang="en-US" sz="1600" dirty="0" smtClean="0"/>
-              <a:t>Output:</a:t>
-            </a:r>
-          </a:p>
-          <a:p>
-            <a:pPr eaLnBrk="1" hangingPunct="1"/>
-            <a:endParaRPr lang="en-US" sz="1600" dirty="0" smtClean="0"/>
-          </a:p>
-          <a:p>
-            <a:pPr eaLnBrk="1" hangingPunct="1"/>
-            <a:r>
-              <a:rPr lang="en-US" sz="1600" dirty="0" smtClean="0"/>
+              <a:rPr lang="en-US" sz="1600" smtClean="0"/>
               <a:t>Fibonacci </a:t>
             </a:r>
             <a:r>

--- a/Paper/Figures/jacobi.pptx
+++ b/Paper/Figures/jacobi.pptx
@@ -4,15 +4,21 @@
   <p:sldMasterIdLst>
     <p:sldMasterId id="2147483648" r:id="rId1"/>
   </p:sldMasterIdLst>
+  <p:notesMasterIdLst>
+    <p:notesMasterId r:id="rId13"/>
+  </p:notesMasterIdLst>
   <p:sldIdLst>
     <p:sldId id="256" r:id="rId2"/>
     <p:sldId id="257" r:id="rId3"/>
     <p:sldId id="258" r:id="rId4"/>
     <p:sldId id="259" r:id="rId5"/>
-    <p:sldId id="260" r:id="rId6"/>
-    <p:sldId id="261" r:id="rId7"/>
-    <p:sldId id="262" r:id="rId8"/>
-    <p:sldId id="263" r:id="rId9"/>
+    <p:sldId id="264" r:id="rId6"/>
+    <p:sldId id="265" r:id="rId7"/>
+    <p:sldId id="266" r:id="rId8"/>
+    <p:sldId id="260" r:id="rId9"/>
+    <p:sldId id="261" r:id="rId10"/>
+    <p:sldId id="262" r:id="rId11"/>
+    <p:sldId id="263" r:id="rId12"/>
   </p:sldIdLst>
   <p:sldSz cx="9144000" cy="6858000" type="screen4x3"/>
   <p:notesSz cx="6858000" cy="9144000"/>
@@ -338,11 +344,11 @@
           <c:showBubbleSize val="0"/>
         </c:dLbls>
         <c:gapWidth val="150"/>
-        <c:axId val="2100798888"/>
-        <c:axId val="2101236968"/>
+        <c:axId val="384944840"/>
+        <c:axId val="384950312"/>
       </c:barChart>
       <c:catAx>
-        <c:axId val="2100798888"/>
+        <c:axId val="384944840"/>
         <c:scaling>
           <c:orientation val="minMax"/>
         </c:scaling>
@@ -370,7 +376,7 @@
         <c:majorTickMark val="out"/>
         <c:minorTickMark val="none"/>
         <c:tickLblPos val="nextTo"/>
-        <c:crossAx val="2101236968"/>
+        <c:crossAx val="384950312"/>
         <c:crosses val="autoZero"/>
         <c:auto val="1"/>
         <c:lblAlgn val="ctr"/>
@@ -378,7 +384,7 @@
         <c:noMultiLvlLbl val="0"/>
       </c:catAx>
       <c:valAx>
-        <c:axId val="2101236968"/>
+        <c:axId val="384950312"/>
         <c:scaling>
           <c:orientation val="minMax"/>
         </c:scaling>
@@ -413,7 +419,7 @@
         <c:majorTickMark val="out"/>
         <c:minorTickMark val="none"/>
         <c:tickLblPos val="nextTo"/>
-        <c:crossAx val="2100798888"/>
+        <c:crossAx val="384944840"/>
         <c:crosses val="autoZero"/>
         <c:crossBetween val="between"/>
       </c:valAx>
@@ -657,11 +663,11 @@
           <c:showBubbleSize val="0"/>
         </c:dLbls>
         <c:gapWidth val="150"/>
-        <c:axId val="-2097686248"/>
-        <c:axId val="-2100746184"/>
+        <c:axId val="309552344"/>
+        <c:axId val="309546200"/>
       </c:barChart>
       <c:catAx>
-        <c:axId val="-2097686248"/>
+        <c:axId val="309552344"/>
         <c:scaling>
           <c:orientation val="minMax"/>
         </c:scaling>
@@ -689,7 +695,7 @@
         <c:majorTickMark val="out"/>
         <c:minorTickMark val="none"/>
         <c:tickLblPos val="nextTo"/>
-        <c:crossAx val="-2100746184"/>
+        <c:crossAx val="309546200"/>
         <c:crosses val="autoZero"/>
         <c:auto val="1"/>
         <c:lblAlgn val="ctr"/>
@@ -697,7 +703,7 @@
         <c:noMultiLvlLbl val="0"/>
       </c:catAx>
       <c:valAx>
-        <c:axId val="-2100746184"/>
+        <c:axId val="309546200"/>
         <c:scaling>
           <c:orientation val="minMax"/>
         </c:scaling>
@@ -727,7 +733,7 @@
         <c:majorTickMark val="out"/>
         <c:minorTickMark val="none"/>
         <c:tickLblPos val="nextTo"/>
-        <c:crossAx val="-2097686248"/>
+        <c:crossAx val="309552344"/>
         <c:crosses val="autoZero"/>
         <c:crossBetween val="between"/>
       </c:valAx>
@@ -863,11 +869,11 @@
           <c:showBubbleSize val="0"/>
         </c:dLbls>
         <c:gapWidth val="150"/>
-        <c:axId val="-2098240600"/>
-        <c:axId val="-2098378600"/>
+        <c:axId val="310332280"/>
+        <c:axId val="310342584"/>
       </c:barChart>
       <c:catAx>
-        <c:axId val="-2098240600"/>
+        <c:axId val="310332280"/>
         <c:scaling>
           <c:orientation val="minMax"/>
         </c:scaling>
@@ -895,7 +901,7 @@
         <c:majorTickMark val="out"/>
         <c:minorTickMark val="none"/>
         <c:tickLblPos val="nextTo"/>
-        <c:crossAx val="-2098378600"/>
+        <c:crossAx val="310342584"/>
         <c:crosses val="autoZero"/>
         <c:auto val="1"/>
         <c:lblAlgn val="ctr"/>
@@ -903,7 +909,7 @@
         <c:noMultiLvlLbl val="0"/>
       </c:catAx>
       <c:valAx>
-        <c:axId val="-2098378600"/>
+        <c:axId val="310342584"/>
         <c:scaling>
           <c:orientation val="minMax"/>
         </c:scaling>
@@ -933,7 +939,7 @@
         <c:majorTickMark val="out"/>
         <c:minorTickMark val="none"/>
         <c:tickLblPos val="nextTo"/>
-        <c:crossAx val="-2098240600"/>
+        <c:crossAx val="310332280"/>
         <c:crosses val="autoZero"/>
         <c:crossBetween val="between"/>
       </c:valAx>
@@ -1069,11 +1075,11 @@
           <c:showBubbleSize val="0"/>
         </c:dLbls>
         <c:gapWidth val="150"/>
-        <c:axId val="-2098791944"/>
-        <c:axId val="-2099095512"/>
+        <c:axId val="385052392"/>
+        <c:axId val="408358792"/>
       </c:barChart>
       <c:catAx>
-        <c:axId val="-2098791944"/>
+        <c:axId val="385052392"/>
         <c:scaling>
           <c:orientation val="minMax"/>
         </c:scaling>
@@ -1101,7 +1107,7 @@
         <c:majorTickMark val="out"/>
         <c:minorTickMark val="none"/>
         <c:tickLblPos val="nextTo"/>
-        <c:crossAx val="-2099095512"/>
+        <c:crossAx val="408358792"/>
         <c:crosses val="autoZero"/>
         <c:auto val="1"/>
         <c:lblAlgn val="ctr"/>
@@ -1109,7 +1115,7 @@
         <c:noMultiLvlLbl val="0"/>
       </c:catAx>
       <c:valAx>
-        <c:axId val="-2099095512"/>
+        <c:axId val="408358792"/>
         <c:scaling>
           <c:orientation val="minMax"/>
         </c:scaling>
@@ -1144,7 +1150,7 @@
         <c:majorTickMark val="out"/>
         <c:minorTickMark val="none"/>
         <c:tickLblPos val="nextTo"/>
-        <c:crossAx val="-2098791944"/>
+        <c:crossAx val="385052392"/>
         <c:crosses val="autoZero"/>
         <c:crossBetween val="between"/>
       </c:valAx>
@@ -1162,6 +1168,524 @@
     <c:autoUpdate val="0"/>
   </c:externalData>
 </c:chartSpace>
+</file>
+
+<file path=ppt/notesMasters/notesMaster1.xml><?xml version="1.0" encoding="utf-8"?>
+<p:notesMaster xmlns:a="http://schemas.openxmlformats.org/drawingml/2006/main" xmlns:r="http://schemas.openxmlformats.org/officeDocument/2006/relationships" xmlns:p="http://schemas.openxmlformats.org/presentationml/2006/main">
+  <p:cSld>
+    <p:bg>
+      <p:bgRef idx="1001">
+        <a:schemeClr val="bg1"/>
+      </p:bgRef>
+    </p:bg>
+    <p:spTree>
+      <p:nvGrpSpPr>
+        <p:cNvPr id="1" name=""/>
+        <p:cNvGrpSpPr/>
+        <p:nvPr/>
+      </p:nvGrpSpPr>
+      <p:grpSpPr>
+        <a:xfrm>
+          <a:off x="0" y="0"/>
+          <a:ext cx="0" cy="0"/>
+          <a:chOff x="0" y="0"/>
+          <a:chExt cx="0" cy="0"/>
+        </a:xfrm>
+      </p:grpSpPr>
+      <p:sp>
+        <p:nvSpPr>
+          <p:cNvPr id="2" name="Header Placeholder 1"/>
+          <p:cNvSpPr>
+            <a:spLocks noGrp="1"/>
+          </p:cNvSpPr>
+          <p:nvPr>
+            <p:ph type="hdr" sz="quarter"/>
+          </p:nvPr>
+        </p:nvSpPr>
+        <p:spPr>
+          <a:xfrm>
+            <a:off x="0" y="0"/>
+            <a:ext cx="2971800" cy="457200"/>
+          </a:xfrm>
+          <a:prstGeom prst="rect">
+            <a:avLst/>
+          </a:prstGeom>
+        </p:spPr>
+        <p:txBody>
+          <a:bodyPr vert="horz" lIns="91440" tIns="45720" rIns="91440" bIns="45720" rtlCol="0"/>
+          <a:lstStyle>
+            <a:lvl1pPr algn="l">
+              <a:defRPr sz="1200"/>
+            </a:lvl1pPr>
+          </a:lstStyle>
+          <a:p>
+            <a:endParaRPr lang="en-US"/>
+          </a:p>
+        </p:txBody>
+      </p:sp>
+      <p:sp>
+        <p:nvSpPr>
+          <p:cNvPr id="3" name="Date Placeholder 2"/>
+          <p:cNvSpPr>
+            <a:spLocks noGrp="1"/>
+          </p:cNvSpPr>
+          <p:nvPr>
+            <p:ph type="dt" idx="1"/>
+          </p:nvPr>
+        </p:nvSpPr>
+        <p:spPr>
+          <a:xfrm>
+            <a:off x="3884613" y="0"/>
+            <a:ext cx="2971800" cy="457200"/>
+          </a:xfrm>
+          <a:prstGeom prst="rect">
+            <a:avLst/>
+          </a:prstGeom>
+        </p:spPr>
+        <p:txBody>
+          <a:bodyPr vert="horz" lIns="91440" tIns="45720" rIns="91440" bIns="45720" rtlCol="0"/>
+          <a:lstStyle>
+            <a:lvl1pPr algn="r">
+              <a:defRPr sz="1200"/>
+            </a:lvl1pPr>
+          </a:lstStyle>
+          <a:p>
+            <a:fld id="{89999A4E-EEDA-9343-8EEA-EBAD6E406F9E}" type="datetimeFigureOut">
+              <a:rPr lang="en-US" smtClean="0"/>
+              <a:t>7/24/14</a:t>
+            </a:fld>
+            <a:endParaRPr lang="en-US"/>
+          </a:p>
+        </p:txBody>
+      </p:sp>
+      <p:sp>
+        <p:nvSpPr>
+          <p:cNvPr id="4" name="Slide Image Placeholder 3"/>
+          <p:cNvSpPr>
+            <a:spLocks noGrp="1" noRot="1" noChangeAspect="1"/>
+          </p:cNvSpPr>
+          <p:nvPr>
+            <p:ph type="sldImg" idx="2"/>
+          </p:nvPr>
+        </p:nvSpPr>
+        <p:spPr>
+          <a:xfrm>
+            <a:off x="1143000" y="685800"/>
+            <a:ext cx="4572000" cy="3429000"/>
+          </a:xfrm>
+          <a:prstGeom prst="rect">
+            <a:avLst/>
+          </a:prstGeom>
+          <a:noFill/>
+          <a:ln w="12700">
+            <a:solidFill>
+              <a:prstClr val="black"/>
+            </a:solidFill>
+          </a:ln>
+        </p:spPr>
+        <p:txBody>
+          <a:bodyPr vert="horz" lIns="91440" tIns="45720" rIns="91440" bIns="45720" rtlCol="0" anchor="ctr"/>
+          <a:lstStyle/>
+          <a:p>
+            <a:endParaRPr lang="en-US"/>
+          </a:p>
+        </p:txBody>
+      </p:sp>
+      <p:sp>
+        <p:nvSpPr>
+          <p:cNvPr id="5" name="Notes Placeholder 4"/>
+          <p:cNvSpPr>
+            <a:spLocks noGrp="1"/>
+          </p:cNvSpPr>
+          <p:nvPr>
+            <p:ph type="body" sz="quarter" idx="3"/>
+          </p:nvPr>
+        </p:nvSpPr>
+        <p:spPr>
+          <a:xfrm>
+            <a:off x="685800" y="4343400"/>
+            <a:ext cx="5486400" cy="4114800"/>
+          </a:xfrm>
+          <a:prstGeom prst="rect">
+            <a:avLst/>
+          </a:prstGeom>
+        </p:spPr>
+        <p:txBody>
+          <a:bodyPr vert="horz" lIns="91440" tIns="45720" rIns="91440" bIns="45720" rtlCol="0"/>
+          <a:lstStyle/>
+          <a:p>
+            <a:pPr lvl="0"/>
+            <a:r>
+              <a:rPr lang="en-US" smtClean="0"/>
+              <a:t>Click to edit Master text styles</a:t>
+            </a:r>
+          </a:p>
+          <a:p>
+            <a:pPr lvl="1"/>
+            <a:r>
+              <a:rPr lang="en-US" smtClean="0"/>
+              <a:t>Second level</a:t>
+            </a:r>
+          </a:p>
+          <a:p>
+            <a:pPr lvl="2"/>
+            <a:r>
+              <a:rPr lang="en-US" smtClean="0"/>
+              <a:t>Third level</a:t>
+            </a:r>
+          </a:p>
+          <a:p>
+            <a:pPr lvl="3"/>
+            <a:r>
+              <a:rPr lang="en-US" smtClean="0"/>
+              <a:t>Fourth level</a:t>
+            </a:r>
+          </a:p>
+          <a:p>
+            <a:pPr lvl="4"/>
+            <a:r>
+              <a:rPr lang="en-US" smtClean="0"/>
+              <a:t>Fifth level</a:t>
+            </a:r>
+            <a:endParaRPr lang="en-US"/>
+          </a:p>
+        </p:txBody>
+      </p:sp>
+      <p:sp>
+        <p:nvSpPr>
+          <p:cNvPr id="6" name="Footer Placeholder 5"/>
+          <p:cNvSpPr>
+            <a:spLocks noGrp="1"/>
+          </p:cNvSpPr>
+          <p:nvPr>
+            <p:ph type="ftr" sz="quarter" idx="4"/>
+          </p:nvPr>
+        </p:nvSpPr>
+        <p:spPr>
+          <a:xfrm>
+            <a:off x="0" y="8685213"/>
+            <a:ext cx="2971800" cy="457200"/>
+          </a:xfrm>
+          <a:prstGeom prst="rect">
+            <a:avLst/>
+          </a:prstGeom>
+        </p:spPr>
+        <p:txBody>
+          <a:bodyPr vert="horz" lIns="91440" tIns="45720" rIns="91440" bIns="45720" rtlCol="0" anchor="b"/>
+          <a:lstStyle>
+            <a:lvl1pPr algn="l">
+              <a:defRPr sz="1200"/>
+            </a:lvl1pPr>
+          </a:lstStyle>
+          <a:p>
+            <a:endParaRPr lang="en-US"/>
+          </a:p>
+        </p:txBody>
+      </p:sp>
+      <p:sp>
+        <p:nvSpPr>
+          <p:cNvPr id="7" name="Slide Number Placeholder 6"/>
+          <p:cNvSpPr>
+            <a:spLocks noGrp="1"/>
+          </p:cNvSpPr>
+          <p:nvPr>
+            <p:ph type="sldNum" sz="quarter" idx="5"/>
+          </p:nvPr>
+        </p:nvSpPr>
+        <p:spPr>
+          <a:xfrm>
+            <a:off x="3884613" y="8685213"/>
+            <a:ext cx="2971800" cy="457200"/>
+          </a:xfrm>
+          <a:prstGeom prst="rect">
+            <a:avLst/>
+          </a:prstGeom>
+        </p:spPr>
+        <p:txBody>
+          <a:bodyPr vert="horz" lIns="91440" tIns="45720" rIns="91440" bIns="45720" rtlCol="0" anchor="b"/>
+          <a:lstStyle>
+            <a:lvl1pPr algn="r">
+              <a:defRPr sz="1200"/>
+            </a:lvl1pPr>
+          </a:lstStyle>
+          <a:p>
+            <a:fld id="{9B86081F-6902-7C42-B227-2109B8C94897}" type="slidenum">
+              <a:rPr lang="en-US" smtClean="0"/>
+              <a:t>‹#›</a:t>
+            </a:fld>
+            <a:endParaRPr lang="en-US"/>
+          </a:p>
+        </p:txBody>
+      </p:sp>
+    </p:spTree>
+    <p:extLst>
+      <p:ext uri="{BB962C8B-B14F-4D97-AF65-F5344CB8AC3E}">
+        <p14:creationId xmlns:p14="http://schemas.microsoft.com/office/powerpoint/2010/main" val="999593376"/>
+      </p:ext>
+    </p:extLst>
+  </p:cSld>
+  <p:clrMap bg1="lt1" tx1="dk1" bg2="lt2" tx2="dk2" accent1="accent1" accent2="accent2" accent3="accent3" accent4="accent4" accent5="accent5" accent6="accent6" hlink="hlink" folHlink="folHlink"/>
+  <p:notesStyle>
+    <a:lvl1pPr marL="0" algn="l" defTabSz="457200" rtl="0" eaLnBrk="1" latinLnBrk="0" hangingPunct="1">
+      <a:defRPr sz="1200" kern="1200">
+        <a:solidFill>
+          <a:schemeClr val="tx1"/>
+        </a:solidFill>
+        <a:latin typeface="+mn-lt"/>
+        <a:ea typeface="+mn-ea"/>
+        <a:cs typeface="+mn-cs"/>
+      </a:defRPr>
+    </a:lvl1pPr>
+    <a:lvl2pPr marL="457200" algn="l" defTabSz="457200" rtl="0" eaLnBrk="1" latinLnBrk="0" hangingPunct="1">
+      <a:defRPr sz="1200" kern="1200">
+        <a:solidFill>
+          <a:schemeClr val="tx1"/>
+        </a:solidFill>
+        <a:latin typeface="+mn-lt"/>
+        <a:ea typeface="+mn-ea"/>
+        <a:cs typeface="+mn-cs"/>
+      </a:defRPr>
+    </a:lvl2pPr>
+    <a:lvl3pPr marL="914400" algn="l" defTabSz="457200" rtl="0" eaLnBrk="1" latinLnBrk="0" hangingPunct="1">
+      <a:defRPr sz="1200" kern="1200">
+        <a:solidFill>
+          <a:schemeClr val="tx1"/>
+        </a:solidFill>
+        <a:latin typeface="+mn-lt"/>
+        <a:ea typeface="+mn-ea"/>
+        <a:cs typeface="+mn-cs"/>
+      </a:defRPr>
+    </a:lvl3pPr>
+    <a:lvl4pPr marL="1371600" algn="l" defTabSz="457200" rtl="0" eaLnBrk="1" latinLnBrk="0" hangingPunct="1">
+      <a:defRPr sz="1200" kern="1200">
+        <a:solidFill>
+          <a:schemeClr val="tx1"/>
+        </a:solidFill>
+        <a:latin typeface="+mn-lt"/>
+        <a:ea typeface="+mn-ea"/>
+        <a:cs typeface="+mn-cs"/>
+      </a:defRPr>
+    </a:lvl4pPr>
+    <a:lvl5pPr marL="1828800" algn="l" defTabSz="457200" rtl="0" eaLnBrk="1" latinLnBrk="0" hangingPunct="1">
+      <a:defRPr sz="1200" kern="1200">
+        <a:solidFill>
+          <a:schemeClr val="tx1"/>
+        </a:solidFill>
+        <a:latin typeface="+mn-lt"/>
+        <a:ea typeface="+mn-ea"/>
+        <a:cs typeface="+mn-cs"/>
+      </a:defRPr>
+    </a:lvl5pPr>
+    <a:lvl6pPr marL="2286000" algn="l" defTabSz="457200" rtl="0" eaLnBrk="1" latinLnBrk="0" hangingPunct="1">
+      <a:defRPr sz="1200" kern="1200">
+        <a:solidFill>
+          <a:schemeClr val="tx1"/>
+        </a:solidFill>
+        <a:latin typeface="+mn-lt"/>
+        <a:ea typeface="+mn-ea"/>
+        <a:cs typeface="+mn-cs"/>
+      </a:defRPr>
+    </a:lvl6pPr>
+    <a:lvl7pPr marL="2743200" algn="l" defTabSz="457200" rtl="0" eaLnBrk="1" latinLnBrk="0" hangingPunct="1">
+      <a:defRPr sz="1200" kern="1200">
+        <a:solidFill>
+          <a:schemeClr val="tx1"/>
+        </a:solidFill>
+        <a:latin typeface="+mn-lt"/>
+        <a:ea typeface="+mn-ea"/>
+        <a:cs typeface="+mn-cs"/>
+      </a:defRPr>
+    </a:lvl7pPr>
+    <a:lvl8pPr marL="3200400" algn="l" defTabSz="457200" rtl="0" eaLnBrk="1" latinLnBrk="0" hangingPunct="1">
+      <a:defRPr sz="1200" kern="1200">
+        <a:solidFill>
+          <a:schemeClr val="tx1"/>
+        </a:solidFill>
+        <a:latin typeface="+mn-lt"/>
+        <a:ea typeface="+mn-ea"/>
+        <a:cs typeface="+mn-cs"/>
+      </a:defRPr>
+    </a:lvl8pPr>
+    <a:lvl9pPr marL="3657600" algn="l" defTabSz="457200" rtl="0" eaLnBrk="1" latinLnBrk="0" hangingPunct="1">
+      <a:defRPr sz="1200" kern="1200">
+        <a:solidFill>
+          <a:schemeClr val="tx1"/>
+        </a:solidFill>
+        <a:latin typeface="+mn-lt"/>
+        <a:ea typeface="+mn-ea"/>
+        <a:cs typeface="+mn-cs"/>
+      </a:defRPr>
+    </a:lvl9pPr>
+  </p:notesStyle>
+</p:notesMaster>
+</file>
+
+<file path=ppt/notesSlides/notesSlide1.xml><?xml version="1.0" encoding="utf-8"?>
+<p:notes xmlns:a="http://schemas.openxmlformats.org/drawingml/2006/main" xmlns:r="http://schemas.openxmlformats.org/officeDocument/2006/relationships" xmlns:p="http://schemas.openxmlformats.org/presentationml/2006/main">
+  <p:cSld>
+    <p:spTree>
+      <p:nvGrpSpPr>
+        <p:cNvPr id="1" name=""/>
+        <p:cNvGrpSpPr/>
+        <p:nvPr/>
+      </p:nvGrpSpPr>
+      <p:grpSpPr>
+        <a:xfrm>
+          <a:off x="0" y="0"/>
+          <a:ext cx="0" cy="0"/>
+          <a:chOff x="0" y="0"/>
+          <a:chExt cx="0" cy="0"/>
+        </a:xfrm>
+      </p:grpSpPr>
+      <p:sp>
+        <p:nvSpPr>
+          <p:cNvPr id="2" name="Slide Image Placeholder 1"/>
+          <p:cNvSpPr>
+            <a:spLocks noGrp="1" noRot="1" noChangeAspect="1"/>
+          </p:cNvSpPr>
+          <p:nvPr>
+            <p:ph type="sldImg"/>
+          </p:nvPr>
+        </p:nvSpPr>
+        <p:spPr/>
+      </p:sp>
+      <p:sp>
+        <p:nvSpPr>
+          <p:cNvPr id="3" name="Notes Placeholder 2"/>
+          <p:cNvSpPr>
+            <a:spLocks noGrp="1"/>
+          </p:cNvSpPr>
+          <p:nvPr>
+            <p:ph type="body" idx="1"/>
+          </p:nvPr>
+        </p:nvSpPr>
+        <p:spPr/>
+        <p:txBody>
+          <a:bodyPr/>
+          <a:lstStyle/>
+          <a:p>
+            <a:endParaRPr lang="en-US" dirty="0"/>
+          </a:p>
+        </p:txBody>
+      </p:sp>
+      <p:sp>
+        <p:nvSpPr>
+          <p:cNvPr id="4" name="Slide Number Placeholder 3"/>
+          <p:cNvSpPr>
+            <a:spLocks noGrp="1"/>
+          </p:cNvSpPr>
+          <p:nvPr>
+            <p:ph type="sldNum" sz="quarter" idx="10"/>
+          </p:nvPr>
+        </p:nvSpPr>
+        <p:spPr/>
+        <p:txBody>
+          <a:bodyPr/>
+          <a:lstStyle/>
+          <a:p>
+            <a:fld id="{9B86081F-6902-7C42-B227-2109B8C94897}" type="slidenum">
+              <a:rPr lang="en-US" smtClean="0"/>
+              <a:t>6</a:t>
+            </a:fld>
+            <a:endParaRPr lang="en-US"/>
+          </a:p>
+        </p:txBody>
+      </p:sp>
+    </p:spTree>
+    <p:extLst>
+      <p:ext uri="{BB962C8B-B14F-4D97-AF65-F5344CB8AC3E}">
+        <p14:creationId xmlns:p14="http://schemas.microsoft.com/office/powerpoint/2010/main" val="2875812193"/>
+      </p:ext>
+    </p:extLst>
+  </p:cSld>
+  <p:clrMapOvr>
+    <a:masterClrMapping/>
+  </p:clrMapOvr>
+</p:notes>
+</file>
+
+<file path=ppt/notesSlides/notesSlide2.xml><?xml version="1.0" encoding="utf-8"?>
+<p:notes xmlns:a="http://schemas.openxmlformats.org/drawingml/2006/main" xmlns:r="http://schemas.openxmlformats.org/officeDocument/2006/relationships" xmlns:p="http://schemas.openxmlformats.org/presentationml/2006/main">
+  <p:cSld>
+    <p:spTree>
+      <p:nvGrpSpPr>
+        <p:cNvPr id="1" name=""/>
+        <p:cNvGrpSpPr/>
+        <p:nvPr/>
+      </p:nvGrpSpPr>
+      <p:grpSpPr>
+        <a:xfrm>
+          <a:off x="0" y="0"/>
+          <a:ext cx="0" cy="0"/>
+          <a:chOff x="0" y="0"/>
+          <a:chExt cx="0" cy="0"/>
+        </a:xfrm>
+      </p:grpSpPr>
+      <p:sp>
+        <p:nvSpPr>
+          <p:cNvPr id="2" name="Slide Image Placeholder 1"/>
+          <p:cNvSpPr>
+            <a:spLocks noGrp="1" noRot="1" noChangeAspect="1"/>
+          </p:cNvSpPr>
+          <p:nvPr>
+            <p:ph type="sldImg"/>
+          </p:nvPr>
+        </p:nvSpPr>
+        <p:spPr/>
+      </p:sp>
+      <p:sp>
+        <p:nvSpPr>
+          <p:cNvPr id="3" name="Notes Placeholder 2"/>
+          <p:cNvSpPr>
+            <a:spLocks noGrp="1"/>
+          </p:cNvSpPr>
+          <p:nvPr>
+            <p:ph type="body" idx="1"/>
+          </p:nvPr>
+        </p:nvSpPr>
+        <p:spPr/>
+        <p:txBody>
+          <a:bodyPr/>
+          <a:lstStyle/>
+          <a:p>
+            <a:endParaRPr lang="en-US" dirty="0"/>
+          </a:p>
+        </p:txBody>
+      </p:sp>
+      <p:sp>
+        <p:nvSpPr>
+          <p:cNvPr id="4" name="Slide Number Placeholder 3"/>
+          <p:cNvSpPr>
+            <a:spLocks noGrp="1"/>
+          </p:cNvSpPr>
+          <p:nvPr>
+            <p:ph type="sldNum" sz="quarter" idx="10"/>
+          </p:nvPr>
+        </p:nvSpPr>
+        <p:spPr/>
+        <p:txBody>
+          <a:bodyPr/>
+          <a:lstStyle/>
+          <a:p>
+            <a:fld id="{9B86081F-6902-7C42-B227-2109B8C94897}" type="slidenum">
+              <a:rPr lang="en-US" smtClean="0"/>
+              <a:t>7</a:t>
+            </a:fld>
+            <a:endParaRPr lang="en-US"/>
+          </a:p>
+        </p:txBody>
+      </p:sp>
+    </p:spTree>
+    <p:extLst>
+      <p:ext uri="{BB962C8B-B14F-4D97-AF65-F5344CB8AC3E}">
+        <p14:creationId xmlns:p14="http://schemas.microsoft.com/office/powerpoint/2010/main" val="2875812193"/>
+      </p:ext>
+    </p:extLst>
+  </p:cSld>
+  <p:clrMapOvr>
+    <a:masterClrMapping/>
+  </p:clrMapOvr>
+</p:notes>
 </file>
 
 <file path=ppt/slideLayouts/slideLayout1.xml><?xml version="1.0" encoding="utf-8"?>
@@ -1345,7 +1869,7 @@
           <a:p>
             <a:fld id="{13F94CF1-BEB0-E047-8412-243553DBA7FF}" type="datetimeFigureOut">
               <a:rPr lang="en-US" smtClean="0"/>
-              <a:t>5/20/14</a:t>
+              <a:t>7/24/14</a:t>
             </a:fld>
             <a:endParaRPr lang="en-US"/>
           </a:p>
@@ -1515,7 +2039,7 @@
           <a:p>
             <a:fld id="{13F94CF1-BEB0-E047-8412-243553DBA7FF}" type="datetimeFigureOut">
               <a:rPr lang="en-US" smtClean="0"/>
-              <a:t>5/20/14</a:t>
+              <a:t>7/24/14</a:t>
             </a:fld>
             <a:endParaRPr lang="en-US"/>
           </a:p>
@@ -1695,7 +2219,7 @@
           <a:p>
             <a:fld id="{13F94CF1-BEB0-E047-8412-243553DBA7FF}" type="datetimeFigureOut">
               <a:rPr lang="en-US" smtClean="0"/>
-              <a:t>5/20/14</a:t>
+              <a:t>7/24/14</a:t>
             </a:fld>
             <a:endParaRPr lang="en-US"/>
           </a:p>
@@ -1865,7 +2389,7 @@
           <a:p>
             <a:fld id="{13F94CF1-BEB0-E047-8412-243553DBA7FF}" type="datetimeFigureOut">
               <a:rPr lang="en-US" smtClean="0"/>
-              <a:t>5/20/14</a:t>
+              <a:t>7/24/14</a:t>
             </a:fld>
             <a:endParaRPr lang="en-US"/>
           </a:p>
@@ -2111,7 +2635,7 @@
           <a:p>
             <a:fld id="{13F94CF1-BEB0-E047-8412-243553DBA7FF}" type="datetimeFigureOut">
               <a:rPr lang="en-US" smtClean="0"/>
-              <a:t>5/20/14</a:t>
+              <a:t>7/24/14</a:t>
             </a:fld>
             <a:endParaRPr lang="en-US"/>
           </a:p>
@@ -2399,7 +2923,7 @@
           <a:p>
             <a:fld id="{13F94CF1-BEB0-E047-8412-243553DBA7FF}" type="datetimeFigureOut">
               <a:rPr lang="en-US" smtClean="0"/>
-              <a:t>5/20/14</a:t>
+              <a:t>7/24/14</a:t>
             </a:fld>
             <a:endParaRPr lang="en-US"/>
           </a:p>
@@ -2821,7 +3345,7 @@
           <a:p>
             <a:fld id="{13F94CF1-BEB0-E047-8412-243553DBA7FF}" type="datetimeFigureOut">
               <a:rPr lang="en-US" smtClean="0"/>
-              <a:t>5/20/14</a:t>
+              <a:t>7/24/14</a:t>
             </a:fld>
             <a:endParaRPr lang="en-US"/>
           </a:p>
@@ -2939,7 +3463,7 @@
           <a:p>
             <a:fld id="{13F94CF1-BEB0-E047-8412-243553DBA7FF}" type="datetimeFigureOut">
               <a:rPr lang="en-US" smtClean="0"/>
-              <a:t>5/20/14</a:t>
+              <a:t>7/24/14</a:t>
             </a:fld>
             <a:endParaRPr lang="en-US"/>
           </a:p>
@@ -3034,7 +3558,7 @@
           <a:p>
             <a:fld id="{13F94CF1-BEB0-E047-8412-243553DBA7FF}" type="datetimeFigureOut">
               <a:rPr lang="en-US" smtClean="0"/>
-              <a:t>5/20/14</a:t>
+              <a:t>7/24/14</a:t>
             </a:fld>
             <a:endParaRPr lang="en-US"/>
           </a:p>
@@ -3311,7 +3835,7 @@
           <a:p>
             <a:fld id="{13F94CF1-BEB0-E047-8412-243553DBA7FF}" type="datetimeFigureOut">
               <a:rPr lang="en-US" smtClean="0"/>
-              <a:t>5/20/14</a:t>
+              <a:t>7/24/14</a:t>
             </a:fld>
             <a:endParaRPr lang="en-US"/>
           </a:p>
@@ -3564,7 +4088,7 @@
           <a:p>
             <a:fld id="{13F94CF1-BEB0-E047-8412-243553DBA7FF}" type="datetimeFigureOut">
               <a:rPr lang="en-US" smtClean="0"/>
-              <a:t>5/20/14</a:t>
+              <a:t>7/24/14</a:t>
             </a:fld>
             <a:endParaRPr lang="en-US"/>
           </a:p>
@@ -3777,7 +4301,7 @@
           <a:p>
             <a:fld id="{13F94CF1-BEB0-E047-8412-243553DBA7FF}" type="datetimeFigureOut">
               <a:rPr lang="en-US" smtClean="0"/>
-              <a:t>5/20/14</a:t>
+              <a:t>7/24/14</a:t>
             </a:fld>
             <a:endParaRPr lang="en-US"/>
           </a:p>
@@ -4375,11 +4899,7 @@
             </a:r>
             <a:r>
               <a:rPr lang="en-US" sz="1800" dirty="0" smtClean="0"/>
-              <a:t>}</a:t>
-            </a:r>
-            <a:r>
-              <a:rPr lang="en-US" sz="1800" dirty="0" smtClean="0"/>
-              <a:t>;</a:t>
+              <a:t>};</a:t>
             </a:r>
           </a:p>
           <a:p>
@@ -4404,7 +4924,6 @@
               <a:rPr lang="en-US" sz="1800" dirty="0" smtClean="0"/>
               <a:t>cyclically</a:t>
             </a:r>
-            <a:endParaRPr lang="en-US" sz="1800" dirty="0" smtClean="0"/>
           </a:p>
           <a:p>
             <a:pPr eaLnBrk="1" hangingPunct="1"/>
@@ -4432,7 +4951,6 @@
               <a:rPr lang="en-US" sz="1800" dirty="0" smtClean="0"/>
               <a:t>] real;	</a:t>
             </a:r>
-            <a:endParaRPr lang="en-US" sz="1800" dirty="0" smtClean="0"/>
           </a:p>
           <a:p>
             <a:pPr eaLnBrk="1" hangingPunct="1"/>
@@ -4592,6 +5110,128 @@
   <p:clrMapOvr>
     <a:masterClrMapping/>
   </p:clrMapOvr>
+</p:sld>
+</file>
+
+<file path=ppt/slides/slide10.xml><?xml version="1.0" encoding="utf-8"?>
+<p:sld xmlns:a="http://schemas.openxmlformats.org/drawingml/2006/main" xmlns:r="http://schemas.openxmlformats.org/officeDocument/2006/relationships" xmlns:p="http://schemas.openxmlformats.org/presentationml/2006/main">
+  <p:cSld>
+    <p:spTree>
+      <p:nvGrpSpPr>
+        <p:cNvPr id="1" name=""/>
+        <p:cNvGrpSpPr/>
+        <p:nvPr/>
+      </p:nvGrpSpPr>
+      <p:grpSpPr>
+        <a:xfrm>
+          <a:off x="0" y="0"/>
+          <a:ext cx="0" cy="0"/>
+          <a:chOff x="0" y="0"/>
+          <a:chExt cx="0" cy="0"/>
+        </a:xfrm>
+      </p:grpSpPr>
+      <p:graphicFrame>
+        <p:nvGraphicFramePr>
+          <p:cNvPr id="3" name="Chart 2"/>
+          <p:cNvGraphicFramePr>
+            <a:graphicFrameLocks/>
+          </p:cNvGraphicFramePr>
+          <p:nvPr>
+            <p:extLst>
+              <p:ext uri="{D42A27DB-BD31-4B8C-83A1-F6EECF244321}">
+                <p14:modId xmlns:p14="http://schemas.microsoft.com/office/powerpoint/2010/main" val="1160445536"/>
+              </p:ext>
+            </p:extLst>
+          </p:nvPr>
+        </p:nvGraphicFramePr>
+        <p:xfrm>
+          <a:off x="472158" y="1647692"/>
+          <a:ext cx="7776010" cy="3871267"/>
+        </p:xfrm>
+        <a:graphic>
+          <a:graphicData uri="http://schemas.openxmlformats.org/drawingml/2006/chart">
+            <c:chart xmlns:c="http://schemas.openxmlformats.org/drawingml/2006/chart" xmlns:r="http://schemas.openxmlformats.org/officeDocument/2006/relationships" r:id="rId2"/>
+          </a:graphicData>
+        </a:graphic>
+      </p:graphicFrame>
+    </p:spTree>
+    <p:extLst>
+      <p:ext uri="{BB962C8B-B14F-4D97-AF65-F5344CB8AC3E}">
+        <p14:creationId xmlns:p14="http://schemas.microsoft.com/office/powerpoint/2010/main" val="340260130"/>
+      </p:ext>
+    </p:extLst>
+  </p:cSld>
+  <p:clrMapOvr>
+    <a:masterClrMapping/>
+  </p:clrMapOvr>
+  <p:timing>
+    <p:tnLst>
+      <p:par>
+        <p:cTn xmlns:p14="http://schemas.microsoft.com/office/powerpoint/2010/main" id="1" dur="indefinite" restart="never" nodeType="tmRoot"/>
+      </p:par>
+    </p:tnLst>
+  </p:timing>
+</p:sld>
+</file>
+
+<file path=ppt/slides/slide11.xml><?xml version="1.0" encoding="utf-8"?>
+<p:sld xmlns:a="http://schemas.openxmlformats.org/drawingml/2006/main" xmlns:r="http://schemas.openxmlformats.org/officeDocument/2006/relationships" xmlns:p="http://schemas.openxmlformats.org/presentationml/2006/main">
+  <p:cSld>
+    <p:spTree>
+      <p:nvGrpSpPr>
+        <p:cNvPr id="1" name=""/>
+        <p:cNvGrpSpPr/>
+        <p:nvPr/>
+      </p:nvGrpSpPr>
+      <p:grpSpPr>
+        <a:xfrm>
+          <a:off x="0" y="0"/>
+          <a:ext cx="0" cy="0"/>
+          <a:chOff x="0" y="0"/>
+          <a:chExt cx="0" cy="0"/>
+        </a:xfrm>
+      </p:grpSpPr>
+      <p:graphicFrame>
+        <p:nvGraphicFramePr>
+          <p:cNvPr id="4" name="Chart 3"/>
+          <p:cNvGraphicFramePr>
+            <a:graphicFrameLocks/>
+          </p:cNvGraphicFramePr>
+          <p:nvPr>
+            <p:extLst>
+              <p:ext uri="{D42A27DB-BD31-4B8C-83A1-F6EECF244321}">
+                <p14:modId xmlns:p14="http://schemas.microsoft.com/office/powerpoint/2010/main" val="1213967452"/>
+              </p:ext>
+            </p:extLst>
+          </p:nvPr>
+        </p:nvGraphicFramePr>
+        <p:xfrm>
+          <a:off x="717550" y="1497120"/>
+          <a:ext cx="7708900" cy="3989279"/>
+        </p:xfrm>
+        <a:graphic>
+          <a:graphicData uri="http://schemas.openxmlformats.org/drawingml/2006/chart">
+            <c:chart xmlns:c="http://schemas.openxmlformats.org/drawingml/2006/chart" xmlns:r="http://schemas.openxmlformats.org/officeDocument/2006/relationships" r:id="rId2"/>
+          </a:graphicData>
+        </a:graphic>
+      </p:graphicFrame>
+    </p:spTree>
+    <p:extLst>
+      <p:ext uri="{BB962C8B-B14F-4D97-AF65-F5344CB8AC3E}">
+        <p14:creationId xmlns:p14="http://schemas.microsoft.com/office/powerpoint/2010/main" val="4214669570"/>
+      </p:ext>
+    </p:extLst>
+  </p:cSld>
+  <p:clrMapOvr>
+    <a:masterClrMapping/>
+  </p:clrMapOvr>
+  <p:timing>
+    <p:tnLst>
+      <p:par>
+        <p:cTn xmlns:p14="http://schemas.microsoft.com/office/powerpoint/2010/main" id="1" dur="indefinite" restart="never" nodeType="tmRoot"/>
+      </p:par>
+    </p:tnLst>
+  </p:timing>
 </p:sld>
 </file>
 
@@ -4623,7 +5263,7 @@
         <p:spPr bwMode="auto">
           <a:xfrm>
             <a:off x="524435" y="608012"/>
-            <a:ext cx="6154271" cy="2246769"/>
+            <a:ext cx="6533527" cy="2677656"/>
           </a:xfrm>
           <a:prstGeom prst="rect">
             <a:avLst/>
@@ -4767,180 +5407,539 @@
           <a:p>
             <a:pPr eaLnBrk="1" hangingPunct="1"/>
             <a:r>
-              <a:rPr lang="en-US" sz="1400" dirty="0" err="1" smtClean="0"/>
+              <a:rPr lang="en-US" sz="1200" dirty="0" smtClean="0">
+                <a:latin typeface="Courier"/>
+                <a:cs typeface="Courier"/>
+              </a:rPr>
+              <a:t>1</a:t>
+            </a:r>
+            <a:r>
+              <a:rPr lang="en-US" sz="1400" b="1" dirty="0" smtClean="0">
+                <a:latin typeface="Courier"/>
+                <a:cs typeface="Courier"/>
+              </a:rPr>
+              <a:t>   </a:t>
+            </a:r>
+            <a:r>
+              <a:rPr lang="en-US" sz="1400" b="1" dirty="0" err="1" smtClean="0">
+                <a:latin typeface="Courier"/>
+                <a:cs typeface="Courier"/>
+              </a:rPr>
               <a:t>var</a:t>
             </a:r>
             <a:r>
-              <a:rPr lang="en-US" sz="1400" dirty="0" smtClean="0"/>
+              <a:rPr lang="en-US" sz="1400" dirty="0" smtClean="0">
+                <a:latin typeface="Courier"/>
+                <a:cs typeface="Courier"/>
+              </a:rPr>
               <a:t> n: </a:t>
             </a:r>
             <a:r>
-              <a:rPr lang="en-US" sz="1400" dirty="0" err="1" smtClean="0"/>
+              <a:rPr lang="en-US" sz="1400" b="1" dirty="0" err="1" smtClean="0">
+                <a:latin typeface="Courier"/>
+                <a:cs typeface="Courier"/>
+              </a:rPr>
               <a:t>int</a:t>
             </a:r>
             <a:r>
-              <a:rPr lang="en-US" sz="1400" dirty="0" smtClean="0"/>
-              <a:t> = 8</a:t>
+              <a:rPr lang="en-US" sz="1400" dirty="0" smtClean="0">
+                <a:latin typeface="Courier"/>
+                <a:cs typeface="Courier"/>
+              </a:rPr>
+              <a:t> = 8;</a:t>
             </a:r>
           </a:p>
           <a:p>
             <a:pPr eaLnBrk="1" hangingPunct="1"/>
             <a:r>
-              <a:rPr lang="en-US" sz="1400" dirty="0" err="1" smtClean="0"/>
+              <a:rPr lang="en-US" sz="1200" dirty="0" smtClean="0">
+                <a:latin typeface="Courier"/>
+                <a:cs typeface="Courier"/>
+              </a:rPr>
+              <a:t>2</a:t>
+            </a:r>
+            <a:r>
+              <a:rPr lang="en-US" sz="1400" b="1" dirty="0" smtClean="0">
+                <a:latin typeface="Courier"/>
+                <a:cs typeface="Courier"/>
+              </a:rPr>
+              <a:t>   </a:t>
+            </a:r>
+            <a:r>
+              <a:rPr lang="en-US" sz="1400" b="1" dirty="0" err="1" smtClean="0">
+                <a:latin typeface="Courier"/>
+                <a:cs typeface="Courier"/>
+              </a:rPr>
               <a:t>var</a:t>
             </a:r>
             <a:r>
-              <a:rPr lang="en-US" sz="1400" dirty="0" smtClean="0"/>
+              <a:rPr lang="en-US" sz="1400" dirty="0" smtClean="0">
+                <a:latin typeface="Courier"/>
+                <a:cs typeface="Courier"/>
+              </a:rPr>
               <a:t> </a:t>
             </a:r>
             <a:r>
-              <a:rPr lang="en-US" sz="1400" dirty="0" err="1" smtClean="0"/>
+              <a:rPr lang="en-US" sz="1400" dirty="0" err="1" smtClean="0">
+                <a:latin typeface="Courier"/>
+                <a:cs typeface="Courier"/>
+              </a:rPr>
               <a:t>LoopSpace</a:t>
             </a:r>
             <a:r>
-              <a:rPr lang="en-US" sz="1400" dirty="0" smtClean="0"/>
+              <a:rPr lang="en-US" sz="1400" dirty="0" smtClean="0">
+                <a:latin typeface="Courier"/>
+                <a:cs typeface="Courier"/>
+              </a:rPr>
               <a:t> = {2..n-1, </a:t>
             </a:r>
             <a:r>
-              <a:rPr lang="en-US" sz="1400" dirty="0"/>
+              <a:rPr lang="en-US" sz="1400" dirty="0">
+                <a:latin typeface="Courier"/>
+                <a:cs typeface="Courier"/>
+              </a:rPr>
               <a:t>2</a:t>
             </a:r>
             <a:r>
-              <a:rPr lang="en-US" sz="1400" dirty="0" smtClean="0"/>
-              <a:t>..n-1}</a:t>
+              <a:rPr lang="en-US" sz="1400" dirty="0" smtClean="0">
+                <a:latin typeface="Courier"/>
+                <a:cs typeface="Courier"/>
+              </a:rPr>
+              <a:t>..n-1};</a:t>
             </a:r>
           </a:p>
           <a:p>
             <a:pPr eaLnBrk="1" hangingPunct="1"/>
-            <a:endParaRPr lang="en-US" sz="1400" dirty="0" smtClean="0"/>
+            <a:r>
+              <a:rPr lang="en-US" sz="1200" dirty="0" smtClean="0">
+                <a:latin typeface="Courier"/>
+                <a:cs typeface="Courier"/>
+              </a:rPr>
+              <a:t>3</a:t>
+            </a:r>
           </a:p>
           <a:p>
             <a:pPr eaLnBrk="1" hangingPunct="1"/>
             <a:r>
-              <a:rPr lang="en-US" sz="1400" dirty="0" smtClean="0"/>
+              <a:rPr lang="en-US" sz="1200" dirty="0" smtClean="0">
+                <a:latin typeface="Courier"/>
+                <a:cs typeface="Courier"/>
+              </a:rPr>
+              <a:t>4</a:t>
+            </a:r>
+            <a:r>
+              <a:rPr lang="en-US" sz="1400" dirty="0" smtClean="0">
+                <a:latin typeface="Courier"/>
+                <a:cs typeface="Courier"/>
+              </a:rPr>
+              <a:t>   </a:t>
+            </a:r>
+            <a:r>
+              <a:rPr lang="en-US" sz="1400" b="1" dirty="0" smtClean="0">
+                <a:solidFill>
+                  <a:srgbClr val="660066"/>
+                </a:solidFill>
+                <a:latin typeface="Courier"/>
+                <a:cs typeface="Courier"/>
+              </a:rPr>
               <a:t>//Jacobi relaxation pass</a:t>
             </a:r>
           </a:p>
           <a:p>
             <a:pPr eaLnBrk="1" hangingPunct="1"/>
             <a:r>
-              <a:rPr lang="en-US" sz="1400" dirty="0" err="1" smtClean="0"/>
+              <a:rPr lang="en-US" sz="1200" dirty="0" smtClean="0">
+                <a:latin typeface="Courier"/>
+                <a:cs typeface="Courier"/>
+              </a:rPr>
+              <a:t>5</a:t>
+            </a:r>
+            <a:r>
+              <a:rPr lang="en-US" sz="1400" b="1" dirty="0" smtClean="0">
+                <a:latin typeface="Courier"/>
+                <a:cs typeface="Courier"/>
+              </a:rPr>
+              <a:t>   </a:t>
+            </a:r>
+            <a:r>
+              <a:rPr lang="en-US" sz="1400" b="1" dirty="0" err="1" smtClean="0">
+                <a:latin typeface="Courier"/>
+                <a:cs typeface="Courier"/>
+              </a:rPr>
               <a:t>forall</a:t>
             </a:r>
             <a:r>
-              <a:rPr lang="en-US" sz="1400" dirty="0" smtClean="0"/>
+              <a:rPr lang="en-US" sz="1400" dirty="0" smtClean="0">
+                <a:latin typeface="Courier"/>
+                <a:cs typeface="Courier"/>
+              </a:rPr>
               <a:t> </a:t>
             </a:r>
             <a:r>
-              <a:rPr lang="en-US" sz="1400" dirty="0"/>
+              <a:rPr lang="en-US" sz="1400" dirty="0">
+                <a:latin typeface="Courier"/>
+                <a:cs typeface="Courier"/>
+              </a:rPr>
               <a:t>(</a:t>
             </a:r>
             <a:r>
-              <a:rPr lang="en-US" sz="1400" dirty="0" err="1"/>
+              <a:rPr lang="en-US" sz="1400" dirty="0" err="1">
+                <a:latin typeface="Courier"/>
+                <a:cs typeface="Courier"/>
+              </a:rPr>
               <a:t>i,j</a:t>
             </a:r>
             <a:r>
-              <a:rPr lang="en-US" sz="1400" dirty="0"/>
-              <a:t>) in </a:t>
-            </a:r>
-            <a:r>
-              <a:rPr lang="en-US" sz="1400" dirty="0" err="1" smtClean="0"/>
+              <a:rPr lang="en-US" sz="1400" dirty="0">
+                <a:latin typeface="Courier"/>
+                <a:cs typeface="Courier"/>
+              </a:rPr>
+              <a:t>) </a:t>
+            </a:r>
+            <a:r>
+              <a:rPr lang="en-US" sz="1400" b="1" dirty="0">
+                <a:latin typeface="Courier"/>
+                <a:cs typeface="Courier"/>
+              </a:rPr>
+              <a:t>in</a:t>
+            </a:r>
+            <a:r>
+              <a:rPr lang="en-US" sz="1400" dirty="0">
+                <a:latin typeface="Courier"/>
+                <a:cs typeface="Courier"/>
+              </a:rPr>
+              <a:t> </a:t>
+            </a:r>
+            <a:r>
+              <a:rPr lang="en-US" sz="1400" dirty="0" err="1" smtClean="0">
+                <a:latin typeface="Courier"/>
+                <a:cs typeface="Courier"/>
+              </a:rPr>
               <a:t>LoopSpace</a:t>
             </a:r>
             <a:r>
-              <a:rPr lang="en-US" sz="1400" dirty="0" smtClean="0"/>
+              <a:rPr lang="en-US" sz="1400" dirty="0" smtClean="0">
+                <a:latin typeface="Courier"/>
+                <a:cs typeface="Courier"/>
+              </a:rPr>
               <a:t> {</a:t>
             </a:r>
-            <a:endParaRPr lang="en-US" sz="1400" dirty="0"/>
+            <a:endParaRPr lang="en-US" sz="1400" dirty="0">
+              <a:latin typeface="Courier"/>
+              <a:cs typeface="Courier"/>
+            </a:endParaRPr>
           </a:p>
           <a:p>
             <a:pPr eaLnBrk="1" hangingPunct="1"/>
             <a:r>
-              <a:rPr lang="en-US" sz="1400" dirty="0"/>
-              <a:t>   A</a:t>
-            </a:r>
-            <a:r>
-              <a:rPr lang="en-US" sz="1400" baseline="-25000" dirty="0"/>
-              <a:t>new</a:t>
-            </a:r>
-            <a:r>
-              <a:rPr lang="en-US" sz="1400" dirty="0"/>
+              <a:rPr lang="en-US" sz="1200" dirty="0" smtClean="0">
+                <a:latin typeface="Courier"/>
+                <a:cs typeface="Courier"/>
+              </a:rPr>
+              <a:t>6</a:t>
+            </a:r>
+            <a:r>
+              <a:rPr lang="en-US" sz="1400" dirty="0" smtClean="0">
+                <a:latin typeface="Courier"/>
+                <a:cs typeface="Courier"/>
+              </a:rPr>
+              <a:t>        </a:t>
+            </a:r>
+            <a:r>
+              <a:rPr lang="en-US" sz="1400" dirty="0" err="1" smtClean="0">
+                <a:latin typeface="Courier"/>
+                <a:cs typeface="Courier"/>
+              </a:rPr>
+              <a:t>A_new</a:t>
+            </a:r>
+            <a:r>
+              <a:rPr lang="en-US" sz="1400" dirty="0">
+                <a:latin typeface="Courier"/>
+                <a:cs typeface="Courier"/>
+              </a:rPr>
               <a:t>[</a:t>
             </a:r>
             <a:r>
-              <a:rPr lang="en-US" sz="1400" dirty="0" err="1"/>
+              <a:rPr lang="en-US" sz="1400" dirty="0" err="1">
+                <a:latin typeface="Courier"/>
+                <a:cs typeface="Courier"/>
+              </a:rPr>
               <a:t>i,j</a:t>
             </a:r>
             <a:r>
-              <a:rPr lang="en-US" sz="1400" dirty="0"/>
-              <a:t>] = (A[i+1, j] + A[i-1, j] + A[</a:t>
-            </a:r>
-            <a:r>
-              <a:rPr lang="en-US" sz="1400" dirty="0" err="1"/>
+              <a:rPr lang="en-US" sz="1400" dirty="0">
+                <a:latin typeface="Courier"/>
+                <a:cs typeface="Courier"/>
+              </a:rPr>
+              <a:t>] = (A[i+1, j] + A[i-1, j] + </a:t>
+            </a:r>
+            <a:endParaRPr lang="en-US" sz="1400" dirty="0" smtClean="0">
+              <a:latin typeface="Courier"/>
+              <a:cs typeface="Courier"/>
+            </a:endParaRPr>
+          </a:p>
+          <a:p>
+            <a:pPr eaLnBrk="1" hangingPunct="1"/>
+            <a:r>
+              <a:rPr lang="en-US" sz="1200" dirty="0" smtClean="0">
+                <a:latin typeface="Courier"/>
+                <a:cs typeface="Courier"/>
+              </a:rPr>
+              <a:t>7</a:t>
+            </a:r>
+            <a:r>
+              <a:rPr lang="en-US" sz="1400" dirty="0" smtClean="0">
+                <a:latin typeface="Courier"/>
+                <a:cs typeface="Courier"/>
+              </a:rPr>
+              <a:t> </a:t>
+            </a:r>
+            <a:r>
+              <a:rPr lang="en-US" sz="1400" dirty="0">
+                <a:latin typeface="Courier"/>
+                <a:cs typeface="Courier"/>
+              </a:rPr>
+              <a:t>	</a:t>
+            </a:r>
+            <a:r>
+              <a:rPr lang="en-US" sz="1400" dirty="0" smtClean="0">
+                <a:latin typeface="Courier"/>
+                <a:cs typeface="Courier"/>
+              </a:rPr>
+              <a:t>		          A</a:t>
+            </a:r>
+            <a:r>
+              <a:rPr lang="en-US" sz="1400" dirty="0">
+                <a:latin typeface="Courier"/>
+                <a:cs typeface="Courier"/>
+              </a:rPr>
+              <a:t>[</a:t>
+            </a:r>
+            <a:r>
+              <a:rPr lang="en-US" sz="1400" dirty="0" err="1">
+                <a:latin typeface="Courier"/>
+                <a:cs typeface="Courier"/>
+              </a:rPr>
               <a:t>i</a:t>
             </a:r>
             <a:r>
-              <a:rPr lang="en-US" sz="1400" dirty="0"/>
+              <a:rPr lang="en-US" sz="1400" dirty="0">
+                <a:latin typeface="Courier"/>
+                <a:cs typeface="Courier"/>
+              </a:rPr>
               <a:t>, j+1] + A[</a:t>
             </a:r>
             <a:r>
-              <a:rPr lang="en-US" sz="1400" dirty="0" err="1"/>
+              <a:rPr lang="en-US" sz="1400" dirty="0" err="1">
+                <a:latin typeface="Courier"/>
+                <a:cs typeface="Courier"/>
+              </a:rPr>
               <a:t>i</a:t>
             </a:r>
             <a:r>
-              <a:rPr lang="en-US" sz="1400" dirty="0"/>
+              <a:rPr lang="en-US" sz="1400" dirty="0">
+                <a:latin typeface="Courier"/>
+                <a:cs typeface="Courier"/>
+              </a:rPr>
               <a:t>, j-1])/4.0;</a:t>
             </a:r>
           </a:p>
           <a:p>
             <a:pPr eaLnBrk="1" hangingPunct="1"/>
             <a:r>
-              <a:rPr lang="en-US" sz="1400" dirty="0" smtClean="0"/>
-              <a:t>}</a:t>
+              <a:rPr lang="en-US" sz="1200" dirty="0" smtClean="0">
+                <a:latin typeface="Courier"/>
+                <a:cs typeface="Courier"/>
+              </a:rPr>
+              <a:t>8</a:t>
+            </a:r>
+            <a:r>
+              <a:rPr lang="en-US" sz="1400" dirty="0" smtClean="0">
+                <a:latin typeface="Courier"/>
+                <a:cs typeface="Courier"/>
+              </a:rPr>
+              <a:t>   }</a:t>
             </a:r>
           </a:p>
           <a:p>
             <a:pPr eaLnBrk="1" hangingPunct="1"/>
-            <a:endParaRPr lang="en-US" sz="1400" dirty="0"/>
+            <a:r>
+              <a:rPr lang="en-US" sz="1200" dirty="0" smtClean="0">
+                <a:latin typeface="Courier"/>
+                <a:cs typeface="Courier"/>
+              </a:rPr>
+              <a:t>9</a:t>
+            </a:r>
+            <a:endParaRPr lang="en-US" sz="1200" dirty="0">
+              <a:latin typeface="Courier"/>
+              <a:cs typeface="Courier"/>
+            </a:endParaRPr>
           </a:p>
           <a:p>
             <a:pPr eaLnBrk="1" hangingPunct="1"/>
             <a:r>
-              <a:rPr lang="en-US" sz="1400" dirty="0" smtClean="0"/>
-              <a:t>//update state of the system after the first relaxation pass</a:t>
+              <a:rPr lang="en-US" sz="1200" dirty="0" smtClean="0">
+                <a:latin typeface="Courier"/>
+                <a:cs typeface="Courier"/>
+              </a:rPr>
+              <a:t>10</a:t>
+            </a:r>
+            <a:r>
+              <a:rPr lang="en-US" sz="1400" dirty="0" smtClean="0">
+                <a:latin typeface="Courier"/>
+                <a:cs typeface="Courier"/>
+              </a:rPr>
+              <a:t>  </a:t>
+            </a:r>
+            <a:r>
+              <a:rPr lang="en-US" sz="1400" b="1" dirty="0" smtClean="0">
+                <a:solidFill>
+                  <a:srgbClr val="660066"/>
+                </a:solidFill>
+                <a:latin typeface="Courier"/>
+                <a:cs typeface="Courier"/>
+              </a:rPr>
+              <a:t>//update state of the system after the first</a:t>
             </a:r>
           </a:p>
           <a:p>
             <a:pPr eaLnBrk="1" hangingPunct="1"/>
             <a:r>
-              <a:rPr lang="en-US" sz="1400" dirty="0" smtClean="0"/>
-              <a:t>A[</a:t>
-            </a:r>
-            <a:r>
-              <a:rPr lang="en-US" sz="1400" dirty="0" err="1" smtClean="0"/>
+              <a:rPr lang="en-US" sz="1200" dirty="0" smtClean="0">
+                <a:latin typeface="Courier"/>
+                <a:cs typeface="Courier"/>
+              </a:rPr>
+              <a:t>11</a:t>
+            </a:r>
+            <a:r>
+              <a:rPr lang="en-US" sz="1400" dirty="0" smtClean="0">
+                <a:latin typeface="Courier"/>
+                <a:cs typeface="Courier"/>
+              </a:rPr>
+              <a:t>  </a:t>
+            </a:r>
+            <a:r>
+              <a:rPr lang="en-US" sz="1400" b="1" dirty="0" smtClean="0">
+                <a:solidFill>
+                  <a:srgbClr val="660066"/>
+                </a:solidFill>
+                <a:latin typeface="Courier"/>
+                <a:cs typeface="Courier"/>
+              </a:rPr>
+              <a:t>//relaxation pass</a:t>
+            </a:r>
+          </a:p>
+          <a:p>
+            <a:pPr eaLnBrk="1" hangingPunct="1"/>
+            <a:r>
+              <a:rPr lang="en-US" sz="1200" dirty="0" smtClean="0">
+                <a:latin typeface="Courier"/>
+                <a:cs typeface="Courier"/>
+              </a:rPr>
+              <a:t>12</a:t>
+            </a:r>
+            <a:r>
+              <a:rPr lang="en-US" sz="1400" dirty="0" smtClean="0">
+                <a:latin typeface="Courier"/>
+                <a:cs typeface="Courier"/>
+              </a:rPr>
+              <a:t>  A[</a:t>
+            </a:r>
+            <a:r>
+              <a:rPr lang="en-US" sz="1400" dirty="0" err="1" smtClean="0">
+                <a:latin typeface="Courier"/>
+                <a:cs typeface="Courier"/>
+              </a:rPr>
               <a:t>LoopSpace</a:t>
             </a:r>
             <a:r>
-              <a:rPr lang="en-US" sz="1400" dirty="0" smtClean="0"/>
-              <a:t>] =  A</a:t>
-            </a:r>
-            <a:r>
-              <a:rPr lang="en-US" sz="1400" baseline="-25000" dirty="0" smtClean="0"/>
-              <a:t>new</a:t>
-            </a:r>
-            <a:r>
-              <a:rPr lang="en-US" sz="1400" dirty="0" smtClean="0"/>
+              <a:rPr lang="en-US" sz="1400" dirty="0" smtClean="0">
+                <a:latin typeface="Courier"/>
+                <a:cs typeface="Courier"/>
+              </a:rPr>
+              <a:t>] =  </a:t>
+            </a:r>
+            <a:r>
+              <a:rPr lang="en-US" sz="1400" dirty="0" err="1" smtClean="0">
+                <a:latin typeface="Courier"/>
+                <a:cs typeface="Courier"/>
+              </a:rPr>
+              <a:t>A_new</a:t>
+            </a:r>
+            <a:r>
+              <a:rPr lang="en-US" sz="1400" dirty="0" smtClean="0">
+                <a:latin typeface="Courier"/>
+                <a:cs typeface="Courier"/>
+              </a:rPr>
               <a:t>[</a:t>
             </a:r>
             <a:r>
-              <a:rPr lang="en-US" sz="1400" dirty="0" err="1" smtClean="0"/>
+              <a:rPr lang="en-US" sz="1400" dirty="0" err="1" smtClean="0">
+                <a:latin typeface="Courier"/>
+                <a:cs typeface="Courier"/>
+              </a:rPr>
               <a:t>LoopSpace</a:t>
             </a:r>
             <a:r>
-              <a:rPr lang="en-US" sz="1400" dirty="0" smtClean="0"/>
+              <a:rPr lang="en-US" sz="1400" dirty="0" smtClean="0">
+                <a:latin typeface="Courier"/>
+                <a:cs typeface="Courier"/>
+              </a:rPr>
               <a:t>]; </a:t>
             </a:r>
-            <a:endParaRPr lang="en-US" sz="1400" dirty="0"/>
+            <a:endParaRPr lang="en-US" sz="1400" dirty="0">
+              <a:latin typeface="Courier"/>
+              <a:cs typeface="Courier"/>
+            </a:endParaRPr>
+          </a:p>
+        </p:txBody>
+      </p:sp>
+      <p:sp>
+        <p:nvSpPr>
+          <p:cNvPr id="2" name="Rounded Rectangle 1"/>
+          <p:cNvSpPr/>
+          <p:nvPr/>
+        </p:nvSpPr>
+        <p:spPr>
+          <a:xfrm>
+            <a:off x="347582" y="482250"/>
+            <a:ext cx="5673711" cy="2946750"/>
+          </a:xfrm>
+          <a:prstGeom prst="roundRect">
+            <a:avLst/>
+          </a:prstGeom>
+          <a:solidFill>
+            <a:schemeClr val="bg1">
+              <a:lumMod val="95000"/>
+              <a:alpha val="12000"/>
+            </a:schemeClr>
+          </a:solidFill>
+          <a:ln>
+            <a:solidFill>
+              <a:schemeClr val="tx1"/>
+            </a:solidFill>
+          </a:ln>
+        </p:spPr>
+        <p:style>
+          <a:lnRef idx="1">
+            <a:schemeClr val="accent1"/>
+          </a:lnRef>
+          <a:fillRef idx="3">
+            <a:schemeClr val="accent1"/>
+          </a:fillRef>
+          <a:effectRef idx="2">
+            <a:schemeClr val="accent1"/>
+          </a:effectRef>
+          <a:fontRef idx="minor">
+            <a:schemeClr val="lt1"/>
+          </a:fontRef>
+        </p:style>
+        <p:txBody>
+          <a:bodyPr rtlCol="0" anchor="ctr"/>
+          <a:lstStyle/>
+          <a:p>
+            <a:pPr algn="ctr"/>
+            <a:endParaRPr lang="en-US"/>
           </a:p>
         </p:txBody>
       </p:sp>
@@ -5580,8 +6579,8 @@
         </p:nvSpPr>
         <p:spPr bwMode="auto">
           <a:xfrm>
-            <a:off x="633072" y="1024743"/>
-            <a:ext cx="2133600" cy="1446550"/>
+            <a:off x="633071" y="1024743"/>
+            <a:ext cx="6882341" cy="2400657"/>
           </a:xfrm>
           <a:prstGeom prst="rect">
             <a:avLst/>
@@ -5611,7 +6610,7 @@
           </a:extLst>
         </p:spPr>
         <p:txBody>
-          <a:bodyPr>
+          <a:bodyPr wrap="square">
             <a:spAutoFit/>
           </a:bodyPr>
           <a:lstStyle>
@@ -5725,70 +6724,399 @@
           <a:p>
             <a:pPr eaLnBrk="1" hangingPunct="1"/>
             <a:r>
-              <a:rPr lang="en-US" sz="1600" b="1" dirty="0" smtClean="0">
+              <a:rPr lang="en-US" sz="1200" dirty="0" smtClean="0">
+                <a:latin typeface="Courier"/>
+                <a:cs typeface="Courier"/>
+              </a:rPr>
+              <a:t>1</a:t>
+            </a:r>
+            <a:r>
+              <a:rPr lang="en-US" sz="1400" b="1" dirty="0" smtClean="0">
+                <a:solidFill>
+                  <a:srgbClr val="660066"/>
+                </a:solidFill>
+                <a:latin typeface="Courier"/>
+                <a:cs typeface="Courier"/>
+              </a:rPr>
+              <a:t>   //(a) Parallel loop with affine array accesses</a:t>
+            </a:r>
+          </a:p>
+          <a:p>
+            <a:pPr eaLnBrk="1" hangingPunct="1"/>
+            <a:r>
+              <a:rPr lang="en-US" sz="1200" dirty="0" smtClean="0">
                 <a:solidFill>
                   <a:srgbClr val="000000"/>
                 </a:solidFill>
-              </a:rPr>
-              <a:t>(a)</a:t>
+                <a:latin typeface="Courier"/>
+                <a:cs typeface="Courier"/>
+              </a:rPr>
+              <a:t>2</a:t>
+            </a:r>
+            <a:r>
+              <a:rPr lang="en-US" sz="1400" b="1" dirty="0" smtClean="0">
+                <a:solidFill>
+                  <a:srgbClr val="000000"/>
+                </a:solidFill>
+                <a:latin typeface="Courier"/>
+                <a:cs typeface="Courier"/>
+              </a:rPr>
+              <a:t>   </a:t>
+            </a:r>
+            <a:r>
+              <a:rPr lang="en-US" sz="1400" b="1" dirty="0" err="1" smtClean="0">
+                <a:solidFill>
+                  <a:srgbClr val="000000"/>
+                </a:solidFill>
+                <a:latin typeface="Courier"/>
+                <a:cs typeface="Courier"/>
+              </a:rPr>
+              <a:t>forall</a:t>
+            </a:r>
+            <a:r>
+              <a:rPr lang="en-US" sz="1400" dirty="0" smtClean="0">
+                <a:solidFill>
+                  <a:srgbClr val="000000"/>
+                </a:solidFill>
+                <a:latin typeface="Courier"/>
+                <a:cs typeface="Courier"/>
+              </a:rPr>
+              <a:t> </a:t>
+            </a:r>
+            <a:r>
+              <a:rPr lang="en-US" sz="1400" dirty="0" err="1">
+                <a:solidFill>
+                  <a:srgbClr val="000000"/>
+                </a:solidFill>
+                <a:latin typeface="Courier"/>
+                <a:cs typeface="Courier"/>
+              </a:rPr>
+              <a:t>i</a:t>
+            </a:r>
+            <a:r>
+              <a:rPr lang="en-US" sz="1400" dirty="0">
+                <a:solidFill>
+                  <a:srgbClr val="000000"/>
+                </a:solidFill>
+                <a:latin typeface="Courier"/>
+                <a:cs typeface="Courier"/>
+              </a:rPr>
+              <a:t> </a:t>
+            </a:r>
+            <a:r>
+              <a:rPr lang="en-US" sz="1400" b="1" dirty="0">
+                <a:solidFill>
+                  <a:srgbClr val="000000"/>
+                </a:solidFill>
+                <a:latin typeface="Courier"/>
+                <a:cs typeface="Courier"/>
+              </a:rPr>
+              <a:t>in</a:t>
+            </a:r>
+            <a:r>
+              <a:rPr lang="en-US" sz="1400" dirty="0">
+                <a:solidFill>
+                  <a:srgbClr val="000000"/>
+                </a:solidFill>
+                <a:latin typeface="Courier"/>
+                <a:cs typeface="Courier"/>
+              </a:rPr>
+              <a:t> 1..10 {</a:t>
             </a:r>
           </a:p>
           <a:p>
             <a:pPr eaLnBrk="1" hangingPunct="1"/>
             <a:r>
-              <a:rPr lang="en-US" sz="1600" dirty="0" err="1" smtClean="0">
+              <a:rPr lang="en-US" sz="1200" dirty="0" smtClean="0">
+                <a:latin typeface="Courier"/>
+                <a:cs typeface="Courier"/>
+              </a:rPr>
+              <a:t>3</a:t>
+            </a:r>
+            <a:r>
+              <a:rPr lang="en-US" sz="1400" dirty="0" smtClean="0">
+                <a:latin typeface="Courier"/>
+                <a:cs typeface="Courier"/>
+              </a:rPr>
+              <a:t>        A</a:t>
+            </a:r>
+            <a:r>
+              <a:rPr lang="en-US" sz="1400" dirty="0">
+                <a:latin typeface="Courier"/>
+                <a:cs typeface="Courier"/>
+              </a:rPr>
+              <a:t>[</a:t>
+            </a:r>
+            <a:r>
+              <a:rPr lang="en-US" sz="1400" dirty="0" err="1">
+                <a:latin typeface="Courier"/>
+                <a:cs typeface="Courier"/>
+              </a:rPr>
+              <a:t>i</a:t>
+            </a:r>
+            <a:r>
+              <a:rPr lang="en-US" sz="1400" dirty="0">
+                <a:latin typeface="Courier"/>
+                <a:cs typeface="Courier"/>
+              </a:rPr>
+              <a:t>] = B[i+2];</a:t>
+            </a:r>
+          </a:p>
+          <a:p>
+            <a:pPr eaLnBrk="1" hangingPunct="1"/>
+            <a:r>
+              <a:rPr lang="en-US" sz="1200" dirty="0" smtClean="0">
+                <a:latin typeface="Courier"/>
+                <a:cs typeface="Courier"/>
+              </a:rPr>
+              <a:t>4</a:t>
+            </a:r>
+            <a:r>
+              <a:rPr lang="en-US" sz="1400" dirty="0" smtClean="0">
+                <a:latin typeface="Courier"/>
+                <a:cs typeface="Courier"/>
+              </a:rPr>
+              <a:t>   }</a:t>
+            </a:r>
+            <a:endParaRPr lang="en-US" sz="1400" dirty="0">
+              <a:latin typeface="Courier"/>
+              <a:cs typeface="Courier"/>
+            </a:endParaRPr>
+          </a:p>
+          <a:p>
+            <a:pPr eaLnBrk="1" hangingPunct="1"/>
+            <a:r>
+              <a:rPr lang="en-US" sz="1200" dirty="0" smtClean="0">
+                <a:latin typeface="Courier"/>
+                <a:cs typeface="Courier"/>
+              </a:rPr>
+              <a:t>5</a:t>
+            </a:r>
+          </a:p>
+          <a:p>
+            <a:pPr eaLnBrk="1" hangingPunct="1"/>
+            <a:r>
+              <a:rPr lang="en-US" sz="1200" dirty="0" smtClean="0">
+                <a:latin typeface="Courier"/>
+                <a:cs typeface="Courier"/>
+              </a:rPr>
+              <a:t>6</a:t>
+            </a:r>
+            <a:r>
+              <a:rPr lang="en-US" sz="1400" b="1" dirty="0" smtClean="0">
+                <a:solidFill>
+                  <a:srgbClr val="660066"/>
+                </a:solidFill>
+                <a:latin typeface="Courier"/>
+                <a:cs typeface="Courier"/>
+              </a:rPr>
+              <a:t>   //(</a:t>
+            </a:r>
+            <a:r>
+              <a:rPr lang="en-US" sz="1400" b="1" dirty="0">
+                <a:solidFill>
+                  <a:srgbClr val="660066"/>
+                </a:solidFill>
+                <a:latin typeface="Courier"/>
+                <a:cs typeface="Courier"/>
+              </a:rPr>
+              <a:t>b</a:t>
+            </a:r>
+            <a:r>
+              <a:rPr lang="en-US" sz="1400" b="1" dirty="0" smtClean="0">
+                <a:solidFill>
+                  <a:srgbClr val="660066"/>
+                </a:solidFill>
+                <a:latin typeface="Courier"/>
+                <a:cs typeface="Courier"/>
+              </a:rPr>
+              <a:t>) Equivalent loop written using zippered iteration </a:t>
+            </a:r>
+            <a:endParaRPr lang="en-US" sz="1400" b="1" dirty="0">
+              <a:solidFill>
+                <a:srgbClr val="660066"/>
+              </a:solidFill>
+              <a:latin typeface="Courier"/>
+              <a:cs typeface="Courier"/>
+            </a:endParaRPr>
+          </a:p>
+          <a:p>
+            <a:pPr eaLnBrk="1" hangingPunct="1"/>
+            <a:r>
+              <a:rPr lang="en-US" sz="1200" dirty="0" smtClean="0">
                 <a:solidFill>
                   <a:srgbClr val="000000"/>
                 </a:solidFill>
+                <a:latin typeface="Courier"/>
+                <a:cs typeface="Courier"/>
+              </a:rPr>
+              <a:t>7</a:t>
+            </a:r>
+            <a:r>
+              <a:rPr lang="en-US" sz="1400" b="1" dirty="0" smtClean="0">
+                <a:solidFill>
+                  <a:srgbClr val="000000"/>
+                </a:solidFill>
+                <a:latin typeface="Courier"/>
+                <a:cs typeface="Courier"/>
+              </a:rPr>
+              <a:t>   </a:t>
+            </a:r>
+            <a:r>
+              <a:rPr lang="en-US" sz="1400" b="1" dirty="0" err="1" smtClean="0">
+                <a:solidFill>
+                  <a:srgbClr val="000000"/>
+                </a:solidFill>
+                <a:latin typeface="Courier"/>
+                <a:cs typeface="Courier"/>
               </a:rPr>
               <a:t>forall</a:t>
             </a:r>
             <a:r>
-              <a:rPr lang="en-US" sz="1600" dirty="0" smtClean="0">
+              <a:rPr lang="en-US" sz="1400" dirty="0" smtClean="0">
                 <a:solidFill>
                   <a:srgbClr val="000000"/>
                 </a:solidFill>
+                <a:latin typeface="Courier"/>
+                <a:cs typeface="Courier"/>
               </a:rPr>
               <a:t> </a:t>
             </a:r>
             <a:r>
-              <a:rPr lang="en-US" sz="1600" dirty="0" err="1">
+              <a:rPr lang="en-US" sz="1400" dirty="0">
                 <a:solidFill>
                   <a:srgbClr val="000000"/>
                 </a:solidFill>
-              </a:rPr>
-              <a:t>i</a:t>
-            </a:r>
-            <a:r>
-              <a:rPr lang="en-US" sz="1600" dirty="0">
+                <a:latin typeface="Courier"/>
+                <a:cs typeface="Courier"/>
+              </a:rPr>
+              <a:t>(</a:t>
+            </a:r>
+            <a:r>
+              <a:rPr lang="en-US" sz="1400" dirty="0" err="1">
                 <a:solidFill>
                   <a:srgbClr val="000000"/>
                 </a:solidFill>
-              </a:rPr>
-              <a:t> in 1..10 {</a:t>
+                <a:latin typeface="Courier"/>
+                <a:cs typeface="Courier"/>
+              </a:rPr>
+              <a:t>a,b</a:t>
+            </a:r>
+            <a:r>
+              <a:rPr lang="en-US" sz="1400" dirty="0">
+                <a:solidFill>
+                  <a:srgbClr val="000000"/>
+                </a:solidFill>
+                <a:latin typeface="Courier"/>
+                <a:cs typeface="Courier"/>
+              </a:rPr>
+              <a:t>) </a:t>
+            </a:r>
+            <a:r>
+              <a:rPr lang="en-US" sz="1400" b="1" dirty="0">
+                <a:solidFill>
+                  <a:srgbClr val="000000"/>
+                </a:solidFill>
+                <a:latin typeface="Courier"/>
+                <a:cs typeface="Courier"/>
+              </a:rPr>
+              <a:t>in</a:t>
+            </a:r>
+            <a:r>
+              <a:rPr lang="en-US" sz="1400" dirty="0">
+                <a:solidFill>
+                  <a:srgbClr val="000000"/>
+                </a:solidFill>
+                <a:latin typeface="Courier"/>
+                <a:cs typeface="Courier"/>
+              </a:rPr>
+              <a:t> </a:t>
+            </a:r>
+            <a:r>
+              <a:rPr lang="en-US" sz="1400" b="1" dirty="0">
+                <a:solidFill>
+                  <a:srgbClr val="000000"/>
+                </a:solidFill>
+                <a:latin typeface="Courier"/>
+                <a:cs typeface="Courier"/>
+              </a:rPr>
+              <a:t>zip</a:t>
+            </a:r>
+            <a:r>
+              <a:rPr lang="en-US" sz="1400" dirty="0">
+                <a:solidFill>
+                  <a:srgbClr val="000000"/>
+                </a:solidFill>
+                <a:latin typeface="Courier"/>
+                <a:cs typeface="Courier"/>
+              </a:rPr>
+              <a:t>(A[1..10]</a:t>
+            </a:r>
+            <a:r>
+              <a:rPr lang="en-US" sz="1400" dirty="0" smtClean="0">
+                <a:solidFill>
+                  <a:srgbClr val="000000"/>
+                </a:solidFill>
+                <a:latin typeface="Courier"/>
+                <a:cs typeface="Courier"/>
+              </a:rPr>
+              <a:t>, B</a:t>
+            </a:r>
+            <a:r>
+              <a:rPr lang="en-US" sz="1400" dirty="0">
+                <a:solidFill>
+                  <a:srgbClr val="000000"/>
+                </a:solidFill>
+                <a:latin typeface="Courier"/>
+                <a:cs typeface="Courier"/>
+              </a:rPr>
+              <a:t>[3..12]) {</a:t>
             </a:r>
           </a:p>
           <a:p>
             <a:pPr eaLnBrk="1" hangingPunct="1"/>
             <a:r>
-              <a:rPr lang="en-US" sz="1600" dirty="0"/>
-              <a:t>   A[</a:t>
-            </a:r>
-            <a:r>
-              <a:rPr lang="en-US" sz="1600" dirty="0" err="1"/>
-              <a:t>i</a:t>
-            </a:r>
-            <a:r>
-              <a:rPr lang="en-US" sz="1600" dirty="0"/>
-              <a:t>] = B[i+2];</a:t>
+              <a:rPr lang="en-US" sz="1200" dirty="0" smtClean="0">
+                <a:latin typeface="Courier"/>
+                <a:cs typeface="Courier"/>
+              </a:rPr>
+              <a:t>8</a:t>
+            </a:r>
+            <a:r>
+              <a:rPr lang="en-US" sz="1400" dirty="0" smtClean="0">
+                <a:latin typeface="Courier"/>
+                <a:cs typeface="Courier"/>
+              </a:rPr>
+              <a:t>        a </a:t>
+            </a:r>
+            <a:r>
+              <a:rPr lang="en-US" sz="1400" dirty="0">
+                <a:latin typeface="Courier"/>
+                <a:cs typeface="Courier"/>
+              </a:rPr>
+              <a:t>= b;</a:t>
             </a:r>
           </a:p>
           <a:p>
             <a:pPr eaLnBrk="1" hangingPunct="1"/>
             <a:r>
-              <a:rPr lang="en-US" sz="1600" dirty="0"/>
-              <a:t>}</a:t>
-            </a:r>
+              <a:rPr lang="en-US" sz="1200" dirty="0" smtClean="0">
+                <a:latin typeface="Courier"/>
+                <a:cs typeface="Courier"/>
+              </a:rPr>
+              <a:t>9</a:t>
+            </a:r>
+            <a:r>
+              <a:rPr lang="en-US" sz="1400" dirty="0" smtClean="0">
+                <a:latin typeface="Courier"/>
+                <a:cs typeface="Courier"/>
+              </a:rPr>
+              <a:t>   }</a:t>
+            </a:r>
+            <a:endParaRPr lang="en-US" sz="1400" dirty="0">
+              <a:latin typeface="Courier"/>
+              <a:cs typeface="Courier"/>
+            </a:endParaRPr>
           </a:p>
           <a:p>
             <a:pPr eaLnBrk="1" hangingPunct="1"/>
@@ -5798,236 +7126,50 @@
       </p:sp>
       <p:sp>
         <p:nvSpPr>
-          <p:cNvPr id="5" name="TextBox 4"/>
-          <p:cNvSpPr txBox="1">
-            <a:spLocks noChangeArrowheads="1"/>
-          </p:cNvSpPr>
+          <p:cNvPr id="6" name="Rounded Rectangle 5"/>
+          <p:cNvSpPr/>
           <p:nvPr/>
         </p:nvSpPr>
-        <p:spPr bwMode="auto">
+        <p:spPr>
           <a:xfrm>
-            <a:off x="3460325" y="1024743"/>
-            <a:ext cx="3886200" cy="1077218"/>
+            <a:off x="467112" y="806827"/>
+            <a:ext cx="6525359" cy="2382837"/>
           </a:xfrm>
-          <a:prstGeom prst="rect">
+          <a:prstGeom prst="roundRect">
             <a:avLst/>
           </a:prstGeom>
-          <a:noFill/>
+          <a:solidFill>
+            <a:schemeClr val="bg1">
+              <a:lumMod val="95000"/>
+              <a:alpha val="12000"/>
+            </a:schemeClr>
+          </a:solidFill>
           <a:ln>
-            <a:noFill/>
+            <a:solidFill>
+              <a:schemeClr val="tx1"/>
+            </a:solidFill>
           </a:ln>
-          <a:extLst>
-            <a:ext uri="{909E8E84-426E-40dd-AFC4-6F175D3DCCD1}">
-              <a14:hiddenFill xmlns:a14="http://schemas.microsoft.com/office/drawing/2010/main">
-                <a:solidFill>
-                  <a:srgbClr val="FFFFFF"/>
-                </a:solidFill>
-              </a14:hiddenFill>
-            </a:ext>
-            <a:ext uri="{91240B29-F687-4f45-9708-019B960494DF}">
-              <a14:hiddenLine xmlns:a14="http://schemas.microsoft.com/office/drawing/2010/main" w="9525">
-                <a:solidFill>
-                  <a:srgbClr val="000000"/>
-                </a:solidFill>
-                <a:miter lim="800000"/>
-                <a:headEnd/>
-                <a:tailEnd/>
-              </a14:hiddenLine>
-            </a:ext>
-          </a:extLst>
         </p:spPr>
+        <p:style>
+          <a:lnRef idx="1">
+            <a:schemeClr val="accent1"/>
+          </a:lnRef>
+          <a:fillRef idx="3">
+            <a:schemeClr val="accent1"/>
+          </a:fillRef>
+          <a:effectRef idx="2">
+            <a:schemeClr val="accent1"/>
+          </a:effectRef>
+          <a:fontRef idx="minor">
+            <a:schemeClr val="lt1"/>
+          </a:fontRef>
+        </p:style>
         <p:txBody>
-          <a:bodyPr>
-            <a:spAutoFit/>
-          </a:bodyPr>
-          <a:lstStyle>
-            <a:lvl1pPr eaLnBrk="0" hangingPunct="0">
-              <a:defRPr sz="2400">
-                <a:solidFill>
-                  <a:schemeClr val="tx1"/>
-                </a:solidFill>
-                <a:latin typeface="Arial" charset="0"/>
-                <a:ea typeface="ＭＳ Ｐゴシック" charset="0"/>
-                <a:cs typeface="ＭＳ Ｐゴシック" charset="0"/>
-              </a:defRPr>
-            </a:lvl1pPr>
-            <a:lvl2pPr marL="742950" indent="-285750" eaLnBrk="0" hangingPunct="0">
-              <a:defRPr sz="2400">
-                <a:solidFill>
-                  <a:schemeClr val="tx1"/>
-                </a:solidFill>
-                <a:latin typeface="Arial" charset="0"/>
-                <a:ea typeface="ＭＳ Ｐゴシック" charset="0"/>
-              </a:defRPr>
-            </a:lvl2pPr>
-            <a:lvl3pPr marL="1143000" indent="-228600" eaLnBrk="0" hangingPunct="0">
-              <a:defRPr sz="2400">
-                <a:solidFill>
-                  <a:schemeClr val="tx1"/>
-                </a:solidFill>
-                <a:latin typeface="Arial" charset="0"/>
-                <a:ea typeface="ＭＳ Ｐゴシック" charset="0"/>
-              </a:defRPr>
-            </a:lvl3pPr>
-            <a:lvl4pPr marL="1600200" indent="-228600" eaLnBrk="0" hangingPunct="0">
-              <a:defRPr sz="2400">
-                <a:solidFill>
-                  <a:schemeClr val="tx1"/>
-                </a:solidFill>
-                <a:latin typeface="Arial" charset="0"/>
-                <a:ea typeface="ＭＳ Ｐゴシック" charset="0"/>
-              </a:defRPr>
-            </a:lvl4pPr>
-            <a:lvl5pPr marL="2057400" indent="-228600" eaLnBrk="0" hangingPunct="0">
-              <a:defRPr sz="2400">
-                <a:solidFill>
-                  <a:schemeClr val="tx1"/>
-                </a:solidFill>
-                <a:latin typeface="Arial" charset="0"/>
-                <a:ea typeface="ＭＳ Ｐゴシック" charset="0"/>
-              </a:defRPr>
-            </a:lvl5pPr>
-            <a:lvl6pPr marL="2514600" indent="-228600" eaLnBrk="0" fontAlgn="base" hangingPunct="0">
-              <a:spcBef>
-                <a:spcPct val="0"/>
-              </a:spcBef>
-              <a:spcAft>
-                <a:spcPct val="0"/>
-              </a:spcAft>
-              <a:defRPr sz="2400">
-                <a:solidFill>
-                  <a:schemeClr val="tx1"/>
-                </a:solidFill>
-                <a:latin typeface="Arial" charset="0"/>
-                <a:ea typeface="ＭＳ Ｐゴシック" charset="0"/>
-              </a:defRPr>
-            </a:lvl6pPr>
-            <a:lvl7pPr marL="2971800" indent="-228600" eaLnBrk="0" fontAlgn="base" hangingPunct="0">
-              <a:spcBef>
-                <a:spcPct val="0"/>
-              </a:spcBef>
-              <a:spcAft>
-                <a:spcPct val="0"/>
-              </a:spcAft>
-              <a:defRPr sz="2400">
-                <a:solidFill>
-                  <a:schemeClr val="tx1"/>
-                </a:solidFill>
-                <a:latin typeface="Arial" charset="0"/>
-                <a:ea typeface="ＭＳ Ｐゴシック" charset="0"/>
-              </a:defRPr>
-            </a:lvl7pPr>
-            <a:lvl8pPr marL="3429000" indent="-228600" eaLnBrk="0" fontAlgn="base" hangingPunct="0">
-              <a:spcBef>
-                <a:spcPct val="0"/>
-              </a:spcBef>
-              <a:spcAft>
-                <a:spcPct val="0"/>
-              </a:spcAft>
-              <a:defRPr sz="2400">
-                <a:solidFill>
-                  <a:schemeClr val="tx1"/>
-                </a:solidFill>
-                <a:latin typeface="Arial" charset="0"/>
-                <a:ea typeface="ＭＳ Ｐゴシック" charset="0"/>
-              </a:defRPr>
-            </a:lvl8pPr>
-            <a:lvl9pPr marL="3886200" indent="-228600" eaLnBrk="0" fontAlgn="base" hangingPunct="0">
-              <a:spcBef>
-                <a:spcPct val="0"/>
-              </a:spcBef>
-              <a:spcAft>
-                <a:spcPct val="0"/>
-              </a:spcAft>
-              <a:defRPr sz="2400">
-                <a:solidFill>
-                  <a:schemeClr val="tx1"/>
-                </a:solidFill>
-                <a:latin typeface="Arial" charset="0"/>
-                <a:ea typeface="ＭＳ Ｐゴシック" charset="0"/>
-              </a:defRPr>
-            </a:lvl9pPr>
-          </a:lstStyle>
-          <a:p>
-            <a:pPr eaLnBrk="1" hangingPunct="1"/>
-            <a:r>
-              <a:rPr lang="en-US" sz="1600" b="1" dirty="0" smtClean="0">
-                <a:solidFill>
-                  <a:srgbClr val="000000"/>
-                </a:solidFill>
-              </a:rPr>
-              <a:t>(b)</a:t>
-            </a:r>
-          </a:p>
-          <a:p>
-            <a:pPr eaLnBrk="1" hangingPunct="1"/>
-            <a:r>
-              <a:rPr lang="en-US" sz="1600" dirty="0" err="1" smtClean="0">
-                <a:solidFill>
-                  <a:srgbClr val="000000"/>
-                </a:solidFill>
-              </a:rPr>
-              <a:t>forall</a:t>
-            </a:r>
-            <a:r>
-              <a:rPr lang="en-US" sz="1600" dirty="0" smtClean="0">
-                <a:solidFill>
-                  <a:srgbClr val="000000"/>
-                </a:solidFill>
-              </a:rPr>
-              <a:t> </a:t>
-            </a:r>
-            <a:r>
-              <a:rPr lang="en-US" sz="1600" dirty="0">
-                <a:solidFill>
-                  <a:srgbClr val="000000"/>
-                </a:solidFill>
-              </a:rPr>
-              <a:t>(</a:t>
-            </a:r>
-            <a:r>
-              <a:rPr lang="en-US" sz="1600" dirty="0" err="1">
-                <a:solidFill>
-                  <a:srgbClr val="000000"/>
-                </a:solidFill>
-              </a:rPr>
-              <a:t>a,b</a:t>
-            </a:r>
-            <a:r>
-              <a:rPr lang="en-US" sz="1600" dirty="0">
-                <a:solidFill>
-                  <a:srgbClr val="000000"/>
-                </a:solidFill>
-              </a:rPr>
-              <a:t>) in zip(A[1..10], B[3..12]</a:t>
-            </a:r>
-            <a:r>
-              <a:rPr lang="en-US" sz="1600" dirty="0" smtClean="0">
-                <a:solidFill>
-                  <a:srgbClr val="000000"/>
-                </a:solidFill>
-              </a:rPr>
-              <a:t>) {</a:t>
-            </a:r>
-            <a:endParaRPr lang="en-US" sz="1600" dirty="0">
-              <a:solidFill>
-                <a:srgbClr val="000000"/>
-              </a:solidFill>
-            </a:endParaRPr>
-          </a:p>
-          <a:p>
-            <a:pPr eaLnBrk="1" hangingPunct="1"/>
-            <a:r>
-              <a:rPr lang="en-US" sz="1600" dirty="0"/>
-              <a:t>   a = b;</a:t>
-            </a:r>
-          </a:p>
-          <a:p>
-            <a:pPr eaLnBrk="1" hangingPunct="1"/>
-            <a:r>
-              <a:rPr lang="en-US" sz="1600" dirty="0"/>
-              <a:t>}</a:t>
-            </a:r>
+          <a:bodyPr rtlCol="0" anchor="ctr"/>
+          <a:lstStyle/>
+          <a:p>
+            <a:pPr algn="ctr"/>
+            <a:endParaRPr lang="en-US"/>
           </a:p>
         </p:txBody>
       </p:sp>
@@ -6094,51 +7236,6 @@
                       </p:childTnLst>
                     </p:cTn>
                   </p:par>
-                  <p:par>
-                    <p:cTn id="7" fill="hold">
-                      <p:stCondLst>
-                        <p:cond delay="indefinite"/>
-                      </p:stCondLst>
-                      <p:childTnLst>
-                        <p:par>
-                          <p:cTn id="8" fill="hold">
-                            <p:stCondLst>
-                              <p:cond delay="0"/>
-                            </p:stCondLst>
-                            <p:childTnLst>
-                              <p:par>
-                                <p:cTn id="9" presetID="1" presetClass="entr" presetSubtype="0" fill="hold" grpId="0" nodeType="clickEffect">
-                                  <p:stCondLst>
-                                    <p:cond delay="0"/>
-                                  </p:stCondLst>
-                                  <p:childTnLst>
-                                    <p:set>
-                                      <p:cBhvr>
-                                        <p:cTn id="10" dur="1" fill="hold">
-                                          <p:stCondLst>
-                                            <p:cond delay="0"/>
-                                          </p:stCondLst>
-                                        </p:cTn>
-                                        <p:tgtEl>
-                                          <p:spTgt spid="5"/>
-                                        </p:tgtEl>
-                                        <p:attrNameLst>
-                                          <p:attrName>style.visibility</p:attrName>
-                                        </p:attrNameLst>
-                                      </p:cBhvr>
-                                      <p:to>
-                                        <p:strVal val="visible"/>
-                                      </p:to>
-                                    </p:set>
-                                  </p:childTnLst>
-                                </p:cTn>
-                              </p:par>
-                            </p:childTnLst>
-                          </p:cTn>
-                        </p:par>
-                      </p:childTnLst>
-                    </p:cTn>
-                  </p:par>
                 </p:childTnLst>
               </p:cTn>
               <p:prevCondLst>
@@ -6162,13 +7259,4087 @@
     </p:tnLst>
     <p:bldLst>
       <p:bldP spid="4" grpId="0"/>
-      <p:bldP spid="5" grpId="0"/>
     </p:bldLst>
   </p:timing>
 </p:sld>
 </file>
 
 <file path=ppt/slides/slide5.xml><?xml version="1.0" encoding="utf-8"?>
+<p:sld xmlns:a="http://schemas.openxmlformats.org/drawingml/2006/main" xmlns:r="http://schemas.openxmlformats.org/officeDocument/2006/relationships" xmlns:p="http://schemas.openxmlformats.org/presentationml/2006/main">
+  <p:cSld>
+    <p:spTree>
+      <p:nvGrpSpPr>
+        <p:cNvPr id="1" name=""/>
+        <p:cNvGrpSpPr/>
+        <p:nvPr/>
+      </p:nvGrpSpPr>
+      <p:grpSpPr>
+        <a:xfrm>
+          <a:off x="0" y="0"/>
+          <a:ext cx="0" cy="0"/>
+          <a:chOff x="0" y="0"/>
+          <a:chExt cx="0" cy="0"/>
+        </a:xfrm>
+      </p:grpSpPr>
+      <p:sp>
+        <p:nvSpPr>
+          <p:cNvPr id="22" name="TextBox 21"/>
+          <p:cNvSpPr txBox="1">
+            <a:spLocks noChangeArrowheads="1"/>
+          </p:cNvSpPr>
+          <p:nvPr/>
+        </p:nvSpPr>
+        <p:spPr bwMode="auto">
+          <a:xfrm>
+            <a:off x="454209" y="179444"/>
+            <a:ext cx="4852614" cy="954107"/>
+          </a:xfrm>
+          <a:prstGeom prst="rect">
+            <a:avLst/>
+          </a:prstGeom>
+          <a:noFill/>
+          <a:ln>
+            <a:noFill/>
+          </a:ln>
+          <a:extLst>
+            <a:ext uri="{909E8E84-426E-40dd-AFC4-6F175D3DCCD1}">
+              <a14:hiddenFill xmlns:a14="http://schemas.microsoft.com/office/drawing/2010/main">
+                <a:solidFill>
+                  <a:srgbClr val="FFFFFF"/>
+                </a:solidFill>
+              </a14:hiddenFill>
+            </a:ext>
+            <a:ext uri="{91240B29-F687-4f45-9708-019B960494DF}">
+              <a14:hiddenLine xmlns:a14="http://schemas.microsoft.com/office/drawing/2010/main" w="9525">
+                <a:solidFill>
+                  <a:srgbClr val="000000"/>
+                </a:solidFill>
+                <a:miter lim="800000"/>
+                <a:headEnd/>
+                <a:tailEnd/>
+              </a14:hiddenLine>
+            </a:ext>
+          </a:extLst>
+        </p:spPr>
+        <p:txBody>
+          <a:bodyPr wrap="square">
+            <a:spAutoFit/>
+          </a:bodyPr>
+          <a:lstStyle>
+            <a:lvl1pPr eaLnBrk="0" hangingPunct="0">
+              <a:defRPr sz="2400">
+                <a:solidFill>
+                  <a:schemeClr val="tx1"/>
+                </a:solidFill>
+                <a:latin typeface="Arial" charset="0"/>
+                <a:ea typeface="ＭＳ Ｐゴシック" charset="0"/>
+                <a:cs typeface="ＭＳ Ｐゴシック" charset="0"/>
+              </a:defRPr>
+            </a:lvl1pPr>
+            <a:lvl2pPr marL="742950" indent="-285750" eaLnBrk="0" hangingPunct="0">
+              <a:defRPr sz="2400">
+                <a:solidFill>
+                  <a:schemeClr val="tx1"/>
+                </a:solidFill>
+                <a:latin typeface="Arial" charset="0"/>
+                <a:ea typeface="ＭＳ Ｐゴシック" charset="0"/>
+              </a:defRPr>
+            </a:lvl2pPr>
+            <a:lvl3pPr marL="1143000" indent="-228600" eaLnBrk="0" hangingPunct="0">
+              <a:defRPr sz="2400">
+                <a:solidFill>
+                  <a:schemeClr val="tx1"/>
+                </a:solidFill>
+                <a:latin typeface="Arial" charset="0"/>
+                <a:ea typeface="ＭＳ Ｐゴシック" charset="0"/>
+              </a:defRPr>
+            </a:lvl3pPr>
+            <a:lvl4pPr marL="1600200" indent="-228600" eaLnBrk="0" hangingPunct="0">
+              <a:defRPr sz="2400">
+                <a:solidFill>
+                  <a:schemeClr val="tx1"/>
+                </a:solidFill>
+                <a:latin typeface="Arial" charset="0"/>
+                <a:ea typeface="ＭＳ Ｐゴシック" charset="0"/>
+              </a:defRPr>
+            </a:lvl4pPr>
+            <a:lvl5pPr marL="2057400" indent="-228600" eaLnBrk="0" hangingPunct="0">
+              <a:defRPr sz="2400">
+                <a:solidFill>
+                  <a:schemeClr val="tx1"/>
+                </a:solidFill>
+                <a:latin typeface="Arial" charset="0"/>
+                <a:ea typeface="ＭＳ Ｐゴシック" charset="0"/>
+              </a:defRPr>
+            </a:lvl5pPr>
+            <a:lvl6pPr marL="2514600" indent="-228600" eaLnBrk="0" fontAlgn="base" hangingPunct="0">
+              <a:spcBef>
+                <a:spcPct val="0"/>
+              </a:spcBef>
+              <a:spcAft>
+                <a:spcPct val="0"/>
+              </a:spcAft>
+              <a:defRPr sz="2400">
+                <a:solidFill>
+                  <a:schemeClr val="tx1"/>
+                </a:solidFill>
+                <a:latin typeface="Arial" charset="0"/>
+                <a:ea typeface="ＭＳ Ｐゴシック" charset="0"/>
+              </a:defRPr>
+            </a:lvl6pPr>
+            <a:lvl7pPr marL="2971800" indent="-228600" eaLnBrk="0" fontAlgn="base" hangingPunct="0">
+              <a:spcBef>
+                <a:spcPct val="0"/>
+              </a:spcBef>
+              <a:spcAft>
+                <a:spcPct val="0"/>
+              </a:spcAft>
+              <a:defRPr sz="2400">
+                <a:solidFill>
+                  <a:schemeClr val="tx1"/>
+                </a:solidFill>
+                <a:latin typeface="Arial" charset="0"/>
+                <a:ea typeface="ＭＳ Ｐゴシック" charset="0"/>
+              </a:defRPr>
+            </a:lvl7pPr>
+            <a:lvl8pPr marL="3429000" indent="-228600" eaLnBrk="0" fontAlgn="base" hangingPunct="0">
+              <a:spcBef>
+                <a:spcPct val="0"/>
+              </a:spcBef>
+              <a:spcAft>
+                <a:spcPct val="0"/>
+              </a:spcAft>
+              <a:defRPr sz="2400">
+                <a:solidFill>
+                  <a:schemeClr val="tx1"/>
+                </a:solidFill>
+                <a:latin typeface="Arial" charset="0"/>
+                <a:ea typeface="ＭＳ Ｐゴシック" charset="0"/>
+              </a:defRPr>
+            </a:lvl8pPr>
+            <a:lvl9pPr marL="3886200" indent="-228600" eaLnBrk="0" fontAlgn="base" hangingPunct="0">
+              <a:spcBef>
+                <a:spcPct val="0"/>
+              </a:spcBef>
+              <a:spcAft>
+                <a:spcPct val="0"/>
+              </a:spcAft>
+              <a:defRPr sz="2400">
+                <a:solidFill>
+                  <a:schemeClr val="tx1"/>
+                </a:solidFill>
+                <a:latin typeface="Arial" charset="0"/>
+                <a:ea typeface="ＭＳ Ｐゴシック" charset="0"/>
+              </a:defRPr>
+            </a:lvl9pPr>
+          </a:lstStyle>
+          <a:p>
+            <a:pPr eaLnBrk="1" hangingPunct="1"/>
+            <a:r>
+              <a:rPr lang="en-US" sz="1400" dirty="0" smtClean="0">
+                <a:latin typeface="Courier"/>
+                <a:cs typeface="Courier"/>
+              </a:rPr>
+              <a:t>1   </a:t>
+            </a:r>
+            <a:r>
+              <a:rPr lang="en-US" sz="1400" b="1" dirty="0" err="1">
+                <a:latin typeface="Courier"/>
+                <a:cs typeface="Courier"/>
+              </a:rPr>
+              <a:t>f</a:t>
+            </a:r>
+            <a:r>
+              <a:rPr lang="en-US" sz="1400" b="1" dirty="0" err="1" smtClean="0">
+                <a:latin typeface="Courier"/>
+                <a:cs typeface="Courier"/>
+              </a:rPr>
+              <a:t>orall</a:t>
+            </a:r>
+            <a:r>
+              <a:rPr lang="en-US" sz="1400" dirty="0" smtClean="0">
+                <a:latin typeface="Courier"/>
+                <a:cs typeface="Courier"/>
+              </a:rPr>
+              <a:t> </a:t>
+            </a:r>
+            <a:r>
+              <a:rPr lang="en-US" sz="1400" dirty="0" err="1" smtClean="0">
+                <a:latin typeface="Courier"/>
+                <a:cs typeface="Courier"/>
+              </a:rPr>
+              <a:t>i</a:t>
+            </a:r>
+            <a:r>
+              <a:rPr lang="en-US" sz="1400" dirty="0" smtClean="0">
+                <a:latin typeface="Courier"/>
+                <a:cs typeface="Courier"/>
+              </a:rPr>
+              <a:t> </a:t>
+            </a:r>
+            <a:r>
+              <a:rPr lang="en-US" sz="1400" b="1" dirty="0" smtClean="0">
+                <a:latin typeface="Courier"/>
+                <a:cs typeface="Courier"/>
+              </a:rPr>
+              <a:t>in</a:t>
+            </a:r>
+            <a:r>
+              <a:rPr lang="en-US" sz="1400" dirty="0" smtClean="0">
+                <a:latin typeface="Courier"/>
+                <a:cs typeface="Courier"/>
+              </a:rPr>
+              <a:t> </a:t>
+            </a:r>
+            <a:r>
+              <a:rPr lang="en-US" sz="1400" dirty="0" err="1" smtClean="0">
+                <a:latin typeface="Courier"/>
+                <a:cs typeface="Courier"/>
+              </a:rPr>
+              <a:t>s..e</a:t>
+            </a:r>
+            <a:r>
+              <a:rPr lang="en-US" sz="1400" dirty="0" smtClean="0">
+                <a:latin typeface="Courier"/>
+                <a:cs typeface="Courier"/>
+              </a:rPr>
+              <a:t> </a:t>
+            </a:r>
+            <a:r>
+              <a:rPr lang="en-US" sz="1400" b="1" dirty="0" smtClean="0">
+                <a:latin typeface="Courier"/>
+                <a:cs typeface="Courier"/>
+              </a:rPr>
+              <a:t>by</a:t>
+            </a:r>
+            <a:r>
+              <a:rPr lang="en-US" sz="1400" dirty="0" smtClean="0">
+                <a:latin typeface="Courier"/>
+                <a:cs typeface="Courier"/>
+              </a:rPr>
+              <a:t> n {</a:t>
+            </a:r>
+          </a:p>
+          <a:p>
+            <a:pPr eaLnBrk="1" hangingPunct="1"/>
+            <a:r>
+              <a:rPr lang="en-US" sz="1400" dirty="0" smtClean="0">
+                <a:latin typeface="Courier"/>
+                <a:cs typeface="Courier"/>
+              </a:rPr>
+              <a:t>2        </a:t>
+            </a:r>
+            <a:r>
+              <a:rPr lang="en-US" sz="1400" b="1" dirty="0" smtClean="0">
+                <a:solidFill>
+                  <a:srgbClr val="660066"/>
+                </a:solidFill>
+                <a:latin typeface="Courier"/>
+                <a:cs typeface="Courier"/>
+              </a:rPr>
+              <a:t>//affine array expressions</a:t>
+            </a:r>
+          </a:p>
+          <a:p>
+            <a:pPr eaLnBrk="1" hangingPunct="1"/>
+            <a:r>
+              <a:rPr lang="en-US" sz="1400" dirty="0" smtClean="0">
+                <a:latin typeface="Courier"/>
+                <a:cs typeface="Courier"/>
+              </a:rPr>
+              <a:t>3</a:t>
+            </a:r>
+            <a:r>
+              <a:rPr lang="en-US" sz="1400" b="1" dirty="0" smtClean="0">
+                <a:solidFill>
+                  <a:srgbClr val="660066"/>
+                </a:solidFill>
+                <a:latin typeface="Courier"/>
+                <a:cs typeface="Courier"/>
+              </a:rPr>
+              <a:t>        </a:t>
+            </a:r>
+            <a:r>
+              <a:rPr lang="en-US" sz="1400" dirty="0" smtClean="0">
+                <a:latin typeface="Courier"/>
+                <a:cs typeface="Courier"/>
+              </a:rPr>
+              <a:t>A1[a1*i+b1] = A2[a2*i+b2] + 3;</a:t>
+            </a:r>
+          </a:p>
+          <a:p>
+            <a:pPr eaLnBrk="1" hangingPunct="1"/>
+            <a:r>
+              <a:rPr lang="en-US" sz="1400" dirty="0" smtClean="0">
+                <a:latin typeface="Courier"/>
+                <a:cs typeface="Courier"/>
+              </a:rPr>
+              <a:t>4   }</a:t>
+            </a:r>
+            <a:endParaRPr lang="en-US" sz="1400" dirty="0">
+              <a:latin typeface="Courier"/>
+              <a:cs typeface="Courier"/>
+            </a:endParaRPr>
+          </a:p>
+        </p:txBody>
+      </p:sp>
+      <p:sp>
+        <p:nvSpPr>
+          <p:cNvPr id="23" name="Rounded Rectangle 22"/>
+          <p:cNvSpPr/>
+          <p:nvPr/>
+        </p:nvSpPr>
+        <p:spPr>
+          <a:xfrm>
+            <a:off x="483171" y="122080"/>
+            <a:ext cx="4245901" cy="1011471"/>
+          </a:xfrm>
+          <a:prstGeom prst="roundRect">
+            <a:avLst/>
+          </a:prstGeom>
+          <a:solidFill>
+            <a:schemeClr val="bg1">
+              <a:lumMod val="95000"/>
+              <a:alpha val="12000"/>
+            </a:schemeClr>
+          </a:solidFill>
+          <a:ln>
+            <a:solidFill>
+              <a:schemeClr val="tx1"/>
+            </a:solidFill>
+          </a:ln>
+        </p:spPr>
+        <p:style>
+          <a:lnRef idx="1">
+            <a:schemeClr val="accent1"/>
+          </a:lnRef>
+          <a:fillRef idx="3">
+            <a:schemeClr val="accent1"/>
+          </a:fillRef>
+          <a:effectRef idx="2">
+            <a:schemeClr val="accent1"/>
+          </a:effectRef>
+          <a:fontRef idx="minor">
+            <a:schemeClr val="lt1"/>
+          </a:fontRef>
+        </p:style>
+        <p:txBody>
+          <a:bodyPr rtlCol="0" anchor="ctr"/>
+          <a:lstStyle/>
+          <a:p>
+            <a:pPr algn="ctr"/>
+            <a:endParaRPr lang="en-US" sz="1400"/>
+          </a:p>
+        </p:txBody>
+      </p:sp>
+      <p:sp>
+        <p:nvSpPr>
+          <p:cNvPr id="25" name="TextBox 24"/>
+          <p:cNvSpPr txBox="1">
+            <a:spLocks noChangeArrowheads="1"/>
+          </p:cNvSpPr>
+          <p:nvPr/>
+        </p:nvSpPr>
+        <p:spPr bwMode="auto">
+          <a:xfrm>
+            <a:off x="437539" y="1405378"/>
+            <a:ext cx="6731985" cy="1600438"/>
+          </a:xfrm>
+          <a:prstGeom prst="rect">
+            <a:avLst/>
+          </a:prstGeom>
+          <a:noFill/>
+          <a:ln>
+            <a:noFill/>
+          </a:ln>
+          <a:extLst>
+            <a:ext uri="{909E8E84-426E-40dd-AFC4-6F175D3DCCD1}">
+              <a14:hiddenFill xmlns:a14="http://schemas.microsoft.com/office/drawing/2010/main">
+                <a:solidFill>
+                  <a:srgbClr val="FFFFFF"/>
+                </a:solidFill>
+              </a14:hiddenFill>
+            </a:ext>
+            <a:ext uri="{91240B29-F687-4f45-9708-019B960494DF}">
+              <a14:hiddenLine xmlns:a14="http://schemas.microsoft.com/office/drawing/2010/main" w="9525">
+                <a:solidFill>
+                  <a:srgbClr val="000000"/>
+                </a:solidFill>
+                <a:miter lim="800000"/>
+                <a:headEnd/>
+                <a:tailEnd/>
+              </a14:hiddenLine>
+            </a:ext>
+          </a:extLst>
+        </p:spPr>
+        <p:txBody>
+          <a:bodyPr wrap="square">
+            <a:spAutoFit/>
+          </a:bodyPr>
+          <a:lstStyle>
+            <a:lvl1pPr eaLnBrk="0" hangingPunct="0">
+              <a:defRPr sz="2400">
+                <a:solidFill>
+                  <a:schemeClr val="tx1"/>
+                </a:solidFill>
+                <a:latin typeface="Arial" charset="0"/>
+                <a:ea typeface="ＭＳ Ｐゴシック" charset="0"/>
+                <a:cs typeface="ＭＳ Ｐゴシック" charset="0"/>
+              </a:defRPr>
+            </a:lvl1pPr>
+            <a:lvl2pPr marL="742950" indent="-285750" eaLnBrk="0" hangingPunct="0">
+              <a:defRPr sz="2400">
+                <a:solidFill>
+                  <a:schemeClr val="tx1"/>
+                </a:solidFill>
+                <a:latin typeface="Arial" charset="0"/>
+                <a:ea typeface="ＭＳ Ｐゴシック" charset="0"/>
+              </a:defRPr>
+            </a:lvl2pPr>
+            <a:lvl3pPr marL="1143000" indent="-228600" eaLnBrk="0" hangingPunct="0">
+              <a:defRPr sz="2400">
+                <a:solidFill>
+                  <a:schemeClr val="tx1"/>
+                </a:solidFill>
+                <a:latin typeface="Arial" charset="0"/>
+                <a:ea typeface="ＭＳ Ｐゴシック" charset="0"/>
+              </a:defRPr>
+            </a:lvl3pPr>
+            <a:lvl4pPr marL="1600200" indent="-228600" eaLnBrk="0" hangingPunct="0">
+              <a:defRPr sz="2400">
+                <a:solidFill>
+                  <a:schemeClr val="tx1"/>
+                </a:solidFill>
+                <a:latin typeface="Arial" charset="0"/>
+                <a:ea typeface="ＭＳ Ｐゴシック" charset="0"/>
+              </a:defRPr>
+            </a:lvl4pPr>
+            <a:lvl5pPr marL="2057400" indent="-228600" eaLnBrk="0" hangingPunct="0">
+              <a:defRPr sz="2400">
+                <a:solidFill>
+                  <a:schemeClr val="tx1"/>
+                </a:solidFill>
+                <a:latin typeface="Arial" charset="0"/>
+                <a:ea typeface="ＭＳ Ｐゴシック" charset="0"/>
+              </a:defRPr>
+            </a:lvl5pPr>
+            <a:lvl6pPr marL="2514600" indent="-228600" eaLnBrk="0" fontAlgn="base" hangingPunct="0">
+              <a:spcBef>
+                <a:spcPct val="0"/>
+              </a:spcBef>
+              <a:spcAft>
+                <a:spcPct val="0"/>
+              </a:spcAft>
+              <a:defRPr sz="2400">
+                <a:solidFill>
+                  <a:schemeClr val="tx1"/>
+                </a:solidFill>
+                <a:latin typeface="Arial" charset="0"/>
+                <a:ea typeface="ＭＳ Ｐゴシック" charset="0"/>
+              </a:defRPr>
+            </a:lvl6pPr>
+            <a:lvl7pPr marL="2971800" indent="-228600" eaLnBrk="0" fontAlgn="base" hangingPunct="0">
+              <a:spcBef>
+                <a:spcPct val="0"/>
+              </a:spcBef>
+              <a:spcAft>
+                <a:spcPct val="0"/>
+              </a:spcAft>
+              <a:defRPr sz="2400">
+                <a:solidFill>
+                  <a:schemeClr val="tx1"/>
+                </a:solidFill>
+                <a:latin typeface="Arial" charset="0"/>
+                <a:ea typeface="ＭＳ Ｐゴシック" charset="0"/>
+              </a:defRPr>
+            </a:lvl7pPr>
+            <a:lvl8pPr marL="3429000" indent="-228600" eaLnBrk="0" fontAlgn="base" hangingPunct="0">
+              <a:spcBef>
+                <a:spcPct val="0"/>
+              </a:spcBef>
+              <a:spcAft>
+                <a:spcPct val="0"/>
+              </a:spcAft>
+              <a:defRPr sz="2400">
+                <a:solidFill>
+                  <a:schemeClr val="tx1"/>
+                </a:solidFill>
+                <a:latin typeface="Arial" charset="0"/>
+                <a:ea typeface="ＭＳ Ｐゴシック" charset="0"/>
+              </a:defRPr>
+            </a:lvl8pPr>
+            <a:lvl9pPr marL="3886200" indent="-228600" eaLnBrk="0" fontAlgn="base" hangingPunct="0">
+              <a:spcBef>
+                <a:spcPct val="0"/>
+              </a:spcBef>
+              <a:spcAft>
+                <a:spcPct val="0"/>
+              </a:spcAft>
+              <a:defRPr sz="2400">
+                <a:solidFill>
+                  <a:schemeClr val="tx1"/>
+                </a:solidFill>
+                <a:latin typeface="Arial" charset="0"/>
+                <a:ea typeface="ＭＳ Ｐゴシック" charset="0"/>
+              </a:defRPr>
+            </a:lvl9pPr>
+          </a:lstStyle>
+          <a:p>
+            <a:pPr eaLnBrk="1" hangingPunct="1"/>
+            <a:r>
+              <a:rPr lang="en-US" sz="1400" dirty="0" smtClean="0">
+                <a:latin typeface="Courier"/>
+                <a:cs typeface="Courier"/>
+              </a:rPr>
+              <a:t>1   </a:t>
+            </a:r>
+            <a:r>
+              <a:rPr lang="en-US" sz="1400" b="1" dirty="0" smtClean="0">
+                <a:latin typeface="Courier"/>
+                <a:cs typeface="Courier"/>
+              </a:rPr>
+              <a:t>for</a:t>
+            </a:r>
+            <a:r>
+              <a:rPr lang="en-US" sz="1400" dirty="0" smtClean="0">
+                <a:latin typeface="Courier"/>
+                <a:cs typeface="Courier"/>
+              </a:rPr>
+              <a:t> k </a:t>
+            </a:r>
+            <a:r>
+              <a:rPr lang="en-US" sz="1400" b="1" dirty="0" smtClean="0">
+                <a:latin typeface="Courier"/>
+                <a:cs typeface="Courier"/>
+              </a:rPr>
+              <a:t>in</a:t>
+            </a:r>
+            <a:r>
+              <a:rPr lang="en-US" sz="1400" dirty="0" smtClean="0">
+                <a:latin typeface="Courier"/>
+                <a:cs typeface="Courier"/>
+              </a:rPr>
+              <a:t> 0..((lcm(</a:t>
+            </a:r>
+            <a:r>
+              <a:rPr lang="en-US" sz="1400" dirty="0" err="1" smtClean="0">
+                <a:latin typeface="Courier"/>
+                <a:cs typeface="Courier"/>
+              </a:rPr>
+              <a:t>B,n</a:t>
+            </a:r>
+            <a:r>
+              <a:rPr lang="en-US" sz="1400" dirty="0" smtClean="0">
+                <a:latin typeface="Courier"/>
+                <a:cs typeface="Courier"/>
+              </a:rPr>
+              <a:t>)/n)-1) {</a:t>
+            </a:r>
+          </a:p>
+          <a:p>
+            <a:pPr eaLnBrk="1" hangingPunct="1"/>
+            <a:r>
+              <a:rPr lang="en-US" sz="1400" dirty="0" smtClean="0">
+                <a:latin typeface="Courier"/>
+                <a:cs typeface="Courier"/>
+              </a:rPr>
+              <a:t>2        </a:t>
+            </a:r>
+            <a:r>
+              <a:rPr lang="en-US" sz="1400" b="1" dirty="0" err="1" smtClean="0">
+                <a:latin typeface="Courier"/>
+                <a:cs typeface="Courier"/>
+              </a:rPr>
+              <a:t>forall</a:t>
+            </a:r>
+            <a:r>
+              <a:rPr lang="en-US" sz="1400" dirty="0" smtClean="0">
+                <a:latin typeface="Courier"/>
+                <a:cs typeface="Courier"/>
+              </a:rPr>
+              <a:t> </a:t>
+            </a:r>
+            <a:r>
+              <a:rPr lang="en-US" sz="1400" dirty="0" err="1" smtClean="0">
+                <a:latin typeface="Courier"/>
+                <a:cs typeface="Courier"/>
+              </a:rPr>
+              <a:t>i</a:t>
+            </a:r>
+            <a:r>
+              <a:rPr lang="en-US" sz="1400" dirty="0" smtClean="0">
+                <a:latin typeface="Courier"/>
+                <a:cs typeface="Courier"/>
+              </a:rPr>
+              <a:t> </a:t>
+            </a:r>
+            <a:r>
+              <a:rPr lang="en-US" sz="1400" b="1" dirty="0" smtClean="0">
+                <a:latin typeface="Courier"/>
+                <a:cs typeface="Courier"/>
+              </a:rPr>
+              <a:t>in</a:t>
+            </a:r>
+            <a:r>
+              <a:rPr lang="en-US" sz="1400" dirty="0" smtClean="0">
+                <a:latin typeface="Courier"/>
+                <a:cs typeface="Courier"/>
+              </a:rPr>
+              <a:t> (</a:t>
+            </a:r>
+            <a:r>
+              <a:rPr lang="en-US" sz="1400" dirty="0" err="1" smtClean="0">
+                <a:latin typeface="Courier"/>
+                <a:cs typeface="Courier"/>
+              </a:rPr>
+              <a:t>s+k</a:t>
+            </a:r>
+            <a:r>
+              <a:rPr lang="en-US" sz="1400" dirty="0" smtClean="0">
+                <a:latin typeface="Courier"/>
+                <a:cs typeface="Courier"/>
+              </a:rPr>
+              <a:t>*n)..e </a:t>
+            </a:r>
+            <a:r>
+              <a:rPr lang="en-US" sz="1400" b="1" dirty="0" smtClean="0">
+                <a:latin typeface="Courier"/>
+                <a:cs typeface="Courier"/>
+              </a:rPr>
+              <a:t>by</a:t>
+            </a:r>
+            <a:r>
+              <a:rPr lang="en-US" sz="1400" dirty="0" smtClean="0">
+                <a:latin typeface="Courier"/>
+                <a:cs typeface="Courier"/>
+              </a:rPr>
+              <a:t> lcm(</a:t>
+            </a:r>
+            <a:r>
+              <a:rPr lang="en-US" sz="1400" dirty="0" err="1" smtClean="0">
+                <a:latin typeface="Courier"/>
+                <a:cs typeface="Courier"/>
+              </a:rPr>
+              <a:t>B,n</a:t>
+            </a:r>
+            <a:r>
+              <a:rPr lang="en-US" sz="1400" dirty="0" smtClean="0">
+                <a:latin typeface="Courier"/>
+                <a:cs typeface="Courier"/>
+              </a:rPr>
+              <a:t>) {</a:t>
+            </a:r>
+          </a:p>
+          <a:p>
+            <a:pPr eaLnBrk="1" hangingPunct="1"/>
+            <a:r>
+              <a:rPr lang="en-US" sz="1400" dirty="0" smtClean="0">
+                <a:latin typeface="Courier"/>
+                <a:cs typeface="Courier"/>
+              </a:rPr>
+              <a:t>3             </a:t>
+            </a:r>
+            <a:r>
+              <a:rPr lang="en-US" sz="1400" b="1" dirty="0" smtClean="0">
+                <a:solidFill>
+                  <a:srgbClr val="660066"/>
+                </a:solidFill>
+                <a:latin typeface="Courier"/>
+                <a:cs typeface="Courier"/>
+              </a:rPr>
+              <a:t>//affine array expressions</a:t>
+            </a:r>
+          </a:p>
+          <a:p>
+            <a:pPr eaLnBrk="1" hangingPunct="1"/>
+            <a:r>
+              <a:rPr lang="en-US" sz="1400" dirty="0" smtClean="0">
+                <a:latin typeface="Courier"/>
+                <a:cs typeface="Courier"/>
+              </a:rPr>
+              <a:t>4             A1[a1*i+b1] = A2[a2*i+b2] + 3;</a:t>
+            </a:r>
+          </a:p>
+          <a:p>
+            <a:pPr eaLnBrk="1" hangingPunct="1"/>
+            <a:r>
+              <a:rPr lang="en-US" sz="1400" dirty="0" smtClean="0">
+                <a:latin typeface="Courier"/>
+                <a:cs typeface="Courier"/>
+              </a:rPr>
+              <a:t>5   }    }</a:t>
+            </a:r>
+          </a:p>
+          <a:p>
+            <a:pPr eaLnBrk="1" hangingPunct="1"/>
+            <a:endParaRPr lang="en-US" sz="1400" dirty="0" smtClean="0">
+              <a:latin typeface="Courier"/>
+              <a:cs typeface="Courier"/>
+            </a:endParaRPr>
+          </a:p>
+          <a:p>
+            <a:pPr eaLnBrk="1" hangingPunct="1"/>
+            <a:endParaRPr lang="en-US" sz="1400" dirty="0">
+              <a:latin typeface="Courier"/>
+              <a:cs typeface="Courier"/>
+            </a:endParaRPr>
+          </a:p>
+        </p:txBody>
+      </p:sp>
+      <p:sp>
+        <p:nvSpPr>
+          <p:cNvPr id="26" name="Rounded Rectangle 25"/>
+          <p:cNvSpPr/>
+          <p:nvPr/>
+        </p:nvSpPr>
+        <p:spPr>
+          <a:xfrm>
+            <a:off x="456108" y="1405378"/>
+            <a:ext cx="5129533" cy="1268130"/>
+          </a:xfrm>
+          <a:prstGeom prst="roundRect">
+            <a:avLst/>
+          </a:prstGeom>
+          <a:solidFill>
+            <a:schemeClr val="bg1">
+              <a:lumMod val="95000"/>
+              <a:alpha val="12000"/>
+            </a:schemeClr>
+          </a:solidFill>
+          <a:ln>
+            <a:solidFill>
+              <a:schemeClr val="tx1"/>
+            </a:solidFill>
+          </a:ln>
+        </p:spPr>
+        <p:style>
+          <a:lnRef idx="1">
+            <a:schemeClr val="accent1"/>
+          </a:lnRef>
+          <a:fillRef idx="3">
+            <a:schemeClr val="accent1"/>
+          </a:fillRef>
+          <a:effectRef idx="2">
+            <a:schemeClr val="accent1"/>
+          </a:effectRef>
+          <a:fontRef idx="minor">
+            <a:schemeClr val="lt1"/>
+          </a:fontRef>
+        </p:style>
+        <p:txBody>
+          <a:bodyPr rtlCol="0" anchor="ctr"/>
+          <a:lstStyle/>
+          <a:p>
+            <a:pPr algn="ctr"/>
+            <a:endParaRPr lang="en-US" sz="1400"/>
+          </a:p>
+        </p:txBody>
+      </p:sp>
+      <p:grpSp>
+        <p:nvGrpSpPr>
+          <p:cNvPr id="14" name="Group 13"/>
+          <p:cNvGrpSpPr/>
+          <p:nvPr/>
+        </p:nvGrpSpPr>
+        <p:grpSpPr>
+          <a:xfrm>
+            <a:off x="424027" y="2860363"/>
+            <a:ext cx="8932758" cy="3849444"/>
+            <a:chOff x="424026" y="3154751"/>
+            <a:chExt cx="8932758" cy="3849444"/>
+          </a:xfrm>
+        </p:grpSpPr>
+        <p:sp>
+          <p:nvSpPr>
+            <p:cNvPr id="32" name="TextBox 31"/>
+            <p:cNvSpPr txBox="1">
+              <a:spLocks noChangeArrowheads="1"/>
+            </p:cNvSpPr>
+            <p:nvPr/>
+          </p:nvSpPr>
+          <p:spPr bwMode="auto">
+            <a:xfrm>
+              <a:off x="587777" y="3249321"/>
+              <a:ext cx="8769007" cy="3754874"/>
+            </a:xfrm>
+            <a:prstGeom prst="rect">
+              <a:avLst/>
+            </a:prstGeom>
+            <a:noFill/>
+            <a:ln>
+              <a:noFill/>
+            </a:ln>
+            <a:extLst>
+              <a:ext uri="{909E8E84-426E-40dd-AFC4-6F175D3DCCD1}">
+                <a14:hiddenFill xmlns:a14="http://schemas.microsoft.com/office/drawing/2010/main">
+                  <a:solidFill>
+                    <a:srgbClr val="FFFFFF"/>
+                  </a:solidFill>
+                </a14:hiddenFill>
+              </a:ext>
+              <a:ext uri="{91240B29-F687-4f45-9708-019B960494DF}">
+                <a14:hiddenLine xmlns:a14="http://schemas.microsoft.com/office/drawing/2010/main" w="9525">
+                  <a:solidFill>
+                    <a:srgbClr val="000000"/>
+                  </a:solidFill>
+                  <a:miter lim="800000"/>
+                  <a:headEnd/>
+                  <a:tailEnd/>
+                </a14:hiddenLine>
+              </a:ext>
+            </a:extLst>
+          </p:spPr>
+          <p:txBody>
+            <a:bodyPr wrap="square">
+              <a:spAutoFit/>
+            </a:bodyPr>
+            <a:lstStyle>
+              <a:lvl1pPr eaLnBrk="0" hangingPunct="0">
+                <a:defRPr sz="2400">
+                  <a:solidFill>
+                    <a:schemeClr val="tx1"/>
+                  </a:solidFill>
+                  <a:latin typeface="Arial" charset="0"/>
+                  <a:ea typeface="ＭＳ Ｐゴシック" charset="0"/>
+                  <a:cs typeface="ＭＳ Ｐゴシック" charset="0"/>
+                </a:defRPr>
+              </a:lvl1pPr>
+              <a:lvl2pPr marL="742950" indent="-285750" eaLnBrk="0" hangingPunct="0">
+                <a:defRPr sz="2400">
+                  <a:solidFill>
+                    <a:schemeClr val="tx1"/>
+                  </a:solidFill>
+                  <a:latin typeface="Arial" charset="0"/>
+                  <a:ea typeface="ＭＳ Ｐゴシック" charset="0"/>
+                </a:defRPr>
+              </a:lvl2pPr>
+              <a:lvl3pPr marL="1143000" indent="-228600" eaLnBrk="0" hangingPunct="0">
+                <a:defRPr sz="2400">
+                  <a:solidFill>
+                    <a:schemeClr val="tx1"/>
+                  </a:solidFill>
+                  <a:latin typeface="Arial" charset="0"/>
+                  <a:ea typeface="ＭＳ Ｐゴシック" charset="0"/>
+                </a:defRPr>
+              </a:lvl3pPr>
+              <a:lvl4pPr marL="1600200" indent="-228600" eaLnBrk="0" hangingPunct="0">
+                <a:defRPr sz="2400">
+                  <a:solidFill>
+                    <a:schemeClr val="tx1"/>
+                  </a:solidFill>
+                  <a:latin typeface="Arial" charset="0"/>
+                  <a:ea typeface="ＭＳ Ｐゴシック" charset="0"/>
+                </a:defRPr>
+              </a:lvl4pPr>
+              <a:lvl5pPr marL="2057400" indent="-228600" eaLnBrk="0" hangingPunct="0">
+                <a:defRPr sz="2400">
+                  <a:solidFill>
+                    <a:schemeClr val="tx1"/>
+                  </a:solidFill>
+                  <a:latin typeface="Arial" charset="0"/>
+                  <a:ea typeface="ＭＳ Ｐゴシック" charset="0"/>
+                </a:defRPr>
+              </a:lvl5pPr>
+              <a:lvl6pPr marL="2514600" indent="-228600" eaLnBrk="0" fontAlgn="base" hangingPunct="0">
+                <a:spcBef>
+                  <a:spcPct val="0"/>
+                </a:spcBef>
+                <a:spcAft>
+                  <a:spcPct val="0"/>
+                </a:spcAft>
+                <a:defRPr sz="2400">
+                  <a:solidFill>
+                    <a:schemeClr val="tx1"/>
+                  </a:solidFill>
+                  <a:latin typeface="Arial" charset="0"/>
+                  <a:ea typeface="ＭＳ Ｐゴシック" charset="0"/>
+                </a:defRPr>
+              </a:lvl6pPr>
+              <a:lvl7pPr marL="2971800" indent="-228600" eaLnBrk="0" fontAlgn="base" hangingPunct="0">
+                <a:spcBef>
+                  <a:spcPct val="0"/>
+                </a:spcBef>
+                <a:spcAft>
+                  <a:spcPct val="0"/>
+                </a:spcAft>
+                <a:defRPr sz="2400">
+                  <a:solidFill>
+                    <a:schemeClr val="tx1"/>
+                  </a:solidFill>
+                  <a:latin typeface="Arial" charset="0"/>
+                  <a:ea typeface="ＭＳ Ｐゴシック" charset="0"/>
+                </a:defRPr>
+              </a:lvl7pPr>
+              <a:lvl8pPr marL="3429000" indent="-228600" eaLnBrk="0" fontAlgn="base" hangingPunct="0">
+                <a:spcBef>
+                  <a:spcPct val="0"/>
+                </a:spcBef>
+                <a:spcAft>
+                  <a:spcPct val="0"/>
+                </a:spcAft>
+                <a:defRPr sz="2400">
+                  <a:solidFill>
+                    <a:schemeClr val="tx1"/>
+                  </a:solidFill>
+                  <a:latin typeface="Arial" charset="0"/>
+                  <a:ea typeface="ＭＳ Ｐゴシック" charset="0"/>
+                </a:defRPr>
+              </a:lvl8pPr>
+              <a:lvl9pPr marL="3886200" indent="-228600" eaLnBrk="0" fontAlgn="base" hangingPunct="0">
+                <a:spcBef>
+                  <a:spcPct val="0"/>
+                </a:spcBef>
+                <a:spcAft>
+                  <a:spcPct val="0"/>
+                </a:spcAft>
+                <a:defRPr sz="2400">
+                  <a:solidFill>
+                    <a:schemeClr val="tx1"/>
+                  </a:solidFill>
+                  <a:latin typeface="Arial" charset="0"/>
+                  <a:ea typeface="ＭＳ Ｐゴシック" charset="0"/>
+                </a:defRPr>
+              </a:lvl9pPr>
+            </a:lstStyle>
+            <a:p>
+              <a:pPr eaLnBrk="1" hangingPunct="1"/>
+              <a:r>
+                <a:rPr lang="en-US" sz="1400" dirty="0" smtClean="0">
+                  <a:latin typeface="Courier"/>
+                  <a:cs typeface="Courier"/>
+                </a:rPr>
+                <a:t>1</a:t>
+              </a:r>
+              <a:r>
+                <a:rPr lang="en-US" sz="1400" b="1" dirty="0">
+                  <a:latin typeface="Courier"/>
+                  <a:cs typeface="Courier"/>
+                </a:rPr>
+                <a:t> </a:t>
+              </a:r>
+              <a:r>
+                <a:rPr lang="en-US" sz="1400" b="1" dirty="0" smtClean="0">
+                  <a:latin typeface="Courier"/>
+                  <a:cs typeface="Courier"/>
+                </a:rPr>
+                <a:t> for</a:t>
+              </a:r>
+              <a:r>
+                <a:rPr lang="en-US" sz="1400" dirty="0" smtClean="0">
+                  <a:latin typeface="Courier"/>
+                  <a:cs typeface="Courier"/>
+                </a:rPr>
+                <a:t> k </a:t>
+              </a:r>
+              <a:r>
+                <a:rPr lang="en-US" sz="1400" b="1" dirty="0" smtClean="0">
+                  <a:latin typeface="Courier"/>
+                  <a:cs typeface="Courier"/>
+                </a:rPr>
+                <a:t>in</a:t>
+              </a:r>
+              <a:r>
+                <a:rPr lang="en-US" sz="1400" dirty="0" smtClean="0">
+                  <a:latin typeface="Courier"/>
+                  <a:cs typeface="Courier"/>
+                </a:rPr>
+                <a:t> 0..((lcm(</a:t>
+              </a:r>
+              <a:r>
+                <a:rPr lang="en-US" sz="1400" dirty="0" err="1" smtClean="0">
+                  <a:latin typeface="Courier"/>
+                  <a:cs typeface="Courier"/>
+                </a:rPr>
+                <a:t>B,n</a:t>
+              </a:r>
+              <a:r>
+                <a:rPr lang="en-US" sz="1400" dirty="0" smtClean="0">
+                  <a:latin typeface="Courier"/>
+                  <a:cs typeface="Courier"/>
+                </a:rPr>
+                <a:t>)/n)-1) {</a:t>
+              </a:r>
+            </a:p>
+            <a:p>
+              <a:pPr eaLnBrk="1" hangingPunct="1"/>
+              <a:r>
+                <a:rPr lang="en-US" sz="1400" dirty="0" smtClean="0">
+                  <a:latin typeface="Courier"/>
+                  <a:cs typeface="Courier"/>
+                </a:rPr>
+                <a:t>2</a:t>
+              </a:r>
+              <a:r>
+                <a:rPr lang="en-US" sz="1400" dirty="0">
+                  <a:latin typeface="Courier"/>
+                  <a:cs typeface="Courier"/>
+                </a:rPr>
+                <a:t> </a:t>
+              </a:r>
+              <a:r>
+                <a:rPr lang="en-US" sz="1400" dirty="0" smtClean="0">
+                  <a:latin typeface="Courier"/>
+                  <a:cs typeface="Courier"/>
+                </a:rPr>
+                <a:t>    </a:t>
+              </a:r>
+              <a:r>
+                <a:rPr lang="en-US" sz="1400" b="1" dirty="0" smtClean="0">
+                  <a:latin typeface="Courier"/>
+                  <a:cs typeface="Courier"/>
+                </a:rPr>
+                <a:t>for</a:t>
+              </a:r>
+              <a:r>
+                <a:rPr lang="en-US" sz="1400" dirty="0" smtClean="0">
+                  <a:latin typeface="Courier"/>
+                  <a:cs typeface="Courier"/>
+                </a:rPr>
+                <a:t> j </a:t>
+              </a:r>
+              <a:r>
+                <a:rPr lang="en-US" sz="1400" b="1" dirty="0" smtClean="0">
+                  <a:latin typeface="Courier"/>
+                  <a:cs typeface="Courier"/>
+                </a:rPr>
+                <a:t>in</a:t>
+              </a:r>
+              <a:r>
+                <a:rPr lang="en-US" sz="1400" dirty="0" smtClean="0">
+                  <a:latin typeface="Courier"/>
+                  <a:cs typeface="Courier"/>
+                </a:rPr>
+                <a:t> 0..N-1 {</a:t>
+              </a:r>
+            </a:p>
+            <a:p>
+              <a:pPr eaLnBrk="1" hangingPunct="1"/>
+              <a:r>
+                <a:rPr lang="en-US" sz="1400" dirty="0" smtClean="0">
+                  <a:latin typeface="Courier"/>
+                  <a:cs typeface="Courier"/>
+                </a:rPr>
+                <a:t>3        </a:t>
+              </a:r>
+              <a:r>
+                <a:rPr lang="en-US" sz="1400" b="1" dirty="0" smtClean="0">
+                  <a:latin typeface="Courier"/>
+                  <a:cs typeface="Courier"/>
+                </a:rPr>
+                <a:t>if</a:t>
+              </a:r>
+              <a:r>
+                <a:rPr lang="en-US" sz="1400" dirty="0" smtClean="0">
+                  <a:latin typeface="Courier"/>
+                  <a:cs typeface="Courier"/>
+                </a:rPr>
+                <a:t>(f(</a:t>
+              </a:r>
+              <a:r>
+                <a:rPr lang="en-US" sz="1400" dirty="0" err="1" smtClean="0">
+                  <a:latin typeface="Courier"/>
+                  <a:cs typeface="Courier"/>
+                </a:rPr>
+                <a:t>s+k</a:t>
+              </a:r>
+              <a:r>
+                <a:rPr lang="en-US" sz="1400" dirty="0" smtClean="0">
+                  <a:latin typeface="Courier"/>
+                  <a:cs typeface="Courier"/>
+                </a:rPr>
+                <a:t>*</a:t>
+              </a:r>
+              <a:r>
+                <a:rPr lang="en-US" sz="1400" dirty="0" err="1" smtClean="0">
+                  <a:latin typeface="Courier"/>
+                  <a:cs typeface="Courier"/>
+                </a:rPr>
+                <a:t>n+lcm</a:t>
+              </a:r>
+              <a:r>
+                <a:rPr lang="en-US" sz="1400" dirty="0" smtClean="0">
+                  <a:latin typeface="Courier"/>
+                  <a:cs typeface="Courier"/>
+                </a:rPr>
+                <a:t>(</a:t>
+              </a:r>
+              <a:r>
+                <a:rPr lang="en-US" sz="1400" dirty="0" err="1" smtClean="0">
+                  <a:latin typeface="Courier"/>
+                  <a:cs typeface="Courier"/>
+                </a:rPr>
+                <a:t>B,n</a:t>
+              </a:r>
+              <a:r>
+                <a:rPr lang="en-US" sz="1400" dirty="0" smtClean="0">
+                  <a:latin typeface="Courier"/>
+                  <a:cs typeface="Courier"/>
+                </a:rPr>
+                <a:t>)*j)/B mod N == $) {</a:t>
+              </a:r>
+            </a:p>
+            <a:p>
+              <a:pPr eaLnBrk="1" hangingPunct="1"/>
+              <a:r>
+                <a:rPr lang="en-US" sz="1400" dirty="0" smtClean="0">
+                  <a:latin typeface="Courier"/>
+                  <a:cs typeface="Courier"/>
+                </a:rPr>
+                <a:t>4           </a:t>
+              </a:r>
+              <a:r>
+                <a:rPr lang="en-US" sz="1400" b="1" dirty="0" smtClean="0">
+                  <a:solidFill>
+                    <a:srgbClr val="660066"/>
+                  </a:solidFill>
+                  <a:latin typeface="Courier"/>
+                  <a:cs typeface="Courier"/>
+                </a:rPr>
+                <a:t>//fetch elements from affine array expressions</a:t>
+              </a:r>
+            </a:p>
+            <a:p>
+              <a:pPr eaLnBrk="1" hangingPunct="1"/>
+              <a:r>
+                <a:rPr lang="en-US" sz="1400" dirty="0" smtClean="0">
+                  <a:latin typeface="Courier"/>
+                  <a:cs typeface="Courier"/>
+                </a:rPr>
+                <a:t>5</a:t>
+              </a:r>
+              <a:r>
+                <a:rPr lang="en-US" sz="1400" dirty="0" smtClean="0">
+                  <a:solidFill>
+                    <a:srgbClr val="660066"/>
+                  </a:solidFill>
+                  <a:latin typeface="Courier"/>
+                  <a:cs typeface="Courier"/>
+                </a:rPr>
+                <a:t>   </a:t>
+              </a:r>
+              <a:r>
+                <a:rPr lang="en-US" sz="1400" dirty="0">
+                  <a:solidFill>
+                    <a:srgbClr val="660066"/>
+                  </a:solidFill>
+                  <a:latin typeface="Courier"/>
+                  <a:cs typeface="Courier"/>
+                </a:rPr>
+                <a:t>	 </a:t>
+              </a:r>
+              <a:r>
+                <a:rPr lang="en-US" sz="1400" dirty="0" smtClean="0">
+                  <a:solidFill>
+                    <a:srgbClr val="660066"/>
+                  </a:solidFill>
+                  <a:latin typeface="Courier"/>
+                  <a:cs typeface="Courier"/>
+                </a:rPr>
+                <a:t>      </a:t>
+              </a:r>
+              <a:r>
+                <a:rPr lang="en-US" sz="1400" b="1" dirty="0" smtClean="0">
+                  <a:solidFill>
+                    <a:srgbClr val="660066"/>
+                  </a:solidFill>
+                  <a:latin typeface="Courier"/>
+                  <a:cs typeface="Courier"/>
+                </a:rPr>
+                <a:t>//that are not owning expressions of the loop</a:t>
+              </a:r>
+            </a:p>
+            <a:p>
+              <a:pPr eaLnBrk="1" hangingPunct="1"/>
+              <a:r>
+                <a:rPr lang="en-US" sz="1400" dirty="0" smtClean="0">
+                  <a:latin typeface="Courier"/>
+                  <a:cs typeface="Courier"/>
+                </a:rPr>
+                <a:t>6           </a:t>
+              </a:r>
+              <a:r>
+                <a:rPr lang="en-US" sz="1400" b="1" dirty="0" err="1" smtClean="0">
+                  <a:latin typeface="Courier"/>
+                  <a:cs typeface="Courier"/>
+                </a:rPr>
+                <a:t>var</a:t>
+              </a:r>
+              <a:r>
+                <a:rPr lang="en-US" sz="1400" dirty="0" smtClean="0">
+                  <a:latin typeface="Courier"/>
+                  <a:cs typeface="Courier"/>
+                </a:rPr>
+                <a:t> buf1 = GET(A2[(</a:t>
+              </a:r>
+              <a:r>
+                <a:rPr lang="en-US" sz="1400" dirty="0" err="1" smtClean="0">
+                  <a:latin typeface="Courier"/>
+                  <a:cs typeface="Courier"/>
+                </a:rPr>
+                <a:t>s+k</a:t>
+              </a:r>
+              <a:r>
+                <a:rPr lang="en-US" sz="1400" dirty="0" smtClean="0">
+                  <a:latin typeface="Courier"/>
+                  <a:cs typeface="Courier"/>
+                </a:rPr>
+                <a:t>*</a:t>
+              </a:r>
+              <a:r>
+                <a:rPr lang="en-US" sz="1400" dirty="0" err="1" smtClean="0">
+                  <a:latin typeface="Courier"/>
+                  <a:cs typeface="Courier"/>
+                </a:rPr>
+                <a:t>n+lcm</a:t>
+              </a:r>
+              <a:r>
+                <a:rPr lang="en-US" sz="1400" dirty="0" smtClean="0">
+                  <a:latin typeface="Courier"/>
+                  <a:cs typeface="Courier"/>
+                </a:rPr>
+                <a:t>(</a:t>
+              </a:r>
+              <a:r>
+                <a:rPr lang="en-US" sz="1400" dirty="0" err="1" smtClean="0">
+                  <a:latin typeface="Courier"/>
+                  <a:cs typeface="Courier"/>
+                </a:rPr>
+                <a:t>B,n</a:t>
+              </a:r>
+              <a:r>
+                <a:rPr lang="en-US" sz="1400" dirty="0" smtClean="0">
+                  <a:latin typeface="Courier"/>
+                  <a:cs typeface="Courier"/>
+                </a:rPr>
+                <a:t>)*j)+b2..e+b2 </a:t>
+              </a:r>
+              <a:r>
+                <a:rPr lang="en-US" sz="1400" b="1" dirty="0" smtClean="0">
+                  <a:latin typeface="Courier"/>
+                  <a:cs typeface="Courier"/>
+                </a:rPr>
+                <a:t>by</a:t>
+              </a:r>
+              <a:r>
+                <a:rPr lang="en-US" sz="1400" dirty="0" smtClean="0">
+                  <a:latin typeface="Courier"/>
+                  <a:cs typeface="Courier"/>
+                </a:rPr>
+                <a:t> N*lcm(</a:t>
+              </a:r>
+              <a:r>
+                <a:rPr lang="en-US" sz="1400" dirty="0" err="1" smtClean="0">
+                  <a:latin typeface="Courier"/>
+                  <a:cs typeface="Courier"/>
+                </a:rPr>
+                <a:t>B,n</a:t>
+              </a:r>
+              <a:r>
+                <a:rPr lang="en-US" sz="1400" dirty="0" smtClean="0">
+                  <a:latin typeface="Courier"/>
+                  <a:cs typeface="Courier"/>
+                </a:rPr>
+                <a:t>)*a2]);</a:t>
+              </a:r>
+            </a:p>
+            <a:p>
+              <a:pPr eaLnBrk="1" hangingPunct="1"/>
+              <a:r>
+                <a:rPr lang="en-US" sz="1400" dirty="0" smtClean="0">
+                  <a:latin typeface="Courier"/>
+                  <a:cs typeface="Courier"/>
+                </a:rPr>
+                <a:t>7           </a:t>
+              </a:r>
+              <a:r>
+                <a:rPr lang="en-US" sz="1400" b="1" dirty="0" err="1" smtClean="0">
+                  <a:latin typeface="Courier"/>
+                  <a:cs typeface="Courier"/>
+                </a:rPr>
+                <a:t>var</a:t>
+              </a:r>
+              <a:r>
+                <a:rPr lang="en-US" sz="1400" dirty="0" smtClean="0">
+                  <a:latin typeface="Courier"/>
+                  <a:cs typeface="Courier"/>
+                </a:rPr>
+                <a:t> h = 0;</a:t>
+              </a:r>
+            </a:p>
+            <a:p>
+              <a:pPr eaLnBrk="1" hangingPunct="1"/>
+              <a:r>
+                <a:rPr lang="en-US" sz="1400" dirty="0" smtClean="0">
+                  <a:latin typeface="Courier"/>
+                  <a:cs typeface="Courier"/>
+                </a:rPr>
+                <a:t>8           </a:t>
+              </a:r>
+              <a:r>
+                <a:rPr lang="en-US" sz="1400" b="1" dirty="0" err="1" smtClean="0">
+                  <a:latin typeface="Courier"/>
+                  <a:cs typeface="Courier"/>
+                </a:rPr>
+                <a:t>forall</a:t>
+              </a:r>
+              <a:r>
+                <a:rPr lang="en-US" sz="1400" dirty="0" smtClean="0">
+                  <a:latin typeface="Courier"/>
+                  <a:cs typeface="Courier"/>
+                </a:rPr>
+                <a:t> </a:t>
+              </a:r>
+              <a:r>
+                <a:rPr lang="en-US" sz="1400" dirty="0" err="1" smtClean="0">
+                  <a:latin typeface="Courier"/>
+                  <a:cs typeface="Courier"/>
+                </a:rPr>
+                <a:t>i</a:t>
+              </a:r>
+              <a:r>
+                <a:rPr lang="en-US" sz="1400" dirty="0" smtClean="0">
+                  <a:latin typeface="Courier"/>
+                  <a:cs typeface="Courier"/>
+                </a:rPr>
+                <a:t> </a:t>
+              </a:r>
+              <a:r>
+                <a:rPr lang="en-US" sz="1400" b="1" dirty="0" smtClean="0">
+                  <a:latin typeface="Courier"/>
+                  <a:cs typeface="Courier"/>
+                </a:rPr>
+                <a:t>in </a:t>
+              </a:r>
+              <a:r>
+                <a:rPr lang="en-US" sz="1400" dirty="0" smtClean="0">
+                  <a:latin typeface="Courier"/>
+                  <a:cs typeface="Courier"/>
+                </a:rPr>
+                <a:t>(</a:t>
+              </a:r>
+              <a:r>
+                <a:rPr lang="en-US" sz="1400" dirty="0" err="1" smtClean="0">
+                  <a:latin typeface="Courier"/>
+                  <a:cs typeface="Courier"/>
+                </a:rPr>
+                <a:t>s+k</a:t>
+              </a:r>
+              <a:r>
+                <a:rPr lang="en-US" sz="1400" dirty="0" smtClean="0">
+                  <a:latin typeface="Courier"/>
+                  <a:cs typeface="Courier"/>
+                </a:rPr>
+                <a:t>*</a:t>
+              </a:r>
+              <a:r>
+                <a:rPr lang="en-US" sz="1400" dirty="0" err="1" smtClean="0">
+                  <a:latin typeface="Courier"/>
+                  <a:cs typeface="Courier"/>
+                </a:rPr>
+                <a:t>n+lcm</a:t>
+              </a:r>
+              <a:r>
+                <a:rPr lang="en-US" sz="1400" dirty="0" smtClean="0">
+                  <a:latin typeface="Courier"/>
+                  <a:cs typeface="Courier"/>
+                </a:rPr>
+                <a:t>(</a:t>
+              </a:r>
+              <a:r>
+                <a:rPr lang="en-US" sz="1400" dirty="0" err="1" smtClean="0">
+                  <a:latin typeface="Courier"/>
+                  <a:cs typeface="Courier"/>
+                </a:rPr>
+                <a:t>B,n</a:t>
+              </a:r>
+              <a:r>
+                <a:rPr lang="en-US" sz="1400" dirty="0" smtClean="0">
+                  <a:latin typeface="Courier"/>
+                  <a:cs typeface="Courier"/>
+                </a:rPr>
+                <a:t>)*j)..e </a:t>
+              </a:r>
+              <a:r>
+                <a:rPr lang="en-US" sz="1400" b="1" dirty="0" smtClean="0">
+                  <a:latin typeface="Courier"/>
+                  <a:cs typeface="Courier"/>
+                </a:rPr>
+                <a:t>by</a:t>
+              </a:r>
+              <a:r>
+                <a:rPr lang="en-US" sz="1400" dirty="0" smtClean="0">
+                  <a:latin typeface="Courier"/>
+                  <a:cs typeface="Courier"/>
+                </a:rPr>
+                <a:t> lcm(</a:t>
+              </a:r>
+              <a:r>
+                <a:rPr lang="en-US" sz="1400" dirty="0" err="1" smtClean="0">
+                  <a:latin typeface="Courier"/>
+                  <a:cs typeface="Courier"/>
+                </a:rPr>
+                <a:t>B,n</a:t>
+              </a:r>
+              <a:r>
+                <a:rPr lang="en-US" sz="1400" dirty="0" smtClean="0">
+                  <a:latin typeface="Courier"/>
+                  <a:cs typeface="Courier"/>
+                </a:rPr>
+                <a:t>)*N {</a:t>
+              </a:r>
+            </a:p>
+            <a:p>
+              <a:pPr eaLnBrk="1" hangingPunct="1"/>
+              <a:r>
+                <a:rPr lang="en-US" sz="1400" dirty="0" smtClean="0">
+                  <a:latin typeface="Courier"/>
+                  <a:cs typeface="Courier"/>
+                </a:rPr>
+                <a:t>9              </a:t>
+              </a:r>
+              <a:r>
+                <a:rPr lang="en-US" sz="1400" b="1" dirty="0" smtClean="0">
+                  <a:solidFill>
+                    <a:srgbClr val="660066"/>
+                  </a:solidFill>
+                  <a:latin typeface="Courier"/>
+                  <a:cs typeface="Courier"/>
+                </a:rPr>
+                <a:t>//affine array expressions</a:t>
+              </a:r>
+            </a:p>
+            <a:p>
+              <a:pPr eaLnBrk="1" hangingPunct="1"/>
+              <a:r>
+                <a:rPr lang="en-US" sz="1400" dirty="0" smtClean="0">
+                  <a:latin typeface="Courier"/>
+                  <a:cs typeface="Courier"/>
+                </a:rPr>
+                <a:t>10             A1[a1*i+b1] = buf1[h] + 3;</a:t>
+              </a:r>
+            </a:p>
+            <a:p>
+              <a:pPr eaLnBrk="1" hangingPunct="1"/>
+              <a:r>
+                <a:rPr lang="en-US" sz="1400" dirty="0" smtClean="0">
+                  <a:latin typeface="Courier"/>
+                  <a:cs typeface="Courier"/>
+                </a:rPr>
+                <a:t>11             h++;</a:t>
+              </a:r>
+            </a:p>
+            <a:p>
+              <a:pPr eaLnBrk="1" hangingPunct="1"/>
+              <a:r>
+                <a:rPr lang="en-US" sz="1400" dirty="0" smtClean="0">
+                  <a:latin typeface="Courier"/>
+                  <a:cs typeface="Courier"/>
+                </a:rPr>
+                <a:t>12          }</a:t>
+              </a:r>
+            </a:p>
+            <a:p>
+              <a:pPr eaLnBrk="1" hangingPunct="1"/>
+              <a:r>
+                <a:rPr lang="en-US" sz="1400" dirty="0" smtClean="0">
+                  <a:latin typeface="Courier"/>
+                  <a:cs typeface="Courier"/>
+                </a:rPr>
+                <a:t>13          </a:t>
+              </a:r>
+              <a:r>
+                <a:rPr lang="en-US" sz="1400" b="1" dirty="0" smtClean="0">
+                  <a:solidFill>
+                    <a:srgbClr val="660066"/>
+                  </a:solidFill>
+                  <a:latin typeface="Courier"/>
+                  <a:cs typeface="Courier"/>
+                </a:rPr>
+                <a:t>//write buffer elements back if written to during loop</a:t>
+              </a:r>
+            </a:p>
+            <a:p>
+              <a:pPr eaLnBrk="1" hangingPunct="1"/>
+              <a:r>
+                <a:rPr lang="en-US" sz="1400" dirty="0" smtClean="0">
+                  <a:latin typeface="Courier"/>
+                  <a:cs typeface="Courier"/>
+                </a:rPr>
+                <a:t>14  </a:t>
+              </a:r>
+              <a:r>
+                <a:rPr lang="en-US" sz="1400" dirty="0">
+                  <a:latin typeface="Courier"/>
+                  <a:cs typeface="Courier"/>
+                </a:rPr>
+                <a:t>	 </a:t>
+              </a:r>
+              <a:r>
+                <a:rPr lang="en-US" sz="1400" dirty="0" smtClean="0">
+                  <a:latin typeface="Courier"/>
+                  <a:cs typeface="Courier"/>
+                </a:rPr>
+                <a:t>      </a:t>
+              </a:r>
+              <a:r>
+                <a:rPr lang="en-US" sz="1400" b="1" dirty="0" smtClean="0">
+                  <a:latin typeface="Courier"/>
+                  <a:cs typeface="Courier"/>
+                </a:rPr>
+                <a:t>if</a:t>
+              </a:r>
+              <a:r>
+                <a:rPr lang="en-US" sz="1400" dirty="0" smtClean="0">
+                  <a:latin typeface="Courier"/>
+                  <a:cs typeface="Courier"/>
+                </a:rPr>
+                <a:t>(buf1_is_modified)</a:t>
+              </a:r>
+            </a:p>
+            <a:p>
+              <a:pPr eaLnBrk="1" hangingPunct="1"/>
+              <a:r>
+                <a:rPr lang="en-US" sz="1400" dirty="0" smtClean="0">
+                  <a:latin typeface="Courier"/>
+                  <a:cs typeface="Courier"/>
+                </a:rPr>
+                <a:t>15  	</a:t>
+              </a:r>
+              <a:r>
+                <a:rPr lang="en-US" sz="1400" dirty="0">
+                  <a:latin typeface="Courier"/>
+                  <a:cs typeface="Courier"/>
+                </a:rPr>
+                <a:t> </a:t>
+              </a:r>
+              <a:r>
+                <a:rPr lang="en-US" sz="1400" dirty="0" smtClean="0">
+                  <a:latin typeface="Courier"/>
+                  <a:cs typeface="Courier"/>
+                </a:rPr>
+                <a:t>         SET</a:t>
+              </a:r>
+              <a:r>
+                <a:rPr lang="en-US" sz="1400" dirty="0">
+                  <a:latin typeface="Courier"/>
+                  <a:cs typeface="Courier"/>
+                </a:rPr>
+                <a:t>(</a:t>
+              </a:r>
+              <a:r>
+                <a:rPr lang="en-US" sz="1400" dirty="0" smtClean="0">
+                  <a:latin typeface="Courier"/>
+                  <a:cs typeface="Courier"/>
+                </a:rPr>
+                <a:t>A2[</a:t>
+              </a:r>
+              <a:r>
+                <a:rPr lang="en-US" sz="1400" dirty="0">
+                  <a:latin typeface="Courier"/>
+                  <a:cs typeface="Courier"/>
+                </a:rPr>
+                <a:t>(</a:t>
+              </a:r>
+              <a:r>
+                <a:rPr lang="en-US" sz="1400" dirty="0" err="1">
+                  <a:latin typeface="Courier"/>
+                  <a:cs typeface="Courier"/>
+                </a:rPr>
+                <a:t>s+k</a:t>
+              </a:r>
+              <a:r>
+                <a:rPr lang="en-US" sz="1400" dirty="0">
+                  <a:latin typeface="Courier"/>
+                  <a:cs typeface="Courier"/>
+                </a:rPr>
+                <a:t>*</a:t>
+              </a:r>
+              <a:r>
+                <a:rPr lang="en-US" sz="1400" dirty="0" err="1">
+                  <a:latin typeface="Courier"/>
+                  <a:cs typeface="Courier"/>
+                </a:rPr>
+                <a:t>n+lcm</a:t>
+              </a:r>
+              <a:r>
+                <a:rPr lang="en-US" sz="1400" dirty="0">
+                  <a:latin typeface="Courier"/>
+                  <a:cs typeface="Courier"/>
+                </a:rPr>
+                <a:t>(</a:t>
+              </a:r>
+              <a:r>
+                <a:rPr lang="en-US" sz="1400" dirty="0" err="1">
+                  <a:latin typeface="Courier"/>
+                  <a:cs typeface="Courier"/>
+                </a:rPr>
+                <a:t>B,n</a:t>
+              </a:r>
+              <a:r>
+                <a:rPr lang="en-US" sz="1400" dirty="0">
+                  <a:latin typeface="Courier"/>
+                  <a:cs typeface="Courier"/>
+                </a:rPr>
+                <a:t>)*j)+b2..e+b2 </a:t>
+              </a:r>
+              <a:r>
+                <a:rPr lang="en-US" sz="1400" b="1" dirty="0">
+                  <a:latin typeface="Courier"/>
+                  <a:cs typeface="Courier"/>
+                </a:rPr>
+                <a:t>by</a:t>
+              </a:r>
+              <a:r>
+                <a:rPr lang="en-US" sz="1400" dirty="0">
+                  <a:latin typeface="Courier"/>
+                  <a:cs typeface="Courier"/>
+                </a:rPr>
+                <a:t> N*lcm(</a:t>
+              </a:r>
+              <a:r>
+                <a:rPr lang="en-US" sz="1400" dirty="0" err="1">
+                  <a:latin typeface="Courier"/>
+                  <a:cs typeface="Courier"/>
+                </a:rPr>
+                <a:t>B,n</a:t>
+              </a:r>
+              <a:r>
+                <a:rPr lang="en-US" sz="1400" dirty="0">
+                  <a:latin typeface="Courier"/>
+                  <a:cs typeface="Courier"/>
+                </a:rPr>
+                <a:t>)*a2]</a:t>
+              </a:r>
+              <a:r>
+                <a:rPr lang="en-US" sz="1400" dirty="0" smtClean="0">
+                  <a:latin typeface="Courier"/>
+                  <a:cs typeface="Courier"/>
+                </a:rPr>
+                <a:t>) = </a:t>
+              </a:r>
+              <a:r>
+                <a:rPr lang="en-US" sz="1400" dirty="0">
+                  <a:latin typeface="Courier"/>
+                  <a:cs typeface="Courier"/>
+                </a:rPr>
+                <a:t>buf1</a:t>
+              </a:r>
+              <a:r>
+                <a:rPr lang="en-US" sz="1400" dirty="0" smtClean="0">
+                  <a:latin typeface="Courier"/>
+                  <a:cs typeface="Courier"/>
+                </a:rPr>
+                <a:t>;</a:t>
+              </a:r>
+            </a:p>
+            <a:p>
+              <a:pPr eaLnBrk="1" hangingPunct="1"/>
+              <a:r>
+                <a:rPr lang="en-US" sz="1400" dirty="0" smtClean="0">
+                  <a:latin typeface="Courier"/>
+                  <a:cs typeface="Courier"/>
+                </a:rPr>
+                <a:t>16</a:t>
+              </a:r>
+              <a:r>
+                <a:rPr lang="en-US" sz="1400" dirty="0">
+                  <a:latin typeface="Courier"/>
+                  <a:cs typeface="Courier"/>
+                </a:rPr>
+                <a:t> </a:t>
+              </a:r>
+              <a:r>
+                <a:rPr lang="en-US" sz="1400" dirty="0" smtClean="0">
+                  <a:latin typeface="Courier"/>
+                  <a:cs typeface="Courier"/>
+                </a:rPr>
+                <a:t>}  }  }</a:t>
+              </a:r>
+            </a:p>
+            <a:p>
+              <a:pPr eaLnBrk="1" hangingPunct="1"/>
+              <a:r>
+                <a:rPr lang="en-US" sz="1400" dirty="0">
+                  <a:latin typeface="Courier"/>
+                  <a:cs typeface="Courier"/>
+                </a:rPr>
+                <a:t> </a:t>
+              </a:r>
+              <a:r>
+                <a:rPr lang="en-US" sz="1400" dirty="0" smtClean="0">
+                  <a:latin typeface="Courier"/>
+                  <a:cs typeface="Courier"/>
+                </a:rPr>
+                <a:t>       </a:t>
+              </a:r>
+            </a:p>
+          </p:txBody>
+        </p:sp>
+        <p:sp>
+          <p:nvSpPr>
+            <p:cNvPr id="34" name="Rounded Rectangle 33"/>
+            <p:cNvSpPr/>
+            <p:nvPr/>
+          </p:nvSpPr>
+          <p:spPr>
+            <a:xfrm>
+              <a:off x="424026" y="3154751"/>
+              <a:ext cx="8547699" cy="3849444"/>
+            </a:xfrm>
+            <a:prstGeom prst="roundRect">
+              <a:avLst/>
+            </a:prstGeom>
+            <a:solidFill>
+              <a:schemeClr val="bg1">
+                <a:lumMod val="95000"/>
+                <a:alpha val="12000"/>
+              </a:schemeClr>
+            </a:solidFill>
+            <a:ln>
+              <a:solidFill>
+                <a:schemeClr val="tx1"/>
+              </a:solidFill>
+            </a:ln>
+          </p:spPr>
+          <p:style>
+            <a:lnRef idx="1">
+              <a:schemeClr val="accent1"/>
+            </a:lnRef>
+            <a:fillRef idx="3">
+              <a:schemeClr val="accent1"/>
+            </a:fillRef>
+            <a:effectRef idx="2">
+              <a:schemeClr val="accent1"/>
+            </a:effectRef>
+            <a:fontRef idx="minor">
+              <a:schemeClr val="lt1"/>
+            </a:fontRef>
+          </p:style>
+          <p:txBody>
+            <a:bodyPr rtlCol="0" anchor="ctr"/>
+            <a:lstStyle/>
+            <a:p>
+              <a:pPr algn="ctr"/>
+              <a:endParaRPr lang="en-US" sz="1400"/>
+            </a:p>
+          </p:txBody>
+        </p:sp>
+      </p:grpSp>
+      <p:sp>
+        <p:nvSpPr>
+          <p:cNvPr id="36" name="TextBox 35"/>
+          <p:cNvSpPr txBox="1"/>
+          <p:nvPr/>
+        </p:nvSpPr>
+        <p:spPr>
+          <a:xfrm>
+            <a:off x="15106" y="95060"/>
+            <a:ext cx="587735" cy="307777"/>
+          </a:xfrm>
+          <a:prstGeom prst="rect">
+            <a:avLst/>
+          </a:prstGeom>
+          <a:noFill/>
+        </p:spPr>
+        <p:txBody>
+          <a:bodyPr wrap="square" rtlCol="0">
+            <a:spAutoFit/>
+          </a:bodyPr>
+          <a:lstStyle/>
+          <a:p>
+            <a:r>
+              <a:rPr lang="en-US" sz="1400" dirty="0" smtClean="0"/>
+              <a:t>(a)</a:t>
+            </a:r>
+            <a:endParaRPr lang="en-US" sz="1400" dirty="0"/>
+          </a:p>
+        </p:txBody>
+      </p:sp>
+      <p:sp>
+        <p:nvSpPr>
+          <p:cNvPr id="37" name="TextBox 36"/>
+          <p:cNvSpPr txBox="1"/>
+          <p:nvPr/>
+        </p:nvSpPr>
+        <p:spPr>
+          <a:xfrm>
+            <a:off x="15106" y="1609667"/>
+            <a:ext cx="587735" cy="307777"/>
+          </a:xfrm>
+          <a:prstGeom prst="rect">
+            <a:avLst/>
+          </a:prstGeom>
+          <a:noFill/>
+        </p:spPr>
+        <p:txBody>
+          <a:bodyPr wrap="square" rtlCol="0">
+            <a:spAutoFit/>
+          </a:bodyPr>
+          <a:lstStyle/>
+          <a:p>
+            <a:r>
+              <a:rPr lang="en-US" sz="1400" dirty="0" smtClean="0"/>
+              <a:t>(b)</a:t>
+            </a:r>
+            <a:endParaRPr lang="en-US" sz="1400" dirty="0"/>
+          </a:p>
+        </p:txBody>
+      </p:sp>
+      <p:sp>
+        <p:nvSpPr>
+          <p:cNvPr id="38" name="TextBox 37"/>
+          <p:cNvSpPr txBox="1"/>
+          <p:nvPr/>
+        </p:nvSpPr>
+        <p:spPr>
+          <a:xfrm>
+            <a:off x="15106" y="3449665"/>
+            <a:ext cx="587735" cy="307777"/>
+          </a:xfrm>
+          <a:prstGeom prst="rect">
+            <a:avLst/>
+          </a:prstGeom>
+          <a:noFill/>
+        </p:spPr>
+        <p:txBody>
+          <a:bodyPr wrap="square" rtlCol="0">
+            <a:spAutoFit/>
+          </a:bodyPr>
+          <a:lstStyle/>
+          <a:p>
+            <a:r>
+              <a:rPr lang="en-US" sz="1400" dirty="0" smtClean="0"/>
+              <a:t>(c)</a:t>
+            </a:r>
+            <a:endParaRPr lang="en-US" sz="1400" dirty="0"/>
+          </a:p>
+        </p:txBody>
+      </p:sp>
+      <p:cxnSp>
+        <p:nvCxnSpPr>
+          <p:cNvPr id="39" name="Curved Connector 38"/>
+          <p:cNvCxnSpPr/>
+          <p:nvPr/>
+        </p:nvCxnSpPr>
+        <p:spPr>
+          <a:xfrm rot="16200000" flipH="1">
+            <a:off x="4545769" y="786079"/>
+            <a:ext cx="826002" cy="459396"/>
+          </a:xfrm>
+          <a:prstGeom prst="curvedConnector3">
+            <a:avLst>
+              <a:gd name="adj1" fmla="val -703"/>
+            </a:avLst>
+          </a:prstGeom>
+          <a:ln>
+            <a:solidFill>
+              <a:schemeClr val="tx1"/>
+            </a:solidFill>
+            <a:tailEnd type="arrow"/>
+          </a:ln>
+        </p:spPr>
+        <p:style>
+          <a:lnRef idx="2">
+            <a:schemeClr val="accent1"/>
+          </a:lnRef>
+          <a:fillRef idx="0">
+            <a:schemeClr val="accent1"/>
+          </a:fillRef>
+          <a:effectRef idx="1">
+            <a:schemeClr val="accent1"/>
+          </a:effectRef>
+          <a:fontRef idx="minor">
+            <a:schemeClr val="tx1"/>
+          </a:fontRef>
+        </p:style>
+      </p:cxnSp>
+      <p:cxnSp>
+        <p:nvCxnSpPr>
+          <p:cNvPr id="40" name="Curved Connector 39"/>
+          <p:cNvCxnSpPr>
+            <a:stCxn id="26" idx="3"/>
+          </p:cNvCxnSpPr>
+          <p:nvPr/>
+        </p:nvCxnSpPr>
+        <p:spPr>
+          <a:xfrm>
+            <a:off x="5585641" y="2039443"/>
+            <a:ext cx="2090733" cy="820920"/>
+          </a:xfrm>
+          <a:prstGeom prst="curvedConnector3">
+            <a:avLst>
+              <a:gd name="adj1" fmla="val 99116"/>
+            </a:avLst>
+          </a:prstGeom>
+          <a:ln>
+            <a:solidFill>
+              <a:schemeClr val="tx1"/>
+            </a:solidFill>
+            <a:tailEnd type="arrow"/>
+          </a:ln>
+        </p:spPr>
+        <p:style>
+          <a:lnRef idx="2">
+            <a:schemeClr val="accent1"/>
+          </a:lnRef>
+          <a:fillRef idx="0">
+            <a:schemeClr val="accent1"/>
+          </a:fillRef>
+          <a:effectRef idx="1">
+            <a:schemeClr val="accent1"/>
+          </a:effectRef>
+          <a:fontRef idx="minor">
+            <a:schemeClr val="tx1"/>
+          </a:fontRef>
+        </p:style>
+      </p:cxnSp>
+      <p:sp>
+        <p:nvSpPr>
+          <p:cNvPr id="43" name="TextBox 42"/>
+          <p:cNvSpPr txBox="1"/>
+          <p:nvPr/>
+        </p:nvSpPr>
+        <p:spPr>
+          <a:xfrm>
+            <a:off x="5985660" y="153393"/>
+            <a:ext cx="2715839" cy="1384995"/>
+          </a:xfrm>
+          <a:prstGeom prst="rect">
+            <a:avLst/>
+          </a:prstGeom>
+          <a:noFill/>
+          <a:ln>
+            <a:solidFill>
+              <a:schemeClr val="tx1"/>
+            </a:solidFill>
+          </a:ln>
+        </p:spPr>
+        <p:txBody>
+          <a:bodyPr wrap="square" rtlCol="0">
+            <a:spAutoFit/>
+          </a:bodyPr>
+          <a:lstStyle/>
+          <a:p>
+            <a:r>
+              <a:rPr lang="en-US" sz="1400" dirty="0" smtClean="0"/>
+              <a:t>s = starting loop bound</a:t>
+            </a:r>
+          </a:p>
+          <a:p>
+            <a:r>
+              <a:rPr lang="en-US" sz="1400" dirty="0" smtClean="0"/>
+              <a:t>e = ending loop bound</a:t>
+            </a:r>
+          </a:p>
+          <a:p>
+            <a:r>
+              <a:rPr lang="en-US" sz="1400" dirty="0" smtClean="0"/>
+              <a:t>n = loop stride</a:t>
+            </a:r>
+          </a:p>
+          <a:p>
+            <a:r>
+              <a:rPr lang="en-US" sz="1400" dirty="0" smtClean="0"/>
+              <a:t>B = block size</a:t>
+            </a:r>
+          </a:p>
+          <a:p>
+            <a:r>
+              <a:rPr lang="en-US" sz="1400" dirty="0" smtClean="0"/>
+              <a:t>N = number of locales</a:t>
+            </a:r>
+          </a:p>
+          <a:p>
+            <a:r>
+              <a:rPr lang="en-US" sz="1400" dirty="0" smtClean="0"/>
+              <a:t>$ = current locale identifier</a:t>
+            </a:r>
+            <a:endParaRPr lang="en-US" sz="1400" dirty="0"/>
+          </a:p>
+        </p:txBody>
+      </p:sp>
+      <p:sp>
+        <p:nvSpPr>
+          <p:cNvPr id="44" name="TextBox 43"/>
+          <p:cNvSpPr txBox="1"/>
+          <p:nvPr/>
+        </p:nvSpPr>
+        <p:spPr>
+          <a:xfrm>
+            <a:off x="5497890" y="95060"/>
+            <a:ext cx="587735" cy="307777"/>
+          </a:xfrm>
+          <a:prstGeom prst="rect">
+            <a:avLst/>
+          </a:prstGeom>
+          <a:noFill/>
+        </p:spPr>
+        <p:txBody>
+          <a:bodyPr wrap="square" rtlCol="0">
+            <a:spAutoFit/>
+          </a:bodyPr>
+          <a:lstStyle/>
+          <a:p>
+            <a:r>
+              <a:rPr lang="en-US" sz="1400" dirty="0" smtClean="0"/>
+              <a:t>(d)</a:t>
+            </a:r>
+            <a:endParaRPr lang="en-US" sz="1400" dirty="0"/>
+          </a:p>
+        </p:txBody>
+      </p:sp>
+    </p:spTree>
+    <p:extLst>
+      <p:ext uri="{BB962C8B-B14F-4D97-AF65-F5344CB8AC3E}">
+        <p14:creationId xmlns:p14="http://schemas.microsoft.com/office/powerpoint/2010/main" val="3325524908"/>
+      </p:ext>
+    </p:extLst>
+  </p:cSld>
+  <p:clrMapOvr>
+    <a:masterClrMapping/>
+  </p:clrMapOvr>
+  <p:timing>
+    <p:tnLst>
+      <p:par>
+        <p:cTn xmlns:p14="http://schemas.microsoft.com/office/powerpoint/2010/main" id="1" dur="indefinite" restart="never" nodeType="tmRoot"/>
+      </p:par>
+    </p:tnLst>
+  </p:timing>
+</p:sld>
+</file>
+
+<file path=ppt/slides/slide6.xml><?xml version="1.0" encoding="utf-8"?>
+<p:sld xmlns:a="http://schemas.openxmlformats.org/drawingml/2006/main" xmlns:r="http://schemas.openxmlformats.org/officeDocument/2006/relationships" xmlns:p="http://schemas.openxmlformats.org/presentationml/2006/main">
+  <p:cSld>
+    <p:spTree>
+      <p:nvGrpSpPr>
+        <p:cNvPr id="1" name=""/>
+        <p:cNvGrpSpPr/>
+        <p:nvPr/>
+      </p:nvGrpSpPr>
+      <p:grpSpPr>
+        <a:xfrm>
+          <a:off x="0" y="0"/>
+          <a:ext cx="0" cy="0"/>
+          <a:chOff x="0" y="0"/>
+          <a:chExt cx="0" cy="0"/>
+        </a:xfrm>
+      </p:grpSpPr>
+      <p:grpSp>
+        <p:nvGrpSpPr>
+          <p:cNvPr id="4" name="Group 3"/>
+          <p:cNvGrpSpPr/>
+          <p:nvPr/>
+        </p:nvGrpSpPr>
+        <p:grpSpPr>
+          <a:xfrm>
+            <a:off x="166779" y="156930"/>
+            <a:ext cx="9532083" cy="4491021"/>
+            <a:chOff x="0" y="185582"/>
+            <a:chExt cx="9532083" cy="4491021"/>
+          </a:xfrm>
+        </p:grpSpPr>
+        <p:sp>
+          <p:nvSpPr>
+            <p:cNvPr id="3" name="TextBox 2"/>
+            <p:cNvSpPr txBox="1"/>
+            <p:nvPr/>
+          </p:nvSpPr>
+          <p:spPr>
+            <a:xfrm>
+              <a:off x="291865" y="323690"/>
+              <a:ext cx="9240218" cy="4324261"/>
+            </a:xfrm>
+            <a:prstGeom prst="rect">
+              <a:avLst/>
+            </a:prstGeom>
+            <a:noFill/>
+          </p:spPr>
+          <p:txBody>
+            <a:bodyPr wrap="square" rtlCol="0">
+              <a:spAutoFit/>
+            </a:bodyPr>
+            <a:lstStyle/>
+            <a:p>
+              <a:r>
+                <a:rPr lang="en-US" sz="1100" dirty="0" smtClean="0">
+                  <a:latin typeface="Courier"/>
+                  <a:cs typeface="Courier"/>
+                </a:rPr>
+                <a:t>1   </a:t>
+              </a:r>
+              <a:r>
+                <a:rPr lang="en-US" sz="1100" b="1" dirty="0" err="1" smtClean="0">
+                  <a:latin typeface="Courier"/>
+                  <a:cs typeface="Courier"/>
+                </a:rPr>
+                <a:t>iter</a:t>
+              </a:r>
+              <a:r>
+                <a:rPr lang="en-US" sz="1100" dirty="0" smtClean="0">
+                  <a:latin typeface="Courier"/>
+                  <a:cs typeface="Courier"/>
+                </a:rPr>
+                <a:t> </a:t>
+              </a:r>
+              <a:r>
+                <a:rPr lang="en-US" sz="1100" dirty="0" err="1" smtClean="0">
+                  <a:latin typeface="Courier"/>
+                  <a:cs typeface="Courier"/>
+                </a:rPr>
+                <a:t>CyclicArr.these</a:t>
+              </a:r>
+              <a:r>
+                <a:rPr lang="en-US" sz="1100" dirty="0" smtClean="0">
+                  <a:latin typeface="Courier"/>
+                  <a:cs typeface="Courier"/>
+                </a:rPr>
+                <a:t>(</a:t>
+              </a:r>
+              <a:r>
+                <a:rPr lang="en-US" sz="1100" b="1" dirty="0" err="1" smtClean="0">
+                  <a:latin typeface="Courier"/>
+                  <a:cs typeface="Courier"/>
+                </a:rPr>
+                <a:t>param</a:t>
+              </a:r>
+              <a:r>
+                <a:rPr lang="en-US" sz="1100" dirty="0" smtClean="0">
+                  <a:latin typeface="Courier"/>
+                  <a:cs typeface="Courier"/>
+                </a:rPr>
+                <a:t> tag: </a:t>
+              </a:r>
+              <a:r>
+                <a:rPr lang="en-US" sz="1100" dirty="0" err="1" smtClean="0">
+                  <a:latin typeface="Courier"/>
+                  <a:cs typeface="Courier"/>
+                </a:rPr>
+                <a:t>iterKind</a:t>
+              </a:r>
+              <a:r>
+                <a:rPr lang="en-US" sz="1100" dirty="0" smtClean="0">
+                  <a:latin typeface="Courier"/>
+                  <a:cs typeface="Courier"/>
+                </a:rPr>
+                <a:t>, </a:t>
+              </a:r>
+              <a:r>
+                <a:rPr lang="en-US" sz="1100" dirty="0" err="1" smtClean="0">
+                  <a:latin typeface="Courier"/>
+                  <a:cs typeface="Courier"/>
+                </a:rPr>
+                <a:t>followThis</a:t>
+              </a:r>
+              <a:r>
+                <a:rPr lang="en-US" sz="1100" dirty="0" smtClean="0">
+                  <a:latin typeface="Courier"/>
+                  <a:cs typeface="Courier"/>
+                </a:rPr>
+                <a:t>, </a:t>
+              </a:r>
+              <a:r>
+                <a:rPr lang="en-US" sz="1100" b="1" dirty="0" err="1" smtClean="0">
+                  <a:latin typeface="Courier"/>
+                  <a:cs typeface="Courier"/>
+                </a:rPr>
+                <a:t>param</a:t>
+              </a:r>
+              <a:r>
+                <a:rPr lang="en-US" sz="1100" dirty="0" smtClean="0">
+                  <a:latin typeface="Courier"/>
+                  <a:cs typeface="Courier"/>
+                </a:rPr>
+                <a:t> fast: </a:t>
+              </a:r>
+              <a:r>
+                <a:rPr lang="en-US" sz="1100" b="1" dirty="0" err="1" smtClean="0">
+                  <a:latin typeface="Courier"/>
+                  <a:cs typeface="Courier"/>
+                </a:rPr>
+                <a:t>bool</a:t>
+              </a:r>
+              <a:r>
+                <a:rPr lang="en-US" sz="1100" dirty="0" smtClean="0">
+                  <a:latin typeface="Courier"/>
+                  <a:cs typeface="Courier"/>
+                </a:rPr>
+                <a:t> = </a:t>
+              </a:r>
+              <a:r>
+                <a:rPr lang="en-US" sz="1100" b="1" dirty="0" smtClean="0">
+                  <a:latin typeface="Courier"/>
+                  <a:cs typeface="Courier"/>
+                </a:rPr>
+                <a:t>false</a:t>
+              </a:r>
+              <a:r>
+                <a:rPr lang="en-US" sz="1100" dirty="0" smtClean="0">
+                  <a:latin typeface="Courier"/>
+                  <a:cs typeface="Courier"/>
+                </a:rPr>
+                <a:t>) </a:t>
+              </a:r>
+              <a:r>
+                <a:rPr lang="en-US" sz="1100" b="1" dirty="0" err="1" smtClean="0">
+                  <a:latin typeface="Courier"/>
+                  <a:cs typeface="Courier"/>
+                </a:rPr>
+                <a:t>var</a:t>
+              </a:r>
+              <a:endParaRPr lang="en-US" sz="1100" dirty="0">
+                <a:latin typeface="Courier"/>
+                <a:cs typeface="Courier"/>
+              </a:endParaRPr>
+            </a:p>
+            <a:p>
+              <a:r>
+                <a:rPr lang="en-US" sz="1100" dirty="0" smtClean="0">
+                  <a:latin typeface="Courier"/>
+                  <a:cs typeface="Courier"/>
+                </a:rPr>
+                <a:t>2        </a:t>
+              </a:r>
+              <a:r>
+                <a:rPr lang="en-US" sz="1100" b="1" dirty="0" smtClean="0">
+                  <a:latin typeface="Courier"/>
+                  <a:cs typeface="Courier"/>
+                </a:rPr>
+                <a:t>where</a:t>
+              </a:r>
+              <a:r>
+                <a:rPr lang="en-US" sz="1100" dirty="0" smtClean="0">
+                  <a:latin typeface="Courier"/>
+                  <a:cs typeface="Courier"/>
+                </a:rPr>
+                <a:t> tag == </a:t>
+              </a:r>
+              <a:r>
+                <a:rPr lang="en-US" sz="1100" dirty="0" err="1" smtClean="0">
+                  <a:latin typeface="Courier"/>
+                  <a:cs typeface="Courier"/>
+                </a:rPr>
+                <a:t>iterKind.follower</a:t>
+              </a:r>
+              <a:r>
+                <a:rPr lang="en-US" sz="1100" dirty="0" smtClean="0">
+                  <a:latin typeface="Courier"/>
+                  <a:cs typeface="Courier"/>
+                </a:rPr>
+                <a:t> {</a:t>
+              </a:r>
+            </a:p>
+            <a:p>
+              <a:r>
+                <a:rPr lang="en-US" sz="1100" dirty="0" smtClean="0">
+                  <a:latin typeface="Courier"/>
+                  <a:cs typeface="Courier"/>
+                </a:rPr>
+                <a:t>3</a:t>
+              </a:r>
+            </a:p>
+            <a:p>
+              <a:r>
+                <a:rPr lang="en-US" sz="1100" dirty="0" smtClean="0">
+                  <a:latin typeface="Courier"/>
+                  <a:cs typeface="Courier"/>
+                </a:rPr>
+                <a:t>4   </a:t>
+              </a:r>
+              <a:r>
+                <a:rPr lang="en-US" sz="1100" b="1" dirty="0" smtClean="0">
+                  <a:solidFill>
+                    <a:srgbClr val="660066"/>
+                  </a:solidFill>
+                  <a:latin typeface="Courier"/>
+                  <a:cs typeface="Courier"/>
+                </a:rPr>
+                <a:t>/</a:t>
+              </a:r>
+              <a:r>
+                <a:rPr lang="en-US" sz="1100" b="1" dirty="0">
+                  <a:solidFill>
+                    <a:srgbClr val="660066"/>
+                  </a:solidFill>
+                  <a:latin typeface="Courier"/>
+                  <a:cs typeface="Courier"/>
+                </a:rPr>
+                <a:t>/check that all elements in chunk are from the same </a:t>
+              </a:r>
+              <a:r>
+                <a:rPr lang="en-US" sz="1100" b="1" dirty="0" smtClean="0">
+                  <a:solidFill>
+                    <a:srgbClr val="660066"/>
+                  </a:solidFill>
+                  <a:latin typeface="Courier"/>
+                  <a:cs typeface="Courier"/>
+                </a:rPr>
+                <a:t>locale</a:t>
+              </a:r>
+            </a:p>
+            <a:p>
+              <a:r>
+                <a:rPr lang="en-US" sz="1100" dirty="0" smtClean="0">
+                  <a:latin typeface="Courier"/>
+                  <a:cs typeface="Courier"/>
+                </a:rPr>
+                <a:t>5   </a:t>
+              </a:r>
+              <a:r>
+                <a:rPr lang="en-US" sz="1100" b="1" dirty="0" smtClean="0">
+                  <a:latin typeface="Courier"/>
+                  <a:cs typeface="Courier"/>
+                </a:rPr>
+                <a:t>for</a:t>
+              </a:r>
+              <a:r>
+                <a:rPr lang="en-US" sz="1100" dirty="0" smtClean="0">
+                  <a:latin typeface="Courier"/>
+                  <a:cs typeface="Courier"/>
+                </a:rPr>
+                <a:t> </a:t>
+              </a:r>
+              <a:r>
+                <a:rPr lang="en-US" sz="1100" dirty="0" err="1" smtClean="0">
+                  <a:latin typeface="Courier"/>
+                  <a:cs typeface="Courier"/>
+                </a:rPr>
+                <a:t>i</a:t>
+              </a:r>
+              <a:r>
+                <a:rPr lang="en-US" sz="1100" dirty="0" smtClean="0">
+                  <a:latin typeface="Courier"/>
+                  <a:cs typeface="Courier"/>
+                </a:rPr>
+                <a:t> </a:t>
+              </a:r>
+              <a:r>
+                <a:rPr lang="en-US" sz="1100" b="1" dirty="0" smtClean="0">
+                  <a:latin typeface="Courier"/>
+                  <a:cs typeface="Courier"/>
+                </a:rPr>
+                <a:t>in</a:t>
+              </a:r>
+              <a:r>
+                <a:rPr lang="en-US" sz="1100" dirty="0" smtClean="0">
+                  <a:latin typeface="Courier"/>
+                  <a:cs typeface="Courier"/>
+                </a:rPr>
+                <a:t> 1..rank {</a:t>
+              </a:r>
+            </a:p>
+            <a:p>
+              <a:r>
+                <a:rPr lang="en-US" sz="1100" dirty="0" smtClean="0">
+                  <a:latin typeface="Courier"/>
+                  <a:cs typeface="Courier"/>
+                </a:rPr>
+                <a:t>6</a:t>
+              </a:r>
+              <a:r>
+                <a:rPr lang="en-US" sz="1100" b="1" dirty="0" smtClean="0">
+                  <a:latin typeface="Courier"/>
+                  <a:cs typeface="Courier"/>
+                </a:rPr>
+                <a:t>        if</a:t>
+              </a:r>
+              <a:r>
+                <a:rPr lang="en-US" sz="1100" dirty="0" smtClean="0">
+                  <a:latin typeface="Courier"/>
+                  <a:cs typeface="Courier"/>
+                </a:rPr>
+                <a:t> (</a:t>
+              </a:r>
+              <a:r>
+                <a:rPr lang="en-US" sz="1100" dirty="0" err="1" smtClean="0">
+                  <a:latin typeface="Courier"/>
+                  <a:cs typeface="Courier"/>
+                </a:rPr>
+                <a:t>followThis</a:t>
+              </a:r>
+              <a:r>
+                <a:rPr lang="en-US" sz="1100" dirty="0" smtClean="0">
+                  <a:latin typeface="Courier"/>
+                  <a:cs typeface="Courier"/>
+                </a:rPr>
+                <a:t>(</a:t>
+              </a:r>
+              <a:r>
+                <a:rPr lang="en-US" sz="1100" dirty="0" err="1" smtClean="0">
+                  <a:latin typeface="Courier"/>
+                  <a:cs typeface="Courier"/>
+                </a:rPr>
+                <a:t>i</a:t>
+              </a:r>
+              <a:r>
+                <a:rPr lang="en-US" sz="1100" dirty="0" smtClean="0">
+                  <a:latin typeface="Courier"/>
+                  <a:cs typeface="Courier"/>
+                </a:rPr>
+                <a:t>).stride * </a:t>
+              </a:r>
+              <a:r>
+                <a:rPr lang="en-US" sz="1100" dirty="0" err="1" smtClean="0">
+                  <a:latin typeface="Courier"/>
+                  <a:cs typeface="Courier"/>
+                </a:rPr>
+                <a:t>dom.whole.dim</a:t>
+              </a:r>
+              <a:r>
+                <a:rPr lang="en-US" sz="1100" dirty="0" smtClean="0">
+                  <a:latin typeface="Courier"/>
+                  <a:cs typeface="Courier"/>
+                </a:rPr>
+                <a:t>(</a:t>
+              </a:r>
+              <a:r>
+                <a:rPr lang="en-US" sz="1100" dirty="0" err="1" smtClean="0">
+                  <a:latin typeface="Courier"/>
+                  <a:cs typeface="Courier"/>
+                </a:rPr>
+                <a:t>i</a:t>
+              </a:r>
+              <a:r>
+                <a:rPr lang="en-US" sz="1100" dirty="0" smtClean="0">
+                  <a:latin typeface="Courier"/>
+                  <a:cs typeface="Courier"/>
+                </a:rPr>
+                <a:t>).stride % </a:t>
+              </a:r>
+            </a:p>
+            <a:p>
+              <a:r>
+                <a:rPr lang="en-US" sz="1100" dirty="0" smtClean="0">
+                  <a:latin typeface="Courier"/>
+                  <a:cs typeface="Courier"/>
+                </a:rPr>
+                <a:t>7            </a:t>
+              </a:r>
+              <a:r>
+                <a:rPr lang="en-US" sz="1100" dirty="0" err="1" smtClean="0">
+                  <a:latin typeface="Courier"/>
+                  <a:cs typeface="Courier"/>
+                </a:rPr>
+                <a:t>dom.dist.targetLocDom.dim</a:t>
+              </a:r>
+              <a:r>
+                <a:rPr lang="en-US" sz="1100" dirty="0" smtClean="0">
+                  <a:latin typeface="Courier"/>
+                  <a:cs typeface="Courier"/>
+                </a:rPr>
+                <a:t>(</a:t>
+              </a:r>
+              <a:r>
+                <a:rPr lang="en-US" sz="1100" dirty="0" err="1" smtClean="0">
+                  <a:latin typeface="Courier"/>
+                  <a:cs typeface="Courier"/>
+                </a:rPr>
+                <a:t>i</a:t>
+              </a:r>
+              <a:r>
+                <a:rPr lang="en-US" sz="1100" dirty="0" smtClean="0">
+                  <a:latin typeface="Courier"/>
+                  <a:cs typeface="Courier"/>
+                </a:rPr>
+                <a:t>).size != 0) {</a:t>
+              </a:r>
+              <a:endParaRPr lang="en-US" sz="1100" dirty="0">
+                <a:latin typeface="Courier"/>
+                <a:cs typeface="Courier"/>
+              </a:endParaRPr>
+            </a:p>
+            <a:p>
+              <a:r>
+                <a:rPr lang="en-US" sz="1100" dirty="0" smtClean="0">
+                  <a:solidFill>
+                    <a:srgbClr val="000000"/>
+                  </a:solidFill>
+                  <a:latin typeface="Courier"/>
+                  <a:cs typeface="Courier"/>
+                </a:rPr>
+                <a:t>8             </a:t>
+              </a:r>
+              <a:r>
+                <a:rPr lang="en-US" sz="1100" b="1" dirty="0" smtClean="0">
+                  <a:solidFill>
+                    <a:srgbClr val="660066"/>
+                  </a:solidFill>
+                  <a:latin typeface="Courier"/>
+                  <a:cs typeface="Courier"/>
+                </a:rPr>
+                <a:t>//call original follower iterator helper for nonlocal elements</a:t>
+              </a:r>
+            </a:p>
+            <a:p>
+              <a:r>
+                <a:rPr lang="en-US" sz="1100" dirty="0" smtClean="0">
+                  <a:latin typeface="Courier"/>
+                  <a:cs typeface="Courier"/>
+                </a:rPr>
+                <a:t>9   }    }</a:t>
+              </a:r>
+            </a:p>
+            <a:p>
+              <a:r>
+                <a:rPr lang="en-US" sz="1100" dirty="0" smtClean="0">
+                  <a:latin typeface="Courier"/>
+                  <a:cs typeface="Courier"/>
+                </a:rPr>
+                <a:t>10  </a:t>
+              </a:r>
+              <a:r>
+                <a:rPr lang="en-US" sz="1100" b="1" dirty="0" smtClean="0">
+                  <a:latin typeface="Courier"/>
+                  <a:cs typeface="Courier"/>
+                </a:rPr>
+                <a:t>if</a:t>
+              </a:r>
+              <a:r>
+                <a:rPr lang="en-US" sz="1100" dirty="0" smtClean="0">
+                  <a:latin typeface="Courier"/>
+                  <a:cs typeface="Courier"/>
+                </a:rPr>
+                <a:t> </a:t>
+              </a:r>
+              <a:r>
+                <a:rPr lang="en-US" sz="1100" dirty="0" err="1" smtClean="0">
+                  <a:latin typeface="Courier"/>
+                  <a:cs typeface="Courier"/>
+                </a:rPr>
+                <a:t>arrSection.locale.id</a:t>
+              </a:r>
+              <a:r>
+                <a:rPr lang="en-US" sz="1100" dirty="0" smtClean="0">
+                  <a:latin typeface="Courier"/>
+                  <a:cs typeface="Courier"/>
+                </a:rPr>
+                <a:t> == </a:t>
+              </a:r>
+              <a:r>
+                <a:rPr lang="en-US" sz="1100" dirty="0" err="1" smtClean="0">
+                  <a:latin typeface="Courier"/>
+                  <a:cs typeface="Courier"/>
+                </a:rPr>
+                <a:t>here.id</a:t>
+              </a:r>
+              <a:r>
+                <a:rPr lang="en-US" sz="1100" dirty="0" smtClean="0">
+                  <a:latin typeface="Courier"/>
+                  <a:cs typeface="Courier"/>
+                </a:rPr>
+                <a:t> </a:t>
+              </a:r>
+              <a:r>
+                <a:rPr lang="en-US" sz="1100" b="1" dirty="0" smtClean="0">
+                  <a:latin typeface="Courier"/>
+                  <a:cs typeface="Courier"/>
+                </a:rPr>
+                <a:t>then</a:t>
+              </a:r>
+              <a:r>
+                <a:rPr lang="en-US" sz="1100" dirty="0" smtClean="0">
+                  <a:latin typeface="Courier"/>
+                  <a:cs typeface="Courier"/>
+                </a:rPr>
+                <a:t> </a:t>
+              </a:r>
+              <a:r>
+                <a:rPr lang="en-US" sz="1100" b="1" dirty="0" smtClean="0">
+                  <a:latin typeface="Courier"/>
+                  <a:cs typeface="Courier"/>
+                </a:rPr>
+                <a:t>local</a:t>
+              </a:r>
+              <a:r>
+                <a:rPr lang="en-US" sz="1100" dirty="0" smtClean="0">
+                  <a:latin typeface="Courier"/>
+                  <a:cs typeface="Courier"/>
+                </a:rPr>
+                <a:t> {</a:t>
+              </a:r>
+            </a:p>
+            <a:p>
+              <a:r>
+                <a:rPr lang="en-US" sz="1100" dirty="0" smtClean="0">
+                  <a:solidFill>
+                    <a:srgbClr val="000000"/>
+                  </a:solidFill>
+                  <a:latin typeface="Courier"/>
+                  <a:cs typeface="Courier"/>
+                </a:rPr>
+                <a:t>11       </a:t>
+              </a:r>
+              <a:r>
+                <a:rPr lang="en-US" sz="1100" b="1" dirty="0" smtClean="0">
+                  <a:solidFill>
+                    <a:srgbClr val="660066"/>
+                  </a:solidFill>
+                  <a:latin typeface="Courier"/>
+                  <a:cs typeface="Courier"/>
+                </a:rPr>
+                <a:t>//original fast follower iterator helper for local elements</a:t>
+              </a:r>
+            </a:p>
+            <a:p>
+              <a:r>
+                <a:rPr lang="en-US" sz="1100" dirty="0" smtClean="0">
+                  <a:latin typeface="Courier"/>
+                  <a:cs typeface="Courier"/>
+                </a:rPr>
+                <a:t>12</a:t>
+              </a:r>
+              <a:r>
+                <a:rPr lang="en-US" sz="1100" dirty="0">
+                  <a:latin typeface="Courier"/>
+                  <a:cs typeface="Courier"/>
+                </a:rPr>
+                <a:t> </a:t>
+              </a:r>
+              <a:r>
+                <a:rPr lang="en-US" sz="1100" dirty="0" smtClean="0">
+                  <a:latin typeface="Courier"/>
+                  <a:cs typeface="Courier"/>
+                </a:rPr>
+                <a:t> } </a:t>
+              </a:r>
+              <a:r>
+                <a:rPr lang="en-US" sz="1100" b="1" dirty="0" smtClean="0">
+                  <a:latin typeface="Courier"/>
+                  <a:cs typeface="Courier"/>
+                </a:rPr>
+                <a:t>else</a:t>
+              </a:r>
+              <a:r>
+                <a:rPr lang="en-US" sz="1100" dirty="0" smtClean="0">
+                  <a:latin typeface="Courier"/>
+                  <a:cs typeface="Courier"/>
+                </a:rPr>
+                <a:t> {</a:t>
+              </a:r>
+            </a:p>
+            <a:p>
+              <a:r>
+                <a:rPr lang="en-US" sz="1100" dirty="0" smtClean="0">
+                  <a:solidFill>
+                    <a:srgbClr val="000000"/>
+                  </a:solidFill>
+                  <a:latin typeface="Courier"/>
+                  <a:cs typeface="Courier"/>
+                </a:rPr>
+                <a:t>13</a:t>
+              </a:r>
+              <a:r>
+                <a:rPr lang="en-US" sz="1100" b="1" dirty="0" smtClean="0">
+                  <a:solidFill>
+                    <a:srgbClr val="660066"/>
+                  </a:solidFill>
+                  <a:latin typeface="Courier"/>
+                  <a:cs typeface="Courier"/>
+                </a:rPr>
+                <a:t>	    //allocate local buffer to hold remote elements, compute source and destination </a:t>
+              </a:r>
+              <a:r>
+                <a:rPr lang="en-US" sz="1100" b="1" dirty="0">
+                  <a:solidFill>
+                    <a:srgbClr val="660066"/>
+                  </a:solidFill>
+                  <a:latin typeface="Courier"/>
+                  <a:cs typeface="Courier"/>
+                </a:rPr>
+                <a:t>	 </a:t>
+              </a:r>
+              <a:r>
+                <a:rPr lang="en-US" sz="1100" b="1" dirty="0" smtClean="0">
+                  <a:solidFill>
+                    <a:srgbClr val="660066"/>
+                  </a:solidFill>
+                  <a:latin typeface="Courier"/>
+                  <a:cs typeface="Courier"/>
+                </a:rPr>
+                <a:t>    </a:t>
+              </a:r>
+            </a:p>
+            <a:p>
+              <a:r>
+                <a:rPr lang="en-US" sz="1100" dirty="0" smtClean="0">
+                  <a:solidFill>
+                    <a:srgbClr val="000000"/>
+                  </a:solidFill>
+                  <a:latin typeface="Courier"/>
+                  <a:cs typeface="Courier"/>
+                </a:rPr>
+                <a:t>14</a:t>
+              </a:r>
+              <a:r>
+                <a:rPr lang="en-US" sz="1100" b="1" dirty="0" smtClean="0">
+                  <a:solidFill>
+                    <a:srgbClr val="660066"/>
+                  </a:solidFill>
+                  <a:latin typeface="Courier"/>
+                  <a:cs typeface="Courier"/>
+                </a:rPr>
+                <a:t>       //</a:t>
+              </a:r>
+              <a:r>
+                <a:rPr lang="en-US" sz="1100" b="1" dirty="0">
+                  <a:solidFill>
+                    <a:srgbClr val="660066"/>
+                  </a:solidFill>
+                  <a:latin typeface="Courier"/>
+                  <a:cs typeface="Courier"/>
+                </a:rPr>
+                <a:t>strides</a:t>
+              </a:r>
+              <a:r>
+                <a:rPr lang="en-US" sz="1100" b="1" dirty="0" smtClean="0">
+                  <a:solidFill>
+                    <a:srgbClr val="660066"/>
+                  </a:solidFill>
+                  <a:latin typeface="Courier"/>
+                  <a:cs typeface="Courier"/>
+                </a:rPr>
+                <a:t>, number of elements to communicate</a:t>
+              </a:r>
+            </a:p>
+            <a:p>
+              <a:r>
+                <a:rPr lang="en-US" sz="1100" dirty="0" smtClean="0">
+                  <a:solidFill>
+                    <a:srgbClr val="000000"/>
+                  </a:solidFill>
+                  <a:latin typeface="Courier"/>
+                  <a:cs typeface="Courier"/>
+                </a:rPr>
+                <a:t>15</a:t>
+              </a:r>
+              <a:r>
+                <a:rPr lang="en-US" sz="1100" b="1" dirty="0">
+                  <a:solidFill>
+                    <a:srgbClr val="660066"/>
+                  </a:solidFill>
+                  <a:latin typeface="Courier"/>
+                  <a:cs typeface="Courier"/>
+                </a:rPr>
+                <a:t>	</a:t>
+              </a:r>
+              <a:r>
+                <a:rPr lang="en-US" sz="1100" b="1" dirty="0" smtClean="0">
+                  <a:solidFill>
+                    <a:srgbClr val="660066"/>
+                  </a:solidFill>
+                  <a:latin typeface="Courier"/>
+                  <a:cs typeface="Courier"/>
+                </a:rPr>
+                <a:t>	</a:t>
+              </a:r>
+              <a:r>
+                <a:rPr lang="en-US" sz="1100" dirty="0" err="1" smtClean="0">
+                  <a:latin typeface="Courier"/>
+                  <a:cs typeface="Courier"/>
+                </a:rPr>
+                <a:t>chpl_comm_gets</a:t>
+              </a:r>
+              <a:r>
+                <a:rPr lang="en-US" sz="1100" dirty="0" smtClean="0">
+                  <a:latin typeface="Courier"/>
+                  <a:cs typeface="Courier"/>
+                </a:rPr>
+                <a:t>(</a:t>
+              </a:r>
+              <a:r>
+                <a:rPr lang="en-US" sz="1100" dirty="0" err="1" smtClean="0">
+                  <a:latin typeface="Courier"/>
+                  <a:cs typeface="Courier"/>
+                </a:rPr>
+                <a:t>buf</a:t>
+              </a:r>
+              <a:r>
+                <a:rPr lang="en-US" sz="1100" dirty="0" smtClean="0">
+                  <a:latin typeface="Courier"/>
+                  <a:cs typeface="Courier"/>
+                </a:rPr>
+                <a:t>, </a:t>
+              </a:r>
+              <a:r>
+                <a:rPr lang="en-US" sz="1100" dirty="0" err="1" smtClean="0">
+                  <a:latin typeface="Courier"/>
+                  <a:cs typeface="Courier"/>
+                </a:rPr>
+                <a:t>deststr</a:t>
+              </a:r>
+              <a:r>
+                <a:rPr lang="en-US" sz="1100" dirty="0" smtClean="0">
+                  <a:latin typeface="Courier"/>
+                  <a:cs typeface="Courier"/>
+                </a:rPr>
+                <a:t>, arrSection.</a:t>
+              </a:r>
+              <a:r>
+                <a:rPr lang="en-US" sz="1100" dirty="0" err="1" smtClean="0">
+                  <a:latin typeface="Courier"/>
+                  <a:cs typeface="Courier"/>
+                </a:rPr>
+                <a:t>myElems</a:t>
+              </a:r>
+              <a:r>
+                <a:rPr lang="en-US" sz="1100" dirty="0" smtClean="0">
+                  <a:latin typeface="Courier"/>
+                  <a:cs typeface="Courier"/>
+                </a:rPr>
+                <a:t>._</a:t>
+              </a:r>
+              <a:r>
+                <a:rPr lang="en-US" sz="1100" dirty="0" err="1" smtClean="0">
+                  <a:latin typeface="Courier"/>
+                  <a:cs typeface="Courier"/>
+                </a:rPr>
+                <a:t>value.theData</a:t>
+              </a:r>
+              <a:r>
+                <a:rPr lang="en-US" sz="1100" dirty="0" smtClean="0">
+                  <a:latin typeface="Courier"/>
+                  <a:cs typeface="Courier"/>
+                </a:rPr>
+                <a:t>, </a:t>
+              </a:r>
+              <a:r>
+                <a:rPr lang="en-US" sz="1100" dirty="0" err="1" smtClean="0">
+                  <a:latin typeface="Courier"/>
+                  <a:cs typeface="Courier"/>
+                </a:rPr>
+                <a:t>srcstr</a:t>
+              </a:r>
+              <a:r>
+                <a:rPr lang="en-US" sz="1100" dirty="0" smtClean="0">
+                  <a:latin typeface="Courier"/>
+                  <a:cs typeface="Courier"/>
+                </a:rPr>
+                <a:t>, count);</a:t>
+              </a:r>
+              <a:endParaRPr lang="en-US" sz="1100" b="1" dirty="0" smtClean="0">
+                <a:solidFill>
+                  <a:srgbClr val="660066"/>
+                </a:solidFill>
+                <a:latin typeface="Courier"/>
+                <a:cs typeface="Courier"/>
+              </a:endParaRPr>
+            </a:p>
+            <a:p>
+              <a:r>
+                <a:rPr lang="en-US" sz="1100" dirty="0" smtClean="0">
+                  <a:solidFill>
+                    <a:srgbClr val="000000"/>
+                  </a:solidFill>
+                  <a:latin typeface="Courier"/>
+                  <a:cs typeface="Courier"/>
+                </a:rPr>
+                <a:t>16</a:t>
+              </a:r>
+              <a:r>
+                <a:rPr lang="en-US" sz="1100" b="1" dirty="0">
+                  <a:solidFill>
+                    <a:srgbClr val="660066"/>
+                  </a:solidFill>
+                  <a:latin typeface="Courier"/>
+                  <a:cs typeface="Courier"/>
+                </a:rPr>
+                <a:t>	</a:t>
+              </a:r>
+              <a:r>
+                <a:rPr lang="en-US" sz="1100" b="1" dirty="0" smtClean="0">
+                  <a:solidFill>
+                    <a:srgbClr val="660066"/>
+                  </a:solidFill>
+                  <a:latin typeface="Courier"/>
+                  <a:cs typeface="Courier"/>
+                </a:rPr>
+                <a:t>	</a:t>
+              </a:r>
+              <a:r>
+                <a:rPr lang="en-US" sz="1100" b="1" dirty="0" err="1" smtClean="0">
+                  <a:solidFill>
+                    <a:srgbClr val="000000"/>
+                  </a:solidFill>
+                  <a:latin typeface="Courier"/>
+                  <a:cs typeface="Courier"/>
+                </a:rPr>
+                <a:t>var</a:t>
+              </a:r>
+              <a:r>
+                <a:rPr lang="en-US" sz="1100" dirty="0" smtClean="0">
+                  <a:solidFill>
+                    <a:srgbClr val="000000"/>
+                  </a:solidFill>
+                  <a:latin typeface="Courier"/>
+                  <a:cs typeface="Courier"/>
+                </a:rPr>
+                <a:t> changed = </a:t>
+              </a:r>
+              <a:r>
+                <a:rPr lang="en-US" sz="1100" b="1" dirty="0" smtClean="0">
+                  <a:solidFill>
+                    <a:srgbClr val="000000"/>
+                  </a:solidFill>
+                  <a:latin typeface="Courier"/>
+                  <a:cs typeface="Courier"/>
+                </a:rPr>
+                <a:t>false</a:t>
+              </a:r>
+              <a:r>
+                <a:rPr lang="en-US" sz="1100" dirty="0" smtClean="0">
+                  <a:solidFill>
+                    <a:srgbClr val="000000"/>
+                  </a:solidFill>
+                  <a:latin typeface="Courier"/>
+                  <a:cs typeface="Courier"/>
+                </a:rPr>
+                <a:t>;</a:t>
+              </a:r>
+              <a:endParaRPr lang="en-US" sz="1100" b="1" dirty="0">
+                <a:solidFill>
+                  <a:srgbClr val="660066"/>
+                </a:solidFill>
+                <a:latin typeface="Courier"/>
+                <a:cs typeface="Courier"/>
+              </a:endParaRPr>
+            </a:p>
+            <a:p>
+              <a:r>
+                <a:rPr lang="en-US" sz="1100" dirty="0" smtClean="0">
+                  <a:solidFill>
+                    <a:srgbClr val="000000"/>
+                  </a:solidFill>
+                  <a:latin typeface="Courier"/>
+                  <a:cs typeface="Courier"/>
+                </a:rPr>
+                <a:t>17</a:t>
+              </a:r>
+              <a:r>
+                <a:rPr lang="en-US" sz="1100" b="1" dirty="0" smtClean="0">
+                  <a:solidFill>
+                    <a:srgbClr val="660066"/>
+                  </a:solidFill>
+                  <a:latin typeface="Courier"/>
+                  <a:cs typeface="Courier"/>
+                </a:rPr>
+                <a:t>		</a:t>
+              </a:r>
+              <a:r>
+                <a:rPr lang="en-US" sz="1100" b="1" dirty="0" smtClean="0">
+                  <a:solidFill>
+                    <a:srgbClr val="000000"/>
+                  </a:solidFill>
+                  <a:latin typeface="Courier"/>
+                  <a:cs typeface="Courier"/>
+                </a:rPr>
+                <a:t>for</a:t>
+              </a:r>
+              <a:r>
+                <a:rPr lang="en-US" sz="1100" dirty="0" smtClean="0">
+                  <a:solidFill>
+                    <a:srgbClr val="000000"/>
+                  </a:solidFill>
+                  <a:latin typeface="Courier"/>
+                  <a:cs typeface="Courier"/>
+                </a:rPr>
+                <a:t> </a:t>
+              </a:r>
+              <a:r>
+                <a:rPr lang="en-US" sz="1100" dirty="0" err="1">
+                  <a:solidFill>
+                    <a:srgbClr val="000000"/>
+                  </a:solidFill>
+                  <a:latin typeface="Courier"/>
+                  <a:cs typeface="Courier"/>
+                </a:rPr>
+                <a:t>i</a:t>
+              </a:r>
+              <a:r>
+                <a:rPr lang="en-US" sz="1100" dirty="0" smtClean="0">
+                  <a:solidFill>
+                    <a:srgbClr val="000000"/>
+                  </a:solidFill>
+                  <a:latin typeface="Courier"/>
+                  <a:cs typeface="Courier"/>
+                </a:rPr>
+                <a:t> </a:t>
+              </a:r>
+              <a:r>
+                <a:rPr lang="en-US" sz="1100" b="1" dirty="0" smtClean="0">
+                  <a:solidFill>
+                    <a:srgbClr val="000000"/>
+                  </a:solidFill>
+                  <a:latin typeface="Courier"/>
+                  <a:cs typeface="Courier"/>
+                </a:rPr>
+                <a:t>in</a:t>
+              </a:r>
+              <a:r>
+                <a:rPr lang="en-US" sz="1100" dirty="0" smtClean="0">
+                  <a:solidFill>
+                    <a:srgbClr val="000000"/>
+                  </a:solidFill>
+                  <a:latin typeface="Courier"/>
+                  <a:cs typeface="Courier"/>
+                </a:rPr>
+                <a:t> </a:t>
+              </a:r>
+              <a:r>
+                <a:rPr lang="en-US" sz="1100" dirty="0" err="1" smtClean="0">
+                  <a:solidFill>
+                    <a:srgbClr val="000000"/>
+                  </a:solidFill>
+                  <a:latin typeface="Courier"/>
+                  <a:cs typeface="Courier"/>
+                </a:rPr>
+                <a:t>buf</a:t>
+              </a:r>
+              <a:r>
+                <a:rPr lang="en-US" sz="1100" dirty="0" smtClean="0">
+                  <a:solidFill>
+                    <a:srgbClr val="000000"/>
+                  </a:solidFill>
+                  <a:latin typeface="Courier"/>
+                  <a:cs typeface="Courier"/>
+                </a:rPr>
+                <a:t> {</a:t>
+              </a:r>
+            </a:p>
+            <a:p>
+              <a:r>
+                <a:rPr lang="en-US" sz="1100" dirty="0" smtClean="0">
+                  <a:solidFill>
+                    <a:srgbClr val="000000"/>
+                  </a:solidFill>
+                  <a:latin typeface="Courier"/>
+                  <a:cs typeface="Courier"/>
+                </a:rPr>
+                <a:t>18</a:t>
+              </a:r>
+              <a:r>
+                <a:rPr lang="en-US" sz="1100" dirty="0">
+                  <a:solidFill>
+                    <a:srgbClr val="000000"/>
+                  </a:solidFill>
+                  <a:latin typeface="Courier"/>
+                  <a:cs typeface="Courier"/>
+                </a:rPr>
+                <a:t>	</a:t>
+              </a:r>
+              <a:r>
+                <a:rPr lang="en-US" sz="1100" dirty="0" smtClean="0">
+                  <a:solidFill>
+                    <a:srgbClr val="000000"/>
+                  </a:solidFill>
+                  <a:latin typeface="Courier"/>
+                  <a:cs typeface="Courier"/>
+                </a:rPr>
+                <a:t>		</a:t>
+              </a:r>
+              <a:r>
+                <a:rPr lang="en-US" sz="1100" b="1" dirty="0" err="1" smtClean="0">
+                  <a:solidFill>
+                    <a:srgbClr val="000000"/>
+                  </a:solidFill>
+                  <a:latin typeface="Courier"/>
+                  <a:cs typeface="Courier"/>
+                </a:rPr>
+                <a:t>var</a:t>
+              </a:r>
+              <a:r>
+                <a:rPr lang="en-US" sz="1100" dirty="0" smtClean="0">
+                  <a:solidFill>
+                    <a:srgbClr val="000000"/>
+                  </a:solidFill>
+                  <a:latin typeface="Courier"/>
+                  <a:cs typeface="Courier"/>
+                </a:rPr>
+                <a:t> </a:t>
+              </a:r>
+              <a:r>
+                <a:rPr lang="en-US" sz="1100" dirty="0" err="1" smtClean="0">
+                  <a:solidFill>
+                    <a:srgbClr val="000000"/>
+                  </a:solidFill>
+                  <a:latin typeface="Courier"/>
+                  <a:cs typeface="Courier"/>
+                </a:rPr>
+                <a:t>old_i</a:t>
+              </a:r>
+              <a:r>
+                <a:rPr lang="en-US" sz="1100" dirty="0" smtClean="0">
+                  <a:solidFill>
+                    <a:srgbClr val="000000"/>
+                  </a:solidFill>
+                  <a:latin typeface="Courier"/>
+                  <a:cs typeface="Courier"/>
+                </a:rPr>
+                <a:t> = </a:t>
+              </a:r>
+              <a:r>
+                <a:rPr lang="en-US" sz="1100" dirty="0" err="1" smtClean="0">
+                  <a:solidFill>
+                    <a:srgbClr val="000000"/>
+                  </a:solidFill>
+                  <a:latin typeface="Courier"/>
+                  <a:cs typeface="Courier"/>
+                </a:rPr>
+                <a:t>i</a:t>
+              </a:r>
+              <a:r>
+                <a:rPr lang="en-US" sz="1100" dirty="0" smtClean="0">
+                  <a:solidFill>
+                    <a:srgbClr val="000000"/>
+                  </a:solidFill>
+                  <a:latin typeface="Courier"/>
+                  <a:cs typeface="Courier"/>
+                </a:rPr>
+                <a:t>;</a:t>
+              </a:r>
+            </a:p>
+            <a:p>
+              <a:r>
+                <a:rPr lang="en-US" sz="1100" dirty="0" smtClean="0">
+                  <a:solidFill>
+                    <a:srgbClr val="000000"/>
+                  </a:solidFill>
+                  <a:latin typeface="Courier"/>
+                  <a:cs typeface="Courier"/>
+                </a:rPr>
+                <a:t>19</a:t>
+              </a:r>
+              <a:r>
+                <a:rPr lang="en-US" sz="1100" dirty="0">
+                  <a:solidFill>
+                    <a:srgbClr val="000000"/>
+                  </a:solidFill>
+                  <a:latin typeface="Courier"/>
+                  <a:cs typeface="Courier"/>
+                </a:rPr>
+                <a:t>	</a:t>
+              </a:r>
+              <a:r>
+                <a:rPr lang="en-US" sz="1100" dirty="0" smtClean="0">
+                  <a:solidFill>
+                    <a:srgbClr val="000000"/>
+                  </a:solidFill>
+                  <a:latin typeface="Courier"/>
+                  <a:cs typeface="Courier"/>
+                </a:rPr>
+                <a:t>	     </a:t>
+              </a:r>
+              <a:r>
+                <a:rPr lang="en-US" sz="1100" b="1" dirty="0" smtClean="0">
+                  <a:solidFill>
+                    <a:srgbClr val="000000"/>
+                  </a:solidFill>
+                  <a:latin typeface="Courier"/>
+                  <a:cs typeface="Courier"/>
+                </a:rPr>
+                <a:t>yield</a:t>
+              </a:r>
+              <a:r>
+                <a:rPr lang="en-US" sz="1100" dirty="0" smtClean="0">
+                  <a:solidFill>
+                    <a:srgbClr val="000000"/>
+                  </a:solidFill>
+                  <a:latin typeface="Courier"/>
+                  <a:cs typeface="Courier"/>
+                </a:rPr>
+                <a:t> </a:t>
+              </a:r>
+              <a:r>
+                <a:rPr lang="en-US" sz="1100" dirty="0" err="1" smtClean="0">
+                  <a:solidFill>
+                    <a:srgbClr val="000000"/>
+                  </a:solidFill>
+                  <a:latin typeface="Courier"/>
+                  <a:cs typeface="Courier"/>
+                </a:rPr>
+                <a:t>i</a:t>
+              </a:r>
+              <a:r>
+                <a:rPr lang="en-US" sz="1100" dirty="0" smtClean="0">
+                  <a:solidFill>
+                    <a:srgbClr val="000000"/>
+                  </a:solidFill>
+                  <a:latin typeface="Courier"/>
+                  <a:cs typeface="Courier"/>
+                </a:rPr>
+                <a:t>;</a:t>
+              </a:r>
+            </a:p>
+            <a:p>
+              <a:r>
+                <a:rPr lang="en-US" sz="1100" dirty="0" smtClean="0">
+                  <a:solidFill>
+                    <a:srgbClr val="000000"/>
+                  </a:solidFill>
+                  <a:latin typeface="Courier"/>
+                  <a:cs typeface="Courier"/>
+                </a:rPr>
+                <a:t>20</a:t>
+              </a:r>
+              <a:r>
+                <a:rPr lang="en-US" sz="1100" dirty="0">
+                  <a:solidFill>
+                    <a:srgbClr val="000000"/>
+                  </a:solidFill>
+                  <a:latin typeface="Courier"/>
+                  <a:cs typeface="Courier"/>
+                </a:rPr>
+                <a:t>	</a:t>
+              </a:r>
+              <a:r>
+                <a:rPr lang="en-US" sz="1100" dirty="0" smtClean="0">
+                  <a:solidFill>
+                    <a:srgbClr val="000000"/>
+                  </a:solidFill>
+                  <a:latin typeface="Courier"/>
+                  <a:cs typeface="Courier"/>
+                </a:rPr>
+                <a:t>		</a:t>
+              </a:r>
+              <a:r>
+                <a:rPr lang="en-US" sz="1100" b="1" dirty="0" err="1" smtClean="0">
+                  <a:solidFill>
+                    <a:srgbClr val="000000"/>
+                  </a:solidFill>
+                  <a:latin typeface="Courier"/>
+                  <a:cs typeface="Courier"/>
+                </a:rPr>
+                <a:t>var</a:t>
+              </a:r>
+              <a:r>
+                <a:rPr lang="en-US" sz="1100" dirty="0" smtClean="0">
+                  <a:solidFill>
+                    <a:srgbClr val="000000"/>
+                  </a:solidFill>
+                  <a:latin typeface="Courier"/>
+                  <a:cs typeface="Courier"/>
+                </a:rPr>
+                <a:t> </a:t>
+              </a:r>
+              <a:r>
+                <a:rPr lang="en-US" sz="1100" dirty="0" err="1" smtClean="0">
+                  <a:solidFill>
+                    <a:srgbClr val="000000"/>
+                  </a:solidFill>
+                  <a:latin typeface="Courier"/>
+                  <a:cs typeface="Courier"/>
+                </a:rPr>
+                <a:t>new_val</a:t>
+              </a:r>
+              <a:r>
+                <a:rPr lang="en-US" sz="1100" dirty="0" smtClean="0">
+                  <a:solidFill>
+                    <a:srgbClr val="000000"/>
+                  </a:solidFill>
+                  <a:latin typeface="Courier"/>
+                  <a:cs typeface="Courier"/>
+                </a:rPr>
+                <a:t> = </a:t>
+              </a:r>
+              <a:r>
+                <a:rPr lang="en-US" sz="1100" dirty="0" err="1" smtClean="0">
+                  <a:solidFill>
+                    <a:srgbClr val="000000"/>
+                  </a:solidFill>
+                  <a:latin typeface="Courier"/>
+                  <a:cs typeface="Courier"/>
+                </a:rPr>
+                <a:t>i</a:t>
+              </a:r>
+              <a:r>
+                <a:rPr lang="en-US" sz="1100" dirty="0" smtClean="0">
+                  <a:solidFill>
+                    <a:srgbClr val="000000"/>
+                  </a:solidFill>
+                  <a:latin typeface="Courier"/>
+                  <a:cs typeface="Courier"/>
+                </a:rPr>
+                <a:t>;</a:t>
+              </a:r>
+            </a:p>
+            <a:p>
+              <a:r>
+                <a:rPr lang="en-US" sz="1100" dirty="0" smtClean="0">
+                  <a:solidFill>
+                    <a:srgbClr val="000000"/>
+                  </a:solidFill>
+                  <a:latin typeface="Courier"/>
+                  <a:cs typeface="Courier"/>
+                </a:rPr>
+                <a:t>21</a:t>
+              </a:r>
+              <a:r>
+                <a:rPr lang="en-US" sz="1100" dirty="0">
+                  <a:solidFill>
+                    <a:srgbClr val="000000"/>
+                  </a:solidFill>
+                  <a:latin typeface="Courier"/>
+                  <a:cs typeface="Courier"/>
+                </a:rPr>
+                <a:t>	</a:t>
+              </a:r>
+              <a:r>
+                <a:rPr lang="en-US" sz="1100" dirty="0" smtClean="0">
+                  <a:solidFill>
+                    <a:srgbClr val="000000"/>
+                  </a:solidFill>
+                  <a:latin typeface="Courier"/>
+                  <a:cs typeface="Courier"/>
+                </a:rPr>
+                <a:t>	  	</a:t>
+              </a:r>
+              <a:r>
+                <a:rPr lang="en-US" sz="1100" b="1" dirty="0" smtClean="0">
+                  <a:solidFill>
+                    <a:srgbClr val="000000"/>
+                  </a:solidFill>
+                  <a:latin typeface="Courier"/>
+                  <a:cs typeface="Courier"/>
+                </a:rPr>
+                <a:t>if</a:t>
+              </a:r>
+              <a:r>
+                <a:rPr lang="en-US" sz="1100" dirty="0" smtClean="0">
+                  <a:solidFill>
+                    <a:srgbClr val="000000"/>
+                  </a:solidFill>
+                  <a:latin typeface="Courier"/>
+                  <a:cs typeface="Courier"/>
+                </a:rPr>
+                <a:t>(</a:t>
+              </a:r>
+              <a:r>
+                <a:rPr lang="en-US" sz="1100" dirty="0" err="1" smtClean="0">
+                  <a:solidFill>
+                    <a:srgbClr val="000000"/>
+                  </a:solidFill>
+                  <a:latin typeface="Courier"/>
+                  <a:cs typeface="Courier"/>
+                </a:rPr>
+                <a:t>old_val</a:t>
+              </a:r>
+              <a:r>
+                <a:rPr lang="en-US" sz="1100" dirty="0" smtClean="0">
+                  <a:solidFill>
+                    <a:srgbClr val="000000"/>
+                  </a:solidFill>
+                  <a:latin typeface="Courier"/>
+                  <a:cs typeface="Courier"/>
+                </a:rPr>
+                <a:t> != </a:t>
+              </a:r>
+              <a:r>
+                <a:rPr lang="en-US" sz="1100" dirty="0" err="1" smtClean="0">
+                  <a:solidFill>
+                    <a:srgbClr val="000000"/>
+                  </a:solidFill>
+                  <a:latin typeface="Courier"/>
+                  <a:cs typeface="Courier"/>
+                </a:rPr>
+                <a:t>new_val</a:t>
+              </a:r>
+              <a:r>
+                <a:rPr lang="en-US" sz="1100" dirty="0" smtClean="0">
+                  <a:solidFill>
+                    <a:srgbClr val="000000"/>
+                  </a:solidFill>
+                  <a:latin typeface="Courier"/>
+                  <a:cs typeface="Courier"/>
+                </a:rPr>
+                <a:t>) </a:t>
+              </a:r>
+              <a:r>
+                <a:rPr lang="en-US" sz="1100" b="1" dirty="0" smtClean="0">
+                  <a:solidFill>
+                    <a:srgbClr val="000000"/>
+                  </a:solidFill>
+                  <a:latin typeface="Courier"/>
+                  <a:cs typeface="Courier"/>
+                </a:rPr>
+                <a:t>then</a:t>
+              </a:r>
+              <a:r>
+                <a:rPr lang="en-US" sz="1100" dirty="0" smtClean="0">
+                  <a:solidFill>
+                    <a:srgbClr val="000000"/>
+                  </a:solidFill>
+                  <a:latin typeface="Courier"/>
+                  <a:cs typeface="Courier"/>
+                </a:rPr>
+                <a:t> changed = </a:t>
+              </a:r>
+              <a:r>
+                <a:rPr lang="en-US" sz="1100" b="1" dirty="0" smtClean="0">
+                  <a:solidFill>
+                    <a:srgbClr val="000000"/>
+                  </a:solidFill>
+                  <a:latin typeface="Courier"/>
+                  <a:cs typeface="Courier"/>
+                </a:rPr>
+                <a:t>true</a:t>
+              </a:r>
+              <a:r>
+                <a:rPr lang="en-US" sz="1100" dirty="0" smtClean="0">
+                  <a:solidFill>
+                    <a:srgbClr val="000000"/>
+                  </a:solidFill>
+                  <a:latin typeface="Courier"/>
+                  <a:cs typeface="Courier"/>
+                </a:rPr>
+                <a:t>;</a:t>
+              </a:r>
+            </a:p>
+            <a:p>
+              <a:r>
+                <a:rPr lang="en-US" sz="1100" dirty="0" smtClean="0">
+                  <a:solidFill>
+                    <a:srgbClr val="000000"/>
+                  </a:solidFill>
+                  <a:latin typeface="Courier"/>
+                  <a:cs typeface="Courier"/>
+                </a:rPr>
+                <a:t>22</a:t>
+              </a:r>
+              <a:r>
+                <a:rPr lang="en-US" sz="1100" b="1" dirty="0">
+                  <a:solidFill>
+                    <a:srgbClr val="000000"/>
+                  </a:solidFill>
+                  <a:latin typeface="Courier"/>
+                  <a:cs typeface="Courier"/>
+                </a:rPr>
+                <a:t>	</a:t>
+              </a:r>
+              <a:r>
+                <a:rPr lang="en-US" sz="1100" b="1" dirty="0" smtClean="0">
+                  <a:solidFill>
+                    <a:srgbClr val="000000"/>
+                  </a:solidFill>
+                  <a:latin typeface="Courier"/>
+                  <a:cs typeface="Courier"/>
+                </a:rPr>
+                <a:t>	</a:t>
+              </a:r>
+              <a:r>
+                <a:rPr lang="en-US" sz="1100" dirty="0" smtClean="0">
+                  <a:solidFill>
+                    <a:srgbClr val="000000"/>
+                  </a:solidFill>
+                  <a:latin typeface="Courier"/>
+                  <a:cs typeface="Courier"/>
+                </a:rPr>
+                <a:t>}</a:t>
+              </a:r>
+            </a:p>
+            <a:p>
+              <a:r>
+                <a:rPr lang="en-US" sz="1100" dirty="0" smtClean="0">
+                  <a:solidFill>
+                    <a:srgbClr val="000000"/>
+                  </a:solidFill>
+                  <a:latin typeface="Courier"/>
+                  <a:cs typeface="Courier"/>
+                </a:rPr>
+                <a:t>23</a:t>
+              </a:r>
+              <a:r>
+                <a:rPr lang="en-US" sz="1100" b="1" dirty="0">
+                  <a:solidFill>
+                    <a:srgbClr val="000000"/>
+                  </a:solidFill>
+                  <a:latin typeface="Courier"/>
+                  <a:cs typeface="Courier"/>
+                </a:rPr>
+                <a:t>	</a:t>
+              </a:r>
+              <a:r>
+                <a:rPr lang="en-US" sz="1100" b="1" dirty="0" smtClean="0">
+                  <a:solidFill>
+                    <a:srgbClr val="000000"/>
+                  </a:solidFill>
+                  <a:latin typeface="Courier"/>
+                  <a:cs typeface="Courier"/>
+                </a:rPr>
+                <a:t>	if</a:t>
+              </a:r>
+              <a:r>
+                <a:rPr lang="en-US" sz="1100" dirty="0" smtClean="0">
+                  <a:solidFill>
+                    <a:srgbClr val="000000"/>
+                  </a:solidFill>
+                  <a:latin typeface="Courier"/>
+                  <a:cs typeface="Courier"/>
+                </a:rPr>
+                <a:t> changed </a:t>
+              </a:r>
+              <a:r>
+                <a:rPr lang="en-US" sz="1100" b="1" dirty="0" smtClean="0">
+                  <a:solidFill>
+                    <a:srgbClr val="000000"/>
+                  </a:solidFill>
+                  <a:latin typeface="Courier"/>
+                  <a:cs typeface="Courier"/>
+                </a:rPr>
+                <a:t>then </a:t>
+              </a:r>
+            </a:p>
+            <a:p>
+              <a:r>
+                <a:rPr lang="en-US" sz="1100" dirty="0" smtClean="0">
+                  <a:solidFill>
+                    <a:srgbClr val="000000"/>
+                  </a:solidFill>
+                  <a:latin typeface="Courier"/>
+                  <a:cs typeface="Courier"/>
+                </a:rPr>
+                <a:t>24</a:t>
+              </a:r>
+              <a:r>
+                <a:rPr lang="en-US" sz="1100" dirty="0">
+                  <a:solidFill>
+                    <a:srgbClr val="000000"/>
+                  </a:solidFill>
+                  <a:latin typeface="Courier"/>
+                  <a:cs typeface="Courier"/>
+                </a:rPr>
+                <a:t>	 </a:t>
+              </a:r>
+              <a:r>
+                <a:rPr lang="en-US" sz="1100" dirty="0" smtClean="0">
+                  <a:solidFill>
+                    <a:srgbClr val="000000"/>
+                  </a:solidFill>
+                  <a:latin typeface="Courier"/>
+                  <a:cs typeface="Courier"/>
+                </a:rPr>
+                <a:t>         </a:t>
+              </a:r>
+              <a:r>
+                <a:rPr lang="en-US" sz="1100" dirty="0" err="1" smtClean="0">
+                  <a:solidFill>
+                    <a:srgbClr val="000000"/>
+                  </a:solidFill>
+                  <a:latin typeface="Courier"/>
+                  <a:cs typeface="Courier"/>
+                </a:rPr>
+                <a:t>chpl_comm_puts</a:t>
+              </a:r>
+              <a:r>
+                <a:rPr lang="en-US" sz="1100" dirty="0" smtClean="0">
+                  <a:solidFill>
+                    <a:srgbClr val="000000"/>
+                  </a:solidFill>
+                  <a:latin typeface="Courier"/>
+                  <a:cs typeface="Courier"/>
+                </a:rPr>
+                <a:t>(</a:t>
+              </a:r>
+              <a:r>
+                <a:rPr lang="en-US" sz="1100" dirty="0">
+                  <a:latin typeface="Courier"/>
+                  <a:cs typeface="Courier"/>
+                </a:rPr>
+                <a:t>arrSection.</a:t>
+              </a:r>
+              <a:r>
+                <a:rPr lang="en-US" sz="1100" dirty="0" err="1">
+                  <a:latin typeface="Courier"/>
+                  <a:cs typeface="Courier"/>
+                </a:rPr>
+                <a:t>myElems</a:t>
+              </a:r>
+              <a:r>
+                <a:rPr lang="en-US" sz="1100" dirty="0">
+                  <a:latin typeface="Courier"/>
+                  <a:cs typeface="Courier"/>
+                </a:rPr>
+                <a:t>._</a:t>
+              </a:r>
+              <a:r>
+                <a:rPr lang="en-US" sz="1100" dirty="0" err="1">
+                  <a:latin typeface="Courier"/>
+                  <a:cs typeface="Courier"/>
+                </a:rPr>
+                <a:t>value.theData</a:t>
+              </a:r>
+              <a:r>
+                <a:rPr lang="en-US" sz="1100" dirty="0">
+                  <a:latin typeface="Courier"/>
+                  <a:cs typeface="Courier"/>
+                </a:rPr>
+                <a:t>, </a:t>
+              </a:r>
+              <a:r>
+                <a:rPr lang="en-US" sz="1100" dirty="0" err="1" smtClean="0">
+                  <a:latin typeface="Courier"/>
+                  <a:cs typeface="Courier"/>
+                </a:rPr>
+                <a:t>srcstr</a:t>
+              </a:r>
+              <a:r>
+                <a:rPr lang="en-US" sz="1100" dirty="0" smtClean="0">
+                  <a:latin typeface="Courier"/>
+                  <a:cs typeface="Courier"/>
+                </a:rPr>
+                <a:t>, </a:t>
+              </a:r>
+              <a:r>
+                <a:rPr lang="en-US" sz="1100" dirty="0" err="1" smtClean="0">
+                  <a:latin typeface="Courier"/>
+                  <a:cs typeface="Courier"/>
+                </a:rPr>
+                <a:t>buf</a:t>
+              </a:r>
+              <a:r>
+                <a:rPr lang="en-US" sz="1100" dirty="0" smtClean="0">
+                  <a:latin typeface="Courier"/>
+                  <a:cs typeface="Courier"/>
+                </a:rPr>
+                <a:t>, </a:t>
+              </a:r>
+              <a:r>
+                <a:rPr lang="en-US" sz="1100" dirty="0" err="1" smtClean="0">
+                  <a:latin typeface="Courier"/>
+                  <a:cs typeface="Courier"/>
+                </a:rPr>
+                <a:t>deststr</a:t>
+              </a:r>
+              <a:r>
+                <a:rPr lang="en-US" sz="1100" dirty="0" smtClean="0">
+                  <a:latin typeface="Courier"/>
+                  <a:cs typeface="Courier"/>
+                </a:rPr>
+                <a:t>, count</a:t>
+              </a:r>
+              <a:r>
+                <a:rPr lang="en-US" sz="1100" dirty="0" smtClean="0">
+                  <a:solidFill>
+                    <a:srgbClr val="000000"/>
+                  </a:solidFill>
+                  <a:latin typeface="Courier"/>
+                  <a:cs typeface="Courier"/>
+                </a:rPr>
+                <a:t>);</a:t>
+              </a:r>
+              <a:endParaRPr lang="en-US" sz="1100" b="1" dirty="0" smtClean="0">
+                <a:solidFill>
+                  <a:srgbClr val="660066"/>
+                </a:solidFill>
+                <a:latin typeface="Courier"/>
+                <a:cs typeface="Courier"/>
+              </a:endParaRPr>
+            </a:p>
+            <a:p>
+              <a:r>
+                <a:rPr lang="en-US" sz="1100" dirty="0" smtClean="0">
+                  <a:latin typeface="Courier"/>
+                  <a:cs typeface="Courier"/>
+                </a:rPr>
+                <a:t>25  }    }</a:t>
+              </a:r>
+            </a:p>
+          </p:txBody>
+        </p:sp>
+        <p:sp>
+          <p:nvSpPr>
+            <p:cNvPr id="18" name="Rounded Rectangle 17"/>
+            <p:cNvSpPr/>
+            <p:nvPr/>
+          </p:nvSpPr>
+          <p:spPr>
+            <a:xfrm>
+              <a:off x="0" y="185582"/>
+              <a:ext cx="8582723" cy="4491021"/>
+            </a:xfrm>
+            <a:prstGeom prst="roundRect">
+              <a:avLst/>
+            </a:prstGeom>
+            <a:solidFill>
+              <a:schemeClr val="bg1">
+                <a:lumMod val="95000"/>
+                <a:alpha val="12000"/>
+              </a:schemeClr>
+            </a:solidFill>
+            <a:ln>
+              <a:solidFill>
+                <a:schemeClr val="tx1"/>
+              </a:solidFill>
+            </a:ln>
+          </p:spPr>
+          <p:style>
+            <a:lnRef idx="1">
+              <a:schemeClr val="accent1"/>
+            </a:lnRef>
+            <a:fillRef idx="3">
+              <a:schemeClr val="accent1"/>
+            </a:fillRef>
+            <a:effectRef idx="2">
+              <a:schemeClr val="accent1"/>
+            </a:effectRef>
+            <a:fontRef idx="minor">
+              <a:schemeClr val="lt1"/>
+            </a:fontRef>
+          </p:style>
+          <p:txBody>
+            <a:bodyPr rtlCol="0" anchor="ctr"/>
+            <a:lstStyle/>
+            <a:p>
+              <a:pPr algn="ctr"/>
+              <a:endParaRPr lang="en-US" sz="1400"/>
+            </a:p>
+          </p:txBody>
+        </p:sp>
+      </p:grpSp>
+    </p:spTree>
+    <p:extLst>
+      <p:ext uri="{BB962C8B-B14F-4D97-AF65-F5344CB8AC3E}">
+        <p14:creationId xmlns:p14="http://schemas.microsoft.com/office/powerpoint/2010/main" val="2833063516"/>
+      </p:ext>
+    </p:extLst>
+  </p:cSld>
+  <p:clrMapOvr>
+    <a:masterClrMapping/>
+  </p:clrMapOvr>
+  <p:timing>
+    <p:tnLst>
+      <p:par>
+        <p:cTn xmlns:p14="http://schemas.microsoft.com/office/powerpoint/2010/main" id="1" dur="indefinite" restart="never" nodeType="tmRoot"/>
+      </p:par>
+    </p:tnLst>
+  </p:timing>
+</p:sld>
+</file>
+
+<file path=ppt/slides/slide7.xml><?xml version="1.0" encoding="utf-8"?>
+<p:sld xmlns:a="http://schemas.openxmlformats.org/drawingml/2006/main" xmlns:r="http://schemas.openxmlformats.org/officeDocument/2006/relationships" xmlns:p="http://schemas.openxmlformats.org/presentationml/2006/main">
+  <p:cSld>
+    <p:spTree>
+      <p:nvGrpSpPr>
+        <p:cNvPr id="1" name=""/>
+        <p:cNvGrpSpPr/>
+        <p:nvPr/>
+      </p:nvGrpSpPr>
+      <p:grpSpPr>
+        <a:xfrm>
+          <a:off x="0" y="0"/>
+          <a:ext cx="0" cy="0"/>
+          <a:chOff x="0" y="0"/>
+          <a:chExt cx="0" cy="0"/>
+        </a:xfrm>
+      </p:grpSpPr>
+      <p:sp>
+        <p:nvSpPr>
+          <p:cNvPr id="3" name="TextBox 2"/>
+          <p:cNvSpPr txBox="1"/>
+          <p:nvPr/>
+        </p:nvSpPr>
+        <p:spPr>
+          <a:xfrm>
+            <a:off x="458644" y="295038"/>
+            <a:ext cx="9240218" cy="1446550"/>
+          </a:xfrm>
+          <a:prstGeom prst="rect">
+            <a:avLst/>
+          </a:prstGeom>
+          <a:noFill/>
+        </p:spPr>
+        <p:txBody>
+          <a:bodyPr wrap="square" rtlCol="0">
+            <a:spAutoFit/>
+          </a:bodyPr>
+          <a:lstStyle/>
+          <a:p>
+            <a:r>
+              <a:rPr lang="en-US" sz="1100" b="1" dirty="0" err="1" smtClean="0">
+                <a:latin typeface="Courier"/>
+                <a:cs typeface="Courier"/>
+              </a:rPr>
+              <a:t>iter</a:t>
+            </a:r>
+            <a:r>
+              <a:rPr lang="en-US" sz="1100" dirty="0" smtClean="0">
+                <a:latin typeface="Courier"/>
+                <a:cs typeface="Courier"/>
+              </a:rPr>
+              <a:t> </a:t>
+            </a:r>
+            <a:r>
+              <a:rPr lang="en-US" sz="1100" dirty="0" err="1" smtClean="0">
+                <a:latin typeface="Courier"/>
+                <a:cs typeface="Courier"/>
+              </a:rPr>
+              <a:t>BlockCyclicDom.these</a:t>
+            </a:r>
+            <a:r>
+              <a:rPr lang="en-US" sz="1100" dirty="0" smtClean="0">
+                <a:latin typeface="Courier"/>
+                <a:cs typeface="Courier"/>
+              </a:rPr>
+              <a:t>(</a:t>
+            </a:r>
+            <a:r>
+              <a:rPr lang="en-US" sz="1100" b="1" dirty="0" err="1" smtClean="0">
+                <a:latin typeface="Courier"/>
+                <a:cs typeface="Courier"/>
+              </a:rPr>
+              <a:t>param</a:t>
+            </a:r>
+            <a:r>
+              <a:rPr lang="en-US" sz="1100" dirty="0" smtClean="0">
+                <a:latin typeface="Courier"/>
+                <a:cs typeface="Courier"/>
+              </a:rPr>
+              <a:t> tag: </a:t>
+            </a:r>
+            <a:r>
+              <a:rPr lang="en-US" sz="1100" dirty="0" err="1" smtClean="0">
+                <a:latin typeface="Courier"/>
+                <a:cs typeface="Courier"/>
+              </a:rPr>
+              <a:t>iterKind</a:t>
+            </a:r>
+            <a:r>
+              <a:rPr lang="en-US" sz="1100" dirty="0" smtClean="0">
+                <a:latin typeface="Courier"/>
+                <a:cs typeface="Courier"/>
+              </a:rPr>
+              <a:t>) </a:t>
+            </a:r>
+            <a:r>
+              <a:rPr lang="en-US" sz="1100" b="1" dirty="0" smtClean="0">
+                <a:latin typeface="Courier"/>
+                <a:cs typeface="Courier"/>
+              </a:rPr>
+              <a:t>where</a:t>
+            </a:r>
+            <a:r>
+              <a:rPr lang="en-US" sz="1100" dirty="0" smtClean="0">
+                <a:latin typeface="Courier"/>
+                <a:cs typeface="Courier"/>
+              </a:rPr>
+              <a:t> tag == </a:t>
+            </a:r>
+            <a:r>
+              <a:rPr lang="en-US" sz="1100" dirty="0" err="1" smtClean="0">
+                <a:latin typeface="Courier"/>
+                <a:cs typeface="Courier"/>
+              </a:rPr>
+              <a:t>iterKind.follower</a:t>
+            </a:r>
+            <a:r>
+              <a:rPr lang="en-US" sz="1100" dirty="0" smtClean="0">
+                <a:latin typeface="Courier"/>
+                <a:cs typeface="Courier"/>
+              </a:rPr>
+              <a:t> {</a:t>
+            </a:r>
+          </a:p>
+          <a:p>
+            <a:r>
+              <a:rPr lang="en-US" sz="1100" dirty="0" smtClean="0">
+                <a:latin typeface="Courier"/>
+                <a:cs typeface="Courier"/>
+              </a:rPr>
+              <a:t>     </a:t>
+            </a:r>
+            <a:r>
+              <a:rPr lang="en-US" sz="1100" dirty="0" err="1" smtClean="0">
+                <a:latin typeface="Courier"/>
+                <a:cs typeface="Courier"/>
+              </a:rPr>
+              <a:t>var</a:t>
+            </a:r>
+            <a:r>
+              <a:rPr lang="en-US" sz="1100" dirty="0" smtClean="0">
+                <a:latin typeface="Courier"/>
+                <a:cs typeface="Courier"/>
+              </a:rPr>
+              <a:t> tasks = </a:t>
+            </a:r>
+            <a:r>
+              <a:rPr lang="en-US" sz="1100" dirty="0" err="1" smtClean="0">
+                <a:latin typeface="Courier"/>
+                <a:cs typeface="Courier"/>
+              </a:rPr>
+              <a:t>here.numCores</a:t>
+            </a:r>
+            <a:r>
+              <a:rPr lang="en-US" sz="1100" dirty="0" smtClean="0">
+                <a:latin typeface="Courier"/>
+                <a:cs typeface="Courier"/>
+              </a:rPr>
+              <a:t>;</a:t>
+            </a:r>
+          </a:p>
+          <a:p>
+            <a:r>
+              <a:rPr lang="en-US" sz="1100" dirty="0" smtClean="0">
+                <a:latin typeface="Courier"/>
+                <a:cs typeface="Courier"/>
+              </a:rPr>
+              <a:t>     </a:t>
+            </a:r>
+            <a:r>
+              <a:rPr lang="en-US" sz="1100" dirty="0" err="1" smtClean="0">
+                <a:latin typeface="Courier"/>
+                <a:cs typeface="Courier"/>
+              </a:rPr>
+              <a:t>coforall</a:t>
+            </a:r>
+            <a:r>
+              <a:rPr lang="en-US" sz="1100" dirty="0" smtClean="0">
+                <a:latin typeface="Courier"/>
+                <a:cs typeface="Courier"/>
+              </a:rPr>
+              <a:t> core in 0..tasks-1 do</a:t>
+            </a:r>
+          </a:p>
+          <a:p>
+            <a:r>
+              <a:rPr lang="en-US" sz="1100" dirty="0" smtClean="0">
+                <a:latin typeface="Courier"/>
+                <a:cs typeface="Courier"/>
+              </a:rPr>
+              <a:t>          for </a:t>
+            </a:r>
+            <a:r>
+              <a:rPr lang="en-US" sz="1100" dirty="0" err="1" smtClean="0">
+                <a:latin typeface="Courier"/>
+                <a:cs typeface="Courier"/>
+              </a:rPr>
+              <a:t>i</a:t>
+            </a:r>
+            <a:r>
+              <a:rPr lang="en-US" sz="1100" dirty="0" smtClean="0">
+                <a:latin typeface="Courier"/>
+                <a:cs typeface="Courier"/>
+              </a:rPr>
+              <a:t> in core..blocksize-1 by tasks {</a:t>
+            </a:r>
+          </a:p>
+          <a:p>
+            <a:r>
+              <a:rPr lang="en-US" sz="1100" dirty="0">
+                <a:latin typeface="Courier"/>
+                <a:cs typeface="Courier"/>
+              </a:rPr>
+              <a:t> </a:t>
+            </a:r>
+            <a:r>
+              <a:rPr lang="en-US" sz="1100" dirty="0" smtClean="0">
+                <a:latin typeface="Courier"/>
+                <a:cs typeface="Courier"/>
+              </a:rPr>
+              <a:t>              //compute and yield slices of work (ranges) such that the range’s </a:t>
+            </a:r>
+          </a:p>
+          <a:p>
+            <a:r>
+              <a:rPr lang="en-US" sz="1100" dirty="0">
+                <a:latin typeface="Courier"/>
+                <a:cs typeface="Courier"/>
+              </a:rPr>
+              <a:t>	</a:t>
+            </a:r>
+            <a:r>
+              <a:rPr lang="en-US" sz="1100" dirty="0" smtClean="0">
+                <a:latin typeface="Courier"/>
+                <a:cs typeface="Courier"/>
+              </a:rPr>
+              <a:t>	    //stride is </a:t>
+            </a:r>
+            <a:r>
+              <a:rPr lang="en-US" sz="1100" dirty="0" err="1" smtClean="0">
+                <a:latin typeface="Courier"/>
+                <a:cs typeface="Courier"/>
+              </a:rPr>
+              <a:t>blocksize</a:t>
+            </a:r>
+            <a:r>
+              <a:rPr lang="en-US" sz="1100" dirty="0" smtClean="0">
+                <a:latin typeface="Courier"/>
+                <a:cs typeface="Courier"/>
+              </a:rPr>
+              <a:t>*</a:t>
+            </a:r>
+            <a:r>
+              <a:rPr lang="en-US" sz="1100" dirty="0" err="1" smtClean="0">
+                <a:latin typeface="Courier"/>
+                <a:cs typeface="Courier"/>
+              </a:rPr>
+              <a:t>cyclesize</a:t>
+            </a:r>
+            <a:r>
+              <a:rPr lang="en-US" sz="1100" dirty="0" smtClean="0">
+                <a:latin typeface="Courier"/>
+                <a:cs typeface="Courier"/>
+              </a:rPr>
+              <a:t> </a:t>
+            </a:r>
+          </a:p>
+          <a:p>
+            <a:r>
+              <a:rPr lang="en-US" sz="1100" smtClean="0">
+                <a:latin typeface="Courier"/>
+                <a:cs typeface="Courier"/>
+              </a:rPr>
+              <a:t>}</a:t>
+            </a:r>
+            <a:r>
+              <a:rPr lang="en-US" sz="1100" dirty="0">
+                <a:latin typeface="Courier"/>
+                <a:cs typeface="Courier"/>
+              </a:rPr>
+              <a:t>	 </a:t>
+            </a:r>
+            <a:r>
+              <a:rPr lang="en-US" sz="1100" dirty="0" smtClean="0">
+                <a:latin typeface="Courier"/>
+                <a:cs typeface="Courier"/>
+              </a:rPr>
+              <a:t>    }</a:t>
+            </a:r>
+          </a:p>
+          <a:p>
+            <a:r>
+              <a:rPr lang="en-US" sz="1100" dirty="0" smtClean="0">
+                <a:latin typeface="Courier"/>
+                <a:cs typeface="Courier"/>
+              </a:rPr>
+              <a:t>               </a:t>
+            </a:r>
+            <a:endParaRPr lang="en-US" sz="1100" dirty="0">
+              <a:latin typeface="Courier"/>
+              <a:cs typeface="Courier"/>
+            </a:endParaRPr>
+          </a:p>
+        </p:txBody>
+      </p:sp>
+    </p:spTree>
+    <p:extLst>
+      <p:ext uri="{BB962C8B-B14F-4D97-AF65-F5344CB8AC3E}">
+        <p14:creationId xmlns:p14="http://schemas.microsoft.com/office/powerpoint/2010/main" val="3460151002"/>
+      </p:ext>
+    </p:extLst>
+  </p:cSld>
+  <p:clrMapOvr>
+    <a:masterClrMapping/>
+  </p:clrMapOvr>
+  <p:timing>
+    <p:tnLst>
+      <p:par>
+        <p:cTn xmlns:p14="http://schemas.microsoft.com/office/powerpoint/2010/main" id="1" dur="indefinite" restart="never" nodeType="tmRoot"/>
+      </p:par>
+    </p:tnLst>
+  </p:timing>
+</p:sld>
+</file>
+
+<file path=ppt/slides/slide8.xml><?xml version="1.0" encoding="utf-8"?>
 <p:sld xmlns:a="http://schemas.openxmlformats.org/drawingml/2006/main" xmlns:r="http://schemas.openxmlformats.org/officeDocument/2006/relationships" xmlns:p="http://schemas.openxmlformats.org/presentationml/2006/main">
   <p:cSld>
     <p:spTree>
@@ -6229,7 +11400,7 @@
 </p:sld>
 </file>
 
-<file path=ppt/slides/slide6.xml><?xml version="1.0" encoding="utf-8"?>
+<file path=ppt/slides/slide9.xml><?xml version="1.0" encoding="utf-8"?>
 <p:sld xmlns:a="http://schemas.openxmlformats.org/drawingml/2006/main" xmlns:r="http://schemas.openxmlformats.org/officeDocument/2006/relationships" xmlns:p="http://schemas.openxmlformats.org/presentationml/2006/main">
   <p:cSld>
     <p:spTree>
@@ -6274,128 +11445,6 @@
     <p:extLst>
       <p:ext uri="{BB962C8B-B14F-4D97-AF65-F5344CB8AC3E}">
         <p14:creationId xmlns:p14="http://schemas.microsoft.com/office/powerpoint/2010/main" val="1155372107"/>
-      </p:ext>
-    </p:extLst>
-  </p:cSld>
-  <p:clrMapOvr>
-    <a:masterClrMapping/>
-  </p:clrMapOvr>
-  <p:timing>
-    <p:tnLst>
-      <p:par>
-        <p:cTn xmlns:p14="http://schemas.microsoft.com/office/powerpoint/2010/main" id="1" dur="indefinite" restart="never" nodeType="tmRoot"/>
-      </p:par>
-    </p:tnLst>
-  </p:timing>
-</p:sld>
-</file>
-
-<file path=ppt/slides/slide7.xml><?xml version="1.0" encoding="utf-8"?>
-<p:sld xmlns:a="http://schemas.openxmlformats.org/drawingml/2006/main" xmlns:r="http://schemas.openxmlformats.org/officeDocument/2006/relationships" xmlns:p="http://schemas.openxmlformats.org/presentationml/2006/main">
-  <p:cSld>
-    <p:spTree>
-      <p:nvGrpSpPr>
-        <p:cNvPr id="1" name=""/>
-        <p:cNvGrpSpPr/>
-        <p:nvPr/>
-      </p:nvGrpSpPr>
-      <p:grpSpPr>
-        <a:xfrm>
-          <a:off x="0" y="0"/>
-          <a:ext cx="0" cy="0"/>
-          <a:chOff x="0" y="0"/>
-          <a:chExt cx="0" cy="0"/>
-        </a:xfrm>
-      </p:grpSpPr>
-      <p:graphicFrame>
-        <p:nvGraphicFramePr>
-          <p:cNvPr id="3" name="Chart 2"/>
-          <p:cNvGraphicFramePr>
-            <a:graphicFrameLocks/>
-          </p:cNvGraphicFramePr>
-          <p:nvPr>
-            <p:extLst>
-              <p:ext uri="{D42A27DB-BD31-4B8C-83A1-F6EECF244321}">
-                <p14:modId xmlns:p14="http://schemas.microsoft.com/office/powerpoint/2010/main" val="1160445536"/>
-              </p:ext>
-            </p:extLst>
-          </p:nvPr>
-        </p:nvGraphicFramePr>
-        <p:xfrm>
-          <a:off x="472158" y="1647692"/>
-          <a:ext cx="7776010" cy="3871267"/>
-        </p:xfrm>
-        <a:graphic>
-          <a:graphicData uri="http://schemas.openxmlformats.org/drawingml/2006/chart">
-            <c:chart xmlns:c="http://schemas.openxmlformats.org/drawingml/2006/chart" xmlns:r="http://schemas.openxmlformats.org/officeDocument/2006/relationships" r:id="rId2"/>
-          </a:graphicData>
-        </a:graphic>
-      </p:graphicFrame>
-    </p:spTree>
-    <p:extLst>
-      <p:ext uri="{BB962C8B-B14F-4D97-AF65-F5344CB8AC3E}">
-        <p14:creationId xmlns:p14="http://schemas.microsoft.com/office/powerpoint/2010/main" val="340260130"/>
-      </p:ext>
-    </p:extLst>
-  </p:cSld>
-  <p:clrMapOvr>
-    <a:masterClrMapping/>
-  </p:clrMapOvr>
-  <p:timing>
-    <p:tnLst>
-      <p:par>
-        <p:cTn xmlns:p14="http://schemas.microsoft.com/office/powerpoint/2010/main" id="1" dur="indefinite" restart="never" nodeType="tmRoot"/>
-      </p:par>
-    </p:tnLst>
-  </p:timing>
-</p:sld>
-</file>
-
-<file path=ppt/slides/slide8.xml><?xml version="1.0" encoding="utf-8"?>
-<p:sld xmlns:a="http://schemas.openxmlformats.org/drawingml/2006/main" xmlns:r="http://schemas.openxmlformats.org/officeDocument/2006/relationships" xmlns:p="http://schemas.openxmlformats.org/presentationml/2006/main">
-  <p:cSld>
-    <p:spTree>
-      <p:nvGrpSpPr>
-        <p:cNvPr id="1" name=""/>
-        <p:cNvGrpSpPr/>
-        <p:nvPr/>
-      </p:nvGrpSpPr>
-      <p:grpSpPr>
-        <a:xfrm>
-          <a:off x="0" y="0"/>
-          <a:ext cx="0" cy="0"/>
-          <a:chOff x="0" y="0"/>
-          <a:chExt cx="0" cy="0"/>
-        </a:xfrm>
-      </p:grpSpPr>
-      <p:graphicFrame>
-        <p:nvGraphicFramePr>
-          <p:cNvPr id="4" name="Chart 3"/>
-          <p:cNvGraphicFramePr>
-            <a:graphicFrameLocks/>
-          </p:cNvGraphicFramePr>
-          <p:nvPr>
-            <p:extLst>
-              <p:ext uri="{D42A27DB-BD31-4B8C-83A1-F6EECF244321}">
-                <p14:modId xmlns:p14="http://schemas.microsoft.com/office/powerpoint/2010/main" val="1213967452"/>
-              </p:ext>
-            </p:extLst>
-          </p:nvPr>
-        </p:nvGraphicFramePr>
-        <p:xfrm>
-          <a:off x="717550" y="1497120"/>
-          <a:ext cx="7708900" cy="3989279"/>
-        </p:xfrm>
-        <a:graphic>
-          <a:graphicData uri="http://schemas.openxmlformats.org/drawingml/2006/chart">
-            <c:chart xmlns:c="http://schemas.openxmlformats.org/drawingml/2006/chart" xmlns:r="http://schemas.openxmlformats.org/officeDocument/2006/relationships" r:id="rId2"/>
-          </a:graphicData>
-        </a:graphic>
-      </p:graphicFrame>
-    </p:spTree>
-    <p:extLst>
-      <p:ext uri="{BB962C8B-B14F-4D97-AF65-F5344CB8AC3E}">
-        <p14:creationId xmlns:p14="http://schemas.microsoft.com/office/powerpoint/2010/main" val="4214669570"/>
       </p:ext>
     </p:extLst>
   </p:cSld>
@@ -6730,4 +11779,324 @@
   </a:objectDefaults>
   <a:extraClrSchemeLst/>
 </a:theme>
+</file>
+
+<file path=ppt/theme/theme2.xml><?xml version="1.0" encoding="utf-8"?>
+<a:theme xmlns:a="http://schemas.openxmlformats.org/drawingml/2006/main" name="Office Theme">
+  <a:themeElements>
+    <a:clrScheme name="Office">
+      <a:dk1>
+        <a:sysClr val="windowText" lastClr="000000"/>
+      </a:dk1>
+      <a:lt1>
+        <a:sysClr val="window" lastClr="FFFFFF"/>
+      </a:lt1>
+      <a:dk2>
+        <a:srgbClr val="1F497D"/>
+      </a:dk2>
+      <a:lt2>
+        <a:srgbClr val="EEECE1"/>
+      </a:lt2>
+      <a:accent1>
+        <a:srgbClr val="4F81BD"/>
+      </a:accent1>
+      <a:accent2>
+        <a:srgbClr val="C0504D"/>
+      </a:accent2>
+      <a:accent3>
+        <a:srgbClr val="9BBB59"/>
+      </a:accent3>
+      <a:accent4>
+        <a:srgbClr val="8064A2"/>
+      </a:accent4>
+      <a:accent5>
+        <a:srgbClr val="4BACC6"/>
+      </a:accent5>
+      <a:accent6>
+        <a:srgbClr val="F79646"/>
+      </a:accent6>
+      <a:hlink>
+        <a:srgbClr val="0000FF"/>
+      </a:hlink>
+      <a:folHlink>
+        <a:srgbClr val="800080"/>
+      </a:folHlink>
+    </a:clrScheme>
+    <a:fontScheme name="Office">
+      <a:majorFont>
+        <a:latin typeface="Calibri"/>
+        <a:ea typeface=""/>
+        <a:cs typeface=""/>
+        <a:font script="Jpan" typeface="ＭＳ Ｐゴシック"/>
+        <a:font script="Hang" typeface="맑은 고딕"/>
+        <a:font script="Hans" typeface="宋体"/>
+        <a:font script="Hant" typeface="新細明體"/>
+        <a:font script="Arab" typeface="Times New Roman"/>
+        <a:font script="Hebr" typeface="Times New Roman"/>
+        <a:font script="Thai" typeface="Angsana New"/>
+        <a:font script="Ethi" typeface="Nyala"/>
+        <a:font script="Beng" typeface="Vrinda"/>
+        <a:font script="Gujr" typeface="Shruti"/>
+        <a:font script="Khmr" typeface="MoolBoran"/>
+        <a:font script="Knda" typeface="Tunga"/>
+        <a:font script="Guru" typeface="Raavi"/>
+        <a:font script="Cans" typeface="Euphemia"/>
+        <a:font script="Cher" typeface="Plantagenet Cherokee"/>
+        <a:font script="Yiii" typeface="Microsoft Yi Baiti"/>
+        <a:font script="Tibt" typeface="Microsoft Himalaya"/>
+        <a:font script="Thaa" typeface="MV Boli"/>
+        <a:font script="Deva" typeface="Mangal"/>
+        <a:font script="Telu" typeface="Gautami"/>
+        <a:font script="Taml" typeface="Latha"/>
+        <a:font script="Syrc" typeface="Estrangelo Edessa"/>
+        <a:font script="Orya" typeface="Kalinga"/>
+        <a:font script="Mlym" typeface="Kartika"/>
+        <a:font script="Laoo" typeface="DokChampa"/>
+        <a:font script="Sinh" typeface="Iskoola Pota"/>
+        <a:font script="Mong" typeface="Mongolian Baiti"/>
+        <a:font script="Viet" typeface="Times New Roman"/>
+        <a:font script="Uigh" typeface="Microsoft Uighur"/>
+        <a:font script="Geor" typeface="Sylfaen"/>
+      </a:majorFont>
+      <a:minorFont>
+        <a:latin typeface="Calibri"/>
+        <a:ea typeface=""/>
+        <a:cs typeface=""/>
+        <a:font script="Jpan" typeface="ＭＳ Ｐゴシック"/>
+        <a:font script="Hang" typeface="맑은 고딕"/>
+        <a:font script="Hans" typeface="宋体"/>
+        <a:font script="Hant" typeface="新細明體"/>
+        <a:font script="Arab" typeface="Arial"/>
+        <a:font script="Hebr" typeface="Arial"/>
+        <a:font script="Thai" typeface="Cordia New"/>
+        <a:font script="Ethi" typeface="Nyala"/>
+        <a:font script="Beng" typeface="Vrinda"/>
+        <a:font script="Gujr" typeface="Shruti"/>
+        <a:font script="Khmr" typeface="DaunPenh"/>
+        <a:font script="Knda" typeface="Tunga"/>
+        <a:font script="Guru" typeface="Raavi"/>
+        <a:font script="Cans" typeface="Euphemia"/>
+        <a:font script="Cher" typeface="Plantagenet Cherokee"/>
+        <a:font script="Yiii" typeface="Microsoft Yi Baiti"/>
+        <a:font script="Tibt" typeface="Microsoft Himalaya"/>
+        <a:font script="Thaa" typeface="MV Boli"/>
+        <a:font script="Deva" typeface="Mangal"/>
+        <a:font script="Telu" typeface="Gautami"/>
+        <a:font script="Taml" typeface="Latha"/>
+        <a:font script="Syrc" typeface="Estrangelo Edessa"/>
+        <a:font script="Orya" typeface="Kalinga"/>
+        <a:font script="Mlym" typeface="Kartika"/>
+        <a:font script="Laoo" typeface="DokChampa"/>
+        <a:font script="Sinh" typeface="Iskoola Pota"/>
+        <a:font script="Mong" typeface="Mongolian Baiti"/>
+        <a:font script="Viet" typeface="Arial"/>
+        <a:font script="Uigh" typeface="Microsoft Uighur"/>
+        <a:font script="Geor" typeface="Sylfaen"/>
+      </a:minorFont>
+    </a:fontScheme>
+    <a:fmtScheme name="Office">
+      <a:fillStyleLst>
+        <a:solidFill>
+          <a:schemeClr val="phClr"/>
+        </a:solidFill>
+        <a:gradFill rotWithShape="1">
+          <a:gsLst>
+            <a:gs pos="0">
+              <a:schemeClr val="phClr">
+                <a:tint val="50000"/>
+                <a:satMod val="300000"/>
+              </a:schemeClr>
+            </a:gs>
+            <a:gs pos="35000">
+              <a:schemeClr val="phClr">
+                <a:tint val="37000"/>
+                <a:satMod val="300000"/>
+              </a:schemeClr>
+            </a:gs>
+            <a:gs pos="100000">
+              <a:schemeClr val="phClr">
+                <a:tint val="15000"/>
+                <a:satMod val="350000"/>
+              </a:schemeClr>
+            </a:gs>
+          </a:gsLst>
+          <a:lin ang="16200000" scaled="1"/>
+        </a:gradFill>
+        <a:gradFill rotWithShape="1">
+          <a:gsLst>
+            <a:gs pos="0">
+              <a:schemeClr val="phClr">
+                <a:tint val="100000"/>
+                <a:shade val="100000"/>
+                <a:satMod val="130000"/>
+              </a:schemeClr>
+            </a:gs>
+            <a:gs pos="100000">
+              <a:schemeClr val="phClr">
+                <a:tint val="50000"/>
+                <a:shade val="100000"/>
+                <a:satMod val="350000"/>
+              </a:schemeClr>
+            </a:gs>
+          </a:gsLst>
+          <a:lin ang="16200000" scaled="0"/>
+        </a:gradFill>
+      </a:fillStyleLst>
+      <a:lnStyleLst>
+        <a:ln w="9525" cap="flat" cmpd="sng" algn="ctr">
+          <a:solidFill>
+            <a:schemeClr val="phClr">
+              <a:shade val="95000"/>
+              <a:satMod val="105000"/>
+            </a:schemeClr>
+          </a:solidFill>
+          <a:prstDash val="solid"/>
+        </a:ln>
+        <a:ln w="25400" cap="flat" cmpd="sng" algn="ctr">
+          <a:solidFill>
+            <a:schemeClr val="phClr"/>
+          </a:solidFill>
+          <a:prstDash val="solid"/>
+        </a:ln>
+        <a:ln w="38100" cap="flat" cmpd="sng" algn="ctr">
+          <a:solidFill>
+            <a:schemeClr val="phClr"/>
+          </a:solidFill>
+          <a:prstDash val="solid"/>
+        </a:ln>
+      </a:lnStyleLst>
+      <a:effectStyleLst>
+        <a:effectStyle>
+          <a:effectLst>
+            <a:outerShdw blurRad="40000" dist="20000" dir="5400000" rotWithShape="0">
+              <a:srgbClr val="000000">
+                <a:alpha val="38000"/>
+              </a:srgbClr>
+            </a:outerShdw>
+          </a:effectLst>
+        </a:effectStyle>
+        <a:effectStyle>
+          <a:effectLst>
+            <a:outerShdw blurRad="40000" dist="23000" dir="5400000" rotWithShape="0">
+              <a:srgbClr val="000000">
+                <a:alpha val="35000"/>
+              </a:srgbClr>
+            </a:outerShdw>
+          </a:effectLst>
+        </a:effectStyle>
+        <a:effectStyle>
+          <a:effectLst>
+            <a:outerShdw blurRad="40000" dist="23000" dir="5400000" rotWithShape="0">
+              <a:srgbClr val="000000">
+                <a:alpha val="35000"/>
+              </a:srgbClr>
+            </a:outerShdw>
+          </a:effectLst>
+          <a:scene3d>
+            <a:camera prst="orthographicFront">
+              <a:rot lat="0" lon="0" rev="0"/>
+            </a:camera>
+            <a:lightRig rig="threePt" dir="t">
+              <a:rot lat="0" lon="0" rev="1200000"/>
+            </a:lightRig>
+          </a:scene3d>
+          <a:sp3d>
+            <a:bevelT w="63500" h="25400"/>
+          </a:sp3d>
+        </a:effectStyle>
+      </a:effectStyleLst>
+      <a:bgFillStyleLst>
+        <a:solidFill>
+          <a:schemeClr val="phClr"/>
+        </a:solidFill>
+        <a:gradFill rotWithShape="1">
+          <a:gsLst>
+            <a:gs pos="0">
+              <a:schemeClr val="phClr">
+                <a:tint val="40000"/>
+                <a:satMod val="350000"/>
+              </a:schemeClr>
+            </a:gs>
+            <a:gs pos="40000">
+              <a:schemeClr val="phClr">
+                <a:tint val="45000"/>
+                <a:shade val="99000"/>
+                <a:satMod val="350000"/>
+              </a:schemeClr>
+            </a:gs>
+            <a:gs pos="100000">
+              <a:schemeClr val="phClr">
+                <a:shade val="20000"/>
+                <a:satMod val="255000"/>
+              </a:schemeClr>
+            </a:gs>
+          </a:gsLst>
+          <a:path path="circle">
+            <a:fillToRect l="50000" t="-80000" r="50000" b="180000"/>
+          </a:path>
+        </a:gradFill>
+        <a:gradFill rotWithShape="1">
+          <a:gsLst>
+            <a:gs pos="0">
+              <a:schemeClr val="phClr">
+                <a:tint val="80000"/>
+                <a:satMod val="300000"/>
+              </a:schemeClr>
+            </a:gs>
+            <a:gs pos="100000">
+              <a:schemeClr val="phClr">
+                <a:shade val="30000"/>
+                <a:satMod val="200000"/>
+              </a:schemeClr>
+            </a:gs>
+          </a:gsLst>
+          <a:path path="circle">
+            <a:fillToRect l="50000" t="50000" r="50000" b="50000"/>
+          </a:path>
+        </a:gradFill>
+      </a:bgFillStyleLst>
+    </a:fmtScheme>
+  </a:themeElements>
+  <a:objectDefaults>
+    <a:spDef>
+      <a:spPr/>
+      <a:bodyPr/>
+      <a:lstStyle/>
+      <a:style>
+        <a:lnRef idx="1">
+          <a:schemeClr val="accent1"/>
+        </a:lnRef>
+        <a:fillRef idx="3">
+          <a:schemeClr val="accent1"/>
+        </a:fillRef>
+        <a:effectRef idx="2">
+          <a:schemeClr val="accent1"/>
+        </a:effectRef>
+        <a:fontRef idx="minor">
+          <a:schemeClr val="lt1"/>
+        </a:fontRef>
+      </a:style>
+    </a:spDef>
+    <a:lnDef>
+      <a:spPr/>
+      <a:bodyPr/>
+      <a:lstStyle/>
+      <a:style>
+        <a:lnRef idx="2">
+          <a:schemeClr val="accent1"/>
+        </a:lnRef>
+        <a:fillRef idx="0">
+          <a:schemeClr val="accent1"/>
+        </a:fillRef>
+        <a:effectRef idx="1">
+          <a:schemeClr val="accent1"/>
+        </a:effectRef>
+        <a:fontRef idx="minor">
+          <a:schemeClr val="tx1"/>
+        </a:fontRef>
+      </a:style>
+    </a:lnDef>
+  </a:objectDefaults>
+  <a:extraClrSchemeLst/>
+</a:theme>
 </file>
--- a/Paper/Figures/jacobi.pptx
+++ b/Paper/Figures/jacobi.pptx
@@ -11039,7 +11039,7 @@
         </p:nvSpPr>
         <p:spPr>
           <a:xfrm>
-            <a:off x="458644" y="295038"/>
+            <a:off x="189703" y="578920"/>
             <a:ext cx="9240218" cy="1446550"/>
           </a:xfrm>
           <a:prstGeom prst="rect">
@@ -11283,7 +11283,7 @@
           </a:p>
           <a:p>
             <a:r>
-              <a:rPr lang="en-US" sz="1100" smtClean="0">
+              <a:rPr lang="en-US" sz="1100" dirty="0" smtClean="0">
                 <a:latin typeface="Courier"/>
                 <a:cs typeface="Courier"/>
               </a:rPr>

--- a/Paper/Figures/jacobi.pptx
+++ b/Paper/Figures/jacobi.pptx
@@ -357,11 +357,11 @@
           <c:showBubbleSize val="0"/>
         </c:dLbls>
         <c:gapWidth val="150"/>
-        <c:axId val="2071696904"/>
-        <c:axId val="2071702376"/>
+        <c:axId val="2046112072"/>
+        <c:axId val="2046117496"/>
       </c:barChart>
       <c:catAx>
-        <c:axId val="2071696904"/>
+        <c:axId val="2046112072"/>
         <c:scaling>
           <c:orientation val="minMax"/>
         </c:scaling>
@@ -389,7 +389,7 @@
         <c:majorTickMark val="out"/>
         <c:minorTickMark val="none"/>
         <c:tickLblPos val="nextTo"/>
-        <c:crossAx val="2071702376"/>
+        <c:crossAx val="2046117496"/>
         <c:crosses val="autoZero"/>
         <c:auto val="1"/>
         <c:lblAlgn val="ctr"/>
@@ -397,7 +397,7 @@
         <c:noMultiLvlLbl val="0"/>
       </c:catAx>
       <c:valAx>
-        <c:axId val="2071702376"/>
+        <c:axId val="2046117496"/>
         <c:scaling>
           <c:orientation val="minMax"/>
         </c:scaling>
@@ -432,7 +432,7 @@
         <c:majorTickMark val="out"/>
         <c:minorTickMark val="none"/>
         <c:tickLblPos val="nextTo"/>
-        <c:crossAx val="2071696904"/>
+        <c:crossAx val="2046112072"/>
         <c:crosses val="autoZero"/>
         <c:crossBetween val="between"/>
       </c:valAx>
@@ -676,11 +676,11 @@
           <c:showBubbleSize val="0"/>
         </c:dLbls>
         <c:gapWidth val="150"/>
-        <c:axId val="2071778712"/>
-        <c:axId val="2071784184"/>
+        <c:axId val="2045993528"/>
+        <c:axId val="2045999000"/>
       </c:barChart>
       <c:catAx>
-        <c:axId val="2071778712"/>
+        <c:axId val="2045993528"/>
         <c:scaling>
           <c:orientation val="minMax"/>
         </c:scaling>
@@ -708,7 +708,7 @@
         <c:majorTickMark val="out"/>
         <c:minorTickMark val="none"/>
         <c:tickLblPos val="nextTo"/>
-        <c:crossAx val="2071784184"/>
+        <c:crossAx val="2045999000"/>
         <c:crosses val="autoZero"/>
         <c:auto val="1"/>
         <c:lblAlgn val="ctr"/>
@@ -716,7 +716,7 @@
         <c:noMultiLvlLbl val="0"/>
       </c:catAx>
       <c:valAx>
-        <c:axId val="2071784184"/>
+        <c:axId val="2045999000"/>
         <c:scaling>
           <c:orientation val="minMax"/>
         </c:scaling>
@@ -746,7 +746,7 @@
         <c:majorTickMark val="out"/>
         <c:minorTickMark val="none"/>
         <c:tickLblPos val="nextTo"/>
-        <c:crossAx val="2071778712"/>
+        <c:crossAx val="2045993528"/>
         <c:crosses val="autoZero"/>
         <c:crossBetween val="between"/>
       </c:valAx>
@@ -882,11 +882,11 @@
           <c:showBubbleSize val="0"/>
         </c:dLbls>
         <c:gapWidth val="150"/>
-        <c:axId val="2071817496"/>
-        <c:axId val="2071822968"/>
+        <c:axId val="2046078504"/>
+        <c:axId val="2046083976"/>
       </c:barChart>
       <c:catAx>
-        <c:axId val="2071817496"/>
+        <c:axId val="2046078504"/>
         <c:scaling>
           <c:orientation val="minMax"/>
         </c:scaling>
@@ -914,7 +914,7 @@
         <c:majorTickMark val="out"/>
         <c:minorTickMark val="none"/>
         <c:tickLblPos val="nextTo"/>
-        <c:crossAx val="2071822968"/>
+        <c:crossAx val="2046083976"/>
         <c:crosses val="autoZero"/>
         <c:auto val="1"/>
         <c:lblAlgn val="ctr"/>
@@ -922,7 +922,7 @@
         <c:noMultiLvlLbl val="0"/>
       </c:catAx>
       <c:valAx>
-        <c:axId val="2071822968"/>
+        <c:axId val="2046083976"/>
         <c:scaling>
           <c:orientation val="minMax"/>
         </c:scaling>
@@ -952,7 +952,7 @@
         <c:majorTickMark val="out"/>
         <c:minorTickMark val="none"/>
         <c:tickLblPos val="nextTo"/>
-        <c:crossAx val="2071817496"/>
+        <c:crossAx val="2046078504"/>
         <c:crosses val="autoZero"/>
         <c:crossBetween val="between"/>
       </c:valAx>
@@ -1088,11 +1088,11 @@
           <c:showBubbleSize val="0"/>
         </c:dLbls>
         <c:gapWidth val="150"/>
-        <c:axId val="2071856616"/>
-        <c:axId val="2071862088"/>
+        <c:axId val="2098158952"/>
+        <c:axId val="2098164424"/>
       </c:barChart>
       <c:catAx>
-        <c:axId val="2071856616"/>
+        <c:axId val="2098158952"/>
         <c:scaling>
           <c:orientation val="minMax"/>
         </c:scaling>
@@ -1120,7 +1120,7 @@
         <c:majorTickMark val="out"/>
         <c:minorTickMark val="none"/>
         <c:tickLblPos val="nextTo"/>
-        <c:crossAx val="2071862088"/>
+        <c:crossAx val="2098164424"/>
         <c:crosses val="autoZero"/>
         <c:auto val="1"/>
         <c:lblAlgn val="ctr"/>
@@ -1128,7 +1128,7 @@
         <c:noMultiLvlLbl val="0"/>
       </c:catAx>
       <c:valAx>
-        <c:axId val="2071862088"/>
+        <c:axId val="2098164424"/>
         <c:scaling>
           <c:orientation val="minMax"/>
         </c:scaling>
@@ -1163,7 +1163,7 @@
         <c:majorTickMark val="out"/>
         <c:minorTickMark val="none"/>
         <c:tickLblPos val="nextTo"/>
-        <c:crossAx val="2071856616"/>
+        <c:crossAx val="2098158952"/>
         <c:crosses val="autoZero"/>
         <c:crossBetween val="between"/>
       </c:valAx>
@@ -7083,42 +7083,6 @@
           </a:p>
         </p:txBody>
       </p:sp>
-      <p:sp>
-        <p:nvSpPr>
-          <p:cNvPr id="16" name="TextBox 15"/>
-          <p:cNvSpPr txBox="1"/>
-          <p:nvPr/>
-        </p:nvSpPr>
-        <p:spPr>
-          <a:xfrm>
-            <a:off x="5725483" y="2299108"/>
-            <a:ext cx="4145823" cy="276999"/>
-          </a:xfrm>
-          <a:prstGeom prst="rect">
-            <a:avLst/>
-          </a:prstGeom>
-          <a:noFill/>
-        </p:spPr>
-        <p:txBody>
-          <a:bodyPr wrap="square" rtlCol="0">
-            <a:spAutoFit/>
-          </a:bodyPr>
-          <a:lstStyle/>
-          <a:p>
-            <a:r>
-              <a:rPr lang="en-US" sz="1200" b="1" u="sng" dirty="0" smtClean="0">
-                <a:latin typeface="Times New Roman"/>
-                <a:cs typeface="Times New Roman"/>
-              </a:rPr>
-              <a:t>Normalized Message Count Curves (left y-axis)</a:t>
-            </a:r>
-            <a:endParaRPr lang="en-US" sz="1200" b="1" u="sng" dirty="0">
-              <a:latin typeface="Times New Roman"/>
-              <a:cs typeface="Times New Roman"/>
-            </a:endParaRPr>
-          </a:p>
-        </p:txBody>
-      </p:sp>
       <p:pic>
         <p:nvPicPr>
           <p:cNvPr id="3" name="Picture 2" descr="fdtd2d.pdf"/>
@@ -7149,6 +7113,63 @@
           </a:prstGeom>
         </p:spPr>
       </p:pic>
+      <p:sp>
+        <p:nvSpPr>
+          <p:cNvPr id="9" name="TextBox 8"/>
+          <p:cNvSpPr txBox="1"/>
+          <p:nvPr/>
+        </p:nvSpPr>
+        <p:spPr>
+          <a:xfrm>
+            <a:off x="5945536" y="2323531"/>
+            <a:ext cx="4145823" cy="276999"/>
+          </a:xfrm>
+          <a:prstGeom prst="rect">
+            <a:avLst/>
+          </a:prstGeom>
+          <a:noFill/>
+        </p:spPr>
+        <p:txBody>
+          <a:bodyPr wrap="square" rtlCol="0">
+            <a:spAutoFit/>
+          </a:bodyPr>
+          <a:lstStyle/>
+          <a:p>
+            <a:r>
+              <a:rPr lang="en-US" sz="1200" b="1" u="sng" dirty="0" smtClean="0">
+                <a:latin typeface="Times New Roman"/>
+                <a:cs typeface="Times New Roman"/>
+              </a:rPr>
+              <a:t>Curves Showing # of Elements (</a:t>
+            </a:r>
+            <a:r>
+              <a:rPr lang="en-US" sz="1200" b="1" u="sng" dirty="0" smtClean="0">
+                <a:latin typeface="Times New Roman"/>
+                <a:cs typeface="Times New Roman"/>
+              </a:rPr>
+              <a:t>righ</a:t>
+            </a:r>
+            <a:r>
+              <a:rPr lang="en-US" sz="1200" b="1" u="sng" dirty="0" smtClean="0">
+                <a:latin typeface="Times New Roman"/>
+                <a:cs typeface="Times New Roman"/>
+              </a:rPr>
+              <a:t>t </a:t>
+            </a:r>
+            <a:r>
+              <a:rPr lang="en-US" sz="1200" b="1" u="sng" dirty="0" smtClean="0">
+                <a:latin typeface="Times New Roman"/>
+                <a:cs typeface="Times New Roman"/>
+              </a:rPr>
+              <a:t>y-axis)</a:t>
+            </a:r>
+            <a:endParaRPr lang="en-US" sz="1200" b="1" u="sng" dirty="0">
+              <a:latin typeface="Times New Roman"/>
+              <a:cs typeface="Times New Roman"/>
+            </a:endParaRPr>
+          </a:p>
+        </p:txBody>
+      </p:sp>
     </p:spTree>
     <p:extLst>
       <p:ext uri="{BB962C8B-B14F-4D97-AF65-F5344CB8AC3E}">
@@ -7323,42 +7344,6 @@
           </a:p>
         </p:txBody>
       </p:sp>
-      <p:sp>
-        <p:nvSpPr>
-          <p:cNvPr id="16" name="TextBox 15"/>
-          <p:cNvSpPr txBox="1"/>
-          <p:nvPr/>
-        </p:nvSpPr>
-        <p:spPr>
-          <a:xfrm>
-            <a:off x="5725483" y="2299108"/>
-            <a:ext cx="4145823" cy="276999"/>
-          </a:xfrm>
-          <a:prstGeom prst="rect">
-            <a:avLst/>
-          </a:prstGeom>
-          <a:noFill/>
-        </p:spPr>
-        <p:txBody>
-          <a:bodyPr wrap="square" rtlCol="0">
-            <a:spAutoFit/>
-          </a:bodyPr>
-          <a:lstStyle/>
-          <a:p>
-            <a:r>
-              <a:rPr lang="en-US" sz="1200" b="1" u="sng" dirty="0" smtClean="0">
-                <a:latin typeface="Times New Roman"/>
-                <a:cs typeface="Times New Roman"/>
-              </a:rPr>
-              <a:t>Normalized Message Count Curves (left y-axis)</a:t>
-            </a:r>
-            <a:endParaRPr lang="en-US" sz="1200" b="1" u="sng" dirty="0">
-              <a:latin typeface="Times New Roman"/>
-              <a:cs typeface="Times New Roman"/>
-            </a:endParaRPr>
-          </a:p>
-        </p:txBody>
-      </p:sp>
       <p:pic>
         <p:nvPicPr>
           <p:cNvPr id="3" name="Picture 2" descr="jacobi-2d.pdf"/>
@@ -7389,6 +7374,63 @@
           </a:prstGeom>
         </p:spPr>
       </p:pic>
+      <p:sp>
+        <p:nvSpPr>
+          <p:cNvPr id="9" name="TextBox 8"/>
+          <p:cNvSpPr txBox="1"/>
+          <p:nvPr/>
+        </p:nvSpPr>
+        <p:spPr>
+          <a:xfrm>
+            <a:off x="5945536" y="2323531"/>
+            <a:ext cx="4145823" cy="276999"/>
+          </a:xfrm>
+          <a:prstGeom prst="rect">
+            <a:avLst/>
+          </a:prstGeom>
+          <a:noFill/>
+        </p:spPr>
+        <p:txBody>
+          <a:bodyPr wrap="square" rtlCol="0">
+            <a:spAutoFit/>
+          </a:bodyPr>
+          <a:lstStyle/>
+          <a:p>
+            <a:r>
+              <a:rPr lang="en-US" sz="1200" b="1" u="sng" dirty="0" smtClean="0">
+                <a:latin typeface="Times New Roman"/>
+                <a:cs typeface="Times New Roman"/>
+              </a:rPr>
+              <a:t>Curves Showing # of Elements (</a:t>
+            </a:r>
+            <a:r>
+              <a:rPr lang="en-US" sz="1200" b="1" u="sng" dirty="0" smtClean="0">
+                <a:latin typeface="Times New Roman"/>
+                <a:cs typeface="Times New Roman"/>
+              </a:rPr>
+              <a:t>righ</a:t>
+            </a:r>
+            <a:r>
+              <a:rPr lang="en-US" sz="1200" b="1" u="sng" dirty="0" smtClean="0">
+                <a:latin typeface="Times New Roman"/>
+                <a:cs typeface="Times New Roman"/>
+              </a:rPr>
+              <a:t>t </a:t>
+            </a:r>
+            <a:r>
+              <a:rPr lang="en-US" sz="1200" b="1" u="sng" dirty="0" smtClean="0">
+                <a:latin typeface="Times New Roman"/>
+                <a:cs typeface="Times New Roman"/>
+              </a:rPr>
+              <a:t>y-axis)</a:t>
+            </a:r>
+            <a:endParaRPr lang="en-US" sz="1200" b="1" u="sng" dirty="0">
+              <a:latin typeface="Times New Roman"/>
+              <a:cs typeface="Times New Roman"/>
+            </a:endParaRPr>
+          </a:p>
+        </p:txBody>
+      </p:sp>
     </p:spTree>
     <p:extLst>
       <p:ext uri="{BB962C8B-B14F-4D97-AF65-F5344CB8AC3E}">
@@ -7563,42 +7605,6 @@
           </a:p>
         </p:txBody>
       </p:sp>
-      <p:sp>
-        <p:nvSpPr>
-          <p:cNvPr id="16" name="TextBox 15"/>
-          <p:cNvSpPr txBox="1"/>
-          <p:nvPr/>
-        </p:nvSpPr>
-        <p:spPr>
-          <a:xfrm>
-            <a:off x="5725483" y="2299108"/>
-            <a:ext cx="4145823" cy="276999"/>
-          </a:xfrm>
-          <a:prstGeom prst="rect">
-            <a:avLst/>
-          </a:prstGeom>
-          <a:noFill/>
-        </p:spPr>
-        <p:txBody>
-          <a:bodyPr wrap="square" rtlCol="0">
-            <a:spAutoFit/>
-          </a:bodyPr>
-          <a:lstStyle/>
-          <a:p>
-            <a:r>
-              <a:rPr lang="en-US" sz="1200" b="1" u="sng" dirty="0" smtClean="0">
-                <a:latin typeface="Times New Roman"/>
-                <a:cs typeface="Times New Roman"/>
-              </a:rPr>
-              <a:t>Normalized Message Count Curves (left y-axis)</a:t>
-            </a:r>
-            <a:endParaRPr lang="en-US" sz="1200" b="1" u="sng" dirty="0">
-              <a:latin typeface="Times New Roman"/>
-              <a:cs typeface="Times New Roman"/>
-            </a:endParaRPr>
-          </a:p>
-        </p:txBody>
-      </p:sp>
       <p:pic>
         <p:nvPicPr>
           <p:cNvPr id="2" name="Picture 1" descr="folding.pdf"/>
@@ -7621,7 +7627,7 @@
         </p:blipFill>
         <p:spPr>
           <a:xfrm>
-            <a:off x="40316" y="974502"/>
+            <a:off x="-24812" y="974502"/>
             <a:ext cx="5294829" cy="3717646"/>
           </a:xfrm>
           <a:prstGeom prst="rect">
@@ -7629,6 +7635,63 @@
           </a:prstGeom>
         </p:spPr>
       </p:pic>
+      <p:sp>
+        <p:nvSpPr>
+          <p:cNvPr id="9" name="TextBox 8"/>
+          <p:cNvSpPr txBox="1"/>
+          <p:nvPr/>
+        </p:nvSpPr>
+        <p:spPr>
+          <a:xfrm>
+            <a:off x="5945536" y="2315390"/>
+            <a:ext cx="4145823" cy="276999"/>
+          </a:xfrm>
+          <a:prstGeom prst="rect">
+            <a:avLst/>
+          </a:prstGeom>
+          <a:noFill/>
+        </p:spPr>
+        <p:txBody>
+          <a:bodyPr wrap="square" rtlCol="0">
+            <a:spAutoFit/>
+          </a:bodyPr>
+          <a:lstStyle/>
+          <a:p>
+            <a:r>
+              <a:rPr lang="en-US" sz="1200" b="1" u="sng" dirty="0" smtClean="0">
+                <a:latin typeface="Times New Roman"/>
+                <a:cs typeface="Times New Roman"/>
+              </a:rPr>
+              <a:t>Curves Showing # of Elements (</a:t>
+            </a:r>
+            <a:r>
+              <a:rPr lang="en-US" sz="1200" b="1" u="sng" dirty="0" smtClean="0">
+                <a:latin typeface="Times New Roman"/>
+                <a:cs typeface="Times New Roman"/>
+              </a:rPr>
+              <a:t>righ</a:t>
+            </a:r>
+            <a:r>
+              <a:rPr lang="en-US" sz="1200" b="1" u="sng" dirty="0" smtClean="0">
+                <a:latin typeface="Times New Roman"/>
+                <a:cs typeface="Times New Roman"/>
+              </a:rPr>
+              <a:t>t </a:t>
+            </a:r>
+            <a:r>
+              <a:rPr lang="en-US" sz="1200" b="1" u="sng" dirty="0" smtClean="0">
+                <a:latin typeface="Times New Roman"/>
+                <a:cs typeface="Times New Roman"/>
+              </a:rPr>
+              <a:t>y-axis)</a:t>
+            </a:r>
+            <a:endParaRPr lang="en-US" sz="1200" b="1" u="sng" dirty="0">
+              <a:latin typeface="Times New Roman"/>
+              <a:cs typeface="Times New Roman"/>
+            </a:endParaRPr>
+          </a:p>
+        </p:txBody>
+      </p:sp>
     </p:spTree>
     <p:extLst>
       <p:ext uri="{BB962C8B-B14F-4D97-AF65-F5344CB8AC3E}">
@@ -7752,42 +7815,6 @@
         <p:spPr>
           <a:xfrm>
             <a:off x="5725483" y="1910993"/>
-            <a:ext cx="4145823" cy="276999"/>
-          </a:xfrm>
-          <a:prstGeom prst="rect">
-            <a:avLst/>
-          </a:prstGeom>
-          <a:noFill/>
-        </p:spPr>
-        <p:txBody>
-          <a:bodyPr wrap="square" rtlCol="0">
-            <a:spAutoFit/>
-          </a:bodyPr>
-          <a:lstStyle/>
-          <a:p>
-            <a:r>
-              <a:rPr lang="en-US" sz="1200" b="1" u="sng" dirty="0" smtClean="0">
-                <a:latin typeface="Times New Roman"/>
-                <a:cs typeface="Times New Roman"/>
-              </a:rPr>
-              <a:t>Normalized Message Count Curves (left y-axis)</a:t>
-            </a:r>
-            <a:endParaRPr lang="en-US" sz="1200" b="1" u="sng" dirty="0">
-              <a:latin typeface="Times New Roman"/>
-              <a:cs typeface="Times New Roman"/>
-            </a:endParaRPr>
-          </a:p>
-        </p:txBody>
-      </p:sp>
-      <p:sp>
-        <p:nvSpPr>
-          <p:cNvPr id="16" name="TextBox 15"/>
-          <p:cNvSpPr txBox="1"/>
-          <p:nvPr/>
-        </p:nvSpPr>
-        <p:spPr>
-          <a:xfrm>
-            <a:off x="5725483" y="2780454"/>
             <a:ext cx="4145823" cy="276999"/>
           </a:xfrm>
           <a:prstGeom prst="rect">
@@ -7941,6 +7968,63 @@
           </a:prstGeom>
         </p:spPr>
       </p:pic>
+      <p:sp>
+        <p:nvSpPr>
+          <p:cNvPr id="13" name="TextBox 12"/>
+          <p:cNvSpPr txBox="1"/>
+          <p:nvPr/>
+        </p:nvSpPr>
+        <p:spPr>
+          <a:xfrm>
+            <a:off x="5945536" y="2822150"/>
+            <a:ext cx="4145823" cy="276999"/>
+          </a:xfrm>
+          <a:prstGeom prst="rect">
+            <a:avLst/>
+          </a:prstGeom>
+          <a:noFill/>
+        </p:spPr>
+        <p:txBody>
+          <a:bodyPr wrap="square" rtlCol="0">
+            <a:spAutoFit/>
+          </a:bodyPr>
+          <a:lstStyle/>
+          <a:p>
+            <a:r>
+              <a:rPr lang="en-US" sz="1200" b="1" u="sng" dirty="0" smtClean="0">
+                <a:latin typeface="Times New Roman"/>
+                <a:cs typeface="Times New Roman"/>
+              </a:rPr>
+              <a:t>Curves Showing # of Elements (</a:t>
+            </a:r>
+            <a:r>
+              <a:rPr lang="en-US" sz="1200" b="1" u="sng" dirty="0" smtClean="0">
+                <a:latin typeface="Times New Roman"/>
+                <a:cs typeface="Times New Roman"/>
+              </a:rPr>
+              <a:t>righ</a:t>
+            </a:r>
+            <a:r>
+              <a:rPr lang="en-US" sz="1200" b="1" u="sng" dirty="0" smtClean="0">
+                <a:latin typeface="Times New Roman"/>
+                <a:cs typeface="Times New Roman"/>
+              </a:rPr>
+              <a:t>t </a:t>
+            </a:r>
+            <a:r>
+              <a:rPr lang="en-US" sz="1200" b="1" u="sng" dirty="0" smtClean="0">
+                <a:latin typeface="Times New Roman"/>
+                <a:cs typeface="Times New Roman"/>
+              </a:rPr>
+              <a:t>y-axis)</a:t>
+            </a:r>
+            <a:endParaRPr lang="en-US" sz="1200" b="1" u="sng" dirty="0">
+              <a:latin typeface="Times New Roman"/>
+              <a:cs typeface="Times New Roman"/>
+            </a:endParaRPr>
+          </a:p>
+        </p:txBody>
+      </p:sp>
     </p:spTree>
     <p:extLst>
       <p:ext uri="{BB962C8B-B14F-4D97-AF65-F5344CB8AC3E}">
@@ -8115,42 +8199,6 @@
           </a:p>
         </p:txBody>
       </p:sp>
-      <p:sp>
-        <p:nvSpPr>
-          <p:cNvPr id="16" name="TextBox 15"/>
-          <p:cNvSpPr txBox="1"/>
-          <p:nvPr/>
-        </p:nvSpPr>
-        <p:spPr>
-          <a:xfrm>
-            <a:off x="5725483" y="2299108"/>
-            <a:ext cx="4145823" cy="276999"/>
-          </a:xfrm>
-          <a:prstGeom prst="rect">
-            <a:avLst/>
-          </a:prstGeom>
-          <a:noFill/>
-        </p:spPr>
-        <p:txBody>
-          <a:bodyPr wrap="square" rtlCol="0">
-            <a:spAutoFit/>
-          </a:bodyPr>
-          <a:lstStyle/>
-          <a:p>
-            <a:r>
-              <a:rPr lang="en-US" sz="1200" b="1" u="sng" dirty="0" smtClean="0">
-                <a:latin typeface="Times New Roman"/>
-                <a:cs typeface="Times New Roman"/>
-              </a:rPr>
-              <a:t>Normalized Message Count Curves (left y-axis)</a:t>
-            </a:r>
-            <a:endParaRPr lang="en-US" sz="1200" b="1" u="sng" dirty="0">
-              <a:latin typeface="Times New Roman"/>
-              <a:cs typeface="Times New Roman"/>
-            </a:endParaRPr>
-          </a:p>
-        </p:txBody>
-      </p:sp>
       <p:pic>
         <p:nvPicPr>
           <p:cNvPr id="3" name="Picture 2" descr="fdtd2d.pdf"/>
@@ -8181,6 +8229,63 @@
           </a:prstGeom>
         </p:spPr>
       </p:pic>
+      <p:sp>
+        <p:nvSpPr>
+          <p:cNvPr id="9" name="TextBox 8"/>
+          <p:cNvSpPr txBox="1"/>
+          <p:nvPr/>
+        </p:nvSpPr>
+        <p:spPr>
+          <a:xfrm>
+            <a:off x="5945536" y="2323531"/>
+            <a:ext cx="4145823" cy="276999"/>
+          </a:xfrm>
+          <a:prstGeom prst="rect">
+            <a:avLst/>
+          </a:prstGeom>
+          <a:noFill/>
+        </p:spPr>
+        <p:txBody>
+          <a:bodyPr wrap="square" rtlCol="0">
+            <a:spAutoFit/>
+          </a:bodyPr>
+          <a:lstStyle/>
+          <a:p>
+            <a:r>
+              <a:rPr lang="en-US" sz="1200" b="1" u="sng" dirty="0" smtClean="0">
+                <a:latin typeface="Times New Roman"/>
+                <a:cs typeface="Times New Roman"/>
+              </a:rPr>
+              <a:t>Curves Showing # of Elements (</a:t>
+            </a:r>
+            <a:r>
+              <a:rPr lang="en-US" sz="1200" b="1" u="sng" dirty="0" smtClean="0">
+                <a:latin typeface="Times New Roman"/>
+                <a:cs typeface="Times New Roman"/>
+              </a:rPr>
+              <a:t>righ</a:t>
+            </a:r>
+            <a:r>
+              <a:rPr lang="en-US" sz="1200" b="1" u="sng" dirty="0" smtClean="0">
+                <a:latin typeface="Times New Roman"/>
+                <a:cs typeface="Times New Roman"/>
+              </a:rPr>
+              <a:t>t </a:t>
+            </a:r>
+            <a:r>
+              <a:rPr lang="en-US" sz="1200" b="1" u="sng" dirty="0" smtClean="0">
+                <a:latin typeface="Times New Roman"/>
+                <a:cs typeface="Times New Roman"/>
+              </a:rPr>
+              <a:t>y-axis)</a:t>
+            </a:r>
+            <a:endParaRPr lang="en-US" sz="1200" b="1" u="sng" dirty="0">
+              <a:latin typeface="Times New Roman"/>
+              <a:cs typeface="Times New Roman"/>
+            </a:endParaRPr>
+          </a:p>
+        </p:txBody>
+      </p:sp>
     </p:spTree>
     <p:extLst>
       <p:ext uri="{BB962C8B-B14F-4D97-AF65-F5344CB8AC3E}">
@@ -9076,42 +9181,6 @@
           </a:p>
         </p:txBody>
       </p:sp>
-      <p:sp>
-        <p:nvSpPr>
-          <p:cNvPr id="16" name="TextBox 15"/>
-          <p:cNvSpPr txBox="1"/>
-          <p:nvPr/>
-        </p:nvSpPr>
-        <p:spPr>
-          <a:xfrm>
-            <a:off x="5725483" y="2299108"/>
-            <a:ext cx="4145823" cy="276999"/>
-          </a:xfrm>
-          <a:prstGeom prst="rect">
-            <a:avLst/>
-          </a:prstGeom>
-          <a:noFill/>
-        </p:spPr>
-        <p:txBody>
-          <a:bodyPr wrap="square" rtlCol="0">
-            <a:spAutoFit/>
-          </a:bodyPr>
-          <a:lstStyle/>
-          <a:p>
-            <a:r>
-              <a:rPr lang="en-US" sz="1200" b="1" u="sng" dirty="0" smtClean="0">
-                <a:latin typeface="Times New Roman"/>
-                <a:cs typeface="Times New Roman"/>
-              </a:rPr>
-              <a:t>Normalized Message Count Curves (left y-axis)</a:t>
-            </a:r>
-            <a:endParaRPr lang="en-US" sz="1200" b="1" u="sng" dirty="0">
-              <a:latin typeface="Times New Roman"/>
-              <a:cs typeface="Times New Roman"/>
-            </a:endParaRPr>
-          </a:p>
-        </p:txBody>
-      </p:sp>
       <p:pic>
         <p:nvPicPr>
           <p:cNvPr id="2" name="Picture 1" descr="jacobi-2d.pdf"/>
@@ -9142,6 +9211,63 @@
           </a:prstGeom>
         </p:spPr>
       </p:pic>
+      <p:sp>
+        <p:nvSpPr>
+          <p:cNvPr id="9" name="TextBox 8"/>
+          <p:cNvSpPr txBox="1"/>
+          <p:nvPr/>
+        </p:nvSpPr>
+        <p:spPr>
+          <a:xfrm>
+            <a:off x="5945536" y="2335279"/>
+            <a:ext cx="4145823" cy="276999"/>
+          </a:xfrm>
+          <a:prstGeom prst="rect">
+            <a:avLst/>
+          </a:prstGeom>
+          <a:noFill/>
+        </p:spPr>
+        <p:txBody>
+          <a:bodyPr wrap="square" rtlCol="0">
+            <a:spAutoFit/>
+          </a:bodyPr>
+          <a:lstStyle/>
+          <a:p>
+            <a:r>
+              <a:rPr lang="en-US" sz="1200" b="1" u="sng" dirty="0" smtClean="0">
+                <a:latin typeface="Times New Roman"/>
+                <a:cs typeface="Times New Roman"/>
+              </a:rPr>
+              <a:t>Curves Showing # of Elements (</a:t>
+            </a:r>
+            <a:r>
+              <a:rPr lang="en-US" sz="1200" b="1" u="sng" dirty="0" smtClean="0">
+                <a:latin typeface="Times New Roman"/>
+                <a:cs typeface="Times New Roman"/>
+              </a:rPr>
+              <a:t>righ</a:t>
+            </a:r>
+            <a:r>
+              <a:rPr lang="en-US" sz="1200" b="1" u="sng" dirty="0" smtClean="0">
+                <a:latin typeface="Times New Roman"/>
+                <a:cs typeface="Times New Roman"/>
+              </a:rPr>
+              <a:t>t </a:t>
+            </a:r>
+            <a:r>
+              <a:rPr lang="en-US" sz="1200" b="1" u="sng" dirty="0" smtClean="0">
+                <a:latin typeface="Times New Roman"/>
+                <a:cs typeface="Times New Roman"/>
+              </a:rPr>
+              <a:t>y-axis)</a:t>
+            </a:r>
+            <a:endParaRPr lang="en-US" sz="1200" b="1" u="sng" dirty="0">
+              <a:latin typeface="Times New Roman"/>
+              <a:cs typeface="Times New Roman"/>
+            </a:endParaRPr>
+          </a:p>
+        </p:txBody>
+      </p:sp>
     </p:spTree>
     <p:extLst>
       <p:ext uri="{BB962C8B-B14F-4D97-AF65-F5344CB8AC3E}">
@@ -9316,42 +9442,6 @@
           </a:p>
         </p:txBody>
       </p:sp>
-      <p:sp>
-        <p:nvSpPr>
-          <p:cNvPr id="16" name="TextBox 15"/>
-          <p:cNvSpPr txBox="1"/>
-          <p:nvPr/>
-        </p:nvSpPr>
-        <p:spPr>
-          <a:xfrm>
-            <a:off x="5725483" y="2299108"/>
-            <a:ext cx="4145823" cy="276999"/>
-          </a:xfrm>
-          <a:prstGeom prst="rect">
-            <a:avLst/>
-          </a:prstGeom>
-          <a:noFill/>
-        </p:spPr>
-        <p:txBody>
-          <a:bodyPr wrap="square" rtlCol="0">
-            <a:spAutoFit/>
-          </a:bodyPr>
-          <a:lstStyle/>
-          <a:p>
-            <a:r>
-              <a:rPr lang="en-US" sz="1200" b="1" u="sng" dirty="0" smtClean="0">
-                <a:latin typeface="Times New Roman"/>
-                <a:cs typeface="Times New Roman"/>
-              </a:rPr>
-              <a:t>Normalized Message Count Curves (left y-axis)</a:t>
-            </a:r>
-            <a:endParaRPr lang="en-US" sz="1200" b="1" u="sng" dirty="0">
-              <a:latin typeface="Times New Roman"/>
-              <a:cs typeface="Times New Roman"/>
-            </a:endParaRPr>
-          </a:p>
-        </p:txBody>
-      </p:sp>
       <p:pic>
         <p:nvPicPr>
           <p:cNvPr id="3" name="Picture 2" descr="folding.pdf"/>
@@ -9382,6 +9472,63 @@
           </a:prstGeom>
         </p:spPr>
       </p:pic>
+      <p:sp>
+        <p:nvSpPr>
+          <p:cNvPr id="9" name="TextBox 8"/>
+          <p:cNvSpPr txBox="1"/>
+          <p:nvPr/>
+        </p:nvSpPr>
+        <p:spPr>
+          <a:xfrm>
+            <a:off x="5962824" y="2370998"/>
+            <a:ext cx="4145823" cy="276999"/>
+          </a:xfrm>
+          <a:prstGeom prst="rect">
+            <a:avLst/>
+          </a:prstGeom>
+          <a:noFill/>
+        </p:spPr>
+        <p:txBody>
+          <a:bodyPr wrap="square" rtlCol="0">
+            <a:spAutoFit/>
+          </a:bodyPr>
+          <a:lstStyle/>
+          <a:p>
+            <a:r>
+              <a:rPr lang="en-US" sz="1200" b="1" u="sng" dirty="0" smtClean="0">
+                <a:latin typeface="Times New Roman"/>
+                <a:cs typeface="Times New Roman"/>
+              </a:rPr>
+              <a:t>Curves Showing # of Elements (</a:t>
+            </a:r>
+            <a:r>
+              <a:rPr lang="en-US" sz="1200" b="1" u="sng" dirty="0" smtClean="0">
+                <a:latin typeface="Times New Roman"/>
+                <a:cs typeface="Times New Roman"/>
+              </a:rPr>
+              <a:t>righ</a:t>
+            </a:r>
+            <a:r>
+              <a:rPr lang="en-US" sz="1200" b="1" u="sng" dirty="0" smtClean="0">
+                <a:latin typeface="Times New Roman"/>
+                <a:cs typeface="Times New Roman"/>
+              </a:rPr>
+              <a:t>t </a:t>
+            </a:r>
+            <a:r>
+              <a:rPr lang="en-US" sz="1200" b="1" u="sng" dirty="0" smtClean="0">
+                <a:latin typeface="Times New Roman"/>
+                <a:cs typeface="Times New Roman"/>
+              </a:rPr>
+              <a:t>y-axis)</a:t>
+            </a:r>
+            <a:endParaRPr lang="en-US" sz="1200" b="1" u="sng" dirty="0">
+              <a:latin typeface="Times New Roman"/>
+              <a:cs typeface="Times New Roman"/>
+            </a:endParaRPr>
+          </a:p>
+        </p:txBody>
+      </p:sp>
     </p:spTree>
     <p:extLst>
       <p:ext uri="{BB962C8B-B14F-4D97-AF65-F5344CB8AC3E}">
@@ -9505,42 +9652,6 @@
         <p:spPr>
           <a:xfrm>
             <a:off x="5725483" y="1910993"/>
-            <a:ext cx="4145823" cy="276999"/>
-          </a:xfrm>
-          <a:prstGeom prst="rect">
-            <a:avLst/>
-          </a:prstGeom>
-          <a:noFill/>
-        </p:spPr>
-        <p:txBody>
-          <a:bodyPr wrap="square" rtlCol="0">
-            <a:spAutoFit/>
-          </a:bodyPr>
-          <a:lstStyle/>
-          <a:p>
-            <a:r>
-              <a:rPr lang="en-US" sz="1200" b="1" u="sng" dirty="0" smtClean="0">
-                <a:latin typeface="Times New Roman"/>
-                <a:cs typeface="Times New Roman"/>
-              </a:rPr>
-              <a:t>Normalized Message Count Curves (left y-axis)</a:t>
-            </a:r>
-            <a:endParaRPr lang="en-US" sz="1200" b="1" u="sng" dirty="0">
-              <a:latin typeface="Times New Roman"/>
-              <a:cs typeface="Times New Roman"/>
-            </a:endParaRPr>
-          </a:p>
-        </p:txBody>
-      </p:sp>
-      <p:sp>
-        <p:nvSpPr>
-          <p:cNvPr id="16" name="TextBox 15"/>
-          <p:cNvSpPr txBox="1"/>
-          <p:nvPr/>
-        </p:nvSpPr>
-        <p:spPr>
-          <a:xfrm>
-            <a:off x="5725483" y="2780454"/>
             <a:ext cx="4145823" cy="276999"/>
           </a:xfrm>
           <a:prstGeom prst="rect">
@@ -9694,6 +9805,63 @@
           </a:prstGeom>
         </p:spPr>
       </p:pic>
+      <p:sp>
+        <p:nvSpPr>
+          <p:cNvPr id="13" name="TextBox 12"/>
+          <p:cNvSpPr txBox="1"/>
+          <p:nvPr/>
+        </p:nvSpPr>
+        <p:spPr>
+          <a:xfrm>
+            <a:off x="5955712" y="2812740"/>
+            <a:ext cx="4145823" cy="276999"/>
+          </a:xfrm>
+          <a:prstGeom prst="rect">
+            <a:avLst/>
+          </a:prstGeom>
+          <a:noFill/>
+        </p:spPr>
+        <p:txBody>
+          <a:bodyPr wrap="square" rtlCol="0">
+            <a:spAutoFit/>
+          </a:bodyPr>
+          <a:lstStyle/>
+          <a:p>
+            <a:r>
+              <a:rPr lang="en-US" sz="1200" b="1" u="sng" dirty="0" smtClean="0">
+                <a:latin typeface="Times New Roman"/>
+                <a:cs typeface="Times New Roman"/>
+              </a:rPr>
+              <a:t>Curves Showing # of Elements (</a:t>
+            </a:r>
+            <a:r>
+              <a:rPr lang="en-US" sz="1200" b="1" u="sng" dirty="0" smtClean="0">
+                <a:latin typeface="Times New Roman"/>
+                <a:cs typeface="Times New Roman"/>
+              </a:rPr>
+              <a:t>righ</a:t>
+            </a:r>
+            <a:r>
+              <a:rPr lang="en-US" sz="1200" b="1" u="sng" dirty="0" smtClean="0">
+                <a:latin typeface="Times New Roman"/>
+                <a:cs typeface="Times New Roman"/>
+              </a:rPr>
+              <a:t>t </a:t>
+            </a:r>
+            <a:r>
+              <a:rPr lang="en-US" sz="1200" b="1" u="sng" dirty="0" smtClean="0">
+                <a:latin typeface="Times New Roman"/>
+                <a:cs typeface="Times New Roman"/>
+              </a:rPr>
+              <a:t>y-axis)</a:t>
+            </a:r>
+            <a:endParaRPr lang="en-US" sz="1200" b="1" u="sng" dirty="0">
+              <a:latin typeface="Times New Roman"/>
+              <a:cs typeface="Times New Roman"/>
+            </a:endParaRPr>
+          </a:p>
+        </p:txBody>
+      </p:sp>
     </p:spTree>
     <p:extLst>
       <p:ext uri="{BB962C8B-B14F-4D97-AF65-F5344CB8AC3E}">
@@ -9769,42 +9937,6 @@
         <p:spPr>
           <a:xfrm>
             <a:off x="5725483" y="1633776"/>
-            <a:ext cx="4145823" cy="276999"/>
-          </a:xfrm>
-          <a:prstGeom prst="rect">
-            <a:avLst/>
-          </a:prstGeom>
-          <a:noFill/>
-        </p:spPr>
-        <p:txBody>
-          <a:bodyPr wrap="square" rtlCol="0">
-            <a:spAutoFit/>
-          </a:bodyPr>
-          <a:lstStyle/>
-          <a:p>
-            <a:r>
-              <a:rPr lang="en-US" sz="1200" b="1" u="sng" dirty="0" smtClean="0">
-                <a:latin typeface="Times New Roman"/>
-                <a:cs typeface="Times New Roman"/>
-              </a:rPr>
-              <a:t>Normalized Message Count Curves (left y-axis)</a:t>
-            </a:r>
-            <a:endParaRPr lang="en-US" sz="1200" b="1" u="sng" dirty="0">
-              <a:latin typeface="Times New Roman"/>
-              <a:cs typeface="Times New Roman"/>
-            </a:endParaRPr>
-          </a:p>
-        </p:txBody>
-      </p:sp>
-      <p:sp>
-        <p:nvSpPr>
-          <p:cNvPr id="16" name="TextBox 15"/>
-          <p:cNvSpPr txBox="1"/>
-          <p:nvPr/>
-        </p:nvSpPr>
-        <p:spPr>
-          <a:xfrm>
-            <a:off x="5725483" y="2299108"/>
             <a:ext cx="4145823" cy="276999"/>
           </a:xfrm>
           <a:prstGeom prst="rect">
@@ -9934,6 +10066,63 @@
           </a:prstGeom>
         </p:spPr>
       </p:pic>
+      <p:sp>
+        <p:nvSpPr>
+          <p:cNvPr id="10" name="TextBox 9"/>
+          <p:cNvSpPr txBox="1"/>
+          <p:nvPr/>
+        </p:nvSpPr>
+        <p:spPr>
+          <a:xfrm>
+            <a:off x="5896436" y="2308776"/>
+            <a:ext cx="4145823" cy="276999"/>
+          </a:xfrm>
+          <a:prstGeom prst="rect">
+            <a:avLst/>
+          </a:prstGeom>
+          <a:noFill/>
+        </p:spPr>
+        <p:txBody>
+          <a:bodyPr wrap="square" rtlCol="0">
+            <a:spAutoFit/>
+          </a:bodyPr>
+          <a:lstStyle/>
+          <a:p>
+            <a:r>
+              <a:rPr lang="en-US" sz="1200" b="1" u="sng" dirty="0" smtClean="0">
+                <a:latin typeface="Times New Roman"/>
+                <a:cs typeface="Times New Roman"/>
+              </a:rPr>
+              <a:t>Curves Showing # of Elements (</a:t>
+            </a:r>
+            <a:r>
+              <a:rPr lang="en-US" sz="1200" b="1" u="sng" dirty="0" smtClean="0">
+                <a:latin typeface="Times New Roman"/>
+                <a:cs typeface="Times New Roman"/>
+              </a:rPr>
+              <a:t>righ</a:t>
+            </a:r>
+            <a:r>
+              <a:rPr lang="en-US" sz="1200" b="1" u="sng" dirty="0" smtClean="0">
+                <a:latin typeface="Times New Roman"/>
+                <a:cs typeface="Times New Roman"/>
+              </a:rPr>
+              <a:t>t </a:t>
+            </a:r>
+            <a:r>
+              <a:rPr lang="en-US" sz="1200" b="1" u="sng" dirty="0" smtClean="0">
+                <a:latin typeface="Times New Roman"/>
+                <a:cs typeface="Times New Roman"/>
+              </a:rPr>
+              <a:t>y-axis)</a:t>
+            </a:r>
+            <a:endParaRPr lang="en-US" sz="1200" b="1" u="sng" dirty="0">
+              <a:latin typeface="Times New Roman"/>
+              <a:cs typeface="Times New Roman"/>
+            </a:endParaRPr>
+          </a:p>
+        </p:txBody>
+      </p:sp>
     </p:spTree>
     <p:extLst>
       <p:ext uri="{BB962C8B-B14F-4D97-AF65-F5344CB8AC3E}">
@@ -10063,7 +10252,28 @@
                 <a:latin typeface="Times New Roman"/>
                 <a:cs typeface="Times New Roman"/>
               </a:rPr>
-              <a:t>Normalized Message Count Curves (left y-axis)</a:t>
+              <a:t>Curves Showing # of Elements (</a:t>
+            </a:r>
+            <a:r>
+              <a:rPr lang="en-US" sz="1200" b="1" u="sng" dirty="0" smtClean="0">
+                <a:latin typeface="Times New Roman"/>
+                <a:cs typeface="Times New Roman"/>
+              </a:rPr>
+              <a:t>righ</a:t>
+            </a:r>
+            <a:r>
+              <a:rPr lang="en-US" sz="1200" b="1" u="sng" dirty="0" smtClean="0">
+                <a:latin typeface="Times New Roman"/>
+                <a:cs typeface="Times New Roman"/>
+              </a:rPr>
+              <a:t>t </a:t>
+            </a:r>
+            <a:r>
+              <a:rPr lang="en-US" sz="1200" b="1" u="sng" dirty="0" smtClean="0">
+                <a:latin typeface="Times New Roman"/>
+                <a:cs typeface="Times New Roman"/>
+              </a:rPr>
+              <a:t>y-axis)</a:t>
             </a:r>
             <a:endParaRPr lang="en-US" sz="1200" b="1" u="sng" dirty="0">
               <a:latin typeface="Times New Roman"/>

--- a/Paper/Figures/jacobi.pptx
+++ b/Paper/Figures/jacobi.pptx
@@ -357,11 +357,11 @@
           <c:showBubbleSize val="0"/>
         </c:dLbls>
         <c:gapWidth val="150"/>
-        <c:axId val="2046112072"/>
-        <c:axId val="2046117496"/>
+        <c:axId val="-2079684808"/>
+        <c:axId val="2059522344"/>
       </c:barChart>
       <c:catAx>
-        <c:axId val="2046112072"/>
+        <c:axId val="-2079684808"/>
         <c:scaling>
           <c:orientation val="minMax"/>
         </c:scaling>
@@ -389,7 +389,7 @@
         <c:majorTickMark val="out"/>
         <c:minorTickMark val="none"/>
         <c:tickLblPos val="nextTo"/>
-        <c:crossAx val="2046117496"/>
+        <c:crossAx val="2059522344"/>
         <c:crosses val="autoZero"/>
         <c:auto val="1"/>
         <c:lblAlgn val="ctr"/>
@@ -397,7 +397,7 @@
         <c:noMultiLvlLbl val="0"/>
       </c:catAx>
       <c:valAx>
-        <c:axId val="2046117496"/>
+        <c:axId val="2059522344"/>
         <c:scaling>
           <c:orientation val="minMax"/>
         </c:scaling>
@@ -432,7 +432,7 @@
         <c:majorTickMark val="out"/>
         <c:minorTickMark val="none"/>
         <c:tickLblPos val="nextTo"/>
-        <c:crossAx val="2046112072"/>
+        <c:crossAx val="-2079684808"/>
         <c:crosses val="autoZero"/>
         <c:crossBetween val="between"/>
       </c:valAx>
@@ -676,11 +676,11 @@
           <c:showBubbleSize val="0"/>
         </c:dLbls>
         <c:gapWidth val="150"/>
-        <c:axId val="2045993528"/>
-        <c:axId val="2045999000"/>
+        <c:axId val="2095512408"/>
+        <c:axId val="2129788984"/>
       </c:barChart>
       <c:catAx>
-        <c:axId val="2045993528"/>
+        <c:axId val="2095512408"/>
         <c:scaling>
           <c:orientation val="minMax"/>
         </c:scaling>
@@ -708,7 +708,7 @@
         <c:majorTickMark val="out"/>
         <c:minorTickMark val="none"/>
         <c:tickLblPos val="nextTo"/>
-        <c:crossAx val="2045999000"/>
+        <c:crossAx val="2129788984"/>
         <c:crosses val="autoZero"/>
         <c:auto val="1"/>
         <c:lblAlgn val="ctr"/>
@@ -716,7 +716,7 @@
         <c:noMultiLvlLbl val="0"/>
       </c:catAx>
       <c:valAx>
-        <c:axId val="2045999000"/>
+        <c:axId val="2129788984"/>
         <c:scaling>
           <c:orientation val="minMax"/>
         </c:scaling>
@@ -746,7 +746,7 @@
         <c:majorTickMark val="out"/>
         <c:minorTickMark val="none"/>
         <c:tickLblPos val="nextTo"/>
-        <c:crossAx val="2045993528"/>
+        <c:crossAx val="2095512408"/>
         <c:crosses val="autoZero"/>
         <c:crossBetween val="between"/>
       </c:valAx>
@@ -882,11 +882,11 @@
           <c:showBubbleSize val="0"/>
         </c:dLbls>
         <c:gapWidth val="150"/>
-        <c:axId val="2046078504"/>
-        <c:axId val="2046083976"/>
+        <c:axId val="-2079508008"/>
+        <c:axId val="-2079858648"/>
       </c:barChart>
       <c:catAx>
-        <c:axId val="2046078504"/>
+        <c:axId val="-2079508008"/>
         <c:scaling>
           <c:orientation val="minMax"/>
         </c:scaling>
@@ -914,7 +914,7 @@
         <c:majorTickMark val="out"/>
         <c:minorTickMark val="none"/>
         <c:tickLblPos val="nextTo"/>
-        <c:crossAx val="2046083976"/>
+        <c:crossAx val="-2079858648"/>
         <c:crosses val="autoZero"/>
         <c:auto val="1"/>
         <c:lblAlgn val="ctr"/>
@@ -922,7 +922,7 @@
         <c:noMultiLvlLbl val="0"/>
       </c:catAx>
       <c:valAx>
-        <c:axId val="2046083976"/>
+        <c:axId val="-2079858648"/>
         <c:scaling>
           <c:orientation val="minMax"/>
         </c:scaling>
@@ -952,7 +952,7 @@
         <c:majorTickMark val="out"/>
         <c:minorTickMark val="none"/>
         <c:tickLblPos val="nextTo"/>
-        <c:crossAx val="2046078504"/>
+        <c:crossAx val="-2079508008"/>
         <c:crosses val="autoZero"/>
         <c:crossBetween val="between"/>
       </c:valAx>
@@ -1088,11 +1088,11 @@
           <c:showBubbleSize val="0"/>
         </c:dLbls>
         <c:gapWidth val="150"/>
-        <c:axId val="2098158952"/>
-        <c:axId val="2098164424"/>
+        <c:axId val="-2054721768"/>
+        <c:axId val="2128256920"/>
       </c:barChart>
       <c:catAx>
-        <c:axId val="2098158952"/>
+        <c:axId val="-2054721768"/>
         <c:scaling>
           <c:orientation val="minMax"/>
         </c:scaling>
@@ -1120,7 +1120,7 @@
         <c:majorTickMark val="out"/>
         <c:minorTickMark val="none"/>
         <c:tickLblPos val="nextTo"/>
-        <c:crossAx val="2098164424"/>
+        <c:crossAx val="2128256920"/>
         <c:crosses val="autoZero"/>
         <c:auto val="1"/>
         <c:lblAlgn val="ctr"/>
@@ -1128,7 +1128,7 @@
         <c:noMultiLvlLbl val="0"/>
       </c:catAx>
       <c:valAx>
-        <c:axId val="2098164424"/>
+        <c:axId val="2128256920"/>
         <c:scaling>
           <c:orientation val="minMax"/>
         </c:scaling>
@@ -1163,7 +1163,7 @@
         <c:majorTickMark val="out"/>
         <c:minorTickMark val="none"/>
         <c:tickLblPos val="nextTo"/>
-        <c:crossAx val="2098158952"/>
+        <c:crossAx val="-2054721768"/>
         <c:crosses val="autoZero"/>
         <c:crossBetween val="between"/>
       </c:valAx>
@@ -1265,7 +1265,7 @@
           <a:p>
             <a:fld id="{89999A4E-EEDA-9343-8EEA-EBAD6E406F9E}" type="datetimeFigureOut">
               <a:rPr lang="en-US" smtClean="0"/>
-              <a:t>10/21/14</a:t>
+              <a:t>11/4/14</a:t>
             </a:fld>
             <a:endParaRPr lang="en-US"/>
           </a:p>
@@ -3109,7 +3109,7 @@
           <a:p>
             <a:fld id="{13F94CF1-BEB0-E047-8412-243553DBA7FF}" type="datetimeFigureOut">
               <a:rPr lang="en-US" smtClean="0"/>
-              <a:t>10/21/14</a:t>
+              <a:t>11/4/14</a:t>
             </a:fld>
             <a:endParaRPr lang="en-US"/>
           </a:p>
@@ -3279,7 +3279,7 @@
           <a:p>
             <a:fld id="{13F94CF1-BEB0-E047-8412-243553DBA7FF}" type="datetimeFigureOut">
               <a:rPr lang="en-US" smtClean="0"/>
-              <a:t>10/21/14</a:t>
+              <a:t>11/4/14</a:t>
             </a:fld>
             <a:endParaRPr lang="en-US"/>
           </a:p>
@@ -3459,7 +3459,7 @@
           <a:p>
             <a:fld id="{13F94CF1-BEB0-E047-8412-243553DBA7FF}" type="datetimeFigureOut">
               <a:rPr lang="en-US" smtClean="0"/>
-              <a:t>10/21/14</a:t>
+              <a:t>11/4/14</a:t>
             </a:fld>
             <a:endParaRPr lang="en-US"/>
           </a:p>
@@ -3629,7 +3629,7 @@
           <a:p>
             <a:fld id="{13F94CF1-BEB0-E047-8412-243553DBA7FF}" type="datetimeFigureOut">
               <a:rPr lang="en-US" smtClean="0"/>
-              <a:t>10/21/14</a:t>
+              <a:t>11/4/14</a:t>
             </a:fld>
             <a:endParaRPr lang="en-US"/>
           </a:p>
@@ -3875,7 +3875,7 @@
           <a:p>
             <a:fld id="{13F94CF1-BEB0-E047-8412-243553DBA7FF}" type="datetimeFigureOut">
               <a:rPr lang="en-US" smtClean="0"/>
-              <a:t>10/21/14</a:t>
+              <a:t>11/4/14</a:t>
             </a:fld>
             <a:endParaRPr lang="en-US"/>
           </a:p>
@@ -4163,7 +4163,7 @@
           <a:p>
             <a:fld id="{13F94CF1-BEB0-E047-8412-243553DBA7FF}" type="datetimeFigureOut">
               <a:rPr lang="en-US" smtClean="0"/>
-              <a:t>10/21/14</a:t>
+              <a:t>11/4/14</a:t>
             </a:fld>
             <a:endParaRPr lang="en-US"/>
           </a:p>
@@ -4585,7 +4585,7 @@
           <a:p>
             <a:fld id="{13F94CF1-BEB0-E047-8412-243553DBA7FF}" type="datetimeFigureOut">
               <a:rPr lang="en-US" smtClean="0"/>
-              <a:t>10/21/14</a:t>
+              <a:t>11/4/14</a:t>
             </a:fld>
             <a:endParaRPr lang="en-US"/>
           </a:p>
@@ -4703,7 +4703,7 @@
           <a:p>
             <a:fld id="{13F94CF1-BEB0-E047-8412-243553DBA7FF}" type="datetimeFigureOut">
               <a:rPr lang="en-US" smtClean="0"/>
-              <a:t>10/21/14</a:t>
+              <a:t>11/4/14</a:t>
             </a:fld>
             <a:endParaRPr lang="en-US"/>
           </a:p>
@@ -4798,7 +4798,7 @@
           <a:p>
             <a:fld id="{13F94CF1-BEB0-E047-8412-243553DBA7FF}" type="datetimeFigureOut">
               <a:rPr lang="en-US" smtClean="0"/>
-              <a:t>10/21/14</a:t>
+              <a:t>11/4/14</a:t>
             </a:fld>
             <a:endParaRPr lang="en-US"/>
           </a:p>
@@ -5075,7 +5075,7 @@
           <a:p>
             <a:fld id="{13F94CF1-BEB0-E047-8412-243553DBA7FF}" type="datetimeFigureOut">
               <a:rPr lang="en-US" smtClean="0"/>
-              <a:t>10/21/14</a:t>
+              <a:t>11/4/14</a:t>
             </a:fld>
             <a:endParaRPr lang="en-US"/>
           </a:p>
@@ -5328,7 +5328,7 @@
           <a:p>
             <a:fld id="{13F94CF1-BEB0-E047-8412-243553DBA7FF}" type="datetimeFigureOut">
               <a:rPr lang="en-US" smtClean="0"/>
-              <a:t>10/21/14</a:t>
+              <a:t>11/4/14</a:t>
             </a:fld>
             <a:endParaRPr lang="en-US"/>
           </a:p>
@@ -5541,7 +5541,7 @@
           <a:p>
             <a:fld id="{13F94CF1-BEB0-E047-8412-243553DBA7FF}" type="datetimeFigureOut">
               <a:rPr lang="en-US" smtClean="0"/>
-              <a:t>10/21/14</a:t>
+              <a:t>11/4/14</a:t>
             </a:fld>
             <a:endParaRPr lang="en-US"/>
           </a:p>
@@ -7140,28 +7140,7 @@
                 <a:latin typeface="Times New Roman"/>
                 <a:cs typeface="Times New Roman"/>
               </a:rPr>
-              <a:t>Curves Showing # of Elements (</a:t>
-            </a:r>
-            <a:r>
-              <a:rPr lang="en-US" sz="1200" b="1" u="sng" dirty="0" smtClean="0">
-                <a:latin typeface="Times New Roman"/>
-                <a:cs typeface="Times New Roman"/>
-              </a:rPr>
-              <a:t>righ</a:t>
-            </a:r>
-            <a:r>
-              <a:rPr lang="en-US" sz="1200" b="1" u="sng" dirty="0" smtClean="0">
-                <a:latin typeface="Times New Roman"/>
-                <a:cs typeface="Times New Roman"/>
-              </a:rPr>
-              <a:t>t </a:t>
-            </a:r>
-            <a:r>
-              <a:rPr lang="en-US" sz="1200" b="1" u="sng" dirty="0" smtClean="0">
-                <a:latin typeface="Times New Roman"/>
-                <a:cs typeface="Times New Roman"/>
-              </a:rPr>
-              <a:t>y-axis)</a:t>
+              <a:t>Curves Showing # of Elements (right y-axis)</a:t>
             </a:r>
             <a:endParaRPr lang="en-US" sz="1200" b="1" u="sng" dirty="0">
               <a:latin typeface="Times New Roman"/>
@@ -7401,28 +7380,7 @@
                 <a:latin typeface="Times New Roman"/>
                 <a:cs typeface="Times New Roman"/>
               </a:rPr>
-              <a:t>Curves Showing # of Elements (</a:t>
-            </a:r>
-            <a:r>
-              <a:rPr lang="en-US" sz="1200" b="1" u="sng" dirty="0" smtClean="0">
-                <a:latin typeface="Times New Roman"/>
-                <a:cs typeface="Times New Roman"/>
-              </a:rPr>
-              <a:t>righ</a:t>
-            </a:r>
-            <a:r>
-              <a:rPr lang="en-US" sz="1200" b="1" u="sng" dirty="0" smtClean="0">
-                <a:latin typeface="Times New Roman"/>
-                <a:cs typeface="Times New Roman"/>
-              </a:rPr>
-              <a:t>t </a:t>
-            </a:r>
-            <a:r>
-              <a:rPr lang="en-US" sz="1200" b="1" u="sng" dirty="0" smtClean="0">
-                <a:latin typeface="Times New Roman"/>
-                <a:cs typeface="Times New Roman"/>
-              </a:rPr>
-              <a:t>y-axis)</a:t>
+              <a:t>Curves Showing # of Elements (right y-axis)</a:t>
             </a:r>
             <a:endParaRPr lang="en-US" sz="1200" b="1" u="sng" dirty="0">
               <a:latin typeface="Times New Roman"/>
@@ -7627,7 +7585,7 @@
         </p:blipFill>
         <p:spPr>
           <a:xfrm>
-            <a:off x="-24812" y="974502"/>
+            <a:off x="12829" y="974502"/>
             <a:ext cx="5294829" cy="3717646"/>
           </a:xfrm>
           <a:prstGeom prst="rect">
@@ -7662,28 +7620,7 @@
                 <a:latin typeface="Times New Roman"/>
                 <a:cs typeface="Times New Roman"/>
               </a:rPr>
-              <a:t>Curves Showing # of Elements (</a:t>
-            </a:r>
-            <a:r>
-              <a:rPr lang="en-US" sz="1200" b="1" u="sng" dirty="0" smtClean="0">
-                <a:latin typeface="Times New Roman"/>
-                <a:cs typeface="Times New Roman"/>
-              </a:rPr>
-              <a:t>righ</a:t>
-            </a:r>
-            <a:r>
-              <a:rPr lang="en-US" sz="1200" b="1" u="sng" dirty="0" smtClean="0">
-                <a:latin typeface="Times New Roman"/>
-                <a:cs typeface="Times New Roman"/>
-              </a:rPr>
-              <a:t>t </a:t>
-            </a:r>
-            <a:r>
-              <a:rPr lang="en-US" sz="1200" b="1" u="sng" dirty="0" smtClean="0">
-                <a:latin typeface="Times New Roman"/>
-                <a:cs typeface="Times New Roman"/>
-              </a:rPr>
-              <a:t>y-axis)</a:t>
+              <a:t>Curves Showing # of Elements (right y-axis)</a:t>
             </a:r>
             <a:endParaRPr lang="en-US" sz="1200" b="1" u="sng" dirty="0">
               <a:latin typeface="Times New Roman"/>
@@ -7995,28 +7932,7 @@
                 <a:latin typeface="Times New Roman"/>
                 <a:cs typeface="Times New Roman"/>
               </a:rPr>
-              <a:t>Curves Showing # of Elements (</a:t>
-            </a:r>
-            <a:r>
-              <a:rPr lang="en-US" sz="1200" b="1" u="sng" dirty="0" smtClean="0">
-                <a:latin typeface="Times New Roman"/>
-                <a:cs typeface="Times New Roman"/>
-              </a:rPr>
-              <a:t>righ</a:t>
-            </a:r>
-            <a:r>
-              <a:rPr lang="en-US" sz="1200" b="1" u="sng" dirty="0" smtClean="0">
-                <a:latin typeface="Times New Roman"/>
-                <a:cs typeface="Times New Roman"/>
-              </a:rPr>
-              <a:t>t </a:t>
-            </a:r>
-            <a:r>
-              <a:rPr lang="en-US" sz="1200" b="1" u="sng" dirty="0" smtClean="0">
-                <a:latin typeface="Times New Roman"/>
-                <a:cs typeface="Times New Roman"/>
-              </a:rPr>
-              <a:t>y-axis)</a:t>
+              <a:t>Curves Showing # of Elements (right y-axis)</a:t>
             </a:r>
             <a:endParaRPr lang="en-US" sz="1200" b="1" u="sng" dirty="0">
               <a:latin typeface="Times New Roman"/>
@@ -8256,28 +8172,7 @@
                 <a:latin typeface="Times New Roman"/>
                 <a:cs typeface="Times New Roman"/>
               </a:rPr>
-              <a:t>Curves Showing # of Elements (</a:t>
-            </a:r>
-            <a:r>
-              <a:rPr lang="en-US" sz="1200" b="1" u="sng" dirty="0" smtClean="0">
-                <a:latin typeface="Times New Roman"/>
-                <a:cs typeface="Times New Roman"/>
-              </a:rPr>
-              <a:t>righ</a:t>
-            </a:r>
-            <a:r>
-              <a:rPr lang="en-US" sz="1200" b="1" u="sng" dirty="0" smtClean="0">
-                <a:latin typeface="Times New Roman"/>
-                <a:cs typeface="Times New Roman"/>
-              </a:rPr>
-              <a:t>t </a:t>
-            </a:r>
-            <a:r>
-              <a:rPr lang="en-US" sz="1200" b="1" u="sng" dirty="0" smtClean="0">
-                <a:latin typeface="Times New Roman"/>
-                <a:cs typeface="Times New Roman"/>
-              </a:rPr>
-              <a:t>y-axis)</a:t>
+              <a:t>Curves Showing # of Elements (right y-axis)</a:t>
             </a:r>
             <a:endParaRPr lang="en-US" sz="1200" b="1" u="sng" dirty="0">
               <a:latin typeface="Times New Roman"/>
@@ -9238,28 +9133,7 @@
                 <a:latin typeface="Times New Roman"/>
                 <a:cs typeface="Times New Roman"/>
               </a:rPr>
-              <a:t>Curves Showing # of Elements (</a:t>
-            </a:r>
-            <a:r>
-              <a:rPr lang="en-US" sz="1200" b="1" u="sng" dirty="0" smtClean="0">
-                <a:latin typeface="Times New Roman"/>
-                <a:cs typeface="Times New Roman"/>
-              </a:rPr>
-              <a:t>righ</a:t>
-            </a:r>
-            <a:r>
-              <a:rPr lang="en-US" sz="1200" b="1" u="sng" dirty="0" smtClean="0">
-                <a:latin typeface="Times New Roman"/>
-                <a:cs typeface="Times New Roman"/>
-              </a:rPr>
-              <a:t>t </a:t>
-            </a:r>
-            <a:r>
-              <a:rPr lang="en-US" sz="1200" b="1" u="sng" dirty="0" smtClean="0">
-                <a:latin typeface="Times New Roman"/>
-                <a:cs typeface="Times New Roman"/>
-              </a:rPr>
-              <a:t>y-axis)</a:t>
+              <a:t>Curves Showing # of Elements (right y-axis)</a:t>
             </a:r>
             <a:endParaRPr lang="en-US" sz="1200" b="1" u="sng" dirty="0">
               <a:latin typeface="Times New Roman"/>
@@ -9499,28 +9373,7 @@
                 <a:latin typeface="Times New Roman"/>
                 <a:cs typeface="Times New Roman"/>
               </a:rPr>
-              <a:t>Curves Showing # of Elements (</a:t>
-            </a:r>
-            <a:r>
-              <a:rPr lang="en-US" sz="1200" b="1" u="sng" dirty="0" smtClean="0">
-                <a:latin typeface="Times New Roman"/>
-                <a:cs typeface="Times New Roman"/>
-              </a:rPr>
-              <a:t>righ</a:t>
-            </a:r>
-            <a:r>
-              <a:rPr lang="en-US" sz="1200" b="1" u="sng" dirty="0" smtClean="0">
-                <a:latin typeface="Times New Roman"/>
-                <a:cs typeface="Times New Roman"/>
-              </a:rPr>
-              <a:t>t </a:t>
-            </a:r>
-            <a:r>
-              <a:rPr lang="en-US" sz="1200" b="1" u="sng" dirty="0" smtClean="0">
-                <a:latin typeface="Times New Roman"/>
-                <a:cs typeface="Times New Roman"/>
-              </a:rPr>
-              <a:t>y-axis)</a:t>
+              <a:t>Curves Showing # of Elements (right y-axis)</a:t>
             </a:r>
             <a:endParaRPr lang="en-US" sz="1200" b="1" u="sng" dirty="0">
               <a:latin typeface="Times New Roman"/>
@@ -9575,7 +9428,7 @@
         </p:blipFill>
         <p:spPr>
           <a:xfrm>
-            <a:off x="5945536" y="1303158"/>
+            <a:off x="5945536" y="1315986"/>
             <a:ext cx="2907355" cy="241405"/>
           </a:xfrm>
           <a:prstGeom prst="rect">
@@ -9599,7 +9452,7 @@
         </p:blipFill>
         <p:spPr>
           <a:xfrm>
-            <a:off x="5234354" y="2203821"/>
+            <a:off x="5234354" y="2216649"/>
             <a:ext cx="3694545" cy="262396"/>
           </a:xfrm>
           <a:prstGeom prst="rect">
@@ -9615,7 +9468,7 @@
         </p:nvSpPr>
         <p:spPr>
           <a:xfrm>
-            <a:off x="6093080" y="974503"/>
+            <a:off x="6093080" y="987331"/>
             <a:ext cx="3204548" cy="276999"/>
           </a:xfrm>
           <a:prstGeom prst="rect">
@@ -9651,7 +9504,7 @@
         </p:nvSpPr>
         <p:spPr>
           <a:xfrm>
-            <a:off x="5725483" y="1910993"/>
+            <a:off x="5725483" y="1923821"/>
             <a:ext cx="4145823" cy="276999"/>
           </a:xfrm>
           <a:prstGeom prst="rect">
@@ -9695,7 +9548,7 @@
         </p:blipFill>
         <p:spPr>
           <a:xfrm>
-            <a:off x="5788942" y="1544563"/>
+            <a:off x="5788942" y="1557391"/>
             <a:ext cx="3075289" cy="230909"/>
           </a:xfrm>
           <a:prstGeom prst="rect">
@@ -9719,7 +9572,7 @@
         </p:blipFill>
         <p:spPr>
           <a:xfrm>
-            <a:off x="5462314" y="2430935"/>
+            <a:off x="5462314" y="2443763"/>
             <a:ext cx="3442645" cy="262396"/>
           </a:xfrm>
           <a:prstGeom prst="rect">
@@ -9743,7 +9596,7 @@
         </p:blipFill>
         <p:spPr>
           <a:xfrm>
-            <a:off x="6210254" y="3071455"/>
+            <a:off x="6210254" y="3084283"/>
             <a:ext cx="2655455" cy="199422"/>
           </a:xfrm>
           <a:prstGeom prst="rect">
@@ -9767,7 +9620,7 @@
         </p:blipFill>
         <p:spPr>
           <a:xfrm>
-            <a:off x="6093080" y="3270877"/>
+            <a:off x="6093080" y="3283705"/>
             <a:ext cx="2760414" cy="241405"/>
           </a:xfrm>
           <a:prstGeom prst="rect">
@@ -9797,7 +9650,7 @@
         </p:blipFill>
         <p:spPr>
           <a:xfrm>
-            <a:off x="40317" y="1047585"/>
+            <a:off x="40317" y="1060413"/>
             <a:ext cx="5234354" cy="3675184"/>
           </a:xfrm>
           <a:prstGeom prst="rect">
@@ -9813,7 +9666,7 @@
         </p:nvSpPr>
         <p:spPr>
           <a:xfrm>
-            <a:off x="5955712" y="2812740"/>
+            <a:off x="5955712" y="2825568"/>
             <a:ext cx="4145823" cy="276999"/>
           </a:xfrm>
           <a:prstGeom prst="rect">
@@ -9832,28 +9685,7 @@
                 <a:latin typeface="Times New Roman"/>
                 <a:cs typeface="Times New Roman"/>
               </a:rPr>
-              <a:t>Curves Showing # of Elements (</a:t>
-            </a:r>
-            <a:r>
-              <a:rPr lang="en-US" sz="1200" b="1" u="sng" dirty="0" smtClean="0">
-                <a:latin typeface="Times New Roman"/>
-                <a:cs typeface="Times New Roman"/>
-              </a:rPr>
-              <a:t>righ</a:t>
-            </a:r>
-            <a:r>
-              <a:rPr lang="en-US" sz="1200" b="1" u="sng" dirty="0" smtClean="0">
-                <a:latin typeface="Times New Roman"/>
-                <a:cs typeface="Times New Roman"/>
-              </a:rPr>
-              <a:t>t </a:t>
-            </a:r>
-            <a:r>
-              <a:rPr lang="en-US" sz="1200" b="1" u="sng" dirty="0" smtClean="0">
-                <a:latin typeface="Times New Roman"/>
-                <a:cs typeface="Times New Roman"/>
-              </a:rPr>
-              <a:t>y-axis)</a:t>
+              <a:t>Curves Showing # of Elements (right y-axis)</a:t>
             </a:r>
             <a:endParaRPr lang="en-US" sz="1200" b="1" u="sng" dirty="0">
               <a:latin typeface="Times New Roman"/>
@@ -10093,28 +9925,7 @@
                 <a:latin typeface="Times New Roman"/>
                 <a:cs typeface="Times New Roman"/>
               </a:rPr>
-              <a:t>Curves Showing # of Elements (</a:t>
-            </a:r>
-            <a:r>
-              <a:rPr lang="en-US" sz="1200" b="1" u="sng" dirty="0" smtClean="0">
-                <a:latin typeface="Times New Roman"/>
-                <a:cs typeface="Times New Roman"/>
-              </a:rPr>
-              <a:t>righ</a:t>
-            </a:r>
-            <a:r>
-              <a:rPr lang="en-US" sz="1200" b="1" u="sng" dirty="0" smtClean="0">
-                <a:latin typeface="Times New Roman"/>
-                <a:cs typeface="Times New Roman"/>
-              </a:rPr>
-              <a:t>t </a:t>
-            </a:r>
-            <a:r>
-              <a:rPr lang="en-US" sz="1200" b="1" u="sng" dirty="0" smtClean="0">
-                <a:latin typeface="Times New Roman"/>
-                <a:cs typeface="Times New Roman"/>
-              </a:rPr>
-              <a:t>y-axis)</a:t>
+              <a:t>Curves Showing # of Elements (right y-axis)</a:t>
             </a:r>
             <a:endParaRPr lang="en-US" sz="1200" b="1" u="sng" dirty="0">
               <a:latin typeface="Times New Roman"/>
@@ -10252,28 +10063,7 @@
                 <a:latin typeface="Times New Roman"/>
                 <a:cs typeface="Times New Roman"/>
               </a:rPr>
-              <a:t>Curves Showing # of Elements (</a:t>
-            </a:r>
-            <a:r>
-              <a:rPr lang="en-US" sz="1200" b="1" u="sng" dirty="0" smtClean="0">
-                <a:latin typeface="Times New Roman"/>
-                <a:cs typeface="Times New Roman"/>
-              </a:rPr>
-              <a:t>righ</a:t>
-            </a:r>
-            <a:r>
-              <a:rPr lang="en-US" sz="1200" b="1" u="sng" dirty="0" smtClean="0">
-                <a:latin typeface="Times New Roman"/>
-                <a:cs typeface="Times New Roman"/>
-              </a:rPr>
-              <a:t>t </a:t>
-            </a:r>
-            <a:r>
-              <a:rPr lang="en-US" sz="1200" b="1" u="sng" dirty="0" smtClean="0">
-                <a:latin typeface="Times New Roman"/>
-                <a:cs typeface="Times New Roman"/>
-              </a:rPr>
-              <a:t>y-axis)</a:t>
+              <a:t>Curves Showing # of Elements (right y-axis)</a:t>
             </a:r>
             <a:endParaRPr lang="en-US" sz="1200" b="1" u="sng" dirty="0">
               <a:latin typeface="Times New Roman"/>
@@ -13788,9 +13578,13 @@
           </a:bodyPr>
           <a:lstStyle/>
           <a:p>
-            <a:pPr marL="228600" indent="-228600">
-              <a:buAutoNum type="arabicPlain"/>
-            </a:pPr>
+            <a:r>
+              <a:rPr lang="en-US" sz="1100" dirty="0" smtClean="0">
+                <a:latin typeface="Courier"/>
+                <a:cs typeface="Courier"/>
+              </a:rPr>
+              <a:t>1</a:t>
+            </a:r>
             <a:r>
               <a:rPr lang="en-US" sz="1100" b="1" dirty="0" smtClean="0">
                 <a:latin typeface="Courier"/>
@@ -13903,16 +13697,23 @@
                 <a:latin typeface="Courier"/>
                 <a:cs typeface="Courier"/>
               </a:rPr>
+              <a:t>2</a:t>
+            </a:r>
+          </a:p>
+          <a:p>
+            <a:r>
+              <a:rPr lang="en-US" sz="1100" dirty="0" smtClean="0">
+                <a:latin typeface="Courier"/>
+                <a:cs typeface="Courier"/>
+              </a:rPr>
               <a:t>3</a:t>
             </a:r>
-          </a:p>
-          <a:p>
             <a:r>
               <a:rPr lang="en-US" sz="1100" dirty="0" smtClean="0">
                 <a:latin typeface="Courier"/>
                 <a:cs typeface="Courier"/>
               </a:rPr>
-              <a:t>4      </a:t>
+              <a:t>      </a:t>
             </a:r>
             <a:r>
               <a:rPr lang="en-US" sz="1100" b="1" dirty="0" smtClean="0">
@@ -13922,7 +13723,17 @@
                 <a:latin typeface="Courier"/>
                 <a:cs typeface="Courier"/>
               </a:rPr>
-              <a:t>//calculate </a:t>
+              <a:t>/</a:t>
+            </a:r>
+            <a:r>
+              <a:rPr lang="en-US" sz="1100" b="1" dirty="0" smtClean="0">
+                <a:solidFill>
+                  <a:srgbClr val="660066"/>
+                </a:solidFill>
+                <a:latin typeface="Courier"/>
+                <a:cs typeface="Courier"/>
+              </a:rPr>
+              <a:t>/calculate </a:t>
             </a:r>
             <a:r>
               <a:rPr lang="en-US" sz="1100" b="1" dirty="0" err="1" smtClean="0">
@@ -13948,7 +13759,7 @@
                 <a:latin typeface="Courier"/>
                 <a:cs typeface="Courier"/>
               </a:rPr>
-              <a:t>5       </a:t>
+              <a:t>4       </a:t>
             </a:r>
             <a:r>
               <a:rPr lang="en-US" sz="1100" b="1" dirty="0" err="1" smtClean="0">
@@ -14013,16 +13824,27 @@
                 <a:latin typeface="Courier"/>
                 <a:cs typeface="Courier"/>
               </a:rPr>
+              <a:t>5</a:t>
+            </a:r>
+            <a:endParaRPr lang="en-US" sz="1100" dirty="0" smtClean="0">
+              <a:latin typeface="Courier"/>
+              <a:cs typeface="Courier"/>
+            </a:endParaRPr>
+          </a:p>
+          <a:p>
+            <a:r>
+              <a:rPr lang="en-US" sz="1100" dirty="0" smtClean="0">
+                <a:latin typeface="Courier"/>
+                <a:cs typeface="Courier"/>
+              </a:rPr>
               <a:t>6</a:t>
             </a:r>
-          </a:p>
-          <a:p>
             <a:r>
               <a:rPr lang="en-US" sz="1100" dirty="0" smtClean="0">
                 <a:latin typeface="Courier"/>
                 <a:cs typeface="Courier"/>
               </a:rPr>
-              <a:t>7       </a:t>
+              <a:t>       </a:t>
             </a:r>
             <a:r>
               <a:rPr lang="en-US" sz="1100" b="1" dirty="0" smtClean="0">
@@ -14032,7 +13854,17 @@
                 <a:latin typeface="Courier"/>
                 <a:cs typeface="Courier"/>
               </a:rPr>
-              <a:t>//assign loop iterations to locales</a:t>
+              <a:t>/</a:t>
+            </a:r>
+            <a:r>
+              <a:rPr lang="en-US" sz="1100" b="1" dirty="0" smtClean="0">
+                <a:solidFill>
+                  <a:srgbClr val="660066"/>
+                </a:solidFill>
+                <a:latin typeface="Courier"/>
+                <a:cs typeface="Courier"/>
+              </a:rPr>
+              <a:t>/assign loop iterations to locales</a:t>
             </a:r>
             <a:endParaRPr lang="en-US" sz="1100" b="1" dirty="0">
               <a:solidFill>
@@ -14048,7 +13880,7 @@
                 <a:latin typeface="Courier"/>
                 <a:cs typeface="Courier"/>
               </a:rPr>
-              <a:t>8       </a:t>
+              <a:t>7       </a:t>
             </a:r>
             <a:r>
               <a:rPr lang="en-US" sz="1100" dirty="0" err="1" smtClean="0">
@@ -14141,7 +13973,7 @@
                 <a:latin typeface="Courier"/>
                 <a:cs typeface="Courier"/>
               </a:rPr>
-              <a:t>9</a:t>
+              <a:t>8</a:t>
             </a:r>
             <a:endParaRPr lang="en-US" sz="1100" dirty="0">
               <a:latin typeface="Courier"/>
@@ -14150,11 +13982,18 @@
           </a:p>
           <a:p>
             <a:r>
+              <a:rPr lang="en-US" sz="1100" dirty="0">
+                <a:latin typeface="Courier"/>
+                <a:cs typeface="Courier"/>
+              </a:rPr>
+              <a:t>9</a:t>
+            </a:r>
+            <a:r>
               <a:rPr lang="en-US" sz="1100" dirty="0" smtClean="0">
                 <a:latin typeface="Courier"/>
                 <a:cs typeface="Courier"/>
               </a:rPr>
-              <a:t>10		  </a:t>
+              <a:t>		  </a:t>
             </a:r>
             <a:r>
               <a:rPr lang="en-US" sz="1100" b="1" dirty="0" smtClean="0">
@@ -14190,7 +14029,7 @@
                 <a:latin typeface="Courier"/>
                 <a:cs typeface="Courier"/>
               </a:rPr>
-              <a:t>11</a:t>
+              <a:t>10</a:t>
             </a:r>
             <a:r>
               <a:rPr lang="en-US" sz="1100" dirty="0">
@@ -14248,7 +14087,7 @@
                 <a:latin typeface="Courier"/>
                 <a:cs typeface="Courier"/>
               </a:rPr>
-              <a:t>12          </a:t>
+              <a:t>11          </a:t>
             </a:r>
             <a:r>
               <a:rPr lang="en-US" sz="1100" b="1" dirty="0" err="1" smtClean="0">
@@ -14285,7 +14124,7 @@
                 <a:latin typeface="Courier"/>
                 <a:cs typeface="Courier"/>
               </a:rPr>
-              <a:t>13</a:t>
+              <a:t>12</a:t>
             </a:r>
             <a:endParaRPr lang="en-US" sz="1100" dirty="0">
               <a:latin typeface="Courier"/>
@@ -14298,7 +14137,14 @@
                 <a:latin typeface="Courier"/>
                 <a:cs typeface="Courier"/>
               </a:rPr>
-              <a:t>14	       </a:t>
+              <a:t>13</a:t>
+            </a:r>
+            <a:r>
+              <a:rPr lang="en-US" sz="1100" dirty="0" smtClean="0">
+                <a:latin typeface="Courier"/>
+                <a:cs typeface="Courier"/>
+              </a:rPr>
+              <a:t>	       </a:t>
             </a:r>
             <a:r>
               <a:rPr lang="en-US" sz="1100" b="1" dirty="0" smtClean="0">
@@ -14317,7 +14163,14 @@
                 <a:latin typeface="Courier"/>
                 <a:cs typeface="Courier"/>
               </a:rPr>
-              <a:t>15	       </a:t>
+              <a:t>14</a:t>
+            </a:r>
+            <a:r>
+              <a:rPr lang="en-US" sz="1100" dirty="0" smtClean="0">
+                <a:latin typeface="Courier"/>
+                <a:cs typeface="Courier"/>
+              </a:rPr>
+              <a:t>	       </a:t>
             </a:r>
             <a:r>
               <a:rPr lang="en-US" sz="1100" b="1" dirty="0" err="1" smtClean="0">
@@ -14361,7 +14214,7 @@
                 <a:latin typeface="Courier"/>
                 <a:cs typeface="Courier"/>
               </a:rPr>
-              <a:t>16</a:t>
+              <a:t>15</a:t>
             </a:r>
             <a:endParaRPr lang="en-US" sz="1100" dirty="0">
               <a:latin typeface="Courier"/>
@@ -14374,7 +14227,14 @@
                 <a:latin typeface="Courier"/>
                 <a:cs typeface="Courier"/>
               </a:rPr>
-              <a:t>17		       </a:t>
+              <a:t>16</a:t>
+            </a:r>
+            <a:r>
+              <a:rPr lang="en-US" sz="1100" dirty="0" smtClean="0">
+                <a:latin typeface="Courier"/>
+                <a:cs typeface="Courier"/>
+              </a:rPr>
+              <a:t>		       </a:t>
             </a:r>
             <a:r>
               <a:rPr lang="en-US" sz="1100" b="1" dirty="0" smtClean="0">
@@ -14393,7 +14253,7 @@
                 <a:latin typeface="Courier"/>
                 <a:cs typeface="Courier"/>
               </a:rPr>
-              <a:t>18</a:t>
+              <a:t>17</a:t>
             </a:r>
             <a:r>
               <a:rPr lang="en-US" sz="1100" dirty="0">
@@ -14426,34 +14286,133 @@
                 <a:latin typeface="Courier"/>
                 <a:cs typeface="Courier"/>
               </a:rPr>
-              <a:t>19</a:t>
-            </a:r>
-            <a:r>
-              <a:rPr lang="en-US" sz="1100" dirty="0">
-                <a:latin typeface="Courier"/>
-                <a:cs typeface="Courier"/>
-              </a:rPr>
-              <a:t>	 </a:t>
+              <a:t>18	            </a:t>
+            </a:r>
+            <a:r>
+              <a:rPr lang="en-US" sz="1100" b="1" dirty="0" smtClean="0">
+                <a:latin typeface="Courier"/>
+                <a:cs typeface="Courier"/>
+              </a:rPr>
+              <a:t>for</a:t>
             </a:r>
             <a:r>
               <a:rPr lang="en-US" sz="1100" dirty="0" smtClean="0">
                 <a:latin typeface="Courier"/>
                 <a:cs typeface="Courier"/>
               </a:rPr>
-              <a:t>           </a:t>
+              <a:t> </a:t>
+            </a:r>
+            <a:r>
+              <a:rPr lang="en-US" sz="1100" dirty="0" err="1" smtClean="0">
+                <a:latin typeface="Courier"/>
+                <a:cs typeface="Courier"/>
+              </a:rPr>
+              <a:t>i</a:t>
+            </a:r>
+            <a:r>
+              <a:rPr lang="en-US" sz="1100" dirty="0" smtClean="0">
+                <a:latin typeface="Courier"/>
+                <a:cs typeface="Courier"/>
+              </a:rPr>
+              <a:t> </a:t>
             </a:r>
             <a:r>
               <a:rPr lang="en-US" sz="1100" b="1" dirty="0" smtClean="0">
                 <a:latin typeface="Courier"/>
                 <a:cs typeface="Courier"/>
               </a:rPr>
-              <a:t>for</a:t>
+              <a:t>in</a:t>
             </a:r>
             <a:r>
               <a:rPr lang="en-US" sz="1100" dirty="0" smtClean="0">
                 <a:latin typeface="Courier"/>
                 <a:cs typeface="Courier"/>
               </a:rPr>
+              <a:t> core..blocksize-1 </a:t>
+            </a:r>
+            <a:r>
+              <a:rPr lang="en-US" sz="1100" b="1" dirty="0" smtClean="0">
+                <a:latin typeface="Courier"/>
+                <a:cs typeface="Courier"/>
+              </a:rPr>
+              <a:t>by</a:t>
+            </a:r>
+            <a:r>
+              <a:rPr lang="en-US" sz="1100" dirty="0" smtClean="0">
+                <a:latin typeface="Courier"/>
+                <a:cs typeface="Courier"/>
+              </a:rPr>
+              <a:t> tasks {</a:t>
+            </a:r>
+          </a:p>
+          <a:p>
+            <a:r>
+              <a:rPr lang="en-US" sz="1100" dirty="0" smtClean="0">
+                <a:latin typeface="Courier"/>
+                <a:cs typeface="Courier"/>
+              </a:rPr>
+              <a:t>19 </a:t>
+            </a:r>
+            <a:endParaRPr lang="en-US" sz="1100" dirty="0" smtClean="0">
+              <a:latin typeface="Courier"/>
+              <a:cs typeface="Courier"/>
+            </a:endParaRPr>
+          </a:p>
+          <a:p>
+            <a:r>
+              <a:rPr lang="en-US" sz="1100" dirty="0" smtClean="0">
+                <a:latin typeface="Courier"/>
+                <a:cs typeface="Courier"/>
+              </a:rPr>
+              <a:t>20</a:t>
+            </a:r>
+            <a:r>
+              <a:rPr lang="en-US" sz="1100" dirty="0" smtClean="0">
+                <a:latin typeface="Courier"/>
+                <a:cs typeface="Courier"/>
+              </a:rPr>
+              <a:t>		            </a:t>
+            </a:r>
+            <a:r>
+              <a:rPr lang="en-US" sz="1100" b="1" dirty="0" smtClean="0">
+                <a:latin typeface="Courier"/>
+                <a:cs typeface="Courier"/>
+              </a:rPr>
+              <a:t>yield</a:t>
+            </a:r>
+            <a:r>
+              <a:rPr lang="en-US" sz="1100" dirty="0" smtClean="0">
+                <a:latin typeface="Courier"/>
+                <a:cs typeface="Courier"/>
+              </a:rPr>
+              <a:t> (</a:t>
+            </a:r>
+            <a:r>
+              <a:rPr lang="en-US" sz="1100" dirty="0" err="1" smtClean="0">
+                <a:latin typeface="Courier"/>
+                <a:cs typeface="Courier"/>
+              </a:rPr>
+              <a:t>start+i</a:t>
+            </a:r>
+            <a:r>
+              <a:rPr lang="en-US" sz="1100" dirty="0" smtClean="0">
+                <a:latin typeface="Courier"/>
+                <a:cs typeface="Courier"/>
+              </a:rPr>
+              <a:t>)..end </a:t>
+            </a:r>
+            <a:r>
+              <a:rPr lang="en-US" sz="1100" b="1" dirty="0" smtClean="0">
+                <a:latin typeface="Courier"/>
+                <a:cs typeface="Courier"/>
+              </a:rPr>
+              <a:t>by</a:t>
+            </a:r>
+            <a:r>
+              <a:rPr lang="en-US" sz="1100" dirty="0" smtClean="0">
+                <a:latin typeface="Courier"/>
+                <a:cs typeface="Courier"/>
+              </a:rPr>
               <a:t> </a:t>
             </a:r>
             <a:r>
@@ -14461,125 +14420,30 @@
                 <a:latin typeface="Courier"/>
                 <a:cs typeface="Courier"/>
               </a:rPr>
-              <a:t>i</a:t>
+              <a:t>blockcyclesize</a:t>
             </a:r>
             <a:r>
               <a:rPr lang="en-US" sz="1100" dirty="0" smtClean="0">
                 <a:latin typeface="Courier"/>
                 <a:cs typeface="Courier"/>
               </a:rPr>
-              <a:t> </a:t>
-            </a:r>
-            <a:r>
-              <a:rPr lang="en-US" sz="1100" b="1" dirty="0" smtClean="0">
-                <a:latin typeface="Courier"/>
-                <a:cs typeface="Courier"/>
-              </a:rPr>
-              <a:t>in</a:t>
-            </a:r>
+              <a:t>;</a:t>
+            </a:r>
+          </a:p>
+          <a:p>
             <a:r>
               <a:rPr lang="en-US" sz="1100" dirty="0" smtClean="0">
                 <a:latin typeface="Courier"/>
                 <a:cs typeface="Courier"/>
               </a:rPr>
-              <a:t> core..blocksize-1 </a:t>
-            </a:r>
-            <a:r>
-              <a:rPr lang="en-US" sz="1100" b="1" dirty="0" smtClean="0">
-                <a:latin typeface="Courier"/>
-                <a:cs typeface="Courier"/>
-              </a:rPr>
-              <a:t>by</a:t>
+              <a:t>21  </a:t>
             </a:r>
             <a:r>
               <a:rPr lang="en-US" sz="1100" dirty="0" smtClean="0">
                 <a:latin typeface="Courier"/>
                 <a:cs typeface="Courier"/>
               </a:rPr>
-              <a:t> tasks {</a:t>
-            </a:r>
-          </a:p>
-          <a:p>
-            <a:r>
-              <a:rPr lang="en-US" sz="1100" dirty="0" smtClean="0">
-                <a:latin typeface="Courier"/>
-                <a:cs typeface="Courier"/>
-              </a:rPr>
-              <a:t>20 </a:t>
-            </a:r>
-          </a:p>
-          <a:p>
-            <a:r>
-              <a:rPr lang="en-US" sz="1100" dirty="0" smtClean="0">
-                <a:latin typeface="Courier"/>
-                <a:cs typeface="Courier"/>
-              </a:rPr>
-              <a:t>21		            </a:t>
-            </a:r>
-            <a:r>
-              <a:rPr lang="en-US" sz="1100" b="1" dirty="0" smtClean="0">
-                <a:latin typeface="Courier"/>
-                <a:cs typeface="Courier"/>
-              </a:rPr>
-              <a:t>yield</a:t>
-            </a:r>
-            <a:r>
-              <a:rPr lang="en-US" sz="1100" dirty="0" smtClean="0">
-                <a:latin typeface="Courier"/>
-                <a:cs typeface="Courier"/>
-              </a:rPr>
-              <a:t> (</a:t>
-            </a:r>
-            <a:r>
-              <a:rPr lang="en-US" sz="1100" dirty="0" err="1" smtClean="0">
-                <a:latin typeface="Courier"/>
-                <a:cs typeface="Courier"/>
-              </a:rPr>
-              <a:t>start+i</a:t>
-            </a:r>
-            <a:r>
-              <a:rPr lang="en-US" sz="1100" dirty="0" smtClean="0">
-                <a:latin typeface="Courier"/>
-                <a:cs typeface="Courier"/>
-              </a:rPr>
-              <a:t>)..end </a:t>
-            </a:r>
-            <a:r>
-              <a:rPr lang="en-US" sz="1100" b="1" dirty="0" smtClean="0">
-                <a:latin typeface="Courier"/>
-                <a:cs typeface="Courier"/>
-              </a:rPr>
-              <a:t>by</a:t>
-            </a:r>
-            <a:r>
-              <a:rPr lang="en-US" sz="1100" dirty="0" smtClean="0">
-                <a:latin typeface="Courier"/>
-                <a:cs typeface="Courier"/>
-              </a:rPr>
-              <a:t> </a:t>
-            </a:r>
-            <a:r>
-              <a:rPr lang="en-US" sz="1100" dirty="0" err="1" smtClean="0">
-                <a:latin typeface="Courier"/>
-                <a:cs typeface="Courier"/>
-              </a:rPr>
-              <a:t>blockcyclesize</a:t>
-            </a:r>
-            <a:r>
-              <a:rPr lang="en-US" sz="1100" dirty="0" smtClean="0">
-                <a:latin typeface="Courier"/>
-                <a:cs typeface="Courier"/>
-              </a:rPr>
-              <a:t>;</a:t>
-            </a:r>
-          </a:p>
-          <a:p>
-            <a:r>
-              <a:rPr lang="en-US" sz="1100" dirty="0" smtClean="0">
-                <a:latin typeface="Courier"/>
-                <a:cs typeface="Courier"/>
-              </a:rPr>
-              <a:t>22  }  }          }</a:t>
+              <a:t>}  }          }</a:t>
             </a:r>
           </a:p>
         </p:txBody>
@@ -14592,7 +14456,7 @@
         </p:nvSpPr>
         <p:spPr>
           <a:xfrm>
-            <a:off x="166779" y="178406"/>
+            <a:off x="307900" y="205147"/>
             <a:ext cx="7859133" cy="4159683"/>
           </a:xfrm>
           <a:prstGeom prst="roundRect">
